--- a/presentation/beers_breweries.pptx
+++ b/presentation/beers_breweries.pptx
@@ -7,7 +7,10 @@
   <p:sldIdLst>
     <p:sldId id="256" r:id="rId2"/>
     <p:sldId id="257" r:id="rId3"/>
-    <p:sldId id="258" r:id="rId4"/>
+    <p:sldId id="259" r:id="rId4"/>
+    <p:sldId id="260" r:id="rId5"/>
+    <p:sldId id="258" r:id="rId6"/>
+    <p:sldId id="261" r:id="rId7"/>
   </p:sldIdLst>
   <p:sldSz cx="12192000" cy="6858000"/>
   <p:notesSz cx="6858000" cy="9144000"/>
@@ -106,7 +109,326 @@
       </a:defRPr>
     </a:lvl9pPr>
   </p:defaultTextStyle>
+  <p:extLst>
+    <p:ext uri="{EFAFB233-063F-42B5-8137-9DF3F51BA10A}">
+      <p15:sldGuideLst xmlns:p15="http://schemas.microsoft.com/office/powerpoint/2012/main"/>
+    </p:ext>
+  </p:extLst>
 </p:presentation>
+</file>
+
+<file path=ppt/changesInfos/changesInfo1.xml><?xml version="1.0" encoding="utf-8"?>
+<pc:chgInfo xmlns:a="http://schemas.openxmlformats.org/drawingml/2006/main" xmlns:r="http://schemas.openxmlformats.org/officeDocument/2006/relationships" xmlns:ac="http://schemas.microsoft.com/office/drawing/2013/main/command" xmlns:pc="http://schemas.microsoft.com/office/powerpoint/2013/main/command">
+  <pc:docChgLst>
+    <pc:chgData name="Jazlyn Mazick" userId="8a7300819bea6d28" providerId="LiveId" clId="{51C059E7-E940-4EC0-AD13-57A9D8238284}"/>
+    <pc:docChg chg="undo custSel addSld modSld sldOrd">
+      <pc:chgData name="Jazlyn Mazick" userId="8a7300819bea6d28" providerId="LiveId" clId="{51C059E7-E940-4EC0-AD13-57A9D8238284}" dt="2021-01-09T19:19:54.450" v="364" actId="478"/>
+      <pc:docMkLst>
+        <pc:docMk/>
+      </pc:docMkLst>
+      <pc:sldChg chg="addSp delSp modSp mod ord modClrScheme chgLayout">
+        <pc:chgData name="Jazlyn Mazick" userId="8a7300819bea6d28" providerId="LiveId" clId="{51C059E7-E940-4EC0-AD13-57A9D8238284}" dt="2021-01-09T19:10:31.960" v="208" actId="20577"/>
+        <pc:sldMkLst>
+          <pc:docMk/>
+          <pc:sldMk cId="2880532840" sldId="258"/>
+        </pc:sldMkLst>
+        <pc:spChg chg="mod ord">
+          <ac:chgData name="Jazlyn Mazick" userId="8a7300819bea6d28" providerId="LiveId" clId="{51C059E7-E940-4EC0-AD13-57A9D8238284}" dt="2021-01-09T19:10:10.480" v="167" actId="20577"/>
+          <ac:spMkLst>
+            <pc:docMk/>
+            <pc:sldMk cId="2880532840" sldId="258"/>
+            <ac:spMk id="2" creationId="{6F800589-E36F-406B-B904-9BA2C42C1DE4}"/>
+          </ac:spMkLst>
+        </pc:spChg>
+        <pc:spChg chg="del">
+          <ac:chgData name="Jazlyn Mazick" userId="8a7300819bea6d28" providerId="LiveId" clId="{51C059E7-E940-4EC0-AD13-57A9D8238284}" dt="2021-01-09T18:58:12.876" v="25" actId="931"/>
+          <ac:spMkLst>
+            <pc:docMk/>
+            <pc:sldMk cId="2880532840" sldId="258"/>
+            <ac:spMk id="3" creationId="{2747AC94-4270-4CDC-86A1-B26A1D5A9852}"/>
+          </ac:spMkLst>
+        </pc:spChg>
+        <pc:spChg chg="add del mod ord">
+          <ac:chgData name="Jazlyn Mazick" userId="8a7300819bea6d28" providerId="LiveId" clId="{51C059E7-E940-4EC0-AD13-57A9D8238284}" dt="2021-01-09T19:08:14.961" v="157" actId="700"/>
+          <ac:spMkLst>
+            <pc:docMk/>
+            <pc:sldMk cId="2880532840" sldId="258"/>
+            <ac:spMk id="6" creationId="{DE50090C-4670-49A6-B58A-2D6BA7CBED6B}"/>
+          </ac:spMkLst>
+        </pc:spChg>
+        <pc:spChg chg="add del mod ord">
+          <ac:chgData name="Jazlyn Mazick" userId="8a7300819bea6d28" providerId="LiveId" clId="{51C059E7-E940-4EC0-AD13-57A9D8238284}" dt="2021-01-09T19:08:23.485" v="158" actId="700"/>
+          <ac:spMkLst>
+            <pc:docMk/>
+            <pc:sldMk cId="2880532840" sldId="258"/>
+            <ac:spMk id="7" creationId="{729C1962-4E9E-408E-B964-A6D06391E24A}"/>
+          </ac:spMkLst>
+        </pc:spChg>
+        <pc:spChg chg="add del mod ord">
+          <ac:chgData name="Jazlyn Mazick" userId="8a7300819bea6d28" providerId="LiveId" clId="{51C059E7-E940-4EC0-AD13-57A9D8238284}" dt="2021-01-09T19:08:33.129" v="159" actId="700"/>
+          <ac:spMkLst>
+            <pc:docMk/>
+            <pc:sldMk cId="2880532840" sldId="258"/>
+            <ac:spMk id="8" creationId="{03BB4388-49AC-4566-908F-CBCD3DCC8F6E}"/>
+          </ac:spMkLst>
+        </pc:spChg>
+        <pc:spChg chg="add del mod ord">
+          <ac:chgData name="Jazlyn Mazick" userId="8a7300819bea6d28" providerId="LiveId" clId="{51C059E7-E940-4EC0-AD13-57A9D8238284}" dt="2021-01-09T19:08:39.304" v="160" actId="700"/>
+          <ac:spMkLst>
+            <pc:docMk/>
+            <pc:sldMk cId="2880532840" sldId="258"/>
+            <ac:spMk id="9" creationId="{2366B52C-4252-47F6-8763-7A493FFCEB14}"/>
+          </ac:spMkLst>
+        </pc:spChg>
+        <pc:spChg chg="add del mod ord">
+          <ac:chgData name="Jazlyn Mazick" userId="8a7300819bea6d28" providerId="LiveId" clId="{51C059E7-E940-4EC0-AD13-57A9D8238284}" dt="2021-01-09T19:08:39.304" v="160" actId="700"/>
+          <ac:spMkLst>
+            <pc:docMk/>
+            <pc:sldMk cId="2880532840" sldId="258"/>
+            <ac:spMk id="10" creationId="{36AACB9F-1494-43EE-ACB1-9E4AC706AD6E}"/>
+          </ac:spMkLst>
+        </pc:spChg>
+        <pc:spChg chg="add mod ord">
+          <ac:chgData name="Jazlyn Mazick" userId="8a7300819bea6d28" providerId="LiveId" clId="{51C059E7-E940-4EC0-AD13-57A9D8238284}" dt="2021-01-09T19:10:31.960" v="208" actId="20577"/>
+          <ac:spMkLst>
+            <pc:docMk/>
+            <pc:sldMk cId="2880532840" sldId="258"/>
+            <ac:spMk id="11" creationId="{57F1257A-8A4A-4643-B503-ED79CF120A12}"/>
+          </ac:spMkLst>
+        </pc:spChg>
+        <pc:picChg chg="add mod ord modCrop">
+          <ac:chgData name="Jazlyn Mazick" userId="8a7300819bea6d28" providerId="LiveId" clId="{51C059E7-E940-4EC0-AD13-57A9D8238284}" dt="2021-01-09T19:08:39.304" v="160" actId="700"/>
+          <ac:picMkLst>
+            <pc:docMk/>
+            <pc:sldMk cId="2880532840" sldId="258"/>
+            <ac:picMk id="5" creationId="{F9806703-13B6-43CB-A908-E6A4DD440E92}"/>
+          </ac:picMkLst>
+        </pc:picChg>
+      </pc:sldChg>
+      <pc:sldChg chg="modSp new mod">
+        <pc:chgData name="Jazlyn Mazick" userId="8a7300819bea6d28" providerId="LiveId" clId="{51C059E7-E940-4EC0-AD13-57A9D8238284}" dt="2021-01-09T19:06:43.755" v="82" actId="20577"/>
+        <pc:sldMkLst>
+          <pc:docMk/>
+          <pc:sldMk cId="3740726804" sldId="259"/>
+        </pc:sldMkLst>
+        <pc:spChg chg="mod">
+          <ac:chgData name="Jazlyn Mazick" userId="8a7300819bea6d28" providerId="LiveId" clId="{51C059E7-E940-4EC0-AD13-57A9D8238284}" dt="2021-01-09T19:06:43.755" v="82" actId="20577"/>
+          <ac:spMkLst>
+            <pc:docMk/>
+            <pc:sldMk cId="3740726804" sldId="259"/>
+            <ac:spMk id="2" creationId="{73D6CE6C-2649-421C-BE82-E9FBABFD01A3}"/>
+          </ac:spMkLst>
+        </pc:spChg>
+      </pc:sldChg>
+      <pc:sldChg chg="addSp delSp modSp new mod modClrScheme chgLayout">
+        <pc:chgData name="Jazlyn Mazick" userId="8a7300819bea6d28" providerId="LiveId" clId="{51C059E7-E940-4EC0-AD13-57A9D8238284}" dt="2021-01-09T19:19:54.450" v="364" actId="478"/>
+        <pc:sldMkLst>
+          <pc:docMk/>
+          <pc:sldMk cId="929970999" sldId="260"/>
+        </pc:sldMkLst>
+        <pc:spChg chg="mod ord">
+          <ac:chgData name="Jazlyn Mazick" userId="8a7300819bea6d28" providerId="LiveId" clId="{51C059E7-E940-4EC0-AD13-57A9D8238284}" dt="2021-01-09T19:16:11.784" v="341" actId="700"/>
+          <ac:spMkLst>
+            <pc:docMk/>
+            <pc:sldMk cId="929970999" sldId="260"/>
+            <ac:spMk id="2" creationId="{EE3A1727-ED4E-4F68-A959-FE0EF0EB408C}"/>
+          </ac:spMkLst>
+        </pc:spChg>
+        <pc:spChg chg="mod ord">
+          <ac:chgData name="Jazlyn Mazick" userId="8a7300819bea6d28" providerId="LiveId" clId="{51C059E7-E940-4EC0-AD13-57A9D8238284}" dt="2021-01-09T19:16:11.784" v="341" actId="700"/>
+          <ac:spMkLst>
+            <pc:docMk/>
+            <pc:sldMk cId="929970999" sldId="260"/>
+            <ac:spMk id="3" creationId="{63B2C497-0ED0-4F08-A0BC-DD7621876566}"/>
+          </ac:spMkLst>
+        </pc:spChg>
+        <pc:spChg chg="add del mod ord">
+          <ac:chgData name="Jazlyn Mazick" userId="8a7300819bea6d28" providerId="LiveId" clId="{51C059E7-E940-4EC0-AD13-57A9D8238284}" dt="2021-01-09T19:14:25.011" v="272" actId="700"/>
+          <ac:spMkLst>
+            <pc:docMk/>
+            <pc:sldMk cId="929970999" sldId="260"/>
+            <ac:spMk id="6" creationId="{73034679-773E-43BF-93FC-0DF3F17511D7}"/>
+          </ac:spMkLst>
+        </pc:spChg>
+        <pc:spChg chg="add del mod ord">
+          <ac:chgData name="Jazlyn Mazick" userId="8a7300819bea6d28" providerId="LiveId" clId="{51C059E7-E940-4EC0-AD13-57A9D8238284}" dt="2021-01-09T19:14:25.011" v="272" actId="700"/>
+          <ac:spMkLst>
+            <pc:docMk/>
+            <pc:sldMk cId="929970999" sldId="260"/>
+            <ac:spMk id="7" creationId="{357E028F-100D-47B3-8122-93B10A5B6CE5}"/>
+          </ac:spMkLst>
+        </pc:spChg>
+        <pc:spChg chg="add del mod ord">
+          <ac:chgData name="Jazlyn Mazick" userId="8a7300819bea6d28" providerId="LiveId" clId="{51C059E7-E940-4EC0-AD13-57A9D8238284}" dt="2021-01-09T19:14:25.011" v="272" actId="700"/>
+          <ac:spMkLst>
+            <pc:docMk/>
+            <pc:sldMk cId="929970999" sldId="260"/>
+            <ac:spMk id="8" creationId="{F405BD57-9E14-4EAA-A16A-1B27C697A8AE}"/>
+          </ac:spMkLst>
+        </pc:spChg>
+        <pc:spChg chg="add del mod ord">
+          <ac:chgData name="Jazlyn Mazick" userId="8a7300819bea6d28" providerId="LiveId" clId="{51C059E7-E940-4EC0-AD13-57A9D8238284}" dt="2021-01-09T19:14:25.011" v="272" actId="700"/>
+          <ac:spMkLst>
+            <pc:docMk/>
+            <pc:sldMk cId="929970999" sldId="260"/>
+            <ac:spMk id="9" creationId="{25177F82-7298-44F2-AA6B-B9C7984C01F5}"/>
+          </ac:spMkLst>
+        </pc:spChg>
+        <pc:spChg chg="add del mod ord">
+          <ac:chgData name="Jazlyn Mazick" userId="8a7300819bea6d28" providerId="LiveId" clId="{51C059E7-E940-4EC0-AD13-57A9D8238284}" dt="2021-01-09T19:14:25.011" v="272" actId="700"/>
+          <ac:spMkLst>
+            <pc:docMk/>
+            <pc:sldMk cId="929970999" sldId="260"/>
+            <ac:spMk id="10" creationId="{5FCE932D-3D89-4B97-BC3C-FF8EE4F23CC9}"/>
+          </ac:spMkLst>
+        </pc:spChg>
+        <pc:spChg chg="add mod ord">
+          <ac:chgData name="Jazlyn Mazick" userId="8a7300819bea6d28" providerId="LiveId" clId="{51C059E7-E940-4EC0-AD13-57A9D8238284}" dt="2021-01-09T19:16:11.784" v="341" actId="700"/>
+          <ac:spMkLst>
+            <pc:docMk/>
+            <pc:sldMk cId="929970999" sldId="260"/>
+            <ac:spMk id="11" creationId="{ABA86522-1A85-4F3C-AEF9-8B306EBE0CC8}"/>
+          </ac:spMkLst>
+        </pc:spChg>
+        <pc:spChg chg="add mod ord">
+          <ac:chgData name="Jazlyn Mazick" userId="8a7300819bea6d28" providerId="LiveId" clId="{51C059E7-E940-4EC0-AD13-57A9D8238284}" dt="2021-01-09T19:16:11.784" v="341" actId="700"/>
+          <ac:spMkLst>
+            <pc:docMk/>
+            <pc:sldMk cId="929970999" sldId="260"/>
+            <ac:spMk id="12" creationId="{7CBB0D15-D79E-4E4F-B16B-9EC3D645F5CD}"/>
+          </ac:spMkLst>
+        </pc:spChg>
+        <pc:spChg chg="add del mod ord">
+          <ac:chgData name="Jazlyn Mazick" userId="8a7300819bea6d28" providerId="LiveId" clId="{51C059E7-E940-4EC0-AD13-57A9D8238284}" dt="2021-01-09T19:16:11.784" v="341" actId="700"/>
+          <ac:spMkLst>
+            <pc:docMk/>
+            <pc:sldMk cId="929970999" sldId="260"/>
+            <ac:spMk id="13" creationId="{B6842057-E1CD-4D0F-BC56-7A1151F12602}"/>
+          </ac:spMkLst>
+        </pc:spChg>
+        <pc:spChg chg="add del mod ord">
+          <ac:chgData name="Jazlyn Mazick" userId="8a7300819bea6d28" providerId="LiveId" clId="{51C059E7-E940-4EC0-AD13-57A9D8238284}" dt="2021-01-09T19:16:11.784" v="341" actId="700"/>
+          <ac:spMkLst>
+            <pc:docMk/>
+            <pc:sldMk cId="929970999" sldId="260"/>
+            <ac:spMk id="14" creationId="{C04D5879-7BD5-472D-BB81-7056189A2E96}"/>
+          </ac:spMkLst>
+        </pc:spChg>
+        <pc:spChg chg="add del mod ord">
+          <ac:chgData name="Jazlyn Mazick" userId="8a7300819bea6d28" providerId="LiveId" clId="{51C059E7-E940-4EC0-AD13-57A9D8238284}" dt="2021-01-09T19:16:11.784" v="341" actId="700"/>
+          <ac:spMkLst>
+            <pc:docMk/>
+            <pc:sldMk cId="929970999" sldId="260"/>
+            <ac:spMk id="15" creationId="{6031DF99-25CC-4C7C-BA61-E9D3C4BF069A}"/>
+          </ac:spMkLst>
+        </pc:spChg>
+        <pc:spChg chg="add del mod ord">
+          <ac:chgData name="Jazlyn Mazick" userId="8a7300819bea6d28" providerId="LiveId" clId="{51C059E7-E940-4EC0-AD13-57A9D8238284}" dt="2021-01-09T19:19:54.450" v="364" actId="478"/>
+          <ac:spMkLst>
+            <pc:docMk/>
+            <pc:sldMk cId="929970999" sldId="260"/>
+            <ac:spMk id="18" creationId="{7712D5DD-B329-4A8E-9058-3465D64D11AD}"/>
+          </ac:spMkLst>
+        </pc:spChg>
+        <pc:spChg chg="add mod ord">
+          <ac:chgData name="Jazlyn Mazick" userId="8a7300819bea6d28" providerId="LiveId" clId="{51C059E7-E940-4EC0-AD13-57A9D8238284}" dt="2021-01-09T19:16:11.784" v="341" actId="700"/>
+          <ac:spMkLst>
+            <pc:docMk/>
+            <pc:sldMk cId="929970999" sldId="260"/>
+            <ac:spMk id="19" creationId="{9AC483F9-5477-4254-A9FC-53673F4E1A70}"/>
+          </ac:spMkLst>
+        </pc:spChg>
+        <pc:spChg chg="add mod ord">
+          <ac:chgData name="Jazlyn Mazick" userId="8a7300819bea6d28" providerId="LiveId" clId="{51C059E7-E940-4EC0-AD13-57A9D8238284}" dt="2021-01-09T19:16:11.784" v="341" actId="700"/>
+          <ac:spMkLst>
+            <pc:docMk/>
+            <pc:sldMk cId="929970999" sldId="260"/>
+            <ac:spMk id="20" creationId="{34AAFDA7-B4CF-4716-BE90-1888049A6DCD}"/>
+          </ac:spMkLst>
+        </pc:spChg>
+        <pc:spChg chg="add mod ord">
+          <ac:chgData name="Jazlyn Mazick" userId="8a7300819bea6d28" providerId="LiveId" clId="{51C059E7-E940-4EC0-AD13-57A9D8238284}" dt="2021-01-09T19:16:11.784" v="341" actId="700"/>
+          <ac:spMkLst>
+            <pc:docMk/>
+            <pc:sldMk cId="929970999" sldId="260"/>
+            <ac:spMk id="21" creationId="{4B30620C-4D17-47B7-A636-43A99D7C4998}"/>
+          </ac:spMkLst>
+        </pc:spChg>
+        <pc:spChg chg="add del mod ord">
+          <ac:chgData name="Jazlyn Mazick" userId="8a7300819bea6d28" providerId="LiveId" clId="{51C059E7-E940-4EC0-AD13-57A9D8238284}" dt="2021-01-09T19:19:53.361" v="363" actId="931"/>
+          <ac:spMkLst>
+            <pc:docMk/>
+            <pc:sldMk cId="929970999" sldId="260"/>
+            <ac:spMk id="22" creationId="{332ACC95-5FBD-48C8-91C2-B8C5AF0423D4}"/>
+          </ac:spMkLst>
+        </pc:spChg>
+        <pc:spChg chg="add mod ord">
+          <ac:chgData name="Jazlyn Mazick" userId="8a7300819bea6d28" providerId="LiveId" clId="{51C059E7-E940-4EC0-AD13-57A9D8238284}" dt="2021-01-09T19:16:11.784" v="341" actId="700"/>
+          <ac:spMkLst>
+            <pc:docMk/>
+            <pc:sldMk cId="929970999" sldId="260"/>
+            <ac:spMk id="23" creationId="{B1C7730A-A92F-4308-BC9D-7A18731A59DF}"/>
+          </ac:spMkLst>
+        </pc:spChg>
+        <pc:spChg chg="add del mod">
+          <ac:chgData name="Jazlyn Mazick" userId="8a7300819bea6d28" providerId="LiveId" clId="{51C059E7-E940-4EC0-AD13-57A9D8238284}" dt="2021-01-09T19:19:51.594" v="360" actId="478"/>
+          <ac:spMkLst>
+            <pc:docMk/>
+            <pc:sldMk cId="929970999" sldId="260"/>
+            <ac:spMk id="31" creationId="{E2F46FCE-2161-43F4-8922-C7F846BDD7E1}"/>
+          </ac:spMkLst>
+        </pc:spChg>
+        <pc:picChg chg="add del mod">
+          <ac:chgData name="Jazlyn Mazick" userId="8a7300819bea6d28" providerId="LiveId" clId="{51C059E7-E940-4EC0-AD13-57A9D8238284}" dt="2021-01-09T19:17:30.286" v="348" actId="478"/>
+          <ac:picMkLst>
+            <pc:docMk/>
+            <pc:sldMk cId="929970999" sldId="260"/>
+            <ac:picMk id="5" creationId="{624D5553-B20F-4F2E-AFD8-BAA1475FD426}"/>
+          </ac:picMkLst>
+        </pc:picChg>
+        <pc:picChg chg="add del mod">
+          <ac:chgData name="Jazlyn Mazick" userId="8a7300819bea6d28" providerId="LiveId" clId="{51C059E7-E940-4EC0-AD13-57A9D8238284}" dt="2021-01-09T19:17:29.339" v="347" actId="478"/>
+          <ac:picMkLst>
+            <pc:docMk/>
+            <pc:sldMk cId="929970999" sldId="260"/>
+            <ac:picMk id="17" creationId="{9C747320-6E26-47F7-ADA5-6E01647CBD98}"/>
+          </ac:picMkLst>
+        </pc:picChg>
+        <pc:picChg chg="add del mod">
+          <ac:chgData name="Jazlyn Mazick" userId="8a7300819bea6d28" providerId="LiveId" clId="{51C059E7-E940-4EC0-AD13-57A9D8238284}" dt="2021-01-09T19:18:34.300" v="352" actId="931"/>
+          <ac:picMkLst>
+            <pc:docMk/>
+            <pc:sldMk cId="929970999" sldId="260"/>
+            <ac:picMk id="25" creationId="{D5CE3ED7-9658-4961-9563-1DAACA76B231}"/>
+          </ac:picMkLst>
+        </pc:picChg>
+        <pc:picChg chg="add del mod">
+          <ac:chgData name="Jazlyn Mazick" userId="8a7300819bea6d28" providerId="LiveId" clId="{51C059E7-E940-4EC0-AD13-57A9D8238284}" dt="2021-01-09T19:19:20.554" v="354" actId="931"/>
+          <ac:picMkLst>
+            <pc:docMk/>
+            <pc:sldMk cId="929970999" sldId="260"/>
+            <ac:picMk id="27" creationId="{11620BF0-2DC6-4644-930D-27B437CFAB53}"/>
+          </ac:picMkLst>
+        </pc:picChg>
+        <pc:picChg chg="add del mod">
+          <ac:chgData name="Jazlyn Mazick" userId="8a7300819bea6d28" providerId="LiveId" clId="{51C059E7-E940-4EC0-AD13-57A9D8238284}" dt="2021-01-09T19:19:53.361" v="363" actId="931"/>
+          <ac:picMkLst>
+            <pc:docMk/>
+            <pc:sldMk cId="929970999" sldId="260"/>
+            <ac:picMk id="29" creationId="{29AC8E1F-4625-4910-8F4C-604A13CC2FC7}"/>
+          </ac:picMkLst>
+        </pc:picChg>
+      </pc:sldChg>
+      <pc:sldChg chg="new">
+        <pc:chgData name="Jazlyn Mazick" userId="8a7300819bea6d28" providerId="LiveId" clId="{51C059E7-E940-4EC0-AD13-57A9D8238284}" dt="2021-01-09T19:07:07.829" v="122" actId="680"/>
+        <pc:sldMkLst>
+          <pc:docMk/>
+          <pc:sldMk cId="1782918285" sldId="261"/>
+        </pc:sldMkLst>
+      </pc:sldChg>
+    </pc:docChg>
+  </pc:docChgLst>
+</pc:chgInfo>
 </file>
 
 <file path=ppt/slideLayouts/slideLayout1.xml><?xml version="1.0" encoding="utf-8"?>
@@ -563,7 +885,7 @@
           <a:p>
             <a:fld id="{A1C83B3E-31F6-4D79-8B78-50A178B309BE}" type="datetimeFigureOut">
               <a:rPr lang="en-US" smtClean="0"/>
-              <a:t>1/7/2021</a:t>
+              <a:t>1/9/2021</a:t>
             </a:fld>
             <a:endParaRPr lang="en-US"/>
           </a:p>
@@ -900,7 +1222,7 @@
           <a:p>
             <a:fld id="{A1C83B3E-31F6-4D79-8B78-50A178B309BE}" type="datetimeFigureOut">
               <a:rPr lang="en-US" smtClean="0"/>
-              <a:t>1/7/2021</a:t>
+              <a:t>1/9/2021</a:t>
             </a:fld>
             <a:endParaRPr lang="en-US"/>
           </a:p>
@@ -1096,7 +1418,7 @@
           <a:p>
             <a:fld id="{A1C83B3E-31F6-4D79-8B78-50A178B309BE}" type="datetimeFigureOut">
               <a:rPr lang="en-US" smtClean="0"/>
-              <a:t>1/7/2021</a:t>
+              <a:t>1/9/2021</a:t>
             </a:fld>
             <a:endParaRPr lang="en-US"/>
           </a:p>
@@ -1366,7 +1688,7 @@
           <a:p>
             <a:fld id="{A1C83B3E-31F6-4D79-8B78-50A178B309BE}" type="datetimeFigureOut">
               <a:rPr lang="en-US" smtClean="0"/>
-              <a:t>1/7/2021</a:t>
+              <a:t>1/9/2021</a:t>
             </a:fld>
             <a:endParaRPr lang="en-US"/>
           </a:p>
@@ -1794,7 +2116,7 @@
           <a:p>
             <a:fld id="{A1C83B3E-31F6-4D79-8B78-50A178B309BE}" type="datetimeFigureOut">
               <a:rPr lang="en-US" smtClean="0"/>
-              <a:t>1/7/2021</a:t>
+              <a:t>1/9/2021</a:t>
             </a:fld>
             <a:endParaRPr lang="en-US"/>
           </a:p>
@@ -2344,7 +2666,7 @@
           <a:p>
             <a:fld id="{A1C83B3E-31F6-4D79-8B78-50A178B309BE}" type="datetimeFigureOut">
               <a:rPr lang="en-US" smtClean="0"/>
-              <a:t>1/7/2021</a:t>
+              <a:t>1/9/2021</a:t>
             </a:fld>
             <a:endParaRPr lang="en-US"/>
           </a:p>
@@ -3134,7 +3456,7 @@
           <a:p>
             <a:fld id="{A1C83B3E-31F6-4D79-8B78-50A178B309BE}" type="datetimeFigureOut">
               <a:rPr lang="en-US" smtClean="0"/>
-              <a:t>1/7/2021</a:t>
+              <a:t>1/9/2021</a:t>
             </a:fld>
             <a:endParaRPr lang="en-US"/>
           </a:p>
@@ -3313,7 +3635,7 @@
           <a:p>
             <a:fld id="{A1C83B3E-31F6-4D79-8B78-50A178B309BE}" type="datetimeFigureOut">
               <a:rPr lang="en-US" smtClean="0"/>
-              <a:t>1/7/2021</a:t>
+              <a:t>1/9/2021</a:t>
             </a:fld>
             <a:endParaRPr lang="en-US"/>
           </a:p>
@@ -3497,7 +3819,7 @@
           <a:p>
             <a:fld id="{A1C83B3E-31F6-4D79-8B78-50A178B309BE}" type="datetimeFigureOut">
               <a:rPr lang="en-US" smtClean="0"/>
-              <a:t>1/7/2021</a:t>
+              <a:t>1/9/2021</a:t>
             </a:fld>
             <a:endParaRPr lang="en-US"/>
           </a:p>
@@ -3672,7 +3994,7 @@
           <a:p>
             <a:fld id="{A1C83B3E-31F6-4D79-8B78-50A178B309BE}" type="datetimeFigureOut">
               <a:rPr lang="en-US" smtClean="0"/>
-              <a:t>1/7/2021</a:t>
+              <a:t>1/9/2021</a:t>
             </a:fld>
             <a:endParaRPr lang="en-US"/>
           </a:p>
@@ -3922,7 +4244,7 @@
           <a:p>
             <a:fld id="{A1C83B3E-31F6-4D79-8B78-50A178B309BE}" type="datetimeFigureOut">
               <a:rPr lang="en-US" smtClean="0"/>
-              <a:t>1/7/2021</a:t>
+              <a:t>1/9/2021</a:t>
             </a:fld>
             <a:endParaRPr lang="en-US"/>
           </a:p>
@@ -4159,7 +4481,7 @@
           <a:p>
             <a:fld id="{A1C83B3E-31F6-4D79-8B78-50A178B309BE}" type="datetimeFigureOut">
               <a:rPr lang="en-US" smtClean="0"/>
-              <a:t>1/7/2021</a:t>
+              <a:t>1/9/2021</a:t>
             </a:fld>
             <a:endParaRPr lang="en-US"/>
           </a:p>
@@ -4544,7 +4866,7 @@
           <a:p>
             <a:fld id="{A1C83B3E-31F6-4D79-8B78-50A178B309BE}" type="datetimeFigureOut">
               <a:rPr lang="en-US" smtClean="0"/>
-              <a:t>1/7/2021</a:t>
+              <a:t>1/9/2021</a:t>
             </a:fld>
             <a:endParaRPr lang="en-US"/>
           </a:p>
@@ -4662,7 +4984,7 @@
           <a:p>
             <a:fld id="{A1C83B3E-31F6-4D79-8B78-50A178B309BE}" type="datetimeFigureOut">
               <a:rPr lang="en-US" smtClean="0"/>
-              <a:t>1/7/2021</a:t>
+              <a:t>1/9/2021</a:t>
             </a:fld>
             <a:endParaRPr lang="en-US"/>
           </a:p>
@@ -4757,7 +5079,7 @@
           <a:p>
             <a:fld id="{A1C83B3E-31F6-4D79-8B78-50A178B309BE}" type="datetimeFigureOut">
               <a:rPr lang="en-US" smtClean="0"/>
-              <a:t>1/7/2021</a:t>
+              <a:t>1/9/2021</a:t>
             </a:fld>
             <a:endParaRPr lang="en-US"/>
           </a:p>
@@ -5010,7 +5332,7 @@
           <a:p>
             <a:fld id="{A1C83B3E-31F6-4D79-8B78-50A178B309BE}" type="datetimeFigureOut">
               <a:rPr lang="en-US" smtClean="0"/>
-              <a:t>1/7/2021</a:t>
+              <a:t>1/9/2021</a:t>
             </a:fld>
             <a:endParaRPr lang="en-US"/>
           </a:p>
@@ -5279,7 +5601,7 @@
           <a:p>
             <a:fld id="{A1C83B3E-31F6-4D79-8B78-50A178B309BE}" type="datetimeFigureOut">
               <a:rPr lang="en-US" smtClean="0"/>
-              <a:t>1/7/2021</a:t>
+              <a:t>1/9/2021</a:t>
             </a:fld>
             <a:endParaRPr lang="en-US"/>
           </a:p>
@@ -5683,7 +6005,7 @@
           <a:p>
             <a:fld id="{A1C83B3E-31F6-4D79-8B78-50A178B309BE}" type="datetimeFigureOut">
               <a:rPr lang="en-US" smtClean="0"/>
-              <a:t>1/7/2021</a:t>
+              <a:t>1/9/2021</a:t>
             </a:fld>
             <a:endParaRPr lang="en-US"/>
           </a:p>
@@ -6401,6 +6723,375 @@
           <p:cNvPr id="2" name="Title 1">
             <a:extLst>
               <a:ext uri="{FF2B5EF4-FFF2-40B4-BE49-F238E27FC236}">
+                <a16:creationId xmlns:a16="http://schemas.microsoft.com/office/drawing/2014/main" id="{73D6CE6C-2649-421C-BE82-E9FBABFD01A3}"/>
+              </a:ext>
+            </a:extLst>
+          </p:cNvPr>
+          <p:cNvSpPr>
+            <a:spLocks noGrp="1"/>
+          </p:cNvSpPr>
+          <p:nvPr>
+            <p:ph type="title"/>
+          </p:nvPr>
+        </p:nvSpPr>
+        <p:spPr/>
+        <p:txBody>
+          <a:bodyPr/>
+          <a:lstStyle/>
+          <a:p>
+            <a:r>
+              <a:rPr lang="en-US" dirty="0"/>
+              <a:t>Creating connection to </a:t>
+            </a:r>
+            <a:r>
+              <a:rPr lang="en-US" dirty="0" err="1"/>
+              <a:t>postgres</a:t>
+            </a:r>
+            <a:endParaRPr lang="en-US" dirty="0"/>
+          </a:p>
+        </p:txBody>
+      </p:sp>
+      <p:sp>
+        <p:nvSpPr>
+          <p:cNvPr id="3" name="Content Placeholder 2">
+            <a:extLst>
+              <a:ext uri="{FF2B5EF4-FFF2-40B4-BE49-F238E27FC236}">
+                <a16:creationId xmlns:a16="http://schemas.microsoft.com/office/drawing/2014/main" id="{C032B0B0-6BAD-4813-A0C2-5F31BCE84316}"/>
+              </a:ext>
+            </a:extLst>
+          </p:cNvPr>
+          <p:cNvSpPr>
+            <a:spLocks noGrp="1"/>
+          </p:cNvSpPr>
+          <p:nvPr>
+            <p:ph sz="quarter" idx="13"/>
+          </p:nvPr>
+        </p:nvSpPr>
+        <p:spPr/>
+        <p:txBody>
+          <a:bodyPr/>
+          <a:lstStyle/>
+          <a:p>
+            <a:endParaRPr lang="en-US"/>
+          </a:p>
+        </p:txBody>
+      </p:sp>
+    </p:spTree>
+    <p:extLst>
+      <p:ext uri="{BB962C8B-B14F-4D97-AF65-F5344CB8AC3E}">
+        <p14:creationId xmlns:p14="http://schemas.microsoft.com/office/powerpoint/2010/main" val="3740726804"/>
+      </p:ext>
+    </p:extLst>
+  </p:cSld>
+  <p:clrMapOvr>
+    <a:masterClrMapping/>
+  </p:clrMapOvr>
+</p:sld>
+</file>
+
+<file path=ppt/slides/slide4.xml><?xml version="1.0" encoding="utf-8"?>
+<p:sld xmlns:a="http://schemas.openxmlformats.org/drawingml/2006/main" xmlns:r="http://schemas.openxmlformats.org/officeDocument/2006/relationships" xmlns:p="http://schemas.openxmlformats.org/presentationml/2006/main">
+  <p:cSld>
+    <p:spTree>
+      <p:nvGrpSpPr>
+        <p:cNvPr id="1" name=""/>
+        <p:cNvGrpSpPr/>
+        <p:nvPr/>
+      </p:nvGrpSpPr>
+      <p:grpSpPr>
+        <a:xfrm>
+          <a:off x="0" y="0"/>
+          <a:ext cx="0" cy="0"/>
+          <a:chOff x="0" y="0"/>
+          <a:chExt cx="0" cy="0"/>
+        </a:xfrm>
+      </p:grpSpPr>
+      <p:sp>
+        <p:nvSpPr>
+          <p:cNvPr id="2" name="Title 1">
+            <a:extLst>
+              <a:ext uri="{FF2B5EF4-FFF2-40B4-BE49-F238E27FC236}">
+                <a16:creationId xmlns:a16="http://schemas.microsoft.com/office/drawing/2014/main" id="{EE3A1727-ED4E-4F68-A959-FE0EF0EB408C}"/>
+              </a:ext>
+            </a:extLst>
+          </p:cNvPr>
+          <p:cNvSpPr>
+            <a:spLocks noGrp="1"/>
+          </p:cNvSpPr>
+          <p:nvPr>
+            <p:ph type="title"/>
+          </p:nvPr>
+        </p:nvSpPr>
+        <p:spPr/>
+        <p:txBody>
+          <a:bodyPr>
+            <a:normAutofit fontScale="90000"/>
+          </a:bodyPr>
+          <a:lstStyle/>
+          <a:p>
+            <a:r>
+              <a:rPr lang="en-US" dirty="0"/>
+              <a:t>Creating and cleaning up </a:t>
+            </a:r>
+            <a:r>
+              <a:rPr lang="en-US" dirty="0" err="1"/>
+              <a:t>dataframes</a:t>
+            </a:r>
+            <a:endParaRPr lang="en-US" dirty="0"/>
+          </a:p>
+        </p:txBody>
+      </p:sp>
+      <p:sp>
+        <p:nvSpPr>
+          <p:cNvPr id="3" name="Content Placeholder 2">
+            <a:extLst>
+              <a:ext uri="{FF2B5EF4-FFF2-40B4-BE49-F238E27FC236}">
+                <a16:creationId xmlns:a16="http://schemas.microsoft.com/office/drawing/2014/main" id="{63B2C497-0ED0-4F08-A0BC-DD7621876566}"/>
+              </a:ext>
+            </a:extLst>
+          </p:cNvPr>
+          <p:cNvSpPr>
+            <a:spLocks noGrp="1"/>
+          </p:cNvSpPr>
+          <p:nvPr>
+            <p:ph type="body" idx="1"/>
+          </p:nvPr>
+        </p:nvSpPr>
+        <p:spPr/>
+        <p:txBody>
+          <a:bodyPr/>
+          <a:lstStyle/>
+          <a:p>
+            <a:endParaRPr lang="en-US" dirty="0"/>
+          </a:p>
+          <a:p>
+            <a:r>
+              <a:rPr lang="en-US" dirty="0"/>
+              <a:t>READ csv file</a:t>
+            </a:r>
+          </a:p>
+        </p:txBody>
+      </p:sp>
+      <p:sp>
+        <p:nvSpPr>
+          <p:cNvPr id="18" name="Picture Placeholder 17">
+            <a:extLst>
+              <a:ext uri="{FF2B5EF4-FFF2-40B4-BE49-F238E27FC236}">
+                <a16:creationId xmlns:a16="http://schemas.microsoft.com/office/drawing/2014/main" id="{7712D5DD-B329-4A8E-9058-3465D64D11AD}"/>
+              </a:ext>
+            </a:extLst>
+          </p:cNvPr>
+          <p:cNvSpPr>
+            <a:spLocks noGrp="1"/>
+          </p:cNvSpPr>
+          <p:nvPr>
+            <p:ph type="pic" idx="15"/>
+          </p:nvPr>
+        </p:nvSpPr>
+        <p:spPr/>
+      </p:sp>
+      <p:sp>
+        <p:nvSpPr>
+          <p:cNvPr id="19" name="Text Placeholder 18">
+            <a:extLst>
+              <a:ext uri="{FF2B5EF4-FFF2-40B4-BE49-F238E27FC236}">
+                <a16:creationId xmlns:a16="http://schemas.microsoft.com/office/drawing/2014/main" id="{9AC483F9-5477-4254-A9FC-53673F4E1A70}"/>
+              </a:ext>
+            </a:extLst>
+          </p:cNvPr>
+          <p:cNvSpPr>
+            <a:spLocks noGrp="1"/>
+          </p:cNvSpPr>
+          <p:nvPr>
+            <p:ph type="body" sz="half" idx="18"/>
+          </p:nvPr>
+        </p:nvSpPr>
+        <p:spPr/>
+        <p:txBody>
+          <a:bodyPr/>
+          <a:lstStyle/>
+          <a:p>
+            <a:endParaRPr lang="en-US"/>
+          </a:p>
+        </p:txBody>
+      </p:sp>
+      <p:sp>
+        <p:nvSpPr>
+          <p:cNvPr id="11" name="Text Placeholder 10">
+            <a:extLst>
+              <a:ext uri="{FF2B5EF4-FFF2-40B4-BE49-F238E27FC236}">
+                <a16:creationId xmlns:a16="http://schemas.microsoft.com/office/drawing/2014/main" id="{ABA86522-1A85-4F3C-AEF9-8B306EBE0CC8}"/>
+              </a:ext>
+            </a:extLst>
+          </p:cNvPr>
+          <p:cNvSpPr>
+            <a:spLocks noGrp="1"/>
+          </p:cNvSpPr>
+          <p:nvPr>
+            <p:ph type="body" sz="quarter" idx="3"/>
+          </p:nvPr>
+        </p:nvSpPr>
+        <p:spPr/>
+        <p:txBody>
+          <a:bodyPr/>
+          <a:lstStyle/>
+          <a:p>
+            <a:r>
+              <a:rPr lang="en-US" dirty="0"/>
+              <a:t>Rename columns</a:t>
+            </a:r>
+          </a:p>
+        </p:txBody>
+      </p:sp>
+      <p:sp>
+        <p:nvSpPr>
+          <p:cNvPr id="22" name="Picture Placeholder 21">
+            <a:extLst>
+              <a:ext uri="{FF2B5EF4-FFF2-40B4-BE49-F238E27FC236}">
+                <a16:creationId xmlns:a16="http://schemas.microsoft.com/office/drawing/2014/main" id="{332ACC95-5FBD-48C8-91C2-B8C5AF0423D4}"/>
+              </a:ext>
+            </a:extLst>
+          </p:cNvPr>
+          <p:cNvSpPr>
+            <a:spLocks noGrp="1"/>
+          </p:cNvSpPr>
+          <p:nvPr>
+            <p:ph type="pic" idx="21"/>
+          </p:nvPr>
+        </p:nvSpPr>
+        <p:spPr/>
+      </p:sp>
+      <p:sp>
+        <p:nvSpPr>
+          <p:cNvPr id="20" name="Text Placeholder 19">
+            <a:extLst>
+              <a:ext uri="{FF2B5EF4-FFF2-40B4-BE49-F238E27FC236}">
+                <a16:creationId xmlns:a16="http://schemas.microsoft.com/office/drawing/2014/main" id="{34AAFDA7-B4CF-4716-BE90-1888049A6DCD}"/>
+              </a:ext>
+            </a:extLst>
+          </p:cNvPr>
+          <p:cNvSpPr>
+            <a:spLocks noGrp="1"/>
+          </p:cNvSpPr>
+          <p:nvPr>
+            <p:ph type="body" sz="half" idx="19"/>
+          </p:nvPr>
+        </p:nvSpPr>
+        <p:spPr/>
+        <p:txBody>
+          <a:bodyPr/>
+          <a:lstStyle/>
+          <a:p>
+            <a:endParaRPr lang="en-US"/>
+          </a:p>
+        </p:txBody>
+      </p:sp>
+      <p:sp>
+        <p:nvSpPr>
+          <p:cNvPr id="12" name="Text Placeholder 11">
+            <a:extLst>
+              <a:ext uri="{FF2B5EF4-FFF2-40B4-BE49-F238E27FC236}">
+                <a16:creationId xmlns:a16="http://schemas.microsoft.com/office/drawing/2014/main" id="{7CBB0D15-D79E-4E4F-B16B-9EC3D645F5CD}"/>
+              </a:ext>
+            </a:extLst>
+          </p:cNvPr>
+          <p:cNvSpPr>
+            <a:spLocks noGrp="1"/>
+          </p:cNvSpPr>
+          <p:nvPr>
+            <p:ph type="body" sz="quarter" idx="13"/>
+          </p:nvPr>
+        </p:nvSpPr>
+        <p:spPr/>
+        <p:txBody>
+          <a:bodyPr/>
+          <a:lstStyle/>
+          <a:p>
+            <a:r>
+              <a:rPr lang="en-US" dirty="0"/>
+              <a:t>Reset index</a:t>
+            </a:r>
+          </a:p>
+        </p:txBody>
+      </p:sp>
+      <p:sp>
+        <p:nvSpPr>
+          <p:cNvPr id="23" name="Picture Placeholder 22">
+            <a:extLst>
+              <a:ext uri="{FF2B5EF4-FFF2-40B4-BE49-F238E27FC236}">
+                <a16:creationId xmlns:a16="http://schemas.microsoft.com/office/drawing/2014/main" id="{B1C7730A-A92F-4308-BC9D-7A18731A59DF}"/>
+              </a:ext>
+            </a:extLst>
+          </p:cNvPr>
+          <p:cNvSpPr>
+            <a:spLocks noGrp="1"/>
+          </p:cNvSpPr>
+          <p:nvPr>
+            <p:ph type="pic" idx="22"/>
+          </p:nvPr>
+        </p:nvSpPr>
+        <p:spPr/>
+      </p:sp>
+      <p:sp>
+        <p:nvSpPr>
+          <p:cNvPr id="21" name="Text Placeholder 20">
+            <a:extLst>
+              <a:ext uri="{FF2B5EF4-FFF2-40B4-BE49-F238E27FC236}">
+                <a16:creationId xmlns:a16="http://schemas.microsoft.com/office/drawing/2014/main" id="{4B30620C-4D17-47B7-A636-43A99D7C4998}"/>
+              </a:ext>
+            </a:extLst>
+          </p:cNvPr>
+          <p:cNvSpPr>
+            <a:spLocks noGrp="1"/>
+          </p:cNvSpPr>
+          <p:nvPr>
+            <p:ph type="body" sz="half" idx="20"/>
+          </p:nvPr>
+        </p:nvSpPr>
+        <p:spPr/>
+        <p:txBody>
+          <a:bodyPr/>
+          <a:lstStyle/>
+          <a:p>
+            <a:endParaRPr lang="en-US"/>
+          </a:p>
+        </p:txBody>
+      </p:sp>
+    </p:spTree>
+    <p:extLst>
+      <p:ext uri="{BB962C8B-B14F-4D97-AF65-F5344CB8AC3E}">
+        <p14:creationId xmlns:p14="http://schemas.microsoft.com/office/powerpoint/2010/main" val="929970999"/>
+      </p:ext>
+    </p:extLst>
+  </p:cSld>
+  <p:clrMapOvr>
+    <a:masterClrMapping/>
+  </p:clrMapOvr>
+</p:sld>
+</file>
+
+<file path=ppt/slides/slide5.xml><?xml version="1.0" encoding="utf-8"?>
+<p:sld xmlns:a="http://schemas.openxmlformats.org/drawingml/2006/main" xmlns:r="http://schemas.openxmlformats.org/officeDocument/2006/relationships" xmlns:p="http://schemas.openxmlformats.org/presentationml/2006/main">
+  <p:cSld>
+    <p:spTree>
+      <p:nvGrpSpPr>
+        <p:cNvPr id="1" name=""/>
+        <p:cNvGrpSpPr/>
+        <p:nvPr/>
+      </p:nvGrpSpPr>
+      <p:grpSpPr>
+        <a:xfrm>
+          <a:off x="0" y="0"/>
+          <a:ext cx="0" cy="0"/>
+          <a:chOff x="0" y="0"/>
+          <a:chExt cx="0" cy="0"/>
+        </a:xfrm>
+      </p:grpSpPr>
+      <p:sp>
+        <p:nvSpPr>
+          <p:cNvPr id="2" name="Title 1">
+            <a:extLst>
+              <a:ext uri="{FF2B5EF4-FFF2-40B4-BE49-F238E27FC236}">
                 <a16:creationId xmlns:a16="http://schemas.microsoft.com/office/drawing/2014/main" id="{6F800589-E36F-406B-B904-9BA2C42C1DE4}"/>
               </a:ext>
             </a:extLst>
@@ -6417,32 +7108,72 @@
           <a:bodyPr/>
           <a:lstStyle/>
           <a:p>
-            <a:endParaRPr lang="en-US"/>
-          </a:p>
-        </p:txBody>
-      </p:sp>
-      <p:sp>
-        <p:nvSpPr>
-          <p:cNvPr id="3" name="Content Placeholder 2">
+            <a:r>
+              <a:rPr lang="en-US" dirty="0"/>
+              <a:t>Building our schema in </a:t>
+            </a:r>
+            <a:r>
+              <a:rPr lang="en-US" dirty="0" err="1"/>
+              <a:t>sql</a:t>
+            </a:r>
+            <a:endParaRPr lang="en-US" dirty="0"/>
+          </a:p>
+        </p:txBody>
+      </p:sp>
+      <p:pic>
+        <p:nvPicPr>
+          <p:cNvPr id="5" name="Content Placeholder 4">
             <a:extLst>
               <a:ext uri="{FF2B5EF4-FFF2-40B4-BE49-F238E27FC236}">
-                <a16:creationId xmlns:a16="http://schemas.microsoft.com/office/drawing/2014/main" id="{2747AC94-4270-4CDC-86A1-B26A1D5A9852}"/>
+                <a16:creationId xmlns:a16="http://schemas.microsoft.com/office/drawing/2014/main" id="{F9806703-13B6-43CB-A908-E6A4DD440E92}"/>
               </a:ext>
             </a:extLst>
           </p:cNvPr>
-          <p:cNvSpPr>
-            <a:spLocks noGrp="1"/>
-          </p:cNvSpPr>
-          <p:nvPr>
-            <p:ph sz="quarter" idx="13"/>
-          </p:nvPr>
-        </p:nvSpPr>
+          <p:cNvPicPr>
+            <a:picLocks noGrp="1" noChangeAspect="1"/>
+          </p:cNvPicPr>
+          <p:nvPr>
+            <p:ph type="pic" idx="1"/>
+          </p:nvPr>
+        </p:nvPicPr>
+        <p:blipFill rotWithShape="1">
+          <a:blip r:embed="rId2">
+            <a:extLst>
+              <a:ext uri="{28A0092B-C50C-407E-A947-70E740481C1C}">
+                <a14:useLocalDpi xmlns:a14="http://schemas.microsoft.com/office/drawing/2010/main" val="0"/>
+              </a:ext>
+            </a:extLst>
+          </a:blip>
+          <a:srcRect t="11068" b="11068"/>
+          <a:stretch/>
+        </p:blipFill>
         <p:spPr/>
+      </p:pic>
+      <p:sp>
+        <p:nvSpPr>
+          <p:cNvPr id="11" name="Text Placeholder 10">
+            <a:extLst>
+              <a:ext uri="{FF2B5EF4-FFF2-40B4-BE49-F238E27FC236}">
+                <a16:creationId xmlns:a16="http://schemas.microsoft.com/office/drawing/2014/main" id="{57F1257A-8A4A-4643-B503-ED79CF120A12}"/>
+              </a:ext>
+            </a:extLst>
+          </p:cNvPr>
+          <p:cNvSpPr>
+            <a:spLocks noGrp="1"/>
+          </p:cNvSpPr>
+          <p:nvPr>
+            <p:ph type="body" sz="half" idx="2"/>
+          </p:nvPr>
+        </p:nvSpPr>
+        <p:spPr/>
         <p:txBody>
           <a:bodyPr/>
           <a:lstStyle/>
           <a:p>
-            <a:endParaRPr lang="en-US"/>
+            <a:r>
+              <a:rPr lang="en-US" dirty="0"/>
+              <a:t>ERD diagram created using *___*</a:t>
+            </a:r>
           </a:p>
         </p:txBody>
       </p:sp>
@@ -6450,6 +7181,86 @@
     <p:extLst>
       <p:ext uri="{BB962C8B-B14F-4D97-AF65-F5344CB8AC3E}">
         <p14:creationId xmlns:p14="http://schemas.microsoft.com/office/powerpoint/2010/main" val="2880532840"/>
+      </p:ext>
+    </p:extLst>
+  </p:cSld>
+  <p:clrMapOvr>
+    <a:masterClrMapping/>
+  </p:clrMapOvr>
+</p:sld>
+</file>
+
+<file path=ppt/slides/slide6.xml><?xml version="1.0" encoding="utf-8"?>
+<p:sld xmlns:a="http://schemas.openxmlformats.org/drawingml/2006/main" xmlns:r="http://schemas.openxmlformats.org/officeDocument/2006/relationships" xmlns:p="http://schemas.openxmlformats.org/presentationml/2006/main">
+  <p:cSld>
+    <p:spTree>
+      <p:nvGrpSpPr>
+        <p:cNvPr id="1" name=""/>
+        <p:cNvGrpSpPr/>
+        <p:nvPr/>
+      </p:nvGrpSpPr>
+      <p:grpSpPr>
+        <a:xfrm>
+          <a:off x="0" y="0"/>
+          <a:ext cx="0" cy="0"/>
+          <a:chOff x="0" y="0"/>
+          <a:chExt cx="0" cy="0"/>
+        </a:xfrm>
+      </p:grpSpPr>
+      <p:sp>
+        <p:nvSpPr>
+          <p:cNvPr id="2" name="Title 1">
+            <a:extLst>
+              <a:ext uri="{FF2B5EF4-FFF2-40B4-BE49-F238E27FC236}">
+                <a16:creationId xmlns:a16="http://schemas.microsoft.com/office/drawing/2014/main" id="{8F34933D-EF8D-4A6F-8A71-32701B56A902}"/>
+              </a:ext>
+            </a:extLst>
+          </p:cNvPr>
+          <p:cNvSpPr>
+            <a:spLocks noGrp="1"/>
+          </p:cNvSpPr>
+          <p:nvPr>
+            <p:ph type="title"/>
+          </p:nvPr>
+        </p:nvSpPr>
+        <p:spPr/>
+        <p:txBody>
+          <a:bodyPr/>
+          <a:lstStyle/>
+          <a:p>
+            <a:endParaRPr lang="en-US"/>
+          </a:p>
+        </p:txBody>
+      </p:sp>
+      <p:sp>
+        <p:nvSpPr>
+          <p:cNvPr id="3" name="Content Placeholder 2">
+            <a:extLst>
+              <a:ext uri="{FF2B5EF4-FFF2-40B4-BE49-F238E27FC236}">
+                <a16:creationId xmlns:a16="http://schemas.microsoft.com/office/drawing/2014/main" id="{AB4DD53F-F17E-448C-BC8B-31F63E9E8C58}"/>
+              </a:ext>
+            </a:extLst>
+          </p:cNvPr>
+          <p:cNvSpPr>
+            <a:spLocks noGrp="1"/>
+          </p:cNvSpPr>
+          <p:nvPr>
+            <p:ph sz="quarter" idx="13"/>
+          </p:nvPr>
+        </p:nvSpPr>
+        <p:spPr/>
+        <p:txBody>
+          <a:bodyPr/>
+          <a:lstStyle/>
+          <a:p>
+            <a:endParaRPr lang="en-US"/>
+          </a:p>
+        </p:txBody>
+      </p:sp>
+    </p:spTree>
+    <p:extLst>
+      <p:ext uri="{BB962C8B-B14F-4D97-AF65-F5344CB8AC3E}">
+        <p14:creationId xmlns:p14="http://schemas.microsoft.com/office/powerpoint/2010/main" val="1782918285"/>
       </p:ext>
     </p:extLst>
   </p:cSld>

--- a/presentation/beers_breweries.pptx
+++ b/presentation/beers_breweries.pptx
@@ -885,7 +885,7 @@
           <a:p>
             <a:fld id="{A1C83B3E-31F6-4D79-8B78-50A178B309BE}" type="datetimeFigureOut">
               <a:rPr lang="en-US" smtClean="0"/>
-              <a:t>1/9/2021</a:t>
+              <a:t>1/10/2021</a:t>
             </a:fld>
             <a:endParaRPr lang="en-US"/>
           </a:p>
@@ -1222,7 +1222,7 @@
           <a:p>
             <a:fld id="{A1C83B3E-31F6-4D79-8B78-50A178B309BE}" type="datetimeFigureOut">
               <a:rPr lang="en-US" smtClean="0"/>
-              <a:t>1/9/2021</a:t>
+              <a:t>1/10/2021</a:t>
             </a:fld>
             <a:endParaRPr lang="en-US"/>
           </a:p>
@@ -1418,7 +1418,7 @@
           <a:p>
             <a:fld id="{A1C83B3E-31F6-4D79-8B78-50A178B309BE}" type="datetimeFigureOut">
               <a:rPr lang="en-US" smtClean="0"/>
-              <a:t>1/9/2021</a:t>
+              <a:t>1/10/2021</a:t>
             </a:fld>
             <a:endParaRPr lang="en-US"/>
           </a:p>
@@ -1688,7 +1688,7 @@
           <a:p>
             <a:fld id="{A1C83B3E-31F6-4D79-8B78-50A178B309BE}" type="datetimeFigureOut">
               <a:rPr lang="en-US" smtClean="0"/>
-              <a:t>1/9/2021</a:t>
+              <a:t>1/10/2021</a:t>
             </a:fld>
             <a:endParaRPr lang="en-US"/>
           </a:p>
@@ -2116,7 +2116,7 @@
           <a:p>
             <a:fld id="{A1C83B3E-31F6-4D79-8B78-50A178B309BE}" type="datetimeFigureOut">
               <a:rPr lang="en-US" smtClean="0"/>
-              <a:t>1/9/2021</a:t>
+              <a:t>1/10/2021</a:t>
             </a:fld>
             <a:endParaRPr lang="en-US"/>
           </a:p>
@@ -2666,7 +2666,7 @@
           <a:p>
             <a:fld id="{A1C83B3E-31F6-4D79-8B78-50A178B309BE}" type="datetimeFigureOut">
               <a:rPr lang="en-US" smtClean="0"/>
-              <a:t>1/9/2021</a:t>
+              <a:t>1/10/2021</a:t>
             </a:fld>
             <a:endParaRPr lang="en-US"/>
           </a:p>
@@ -3456,7 +3456,7 @@
           <a:p>
             <a:fld id="{A1C83B3E-31F6-4D79-8B78-50A178B309BE}" type="datetimeFigureOut">
               <a:rPr lang="en-US" smtClean="0"/>
-              <a:t>1/9/2021</a:t>
+              <a:t>1/10/2021</a:t>
             </a:fld>
             <a:endParaRPr lang="en-US"/>
           </a:p>
@@ -3635,7 +3635,7 @@
           <a:p>
             <a:fld id="{A1C83B3E-31F6-4D79-8B78-50A178B309BE}" type="datetimeFigureOut">
               <a:rPr lang="en-US" smtClean="0"/>
-              <a:t>1/9/2021</a:t>
+              <a:t>1/10/2021</a:t>
             </a:fld>
             <a:endParaRPr lang="en-US"/>
           </a:p>
@@ -3819,7 +3819,7 @@
           <a:p>
             <a:fld id="{A1C83B3E-31F6-4D79-8B78-50A178B309BE}" type="datetimeFigureOut">
               <a:rPr lang="en-US" smtClean="0"/>
-              <a:t>1/9/2021</a:t>
+              <a:t>1/10/2021</a:t>
             </a:fld>
             <a:endParaRPr lang="en-US"/>
           </a:p>
@@ -3994,7 +3994,7 @@
           <a:p>
             <a:fld id="{A1C83B3E-31F6-4D79-8B78-50A178B309BE}" type="datetimeFigureOut">
               <a:rPr lang="en-US" smtClean="0"/>
-              <a:t>1/9/2021</a:t>
+              <a:t>1/10/2021</a:t>
             </a:fld>
             <a:endParaRPr lang="en-US"/>
           </a:p>
@@ -4244,7 +4244,7 @@
           <a:p>
             <a:fld id="{A1C83B3E-31F6-4D79-8B78-50A178B309BE}" type="datetimeFigureOut">
               <a:rPr lang="en-US" smtClean="0"/>
-              <a:t>1/9/2021</a:t>
+              <a:t>1/10/2021</a:t>
             </a:fld>
             <a:endParaRPr lang="en-US"/>
           </a:p>
@@ -4481,7 +4481,7 @@
           <a:p>
             <a:fld id="{A1C83B3E-31F6-4D79-8B78-50A178B309BE}" type="datetimeFigureOut">
               <a:rPr lang="en-US" smtClean="0"/>
-              <a:t>1/9/2021</a:t>
+              <a:t>1/10/2021</a:t>
             </a:fld>
             <a:endParaRPr lang="en-US"/>
           </a:p>
@@ -4866,7 +4866,7 @@
           <a:p>
             <a:fld id="{A1C83B3E-31F6-4D79-8B78-50A178B309BE}" type="datetimeFigureOut">
               <a:rPr lang="en-US" smtClean="0"/>
-              <a:t>1/9/2021</a:t>
+              <a:t>1/10/2021</a:t>
             </a:fld>
             <a:endParaRPr lang="en-US"/>
           </a:p>
@@ -4984,7 +4984,7 @@
           <a:p>
             <a:fld id="{A1C83B3E-31F6-4D79-8B78-50A178B309BE}" type="datetimeFigureOut">
               <a:rPr lang="en-US" smtClean="0"/>
-              <a:t>1/9/2021</a:t>
+              <a:t>1/10/2021</a:t>
             </a:fld>
             <a:endParaRPr lang="en-US"/>
           </a:p>
@@ -5079,7 +5079,7 @@
           <a:p>
             <a:fld id="{A1C83B3E-31F6-4D79-8B78-50A178B309BE}" type="datetimeFigureOut">
               <a:rPr lang="en-US" smtClean="0"/>
-              <a:t>1/9/2021</a:t>
+              <a:t>1/10/2021</a:t>
             </a:fld>
             <a:endParaRPr lang="en-US"/>
           </a:p>
@@ -5332,7 +5332,7 @@
           <a:p>
             <a:fld id="{A1C83B3E-31F6-4D79-8B78-50A178B309BE}" type="datetimeFigureOut">
               <a:rPr lang="en-US" smtClean="0"/>
-              <a:t>1/9/2021</a:t>
+              <a:t>1/10/2021</a:t>
             </a:fld>
             <a:endParaRPr lang="en-US"/>
           </a:p>
@@ -5601,7 +5601,7 @@
           <a:p>
             <a:fld id="{A1C83B3E-31F6-4D79-8B78-50A178B309BE}" type="datetimeFigureOut">
               <a:rPr lang="en-US" smtClean="0"/>
-              <a:t>1/9/2021</a:t>
+              <a:t>1/10/2021</a:t>
             </a:fld>
             <a:endParaRPr lang="en-US"/>
           </a:p>
@@ -6005,7 +6005,7 @@
           <a:p>
             <a:fld id="{A1C83B3E-31F6-4D79-8B78-50A178B309BE}" type="datetimeFigureOut">
               <a:rPr lang="en-US" smtClean="0"/>
-              <a:t>1/9/2021</a:t>
+              <a:t>1/10/2021</a:t>
             </a:fld>
             <a:endParaRPr lang="en-US"/>
           </a:p>
@@ -6772,7 +6772,32 @@
           <a:bodyPr/>
           <a:lstStyle/>
           <a:p>
-            <a:endParaRPr lang="en-US"/>
+            <a:r>
+              <a:rPr lang="en-US" dirty="0"/>
+              <a:t>We used the psycopg2 library in order to call external SQL Scripts to create the Database and tables from within the </a:t>
+            </a:r>
+            <a:r>
+              <a:rPr lang="en-US" dirty="0" err="1"/>
+              <a:t>Jupyter</a:t>
+            </a:r>
+            <a:r>
+              <a:rPr lang="en-US" dirty="0"/>
+              <a:t> notebook</a:t>
+            </a:r>
+          </a:p>
+          <a:p>
+            <a:r>
+              <a:rPr lang="en-US" dirty="0"/>
+              <a:t>After creating the database and schema we utilized </a:t>
+            </a:r>
+            <a:r>
+              <a:rPr lang="en-US" dirty="0" err="1"/>
+              <a:t>sqlalchemy</a:t>
+            </a:r>
+            <a:r>
+              <a:rPr lang="en-US" dirty="0"/>
+              <a:t> and pandas to load our table and perform our query against those tables.</a:t>
+            </a:r>
           </a:p>
         </p:txBody>
       </p:sp>

--- a/presentation/beers_breweries.pptx
+++ b/presentation/beers_breweries.pptx
@@ -8,19 +8,20 @@
     <p:sldId id="256" r:id="rId2"/>
     <p:sldId id="257" r:id="rId3"/>
     <p:sldId id="259" r:id="rId4"/>
-    <p:sldId id="262" r:id="rId5"/>
-    <p:sldId id="267" r:id="rId6"/>
-    <p:sldId id="258" r:id="rId7"/>
-    <p:sldId id="261" r:id="rId8"/>
-    <p:sldId id="263" r:id="rId9"/>
-    <p:sldId id="264" r:id="rId10"/>
-    <p:sldId id="265" r:id="rId11"/>
-    <p:sldId id="266" r:id="rId12"/>
-    <p:sldId id="268" r:id="rId13"/>
-    <p:sldId id="269" r:id="rId14"/>
-    <p:sldId id="270" r:id="rId15"/>
-    <p:sldId id="271" r:id="rId16"/>
-    <p:sldId id="272" r:id="rId17"/>
+    <p:sldId id="273" r:id="rId5"/>
+    <p:sldId id="262" r:id="rId6"/>
+    <p:sldId id="267" r:id="rId7"/>
+    <p:sldId id="258" r:id="rId8"/>
+    <p:sldId id="261" r:id="rId9"/>
+    <p:sldId id="263" r:id="rId10"/>
+    <p:sldId id="264" r:id="rId11"/>
+    <p:sldId id="265" r:id="rId12"/>
+    <p:sldId id="266" r:id="rId13"/>
+    <p:sldId id="268" r:id="rId14"/>
+    <p:sldId id="269" r:id="rId15"/>
+    <p:sldId id="270" r:id="rId16"/>
+    <p:sldId id="271" r:id="rId17"/>
+    <p:sldId id="272" r:id="rId18"/>
   </p:sldIdLst>
   <p:sldSz cx="12192000" cy="6858000"/>
   <p:notesSz cx="6858000" cy="9144000"/>
@@ -160,7 +161,7 @@
 <file path=ppt/revisionInfo.xml><?xml version="1.0" encoding="utf-8"?>
 <p1510:revInfo xmlns:a="http://schemas.openxmlformats.org/drawingml/2006/main" xmlns:r="http://schemas.openxmlformats.org/officeDocument/2006/relationships" xmlns:p1510="http://schemas.microsoft.com/office/powerpoint/2015/10/main">
   <p1510:revLst>
-    <p1510:client id="{CBEBBB26-7A42-4A97-8833-43DD7BABEB24}" v="1540" dt="2021-01-11T04:36:34.483"/>
+    <p1510:client id="{CBEBBB26-7A42-4A97-8833-43DD7BABEB24}" v="1594" dt="2021-01-11T04:51:39.110"/>
   </p1510:revLst>
 </p1510:revInfo>
 </file>
@@ -8070,7 +8071,7 @@
           <p:cNvPr id="9" name="Rectangle 8">
             <a:extLst>
               <a:ext uri="{FF2B5EF4-FFF2-40B4-BE49-F238E27FC236}">
-                <a16:creationId xmlns:a16="http://schemas.microsoft.com/office/drawing/2014/main" id="{25C8D2C1-DA83-420D-9635-D52CE066B5DA}"/>
+                <a16:creationId xmlns:a16="http://schemas.microsoft.com/office/drawing/2014/main" id="{4E4490D0-3672-446A-AC12-B4830333BDDD}"/>
               </a:ext>
               <a:ext uri="{C183D7F6-B498-43B3-948B-1728B52AA6E4}">
                 <adec:decorative xmlns:adec="http://schemas.microsoft.com/office/drawing/2017/decorative" val="1"/>
@@ -8125,7 +8126,7 @@
           <p:cNvPr id="11" name="Rectangle 10">
             <a:extLst>
               <a:ext uri="{FF2B5EF4-FFF2-40B4-BE49-F238E27FC236}">
-                <a16:creationId xmlns:a16="http://schemas.microsoft.com/office/drawing/2014/main" id="{434F74C9-6A0B-409E-AD1C-45B58BE91BB8}"/>
+                <a16:creationId xmlns:a16="http://schemas.microsoft.com/office/drawing/2014/main" id="{39CB82C2-DF65-4EC1-8280-F201D50F570B}"/>
               </a:ext>
               <a:ext uri="{C183D7F6-B498-43B3-948B-1728B52AA6E4}">
                 <adec:decorative xmlns:adec="http://schemas.microsoft.com/office/drawing/2017/decorative" val="1"/>
@@ -8180,7 +8181,7 @@
           <p:cNvPr id="13" name="Straight Connector 12">
             <a:extLst>
               <a:ext uri="{FF2B5EF4-FFF2-40B4-BE49-F238E27FC236}">
-                <a16:creationId xmlns:a16="http://schemas.microsoft.com/office/drawing/2014/main" id="{F5486A9D-1265-4B57-91E6-68E666B978BC}"/>
+                <a16:creationId xmlns:a16="http://schemas.microsoft.com/office/drawing/2014/main" id="{7E1D4427-852B-4B37-8E76-0E9F1810BA2A}"/>
               </a:ext>
               <a:ext uri="{C183D7F6-B498-43B3-948B-1728B52AA6E4}">
                 <adec:decorative xmlns:adec="http://schemas.microsoft.com/office/drawing/2017/decorative" val="1"/>
@@ -8235,7 +8236,7 @@
           <p:cNvPr id="15" name="Rectangle 14">
             <a:extLst>
               <a:ext uri="{FF2B5EF4-FFF2-40B4-BE49-F238E27FC236}">
-                <a16:creationId xmlns:a16="http://schemas.microsoft.com/office/drawing/2014/main" id="{BE268116-E2A7-4F98-8812-192B4975E49B}"/>
+                <a16:creationId xmlns:a16="http://schemas.microsoft.com/office/drawing/2014/main" id="{C4AAA502-5435-489E-9538-3A40E6C71461}"/>
               </a:ext>
               <a:ext uri="{C183D7F6-B498-43B3-948B-1728B52AA6E4}">
                 <adec:decorative xmlns:adec="http://schemas.microsoft.com/office/drawing/2017/decorative" val="1"/>
@@ -8295,7 +8296,7 @@
           <p:cNvPr id="2" name="Title 1">
             <a:extLst>
               <a:ext uri="{FF2B5EF4-FFF2-40B4-BE49-F238E27FC236}">
-                <a16:creationId xmlns:a16="http://schemas.microsoft.com/office/drawing/2014/main" id="{679187FD-19D2-4D35-837F-FCD9DC22B324}"/>
+                <a16:creationId xmlns:a16="http://schemas.microsoft.com/office/drawing/2014/main" id="{49C3DFD9-68EC-430E-A947-3760E2C3DA57}"/>
               </a:ext>
             </a:extLst>
           </p:cNvPr>
@@ -8319,7 +8320,7 @@
           <a:lstStyle/>
           <a:p>
             <a:r>
-              <a:rPr lang="en-US" sz="6000">
+              <a:rPr lang="en-US" sz="5600">
                 <a:solidFill>
                   <a:schemeClr val="tx1">
                     <a:lumMod val="85000"/>
@@ -8327,17 +8328,17 @@
                   </a:schemeClr>
                 </a:solidFill>
               </a:rPr>
-              <a:t>SQL</a:t>
+              <a:t>Loading the Dataframes into Postgres</a:t>
             </a:r>
           </a:p>
         </p:txBody>
       </p:sp>
       <p:pic>
         <p:nvPicPr>
-          <p:cNvPr id="4" name="Picture 4" descr="Graphical user interface, text&#10;&#10;Description automatically generated">
+          <p:cNvPr id="4" name="Picture 4" descr="Graphical user interface, application&#10;&#10;Description automatically generated">
             <a:extLst>
               <a:ext uri="{FF2B5EF4-FFF2-40B4-BE49-F238E27FC236}">
-                <a16:creationId xmlns:a16="http://schemas.microsoft.com/office/drawing/2014/main" id="{0FC0BF4B-53CF-4F63-9E60-6915FEB195B5}"/>
+                <a16:creationId xmlns:a16="http://schemas.microsoft.com/office/drawing/2014/main" id="{730E915C-5522-4B7B-A0C1-DA201A0448F5}"/>
               </a:ext>
             </a:extLst>
           </p:cNvPr>
@@ -8348,15 +8349,16 @@
             <p:ph sz="quarter" idx="13"/>
           </p:nvPr>
         </p:nvPicPr>
-        <p:blipFill rotWithShape="1">
+        <p:blipFill>
           <a:blip r:embed="rId2"/>
-          <a:srcRect r="24248" b="-1"/>
-          <a:stretch/>
+          <a:stretch>
+            <a:fillRect/>
+          </a:stretch>
         </p:blipFill>
         <p:spPr>
           <a:xfrm>
-            <a:off x="635457" y="640080"/>
-            <a:ext cx="10916463" cy="3602736"/>
+            <a:off x="635457" y="1977652"/>
+            <a:ext cx="10916463" cy="2265164"/>
           </a:xfrm>
           <a:prstGeom prst="rect">
             <a:avLst/>
@@ -8368,7 +8370,7 @@
           <p:cNvPr id="17" name="Straight Connector 16">
             <a:extLst>
               <a:ext uri="{FF2B5EF4-FFF2-40B4-BE49-F238E27FC236}">
-                <a16:creationId xmlns:a16="http://schemas.microsoft.com/office/drawing/2014/main" id="{73D8893D-DEBE-4F67-901F-166F75E9C6E7}"/>
+                <a16:creationId xmlns:a16="http://schemas.microsoft.com/office/drawing/2014/main" id="{C9AC0290-4702-4519-B0F4-C2A46880997B}"/>
               </a:ext>
               <a:ext uri="{C183D7F6-B498-43B3-948B-1728B52AA6E4}">
                 <adec:decorative xmlns:adec="http://schemas.microsoft.com/office/drawing/2017/decorative" val="1"/>
@@ -8422,7 +8424,7 @@
           <p:cNvPr id="19" name="Rectangle 18">
             <a:extLst>
               <a:ext uri="{FF2B5EF4-FFF2-40B4-BE49-F238E27FC236}">
-                <a16:creationId xmlns:a16="http://schemas.microsoft.com/office/drawing/2014/main" id="{FBEFFA83-BC6D-4CD2-A2BA-98AD67423BF2}"/>
+                <a16:creationId xmlns:a16="http://schemas.microsoft.com/office/drawing/2014/main" id="{DE42378B-2E28-4810-8421-7A473A40E376}"/>
               </a:ext>
               <a:ext uri="{C183D7F6-B498-43B3-948B-1728B52AA6E4}">
                 <adec:decorative xmlns:adec="http://schemas.microsoft.com/office/drawing/2017/decorative" val="1"/>
@@ -8477,7 +8479,7 @@
           <p:cNvPr id="21" name="Rectangle 20">
             <a:extLst>
               <a:ext uri="{FF2B5EF4-FFF2-40B4-BE49-F238E27FC236}">
-                <a16:creationId xmlns:a16="http://schemas.microsoft.com/office/drawing/2014/main" id="{AB5696BF-D495-4CAC-AA8A-4EBFF2C32A55}"/>
+                <a16:creationId xmlns:a16="http://schemas.microsoft.com/office/drawing/2014/main" id="{0D91DD17-237F-4811-BC0E-128EB1BD7CFE}"/>
               </a:ext>
               <a:ext uri="{C183D7F6-B498-43B3-948B-1728B52AA6E4}">
                 <adec:decorative xmlns:adec="http://schemas.microsoft.com/office/drawing/2017/decorative" val="1"/>
@@ -8530,7 +8532,7 @@
     </p:spTree>
     <p:extLst>
       <p:ext uri="{BB962C8B-B14F-4D97-AF65-F5344CB8AC3E}">
-        <p14:creationId xmlns:p14="http://schemas.microsoft.com/office/powerpoint/2010/main" val="3248304426"/>
+        <p14:creationId xmlns:p14="http://schemas.microsoft.com/office/powerpoint/2010/main" val="3935079627"/>
       </p:ext>
     </p:extLst>
   </p:cSld>
@@ -8567,6 +8569,506 @@
       </p:grpSpPr>
       <p:sp>
         <p:nvSpPr>
+          <p:cNvPr id="9" name="Rectangle 8">
+            <a:extLst>
+              <a:ext uri="{FF2B5EF4-FFF2-40B4-BE49-F238E27FC236}">
+                <a16:creationId xmlns:a16="http://schemas.microsoft.com/office/drawing/2014/main" id="{25C8D2C1-DA83-420D-9635-D52CE066B5DA}"/>
+              </a:ext>
+              <a:ext uri="{C183D7F6-B498-43B3-948B-1728B52AA6E4}">
+                <adec:decorative xmlns:adec="http://schemas.microsoft.com/office/drawing/2017/decorative" val="1"/>
+              </a:ext>
+            </a:extLst>
+          </p:cNvPr>
+          <p:cNvSpPr>
+            <a:spLocks noGrp="1" noRot="1" noChangeAspect="1" noMove="1" noResize="1" noEditPoints="1" noAdjustHandles="1" noChangeArrowheads="1" noChangeShapeType="1" noTextEdit="1"/>
+          </p:cNvSpPr>
+          <p:nvPr>
+            <p:extLst>
+              <p:ext uri="{386F3935-93C4-4BCD-93E2-E3B085C9AB24}">
+                <p16:designElem xmlns:p16="http://schemas.microsoft.com/office/powerpoint/2015/main" val="1"/>
+              </p:ext>
+            </p:extLst>
+          </p:nvPr>
+        </p:nvSpPr>
+        <p:spPr>
+          <a:xfrm>
+            <a:off x="3175" y="6400800"/>
+            <a:ext cx="12188825" cy="457200"/>
+          </a:xfrm>
+          <a:prstGeom prst="rect">
+            <a:avLst/>
+          </a:prstGeom>
+          <a:solidFill>
+            <a:schemeClr val="accent2"/>
+          </a:solidFill>
+          <a:ln>
+            <a:noFill/>
+          </a:ln>
+        </p:spPr>
+        <p:style>
+          <a:lnRef idx="2">
+            <a:schemeClr val="accent1">
+              <a:shade val="50000"/>
+            </a:schemeClr>
+          </a:lnRef>
+          <a:fillRef idx="1">
+            <a:schemeClr val="accent1"/>
+          </a:fillRef>
+          <a:effectRef idx="0">
+            <a:schemeClr val="accent1"/>
+          </a:effectRef>
+          <a:fontRef idx="minor">
+            <a:schemeClr val="lt1"/>
+          </a:fontRef>
+        </p:style>
+      </p:sp>
+      <p:sp>
+        <p:nvSpPr>
+          <p:cNvPr id="11" name="Rectangle 10">
+            <a:extLst>
+              <a:ext uri="{FF2B5EF4-FFF2-40B4-BE49-F238E27FC236}">
+                <a16:creationId xmlns:a16="http://schemas.microsoft.com/office/drawing/2014/main" id="{434F74C9-6A0B-409E-AD1C-45B58BE91BB8}"/>
+              </a:ext>
+              <a:ext uri="{C183D7F6-B498-43B3-948B-1728B52AA6E4}">
+                <adec:decorative xmlns:adec="http://schemas.microsoft.com/office/drawing/2017/decorative" val="1"/>
+              </a:ext>
+            </a:extLst>
+          </p:cNvPr>
+          <p:cNvSpPr>
+            <a:spLocks noGrp="1" noRot="1" noChangeAspect="1" noMove="1" noResize="1" noEditPoints="1" noAdjustHandles="1" noChangeArrowheads="1" noChangeShapeType="1" noTextEdit="1"/>
+          </p:cNvSpPr>
+          <p:nvPr>
+            <p:extLst>
+              <p:ext uri="{386F3935-93C4-4BCD-93E2-E3B085C9AB24}">
+                <p16:designElem xmlns:p16="http://schemas.microsoft.com/office/powerpoint/2015/main" val="1"/>
+              </p:ext>
+            </p:extLst>
+          </p:nvPr>
+        </p:nvSpPr>
+        <p:spPr>
+          <a:xfrm>
+            <a:off x="15" y="6334316"/>
+            <a:ext cx="12188825" cy="64008"/>
+          </a:xfrm>
+          <a:prstGeom prst="rect">
+            <a:avLst/>
+          </a:prstGeom>
+          <a:solidFill>
+            <a:schemeClr val="accent1"/>
+          </a:solidFill>
+          <a:ln>
+            <a:noFill/>
+          </a:ln>
+        </p:spPr>
+        <p:style>
+          <a:lnRef idx="2">
+            <a:schemeClr val="accent1">
+              <a:shade val="50000"/>
+            </a:schemeClr>
+          </a:lnRef>
+          <a:fillRef idx="1">
+            <a:schemeClr val="accent1"/>
+          </a:fillRef>
+          <a:effectRef idx="0">
+            <a:schemeClr val="accent1"/>
+          </a:effectRef>
+          <a:fontRef idx="minor">
+            <a:schemeClr val="lt1"/>
+          </a:fontRef>
+        </p:style>
+      </p:sp>
+      <p:cxnSp>
+        <p:nvCxnSpPr>
+          <p:cNvPr id="13" name="Straight Connector 12">
+            <a:extLst>
+              <a:ext uri="{FF2B5EF4-FFF2-40B4-BE49-F238E27FC236}">
+                <a16:creationId xmlns:a16="http://schemas.microsoft.com/office/drawing/2014/main" id="{F5486A9D-1265-4B57-91E6-68E666B978BC}"/>
+              </a:ext>
+              <a:ext uri="{C183D7F6-B498-43B3-948B-1728B52AA6E4}">
+                <adec:decorative xmlns:adec="http://schemas.microsoft.com/office/drawing/2017/decorative" val="1"/>
+              </a:ext>
+            </a:extLst>
+          </p:cNvPr>
+          <p:cNvCxnSpPr>
+            <a:cxnSpLocks noGrp="1" noRot="1" noChangeAspect="1" noMove="1" noResize="1" noEditPoints="1" noAdjustHandles="1" noChangeArrowheads="1" noChangeShapeType="1"/>
+          </p:cNvCxnSpPr>
+          <p:nvPr>
+            <p:extLst>
+              <p:ext uri="{386F3935-93C4-4BCD-93E2-E3B085C9AB24}">
+                <p16:designElem xmlns:p16="http://schemas.microsoft.com/office/powerpoint/2015/main" val="1"/>
+              </p:ext>
+            </p:extLst>
+          </p:nvPr>
+        </p:nvCxnSpPr>
+        <p:spPr>
+          <a:xfrm>
+            <a:off x="1207658" y="4343400"/>
+            <a:ext cx="9875520" cy="0"/>
+          </a:xfrm>
+          <a:prstGeom prst="line">
+            <a:avLst/>
+          </a:prstGeom>
+          <a:ln w="6350">
+            <a:solidFill>
+              <a:schemeClr val="tx1">
+                <a:lumMod val="50000"/>
+                <a:lumOff val="50000"/>
+              </a:schemeClr>
+            </a:solidFill>
+          </a:ln>
+        </p:spPr>
+        <p:style>
+          <a:lnRef idx="1">
+            <a:schemeClr val="accent1"/>
+          </a:lnRef>
+          <a:fillRef idx="0">
+            <a:schemeClr val="accent1"/>
+          </a:fillRef>
+          <a:effectRef idx="0">
+            <a:schemeClr val="accent1"/>
+          </a:effectRef>
+          <a:fontRef idx="minor">
+            <a:schemeClr val="tx1"/>
+          </a:fontRef>
+        </p:style>
+      </p:cxnSp>
+      <p:sp useBgFill="1">
+        <p:nvSpPr>
+          <p:cNvPr id="15" name="Rectangle 14">
+            <a:extLst>
+              <a:ext uri="{FF2B5EF4-FFF2-40B4-BE49-F238E27FC236}">
+                <a16:creationId xmlns:a16="http://schemas.microsoft.com/office/drawing/2014/main" id="{BE268116-E2A7-4F98-8812-192B4975E49B}"/>
+              </a:ext>
+              <a:ext uri="{C183D7F6-B498-43B3-948B-1728B52AA6E4}">
+                <adec:decorative xmlns:adec="http://schemas.microsoft.com/office/drawing/2017/decorative" val="1"/>
+              </a:ext>
+            </a:extLst>
+          </p:cNvPr>
+          <p:cNvSpPr>
+            <a:spLocks noGrp="1" noRot="1" noChangeAspect="1" noMove="1" noResize="1" noEditPoints="1" noAdjustHandles="1" noChangeArrowheads="1" noChangeShapeType="1" noTextEdit="1"/>
+          </p:cNvSpPr>
+          <p:nvPr>
+            <p:extLst>
+              <p:ext uri="{386F3935-93C4-4BCD-93E2-E3B085C9AB24}">
+                <p16:designElem xmlns:p16="http://schemas.microsoft.com/office/powerpoint/2015/main" val="1"/>
+              </p:ext>
+            </p:extLst>
+          </p:nvPr>
+        </p:nvSpPr>
+        <p:spPr>
+          <a:xfrm>
+            <a:off x="0" y="0"/>
+            <a:ext cx="12192001" cy="6334316"/>
+          </a:xfrm>
+          <a:prstGeom prst="rect">
+            <a:avLst/>
+          </a:prstGeom>
+          <a:ln>
+            <a:noFill/>
+          </a:ln>
+        </p:spPr>
+        <p:style>
+          <a:lnRef idx="2">
+            <a:schemeClr val="accent1">
+              <a:shade val="50000"/>
+            </a:schemeClr>
+          </a:lnRef>
+          <a:fillRef idx="1">
+            <a:schemeClr val="accent1"/>
+          </a:fillRef>
+          <a:effectRef idx="0">
+            <a:schemeClr val="accent1"/>
+          </a:effectRef>
+          <a:fontRef idx="minor">
+            <a:schemeClr val="lt1"/>
+          </a:fontRef>
+        </p:style>
+        <p:txBody>
+          <a:bodyPr rtlCol="0" anchor="ctr"/>
+          <a:lstStyle/>
+          <a:p>
+            <a:pPr algn="ctr"/>
+            <a:endParaRPr lang="en-US"/>
+          </a:p>
+        </p:txBody>
+      </p:sp>
+      <p:sp>
+        <p:nvSpPr>
+          <p:cNvPr id="2" name="Title 1">
+            <a:extLst>
+              <a:ext uri="{FF2B5EF4-FFF2-40B4-BE49-F238E27FC236}">
+                <a16:creationId xmlns:a16="http://schemas.microsoft.com/office/drawing/2014/main" id="{679187FD-19D2-4D35-837F-FCD9DC22B324}"/>
+              </a:ext>
+            </a:extLst>
+          </p:cNvPr>
+          <p:cNvSpPr>
+            <a:spLocks noGrp="1"/>
+          </p:cNvSpPr>
+          <p:nvPr>
+            <p:ph type="title"/>
+          </p:nvPr>
+        </p:nvSpPr>
+        <p:spPr>
+          <a:xfrm>
+            <a:off x="633999" y="4550229"/>
+            <a:ext cx="10909073" cy="1057655"/>
+          </a:xfrm>
+        </p:spPr>
+        <p:txBody>
+          <a:bodyPr vert="horz" lIns="91440" tIns="45720" rIns="91440" bIns="45720" rtlCol="0" anchor="b">
+            <a:normAutofit/>
+          </a:bodyPr>
+          <a:lstStyle/>
+          <a:p>
+            <a:r>
+              <a:rPr lang="en-US" sz="6000">
+                <a:solidFill>
+                  <a:schemeClr val="tx1">
+                    <a:lumMod val="85000"/>
+                    <a:lumOff val="15000"/>
+                  </a:schemeClr>
+                </a:solidFill>
+              </a:rPr>
+              <a:t>SQL</a:t>
+            </a:r>
+          </a:p>
+        </p:txBody>
+      </p:sp>
+      <p:pic>
+        <p:nvPicPr>
+          <p:cNvPr id="4" name="Picture 4" descr="Graphical user interface, text&#10;&#10;Description automatically generated">
+            <a:extLst>
+              <a:ext uri="{FF2B5EF4-FFF2-40B4-BE49-F238E27FC236}">
+                <a16:creationId xmlns:a16="http://schemas.microsoft.com/office/drawing/2014/main" id="{0FC0BF4B-53CF-4F63-9E60-6915FEB195B5}"/>
+              </a:ext>
+            </a:extLst>
+          </p:cNvPr>
+          <p:cNvPicPr>
+            <a:picLocks noGrp="1" noChangeAspect="1"/>
+          </p:cNvPicPr>
+          <p:nvPr>
+            <p:ph sz="quarter" idx="13"/>
+          </p:nvPr>
+        </p:nvPicPr>
+        <p:blipFill rotWithShape="1">
+          <a:blip r:embed="rId2"/>
+          <a:srcRect r="24248" b="-1"/>
+          <a:stretch/>
+        </p:blipFill>
+        <p:spPr>
+          <a:xfrm>
+            <a:off x="635457" y="640080"/>
+            <a:ext cx="10916463" cy="3602736"/>
+          </a:xfrm>
+          <a:prstGeom prst="rect">
+            <a:avLst/>
+          </a:prstGeom>
+        </p:spPr>
+      </p:pic>
+      <p:cxnSp>
+        <p:nvCxnSpPr>
+          <p:cNvPr id="17" name="Straight Connector 16">
+            <a:extLst>
+              <a:ext uri="{FF2B5EF4-FFF2-40B4-BE49-F238E27FC236}">
+                <a16:creationId xmlns:a16="http://schemas.microsoft.com/office/drawing/2014/main" id="{73D8893D-DEBE-4F67-901F-166F75E9C6E7}"/>
+              </a:ext>
+              <a:ext uri="{C183D7F6-B498-43B3-948B-1728B52AA6E4}">
+                <adec:decorative xmlns:adec="http://schemas.microsoft.com/office/drawing/2017/decorative" val="1"/>
+              </a:ext>
+            </a:extLst>
+          </p:cNvPr>
+          <p:cNvCxnSpPr>
+            <a:cxnSpLocks noGrp="1" noRot="1" noChangeAspect="1" noMove="1" noResize="1" noEditPoints="1" noAdjustHandles="1" noChangeArrowheads="1" noChangeShapeType="1"/>
+          </p:cNvCxnSpPr>
+          <p:nvPr>
+            <p:extLst>
+              <p:ext uri="{386F3935-93C4-4BCD-93E2-E3B085C9AB24}">
+                <p16:designElem xmlns:p16="http://schemas.microsoft.com/office/powerpoint/2015/main" val="1"/>
+              </p:ext>
+            </p:extLst>
+          </p:nvPr>
+        </p:nvCxnSpPr>
+        <p:spPr>
+          <a:xfrm>
+            <a:off x="721086" y="5618770"/>
+            <a:ext cx="10515600" cy="0"/>
+          </a:xfrm>
+          <a:prstGeom prst="line">
+            <a:avLst/>
+          </a:prstGeom>
+          <a:ln w="6350">
+            <a:solidFill>
+              <a:schemeClr val="tx2">
+                <a:alpha val="90000"/>
+              </a:schemeClr>
+            </a:solidFill>
+          </a:ln>
+        </p:spPr>
+        <p:style>
+          <a:lnRef idx="1">
+            <a:schemeClr val="accent1"/>
+          </a:lnRef>
+          <a:fillRef idx="0">
+            <a:schemeClr val="accent1"/>
+          </a:fillRef>
+          <a:effectRef idx="0">
+            <a:schemeClr val="accent1"/>
+          </a:effectRef>
+          <a:fontRef idx="minor">
+            <a:schemeClr val="tx1"/>
+          </a:fontRef>
+        </p:style>
+      </p:cxnSp>
+      <p:sp>
+        <p:nvSpPr>
+          <p:cNvPr id="19" name="Rectangle 18">
+            <a:extLst>
+              <a:ext uri="{FF2B5EF4-FFF2-40B4-BE49-F238E27FC236}">
+                <a16:creationId xmlns:a16="http://schemas.microsoft.com/office/drawing/2014/main" id="{FBEFFA83-BC6D-4CD2-A2BA-98AD67423BF2}"/>
+              </a:ext>
+              <a:ext uri="{C183D7F6-B498-43B3-948B-1728B52AA6E4}">
+                <adec:decorative xmlns:adec="http://schemas.microsoft.com/office/drawing/2017/decorative" val="1"/>
+              </a:ext>
+            </a:extLst>
+          </p:cNvPr>
+          <p:cNvSpPr>
+            <a:spLocks noGrp="1" noRot="1" noChangeAspect="1" noMove="1" noResize="1" noEditPoints="1" noAdjustHandles="1" noChangeArrowheads="1" noChangeShapeType="1" noTextEdit="1"/>
+          </p:cNvSpPr>
+          <p:nvPr>
+            <p:extLst>
+              <p:ext uri="{386F3935-93C4-4BCD-93E2-E3B085C9AB24}">
+                <p16:designElem xmlns:p16="http://schemas.microsoft.com/office/powerpoint/2015/main" val="1"/>
+              </p:ext>
+            </p:extLst>
+          </p:nvPr>
+        </p:nvSpPr>
+        <p:spPr>
+          <a:xfrm>
+            <a:off x="15" y="6334316"/>
+            <a:ext cx="12191985" cy="66484"/>
+          </a:xfrm>
+          <a:prstGeom prst="rect">
+            <a:avLst/>
+          </a:prstGeom>
+          <a:solidFill>
+            <a:schemeClr val="accent1"/>
+          </a:solidFill>
+          <a:ln>
+            <a:noFill/>
+          </a:ln>
+        </p:spPr>
+        <p:style>
+          <a:lnRef idx="2">
+            <a:schemeClr val="accent1">
+              <a:shade val="50000"/>
+            </a:schemeClr>
+          </a:lnRef>
+          <a:fillRef idx="1">
+            <a:schemeClr val="accent1"/>
+          </a:fillRef>
+          <a:effectRef idx="0">
+            <a:schemeClr val="accent1"/>
+          </a:effectRef>
+          <a:fontRef idx="minor">
+            <a:schemeClr val="lt1"/>
+          </a:fontRef>
+        </p:style>
+      </p:sp>
+      <p:sp>
+        <p:nvSpPr>
+          <p:cNvPr id="21" name="Rectangle 20">
+            <a:extLst>
+              <a:ext uri="{FF2B5EF4-FFF2-40B4-BE49-F238E27FC236}">
+                <a16:creationId xmlns:a16="http://schemas.microsoft.com/office/drawing/2014/main" id="{AB5696BF-D495-4CAC-AA8A-4EBFF2C32A55}"/>
+              </a:ext>
+              <a:ext uri="{C183D7F6-B498-43B3-948B-1728B52AA6E4}">
+                <adec:decorative xmlns:adec="http://schemas.microsoft.com/office/drawing/2017/decorative" val="1"/>
+              </a:ext>
+            </a:extLst>
+          </p:cNvPr>
+          <p:cNvSpPr>
+            <a:spLocks noGrp="1" noRot="1" noChangeAspect="1" noMove="1" noResize="1" noEditPoints="1" noAdjustHandles="1" noChangeArrowheads="1" noChangeShapeType="1" noTextEdit="1"/>
+          </p:cNvSpPr>
+          <p:nvPr>
+            <p:extLst>
+              <p:ext uri="{386F3935-93C4-4BCD-93E2-E3B085C9AB24}">
+                <p16:designElem xmlns:p16="http://schemas.microsoft.com/office/powerpoint/2015/main" val="1"/>
+              </p:ext>
+            </p:extLst>
+          </p:nvPr>
+        </p:nvSpPr>
+        <p:spPr>
+          <a:xfrm>
+            <a:off x="1" y="6400800"/>
+            <a:ext cx="12192000" cy="457200"/>
+          </a:xfrm>
+          <a:prstGeom prst="rect">
+            <a:avLst/>
+          </a:prstGeom>
+          <a:solidFill>
+            <a:schemeClr val="accent2"/>
+          </a:solidFill>
+          <a:ln>
+            <a:noFill/>
+          </a:ln>
+        </p:spPr>
+        <p:style>
+          <a:lnRef idx="2">
+            <a:schemeClr val="accent1">
+              <a:shade val="50000"/>
+            </a:schemeClr>
+          </a:lnRef>
+          <a:fillRef idx="1">
+            <a:schemeClr val="accent1"/>
+          </a:fillRef>
+          <a:effectRef idx="0">
+            <a:schemeClr val="accent1"/>
+          </a:effectRef>
+          <a:fontRef idx="minor">
+            <a:schemeClr val="lt1"/>
+          </a:fontRef>
+        </p:style>
+      </p:sp>
+    </p:spTree>
+    <p:extLst>
+      <p:ext uri="{BB962C8B-B14F-4D97-AF65-F5344CB8AC3E}">
+        <p14:creationId xmlns:p14="http://schemas.microsoft.com/office/powerpoint/2010/main" val="3248304426"/>
+      </p:ext>
+    </p:extLst>
+  </p:cSld>
+  <p:clrMapOvr>
+    <a:masterClrMapping/>
+  </p:clrMapOvr>
+</p:sld>
+</file>
+
+<file path=ppt/slides/slide12.xml><?xml version="1.0" encoding="utf-8"?>
+<p:sld xmlns:a="http://schemas.openxmlformats.org/drawingml/2006/main" xmlns:r="http://schemas.openxmlformats.org/officeDocument/2006/relationships" xmlns:p="http://schemas.openxmlformats.org/presentationml/2006/main">
+  <p:cSld>
+    <p:bg>
+      <p:bgPr>
+        <a:solidFill>
+          <a:schemeClr val="bg1"/>
+        </a:solidFill>
+        <a:effectLst/>
+      </p:bgPr>
+    </p:bg>
+    <p:spTree>
+      <p:nvGrpSpPr>
+        <p:cNvPr id="1" name=""/>
+        <p:cNvGrpSpPr/>
+        <p:nvPr/>
+      </p:nvGrpSpPr>
+      <p:grpSpPr>
+        <a:xfrm>
+          <a:off x="0" y="0"/>
+          <a:ext cx="0" cy="0"/>
+          <a:chOff x="0" y="0"/>
+          <a:chExt cx="0" cy="0"/>
+        </a:xfrm>
+      </p:grpSpPr>
+      <p:sp>
+        <p:nvSpPr>
           <p:cNvPr id="6" name="Rectangle 8">
             <a:extLst>
               <a:ext uri="{FF2B5EF4-FFF2-40B4-BE49-F238E27FC236}">
@@ -9050,7 +9552,7 @@
 </p:sld>
 </file>
 
-<file path=ppt/slides/slide12.xml><?xml version="1.0" encoding="utf-8"?>
+<file path=ppt/slides/slide13.xml><?xml version="1.0" encoding="utf-8"?>
 <p:sld xmlns:a="http://schemas.openxmlformats.org/drawingml/2006/main" xmlns:r="http://schemas.openxmlformats.org/officeDocument/2006/relationships" xmlns:p="http://schemas.openxmlformats.org/presentationml/2006/main">
   <p:cSld>
     <p:bg>
@@ -9466,7 +9968,7 @@
 </p:sld>
 </file>
 
-<file path=ppt/slides/slide13.xml><?xml version="1.0" encoding="utf-8"?>
+<file path=ppt/slides/slide14.xml><?xml version="1.0" encoding="utf-8"?>
 <p:sld xmlns:a="http://schemas.openxmlformats.org/drawingml/2006/main" xmlns:r="http://schemas.openxmlformats.org/officeDocument/2006/relationships" xmlns:p="http://schemas.openxmlformats.org/presentationml/2006/main">
   <p:cSld>
     <p:spTree>
@@ -9586,7 +10088,7 @@
 </p:sld>
 </file>
 
-<file path=ppt/slides/slide14.xml><?xml version="1.0" encoding="utf-8"?>
+<file path=ppt/slides/slide15.xml><?xml version="1.0" encoding="utf-8"?>
 <p:sld xmlns:a="http://schemas.openxmlformats.org/drawingml/2006/main" xmlns:r="http://schemas.openxmlformats.org/officeDocument/2006/relationships" xmlns:p="http://schemas.openxmlformats.org/presentationml/2006/main">
   <p:cSld>
     <p:bg>
@@ -9899,7 +10401,7 @@
 </p:sld>
 </file>
 
-<file path=ppt/slides/slide15.xml><?xml version="1.0" encoding="utf-8"?>
+<file path=ppt/slides/slide16.xml><?xml version="1.0" encoding="utf-8"?>
 <p:sld xmlns:a="http://schemas.openxmlformats.org/drawingml/2006/main" xmlns:r="http://schemas.openxmlformats.org/officeDocument/2006/relationships" xmlns:p="http://schemas.openxmlformats.org/presentationml/2006/main">
   <p:cSld>
     <p:spTree>
@@ -10019,7 +10521,7 @@
 </p:sld>
 </file>
 
-<file path=ppt/slides/slide16.xml><?xml version="1.0" encoding="utf-8"?>
+<file path=ppt/slides/slide17.xml><?xml version="1.0" encoding="utf-8"?>
 <p:sld xmlns:a="http://schemas.openxmlformats.org/drawingml/2006/main" xmlns:r="http://schemas.openxmlformats.org/officeDocument/2006/relationships" xmlns:p="http://schemas.openxmlformats.org/presentationml/2006/main">
   <p:cSld>
     <p:bg>
@@ -10800,286 +11302,6 @@
       </p:grpSpPr>
       <p:sp>
         <p:nvSpPr>
-          <p:cNvPr id="47" name="Rectangle 46">
-            <a:extLst>
-              <a:ext uri="{FF2B5EF4-FFF2-40B4-BE49-F238E27FC236}">
-                <a16:creationId xmlns:a16="http://schemas.microsoft.com/office/drawing/2014/main" id="{4E4490D0-3672-446A-AC12-B4830333BDDD}"/>
-              </a:ext>
-              <a:ext uri="{C183D7F6-B498-43B3-948B-1728B52AA6E4}">
-                <adec:decorative xmlns:adec="http://schemas.microsoft.com/office/drawing/2017/decorative" val="1"/>
-              </a:ext>
-            </a:extLst>
-          </p:cNvPr>
-          <p:cNvSpPr>
-            <a:spLocks noGrp="1" noRot="1" noChangeAspect="1" noMove="1" noResize="1" noEditPoints="1" noAdjustHandles="1" noChangeArrowheads="1" noChangeShapeType="1" noTextEdit="1"/>
-          </p:cNvSpPr>
-          <p:nvPr>
-            <p:extLst>
-              <p:ext uri="{386F3935-93C4-4BCD-93E2-E3B085C9AB24}">
-                <p16:designElem xmlns:p16="http://schemas.microsoft.com/office/powerpoint/2015/main" val="1"/>
-              </p:ext>
-            </p:extLst>
-          </p:nvPr>
-        </p:nvSpPr>
-        <p:spPr>
-          <a:xfrm>
-            <a:off x="3175" y="6400800"/>
-            <a:ext cx="12188825" cy="457200"/>
-          </a:xfrm>
-          <a:prstGeom prst="rect">
-            <a:avLst/>
-          </a:prstGeom>
-          <a:solidFill>
-            <a:schemeClr val="accent2"/>
-          </a:solidFill>
-          <a:ln>
-            <a:noFill/>
-          </a:ln>
-        </p:spPr>
-        <p:style>
-          <a:lnRef idx="2">
-            <a:schemeClr val="accent1">
-              <a:shade val="50000"/>
-            </a:schemeClr>
-          </a:lnRef>
-          <a:fillRef idx="1">
-            <a:schemeClr val="accent1"/>
-          </a:fillRef>
-          <a:effectRef idx="0">
-            <a:schemeClr val="accent1"/>
-          </a:effectRef>
-          <a:fontRef idx="minor">
-            <a:schemeClr val="lt1"/>
-          </a:fontRef>
-        </p:style>
-      </p:sp>
-      <p:sp>
-        <p:nvSpPr>
-          <p:cNvPr id="49" name="Rectangle 48">
-            <a:extLst>
-              <a:ext uri="{FF2B5EF4-FFF2-40B4-BE49-F238E27FC236}">
-                <a16:creationId xmlns:a16="http://schemas.microsoft.com/office/drawing/2014/main" id="{39CB82C2-DF65-4EC1-8280-F201D50F570B}"/>
-              </a:ext>
-              <a:ext uri="{C183D7F6-B498-43B3-948B-1728B52AA6E4}">
-                <adec:decorative xmlns:adec="http://schemas.microsoft.com/office/drawing/2017/decorative" val="1"/>
-              </a:ext>
-            </a:extLst>
-          </p:cNvPr>
-          <p:cNvSpPr>
-            <a:spLocks noGrp="1" noRot="1" noChangeAspect="1" noMove="1" noResize="1" noEditPoints="1" noAdjustHandles="1" noChangeArrowheads="1" noChangeShapeType="1" noTextEdit="1"/>
-          </p:cNvSpPr>
-          <p:nvPr>
-            <p:extLst>
-              <p:ext uri="{386F3935-93C4-4BCD-93E2-E3B085C9AB24}">
-                <p16:designElem xmlns:p16="http://schemas.microsoft.com/office/powerpoint/2015/main" val="1"/>
-              </p:ext>
-            </p:extLst>
-          </p:nvPr>
-        </p:nvSpPr>
-        <p:spPr>
-          <a:xfrm>
-            <a:off x="15" y="6334316"/>
-            <a:ext cx="12188825" cy="64008"/>
-          </a:xfrm>
-          <a:prstGeom prst="rect">
-            <a:avLst/>
-          </a:prstGeom>
-          <a:solidFill>
-            <a:schemeClr val="accent1"/>
-          </a:solidFill>
-          <a:ln>
-            <a:noFill/>
-          </a:ln>
-        </p:spPr>
-        <p:style>
-          <a:lnRef idx="2">
-            <a:schemeClr val="accent1">
-              <a:shade val="50000"/>
-            </a:schemeClr>
-          </a:lnRef>
-          <a:fillRef idx="1">
-            <a:schemeClr val="accent1"/>
-          </a:fillRef>
-          <a:effectRef idx="0">
-            <a:schemeClr val="accent1"/>
-          </a:effectRef>
-          <a:fontRef idx="minor">
-            <a:schemeClr val="lt1"/>
-          </a:fontRef>
-        </p:style>
-      </p:sp>
-      <p:cxnSp>
-        <p:nvCxnSpPr>
-          <p:cNvPr id="51" name="Straight Connector 50">
-            <a:extLst>
-              <a:ext uri="{FF2B5EF4-FFF2-40B4-BE49-F238E27FC236}">
-                <a16:creationId xmlns:a16="http://schemas.microsoft.com/office/drawing/2014/main" id="{7E1D4427-852B-4B37-8E76-0E9F1810BA2A}"/>
-              </a:ext>
-              <a:ext uri="{C183D7F6-B498-43B3-948B-1728B52AA6E4}">
-                <adec:decorative xmlns:adec="http://schemas.microsoft.com/office/drawing/2017/decorative" val="1"/>
-              </a:ext>
-            </a:extLst>
-          </p:cNvPr>
-          <p:cNvCxnSpPr>
-            <a:cxnSpLocks noGrp="1" noRot="1" noChangeAspect="1" noMove="1" noResize="1" noEditPoints="1" noAdjustHandles="1" noChangeArrowheads="1" noChangeShapeType="1"/>
-          </p:cNvCxnSpPr>
-          <p:nvPr>
-            <p:extLst>
-              <p:ext uri="{386F3935-93C4-4BCD-93E2-E3B085C9AB24}">
-                <p16:designElem xmlns:p16="http://schemas.microsoft.com/office/powerpoint/2015/main" val="1"/>
-              </p:ext>
-            </p:extLst>
-          </p:nvPr>
-        </p:nvCxnSpPr>
-        <p:spPr>
-          <a:xfrm>
-            <a:off x="1207658" y="4343400"/>
-            <a:ext cx="9875520" cy="0"/>
-          </a:xfrm>
-          <a:prstGeom prst="line">
-            <a:avLst/>
-          </a:prstGeom>
-          <a:ln w="6350">
-            <a:solidFill>
-              <a:schemeClr val="tx1">
-                <a:lumMod val="50000"/>
-                <a:lumOff val="50000"/>
-              </a:schemeClr>
-            </a:solidFill>
-          </a:ln>
-        </p:spPr>
-        <p:style>
-          <a:lnRef idx="1">
-            <a:schemeClr val="accent1"/>
-          </a:lnRef>
-          <a:fillRef idx="0">
-            <a:schemeClr val="accent1"/>
-          </a:fillRef>
-          <a:effectRef idx="0">
-            <a:schemeClr val="accent1"/>
-          </a:effectRef>
-          <a:fontRef idx="minor">
-            <a:schemeClr val="tx1"/>
-          </a:fontRef>
-        </p:style>
-      </p:cxnSp>
-      <p:sp useBgFill="1">
-        <p:nvSpPr>
-          <p:cNvPr id="53" name="Rectangle 52">
-            <a:extLst>
-              <a:ext uri="{FF2B5EF4-FFF2-40B4-BE49-F238E27FC236}">
-                <a16:creationId xmlns:a16="http://schemas.microsoft.com/office/drawing/2014/main" id="{8D0DE514-8876-4D18-A995-61A5C1F813F1}"/>
-              </a:ext>
-              <a:ext uri="{C183D7F6-B498-43B3-948B-1728B52AA6E4}">
-                <adec:decorative xmlns:adec="http://schemas.microsoft.com/office/drawing/2017/decorative" val="1"/>
-              </a:ext>
-            </a:extLst>
-          </p:cNvPr>
-          <p:cNvSpPr>
-            <a:spLocks noGrp="1" noRot="1" noChangeAspect="1" noMove="1" noResize="1" noEditPoints="1" noAdjustHandles="1" noChangeArrowheads="1" noChangeShapeType="1" noTextEdit="1"/>
-          </p:cNvSpPr>
-          <p:nvPr>
-            <p:extLst>
-              <p:ext uri="{386F3935-93C4-4BCD-93E2-E3B085C9AB24}">
-                <p16:designElem xmlns:p16="http://schemas.microsoft.com/office/powerpoint/2015/main" val="1"/>
-              </p:ext>
-            </p:extLst>
-          </p:nvPr>
-        </p:nvSpPr>
-        <p:spPr>
-          <a:xfrm>
-            <a:off x="0" y="0"/>
-            <a:ext cx="12192001" cy="4904190"/>
-          </a:xfrm>
-          <a:prstGeom prst="rect">
-            <a:avLst/>
-          </a:prstGeom>
-          <a:ln>
-            <a:noFill/>
-          </a:ln>
-        </p:spPr>
-        <p:style>
-          <a:lnRef idx="2">
-            <a:schemeClr val="accent1">
-              <a:shade val="50000"/>
-            </a:schemeClr>
-          </a:lnRef>
-          <a:fillRef idx="1">
-            <a:schemeClr val="accent1"/>
-          </a:fillRef>
-          <a:effectRef idx="0">
-            <a:schemeClr val="accent1"/>
-          </a:effectRef>
-          <a:fontRef idx="minor">
-            <a:schemeClr val="lt1"/>
-          </a:fontRef>
-        </p:style>
-        <p:txBody>
-          <a:bodyPr rtlCol="0" anchor="ctr"/>
-          <a:lstStyle/>
-          <a:p>
-            <a:pPr algn="ctr"/>
-            <a:endParaRPr lang="en-US"/>
-          </a:p>
-        </p:txBody>
-      </p:sp>
-      <p:sp>
-        <p:nvSpPr>
-          <p:cNvPr id="55" name="Rectangle 54">
-            <a:extLst>
-              <a:ext uri="{FF2B5EF4-FFF2-40B4-BE49-F238E27FC236}">
-                <a16:creationId xmlns:a16="http://schemas.microsoft.com/office/drawing/2014/main" id="{09DA791C-FFCF-422E-8775-BDA6C0E5ECF0}"/>
-              </a:ext>
-              <a:ext uri="{C183D7F6-B498-43B3-948B-1728B52AA6E4}">
-                <adec:decorative xmlns:adec="http://schemas.microsoft.com/office/drawing/2017/decorative" val="1"/>
-              </a:ext>
-            </a:extLst>
-          </p:cNvPr>
-          <p:cNvSpPr>
-            <a:spLocks noGrp="1" noRot="1" noChangeAspect="1" noMove="1" noResize="1" noEditPoints="1" noAdjustHandles="1" noChangeArrowheads="1" noChangeShapeType="1" noTextEdit="1"/>
-          </p:cNvSpPr>
-          <p:nvPr>
-            <p:extLst>
-              <p:ext uri="{386F3935-93C4-4BCD-93E2-E3B085C9AB24}">
-                <p16:designElem xmlns:p16="http://schemas.microsoft.com/office/powerpoint/2015/main" val="1"/>
-              </p:ext>
-            </p:extLst>
-          </p:nvPr>
-        </p:nvSpPr>
-        <p:spPr bwMode="white">
-          <a:xfrm>
-            <a:off x="1507" y="4953000"/>
-            <a:ext cx="12188952" cy="1905000"/>
-          </a:xfrm>
-          <a:prstGeom prst="rect">
-            <a:avLst/>
-          </a:prstGeom>
-          <a:solidFill>
-            <a:schemeClr val="accent2"/>
-          </a:solidFill>
-          <a:ln>
-            <a:noFill/>
-          </a:ln>
-        </p:spPr>
-        <p:style>
-          <a:lnRef idx="2">
-            <a:schemeClr val="accent1">
-              <a:shade val="50000"/>
-            </a:schemeClr>
-          </a:lnRef>
-          <a:fillRef idx="1">
-            <a:schemeClr val="accent1"/>
-          </a:fillRef>
-          <a:effectRef idx="0">
-            <a:schemeClr val="accent1"/>
-          </a:effectRef>
-          <a:fontRef idx="minor">
-            <a:schemeClr val="lt1"/>
-          </a:fontRef>
-        </p:style>
-      </p:sp>
-      <p:sp>
-        <p:nvSpPr>
           <p:cNvPr id="2" name="Title 1">
             <a:extLst>
               <a:ext uri="{FF2B5EF4-FFF2-40B4-BE49-F238E27FC236}">
@@ -11096,8 +11318,8 @@
         </p:nvSpPr>
         <p:spPr>
           <a:xfrm>
-            <a:off x="1065197" y="5120640"/>
-            <a:ext cx="10058400" cy="822960"/>
+            <a:off x="1097280" y="286603"/>
+            <a:ext cx="10058400" cy="1450757"/>
           </a:xfrm>
         </p:spPr>
         <p:txBody>
@@ -11107,11 +11329,7 @@
           <a:lstStyle/>
           <a:p>
             <a:r>
-              <a:rPr lang="en-US" sz="3600">
-                <a:solidFill>
-                  <a:srgbClr val="FFFFFF"/>
-                </a:solidFill>
-              </a:rPr>
+              <a:rPr lang="en-US"/>
               <a:t>Creating connection and Database in Postgres</a:t>
             </a:r>
           </a:p>
@@ -11141,8 +11359,8 @@
         </p:blipFill>
         <p:spPr>
           <a:xfrm>
-            <a:off x="121618" y="460364"/>
-            <a:ext cx="11949862" cy="1252242"/>
+            <a:off x="77948" y="3423647"/>
+            <a:ext cx="12028791" cy="1231491"/>
           </a:xfrm>
           <a:prstGeom prst="rect">
             <a:avLst/>
@@ -11151,89 +11369,95 @@
       </p:pic>
       <p:sp>
         <p:nvSpPr>
-          <p:cNvPr id="57" name="Rectangle 56">
+          <p:cNvPr id="8" name="TextBox 7">
             <a:extLst>
               <a:ext uri="{FF2B5EF4-FFF2-40B4-BE49-F238E27FC236}">
-                <a16:creationId xmlns:a16="http://schemas.microsoft.com/office/drawing/2014/main" id="{0DCF8855-3530-4F46-A4CB-3B6686EEE4BD}"/>
-              </a:ext>
-              <a:ext uri="{C183D7F6-B498-43B3-948B-1728B52AA6E4}">
-                <adec:decorative xmlns:adec="http://schemas.microsoft.com/office/drawing/2017/decorative" val="1"/>
+                <a16:creationId xmlns:a16="http://schemas.microsoft.com/office/drawing/2014/main" id="{EBFAE7B3-1539-42CA-AA58-033C5D3E0B35}"/>
               </a:ext>
             </a:extLst>
           </p:cNvPr>
-          <p:cNvSpPr>
-            <a:spLocks noGrp="1" noRot="1" noChangeAspect="1" noMove="1" noResize="1" noEditPoints="1" noAdjustHandles="1" noChangeArrowheads="1" noChangeShapeType="1" noTextEdit="1"/>
-          </p:cNvSpPr>
-          <p:nvPr>
-            <p:extLst>
-              <p:ext uri="{386F3935-93C4-4BCD-93E2-E3B085C9AB24}">
-                <p16:designElem xmlns:p16="http://schemas.microsoft.com/office/powerpoint/2015/main" val="1"/>
-              </p:ext>
-            </p:extLst>
-          </p:nvPr>
-        </p:nvSpPr>
-        <p:spPr>
-          <a:xfrm>
-            <a:off x="1507" y="4906176"/>
-            <a:ext cx="12188952" cy="64008"/>
+          <p:cNvSpPr txBox="1"/>
+          <p:nvPr/>
+        </p:nvSpPr>
+        <p:spPr>
+          <a:xfrm>
+            <a:off x="2839836" y="2174182"/>
+            <a:ext cx="6515947" cy="4023360"/>
           </a:xfrm>
           <a:prstGeom prst="rect">
             <a:avLst/>
           </a:prstGeom>
-          <a:solidFill>
-            <a:schemeClr val="accent1"/>
-          </a:solidFill>
-          <a:ln>
-            <a:noFill/>
-          </a:ln>
-        </p:spPr>
-        <p:style>
-          <a:lnRef idx="2">
-            <a:schemeClr val="accent1">
-              <a:shade val="50000"/>
-            </a:schemeClr>
-          </a:lnRef>
-          <a:fillRef idx="1">
-            <a:schemeClr val="accent1"/>
-          </a:fillRef>
-          <a:effectRef idx="0">
-            <a:schemeClr val="accent1"/>
-          </a:effectRef>
-          <a:fontRef idx="minor">
-            <a:schemeClr val="lt1"/>
-          </a:fontRef>
-        </p:style>
-      </p:sp>
-      <p:pic>
-        <p:nvPicPr>
-          <p:cNvPr id="6" name="Picture 6" descr="Text&#10;&#10;Description automatically generated">
-            <a:extLst>
-              <a:ext uri="{FF2B5EF4-FFF2-40B4-BE49-F238E27FC236}">
-                <a16:creationId xmlns:a16="http://schemas.microsoft.com/office/drawing/2014/main" id="{DFD58B17-2DDC-4ADB-BE2E-5CE3DC97097F}"/>
-              </a:ext>
-            </a:extLst>
-          </p:cNvPr>
-          <p:cNvPicPr>
-            <a:picLocks noChangeAspect="1"/>
-          </p:cNvPicPr>
-          <p:nvPr/>
-        </p:nvPicPr>
-        <p:blipFill>
-          <a:blip r:embed="rId3"/>
-          <a:stretch>
-            <a:fillRect/>
-          </a:stretch>
-        </p:blipFill>
-        <p:spPr>
-          <a:xfrm>
-            <a:off x="3712780" y="1840597"/>
-            <a:ext cx="4884682" cy="2927187"/>
-          </a:xfrm>
-          <a:prstGeom prst="rect">
-            <a:avLst/>
-          </a:prstGeom>
-        </p:spPr>
-      </p:pic>
+        </p:spPr>
+        <p:txBody>
+          <a:bodyPr rot="0" spcFirstLastPara="0" vertOverflow="overflow" horzOverflow="overflow" vert="horz" wrap="square" lIns="0" tIns="45720" rIns="0" bIns="45720" numCol="1" spcCol="0" rtlCol="0" fromWordArt="0" anchor="t" anchorCtr="0" forceAA="0" compatLnSpc="1">
+            <a:prstTxWarp prst="textNoShape">
+              <a:avLst/>
+            </a:prstTxWarp>
+            <a:normAutofit/>
+          </a:bodyPr>
+          <a:lstStyle/>
+          <a:p>
+            <a:pPr algn="ctr">
+              <a:lnSpc>
+                <a:spcPct val="90000"/>
+              </a:lnSpc>
+              <a:spcAft>
+                <a:spcPts val="600"/>
+              </a:spcAft>
+              <a:buClr>
+                <a:schemeClr val="accent1"/>
+              </a:buClr>
+              <a:buFont typeface="Calibri" panose="020F0502020204030204" pitchFamily="34" charset="0"/>
+            </a:pPr>
+            <a:r>
+              <a:rPr lang="en-US" sz="2400">
+                <a:solidFill>
+                  <a:schemeClr val="tx1">
+                    <a:lumMod val="75000"/>
+                    <a:lumOff val="25000"/>
+                  </a:schemeClr>
+                </a:solidFill>
+                <a:latin typeface="+mn-lt"/>
+              </a:rPr>
+              <a:t>We used the psycopg2 library in order to call external SQL scripts to create the database and tables from within the jupyter notebook</a:t>
+            </a:r>
+            <a:endParaRPr lang="en-US" sz="2400" dirty="0">
+              <a:solidFill>
+                <a:schemeClr val="tx1">
+                  <a:lumMod val="75000"/>
+                  <a:lumOff val="25000"/>
+                </a:schemeClr>
+              </a:solidFill>
+              <a:latin typeface="+mn-lt"/>
+              <a:cs typeface="Calibri"/>
+            </a:endParaRPr>
+          </a:p>
+          <a:p>
+            <a:pPr algn="ctr">
+              <a:lnSpc>
+                <a:spcPct val="90000"/>
+              </a:lnSpc>
+              <a:spcAft>
+                <a:spcPts val="600"/>
+              </a:spcAft>
+              <a:buClr>
+                <a:schemeClr val="accent1"/>
+              </a:buClr>
+              <a:buFont typeface="Calibri" panose="020F0502020204030204" pitchFamily="34" charset="0"/>
+            </a:pPr>
+            <a:endParaRPr lang="en-US" sz="2400" dirty="0">
+              <a:solidFill>
+                <a:schemeClr val="tx1">
+                  <a:lumMod val="75000"/>
+                  <a:lumOff val="25000"/>
+                </a:schemeClr>
+              </a:solidFill>
+              <a:latin typeface="+mn-lt"/>
+              <a:cs typeface="Calibri"/>
+            </a:endParaRPr>
+          </a:p>
+        </p:txBody>
+      </p:sp>
     </p:spTree>
     <p:extLst>
       <p:ext uri="{BB962C8B-B14F-4D97-AF65-F5344CB8AC3E}">
@@ -11272,12 +11496,12 @@
           <a:chExt cx="0" cy="0"/>
         </a:xfrm>
       </p:grpSpPr>
-      <p:sp>
-        <p:nvSpPr>
-          <p:cNvPr id="13" name="Rectangle 12">
+      <p:sp useBgFill="1">
+        <p:nvSpPr>
+          <p:cNvPr id="10" name="Rectangle 9">
             <a:extLst>
               <a:ext uri="{FF2B5EF4-FFF2-40B4-BE49-F238E27FC236}">
-                <a16:creationId xmlns:a16="http://schemas.microsoft.com/office/drawing/2014/main" id="{BB2B8762-61F0-4F1B-9364-D633EE9D6AF5}"/>
+                <a16:creationId xmlns:a16="http://schemas.microsoft.com/office/drawing/2014/main" id="{44CC594A-A820-450F-B363-C19201FCFEC6}"/>
               </a:ext>
               <a:ext uri="{C183D7F6-B498-43B3-948B-1728B52AA6E4}">
                 <adec:decorative xmlns:adec="http://schemas.microsoft.com/office/drawing/2017/decorative" val="1"/>
@@ -11297,8 +11521,68 @@
         </p:nvSpPr>
         <p:spPr>
           <a:xfrm>
-            <a:off x="3175" y="6400800"/>
-            <a:ext cx="12188825" cy="457200"/>
+            <a:off x="0" y="0"/>
+            <a:ext cx="12186315" cy="6858000"/>
+          </a:xfrm>
+          <a:prstGeom prst="rect">
+            <a:avLst/>
+          </a:prstGeom>
+          <a:ln>
+            <a:noFill/>
+          </a:ln>
+        </p:spPr>
+        <p:style>
+          <a:lnRef idx="2">
+            <a:schemeClr val="accent6">
+              <a:shade val="50000"/>
+            </a:schemeClr>
+          </a:lnRef>
+          <a:fillRef idx="1001">
+            <a:schemeClr val="lt1"/>
+          </a:fillRef>
+          <a:effectRef idx="0">
+            <a:schemeClr val="accent6"/>
+          </a:effectRef>
+          <a:fontRef idx="minor">
+            <a:schemeClr val="lt1"/>
+          </a:fontRef>
+        </p:style>
+        <p:txBody>
+          <a:bodyPr rtlCol="0" anchor="ctr"/>
+          <a:lstStyle/>
+          <a:p>
+            <a:pPr algn="ctr"/>
+            <a:endParaRPr lang="en-US"/>
+          </a:p>
+        </p:txBody>
+      </p:sp>
+      <p:sp>
+        <p:nvSpPr>
+          <p:cNvPr id="12" name="Rectangle 11">
+            <a:extLst>
+              <a:ext uri="{FF2B5EF4-FFF2-40B4-BE49-F238E27FC236}">
+                <a16:creationId xmlns:a16="http://schemas.microsoft.com/office/drawing/2014/main" id="{59FAB3DA-E9ED-4574-ABCC-378BC0FF1BBC}"/>
+              </a:ext>
+              <a:ext uri="{C183D7F6-B498-43B3-948B-1728B52AA6E4}">
+                <adec:decorative xmlns:adec="http://schemas.microsoft.com/office/drawing/2017/decorative" val="1"/>
+              </a:ext>
+            </a:extLst>
+          </p:cNvPr>
+          <p:cNvSpPr>
+            <a:spLocks noGrp="1" noRot="1" noChangeAspect="1" noMove="1" noResize="1" noEditPoints="1" noAdjustHandles="1" noChangeArrowheads="1" noChangeShapeType="1" noTextEdit="1"/>
+          </p:cNvSpPr>
+          <p:nvPr>
+            <p:extLst>
+              <p:ext uri="{386F3935-93C4-4BCD-93E2-E3B085C9AB24}">
+                <p16:designElem xmlns:p16="http://schemas.microsoft.com/office/powerpoint/2015/main" val="1"/>
+              </p:ext>
+            </p:extLst>
+          </p:nvPr>
+        </p:nvSpPr>
+        <p:spPr>
+          <a:xfrm>
+            <a:off x="16" y="0"/>
+            <a:ext cx="4050791" cy="6858000"/>
           </a:xfrm>
           <a:prstGeom prst="rect">
             <a:avLst/>
@@ -11329,10 +11613,131 @@
       </p:sp>
       <p:sp>
         <p:nvSpPr>
-          <p:cNvPr id="15" name="Rectangle 14">
+          <p:cNvPr id="2" name="Title 1">
             <a:extLst>
               <a:ext uri="{FF2B5EF4-FFF2-40B4-BE49-F238E27FC236}">
-                <a16:creationId xmlns:a16="http://schemas.microsoft.com/office/drawing/2014/main" id="{E97675C8-1328-460C-9EBF-6B446B67EAD3}"/>
+                <a16:creationId xmlns:a16="http://schemas.microsoft.com/office/drawing/2014/main" id="{57AF72CB-6B41-4272-9C17-51C9324A4669}"/>
+              </a:ext>
+            </a:extLst>
+          </p:cNvPr>
+          <p:cNvSpPr>
+            <a:spLocks noGrp="1"/>
+          </p:cNvSpPr>
+          <p:nvPr>
+            <p:ph type="title"/>
+          </p:nvPr>
+        </p:nvSpPr>
+        <p:spPr>
+          <a:xfrm>
+            <a:off x="492370" y="516835"/>
+            <a:ext cx="3084844" cy="2103875"/>
+          </a:xfrm>
+        </p:spPr>
+        <p:txBody>
+          <a:bodyPr vert="horz" lIns="91440" tIns="45720" rIns="91440" bIns="45720" rtlCol="0" anchor="b">
+            <a:normAutofit/>
+          </a:bodyPr>
+          <a:lstStyle/>
+          <a:p>
+            <a:r>
+              <a:rPr lang="en-US" sz="3600">
+                <a:solidFill>
+                  <a:srgbClr val="FFFFFF"/>
+                </a:solidFill>
+              </a:rPr>
+              <a:t>Creating connection and Database in Postgres</a:t>
+            </a:r>
+          </a:p>
+        </p:txBody>
+      </p:sp>
+      <p:sp>
+        <p:nvSpPr>
+          <p:cNvPr id="5" name="TextBox 4">
+            <a:extLst>
+              <a:ext uri="{FF2B5EF4-FFF2-40B4-BE49-F238E27FC236}">
+                <a16:creationId xmlns:a16="http://schemas.microsoft.com/office/drawing/2014/main" id="{FA9A0FDB-16C5-4B7E-B833-9A03ED63FA40}"/>
+              </a:ext>
+            </a:extLst>
+          </p:cNvPr>
+          <p:cNvSpPr txBox="1"/>
+          <p:nvPr/>
+        </p:nvSpPr>
+        <p:spPr>
+          <a:xfrm>
+            <a:off x="492371" y="2653800"/>
+            <a:ext cx="3084844" cy="3335519"/>
+          </a:xfrm>
+          <a:prstGeom prst="rect">
+            <a:avLst/>
+          </a:prstGeom>
+        </p:spPr>
+        <p:txBody>
+          <a:bodyPr rot="0" spcFirstLastPara="0" vertOverflow="overflow" horzOverflow="overflow" vert="horz" lIns="0" tIns="45720" rIns="0" bIns="45720" numCol="1" spcCol="0" rtlCol="0" fromWordArt="0" anchorCtr="0" forceAA="0" compatLnSpc="1">
+            <a:prstTxWarp prst="textNoShape">
+              <a:avLst/>
+            </a:prstTxWarp>
+            <a:normAutofit/>
+          </a:bodyPr>
+          <a:lstStyle/>
+          <a:p>
+            <a:pPr>
+              <a:lnSpc>
+                <a:spcPct val="90000"/>
+              </a:lnSpc>
+              <a:spcAft>
+                <a:spcPts val="600"/>
+              </a:spcAft>
+              <a:buClr>
+                <a:schemeClr val="accent1"/>
+              </a:buClr>
+              <a:buFont typeface="Calibri" panose="020F0502020204030204" pitchFamily="34" charset="0"/>
+            </a:pPr>
+            <a:r>
+              <a:rPr lang="en-US">
+                <a:solidFill>
+                  <a:srgbClr val="FFFFFF"/>
+                </a:solidFill>
+                <a:latin typeface="+mn-lt"/>
+              </a:rPr>
+              <a:t>After creating the database and schema we utilized sqlalchemy and pandas to load our table and perform our query against those tables.</a:t>
+            </a:r>
+            <a:endParaRPr lang="en-US" dirty="0">
+              <a:solidFill>
+                <a:srgbClr val="FFFFFF"/>
+              </a:solidFill>
+              <a:latin typeface="+mn-lt"/>
+              <a:cs typeface="Calibri"/>
+            </a:endParaRPr>
+          </a:p>
+          <a:p>
+            <a:pPr>
+              <a:lnSpc>
+                <a:spcPct val="90000"/>
+              </a:lnSpc>
+              <a:spcAft>
+                <a:spcPts val="600"/>
+              </a:spcAft>
+              <a:buClr>
+                <a:schemeClr val="accent1"/>
+              </a:buClr>
+              <a:buFont typeface="Calibri" panose="020F0502020204030204" pitchFamily="34" charset="0"/>
+            </a:pPr>
+            <a:endParaRPr lang="en-US" dirty="0">
+              <a:solidFill>
+                <a:srgbClr val="FFFFFF"/>
+              </a:solidFill>
+              <a:latin typeface="+mn-lt"/>
+              <a:cs typeface="Calibri"/>
+            </a:endParaRPr>
+          </a:p>
+        </p:txBody>
+      </p:sp>
+      <p:sp>
+        <p:nvSpPr>
+          <p:cNvPr id="14" name="Rectangle 13">
+            <a:extLst>
+              <a:ext uri="{FF2B5EF4-FFF2-40B4-BE49-F238E27FC236}">
+                <a16:creationId xmlns:a16="http://schemas.microsoft.com/office/drawing/2014/main" id="{53B8D6B0-55D6-48DC-86D8-FD95D5F118AB}"/>
               </a:ext>
               <a:ext uri="{C183D7F6-B498-43B3-948B-1728B52AA6E4}">
                 <adec:decorative xmlns:adec="http://schemas.microsoft.com/office/drawing/2017/decorative" val="1"/>
@@ -11352,8 +11757,8 @@
         </p:nvSpPr>
         <p:spPr>
           <a:xfrm>
-            <a:off x="15" y="6334316"/>
-            <a:ext cx="12188825" cy="64008"/>
+            <a:off x="4040071" y="0"/>
+            <a:ext cx="64008" cy="6858000"/>
           </a:xfrm>
           <a:prstGeom prst="rect">
             <a:avLst/>
@@ -11382,176 +11787,21 @@
           </a:fontRef>
         </p:style>
       </p:sp>
-      <p:cxnSp>
-        <p:nvCxnSpPr>
-          <p:cNvPr id="17" name="Straight Connector 16">
+      <p:pic>
+        <p:nvPicPr>
+          <p:cNvPr id="4" name="Picture 4" descr="Text&#10;&#10;Description automatically generated">
             <a:extLst>
               <a:ext uri="{FF2B5EF4-FFF2-40B4-BE49-F238E27FC236}">
-                <a16:creationId xmlns:a16="http://schemas.microsoft.com/office/drawing/2014/main" id="{514EE78B-AF71-4195-A01B-F1165D9233BF}"/>
-              </a:ext>
-              <a:ext uri="{C183D7F6-B498-43B3-948B-1728B52AA6E4}">
-                <adec:decorative xmlns:adec="http://schemas.microsoft.com/office/drawing/2017/decorative" val="1"/>
-              </a:ext>
-            </a:extLst>
-          </p:cNvPr>
-          <p:cNvCxnSpPr>
-            <a:cxnSpLocks noGrp="1" noRot="1" noChangeAspect="1" noMove="1" noResize="1" noEditPoints="1" noAdjustHandles="1" noChangeArrowheads="1" noChangeShapeType="1"/>
-          </p:cNvCxnSpPr>
-          <p:nvPr>
-            <p:extLst>
-              <p:ext uri="{386F3935-93C4-4BCD-93E2-E3B085C9AB24}">
-                <p16:designElem xmlns:p16="http://schemas.microsoft.com/office/powerpoint/2015/main" val="1"/>
-              </p:ext>
-            </p:extLst>
-          </p:nvPr>
-        </p:nvCxnSpPr>
-        <p:spPr>
-          <a:xfrm>
-            <a:off x="1207658" y="4343400"/>
-            <a:ext cx="9875520" cy="0"/>
-          </a:xfrm>
-          <a:prstGeom prst="line">
-            <a:avLst/>
-          </a:prstGeom>
-          <a:ln w="6350">
-            <a:solidFill>
-              <a:schemeClr val="tx1">
-                <a:lumMod val="50000"/>
-                <a:lumOff val="50000"/>
-              </a:schemeClr>
-            </a:solidFill>
-          </a:ln>
-        </p:spPr>
-        <p:style>
-          <a:lnRef idx="1">
-            <a:schemeClr val="accent1"/>
-          </a:lnRef>
-          <a:fillRef idx="0">
-            <a:schemeClr val="accent1"/>
-          </a:fillRef>
-          <a:effectRef idx="0">
-            <a:schemeClr val="accent1"/>
-          </a:effectRef>
-          <a:fontRef idx="minor">
-            <a:schemeClr val="tx1"/>
-          </a:fontRef>
-        </p:style>
-      </p:cxnSp>
-      <p:sp useBgFill="1">
-        <p:nvSpPr>
-          <p:cNvPr id="19" name="Rectangle 18">
-            <a:extLst>
-              <a:ext uri="{FF2B5EF4-FFF2-40B4-BE49-F238E27FC236}">
-                <a16:creationId xmlns:a16="http://schemas.microsoft.com/office/drawing/2014/main" id="{C6417104-D4C1-4710-9982-2154A7F48492}"/>
-              </a:ext>
-              <a:ext uri="{C183D7F6-B498-43B3-948B-1728B52AA6E4}">
-                <adec:decorative xmlns:adec="http://schemas.microsoft.com/office/drawing/2017/decorative" val="1"/>
-              </a:ext>
-            </a:extLst>
-          </p:cNvPr>
-          <p:cNvSpPr>
-            <a:spLocks noGrp="1" noRot="1" noChangeAspect="1" noMove="1" noResize="1" noEditPoints="1" noAdjustHandles="1" noChangeArrowheads="1" noChangeShapeType="1" noTextEdit="1"/>
-          </p:cNvSpPr>
-          <p:nvPr>
-            <p:extLst>
-              <p:ext uri="{386F3935-93C4-4BCD-93E2-E3B085C9AB24}">
-                <p16:designElem xmlns:p16="http://schemas.microsoft.com/office/powerpoint/2015/main" val="1"/>
-              </p:ext>
-            </p:extLst>
-          </p:nvPr>
-        </p:nvSpPr>
-        <p:spPr>
-          <a:xfrm>
-            <a:off x="0" y="0"/>
-            <a:ext cx="12192001" cy="6334316"/>
-          </a:xfrm>
-          <a:prstGeom prst="rect">
-            <a:avLst/>
-          </a:prstGeom>
-          <a:ln>
-            <a:noFill/>
-          </a:ln>
-        </p:spPr>
-        <p:style>
-          <a:lnRef idx="2">
-            <a:schemeClr val="accent1">
-              <a:shade val="50000"/>
-            </a:schemeClr>
-          </a:lnRef>
-          <a:fillRef idx="1">
-            <a:schemeClr val="accent1"/>
-          </a:fillRef>
-          <a:effectRef idx="0">
-            <a:schemeClr val="accent1"/>
-          </a:effectRef>
-          <a:fontRef idx="minor">
-            <a:schemeClr val="lt1"/>
-          </a:fontRef>
-        </p:style>
-        <p:txBody>
-          <a:bodyPr rtlCol="0" anchor="ctr"/>
-          <a:lstStyle/>
-          <a:p>
-            <a:pPr algn="ctr"/>
-            <a:endParaRPr lang="en-US"/>
-          </a:p>
-        </p:txBody>
-      </p:sp>
-      <p:sp>
-        <p:nvSpPr>
-          <p:cNvPr id="2" name="Title 1">
-            <a:extLst>
-              <a:ext uri="{FF2B5EF4-FFF2-40B4-BE49-F238E27FC236}">
-                <a16:creationId xmlns:a16="http://schemas.microsoft.com/office/drawing/2014/main" id="{97484EA6-3546-4935-BA8B-253C7590A7A3}"/>
-              </a:ext>
-            </a:extLst>
-          </p:cNvPr>
-          <p:cNvSpPr>
-            <a:spLocks noGrp="1"/>
-          </p:cNvSpPr>
-          <p:nvPr>
-            <p:ph type="title"/>
-          </p:nvPr>
-        </p:nvSpPr>
-        <p:spPr>
-          <a:xfrm>
-            <a:off x="633999" y="4550229"/>
-            <a:ext cx="10909073" cy="1057655"/>
-          </a:xfrm>
-        </p:spPr>
-        <p:txBody>
-          <a:bodyPr vert="horz" lIns="91440" tIns="45720" rIns="91440" bIns="45720" rtlCol="0" anchor="b">
-            <a:normAutofit/>
-          </a:bodyPr>
-          <a:lstStyle/>
-          <a:p>
-            <a:r>
-              <a:rPr lang="en-US" sz="5600">
-                <a:solidFill>
-                  <a:schemeClr val="tx1">
-                    <a:lumMod val="85000"/>
-                    <a:lumOff val="15000"/>
-                  </a:schemeClr>
-                </a:solidFill>
-              </a:rPr>
-              <a:t>Storing and cleaning the Dataframes</a:t>
-            </a:r>
-          </a:p>
-        </p:txBody>
-      </p:sp>
-      <p:pic>
-        <p:nvPicPr>
-          <p:cNvPr id="8" name="Picture 8" descr="A picture containing text&#10;&#10;Description automatically generated">
-            <a:extLst>
-              <a:ext uri="{FF2B5EF4-FFF2-40B4-BE49-F238E27FC236}">
-                <a16:creationId xmlns:a16="http://schemas.microsoft.com/office/drawing/2014/main" id="{DA3B7E85-9D1A-4ECA-94D2-FFCA7AC7B1AF}"/>
+                <a16:creationId xmlns:a16="http://schemas.microsoft.com/office/drawing/2014/main" id="{47A4C708-2F5B-4635-9D56-ADE5B8DB5039}"/>
               </a:ext>
             </a:extLst>
           </p:cNvPr>
           <p:cNvPicPr>
-            <a:picLocks noChangeAspect="1"/>
+            <a:picLocks noGrp="1" noChangeAspect="1"/>
           </p:cNvPicPr>
-          <p:nvPr/>
+          <p:nvPr>
+            <p:ph sz="quarter" idx="13"/>
+          </p:nvPr>
         </p:nvPicPr>
         <p:blipFill>
           <a:blip r:embed="rId2"/>
@@ -11561,358 +11811,18 @@
         </p:blipFill>
         <p:spPr>
           <a:xfrm>
-            <a:off x="6219078" y="2087413"/>
-            <a:ext cx="5880514" cy="694932"/>
+            <a:off x="4742017" y="1385911"/>
+            <a:ext cx="6798082" cy="4086178"/>
           </a:xfrm>
           <a:prstGeom prst="rect">
             <a:avLst/>
           </a:prstGeom>
         </p:spPr>
       </p:pic>
-      <p:sp>
-        <p:nvSpPr>
-          <p:cNvPr id="21" name="Rectangle 20">
-            <a:extLst>
-              <a:ext uri="{FF2B5EF4-FFF2-40B4-BE49-F238E27FC236}">
-                <a16:creationId xmlns:a16="http://schemas.microsoft.com/office/drawing/2014/main" id="{626F1402-2DEC-4071-84AF-350C7BF00D43}"/>
-              </a:ext>
-              <a:ext uri="{C183D7F6-B498-43B3-948B-1728B52AA6E4}">
-                <adec:decorative xmlns:adec="http://schemas.microsoft.com/office/drawing/2017/decorative" val="1"/>
-              </a:ext>
-            </a:extLst>
-          </p:cNvPr>
-          <p:cNvSpPr>
-            <a:spLocks noGrp="1" noRot="1" noChangeAspect="1" noMove="1" noResize="1" noEditPoints="1" noAdjustHandles="1" noChangeArrowheads="1" noChangeShapeType="1" noTextEdit="1"/>
-          </p:cNvSpPr>
-          <p:nvPr>
-            <p:extLst>
-              <p:ext uri="{386F3935-93C4-4BCD-93E2-E3B085C9AB24}">
-                <p16:designElem xmlns:p16="http://schemas.microsoft.com/office/powerpoint/2015/main" val="1"/>
-              </p:ext>
-            </p:extLst>
-          </p:nvPr>
-        </p:nvSpPr>
-        <p:spPr>
-          <a:xfrm>
-            <a:off x="6063996" y="886968"/>
-            <a:ext cx="64008" cy="3108960"/>
-          </a:xfrm>
-          <a:prstGeom prst="rect">
-            <a:avLst/>
-          </a:prstGeom>
-          <a:ln>
-            <a:noFill/>
-          </a:ln>
-        </p:spPr>
-        <p:style>
-          <a:lnRef idx="2">
-            <a:schemeClr val="accent1">
-              <a:shade val="50000"/>
-            </a:schemeClr>
-          </a:lnRef>
-          <a:fillRef idx="1">
-            <a:schemeClr val="accent1"/>
-          </a:fillRef>
-          <a:effectRef idx="0">
-            <a:schemeClr val="accent1"/>
-          </a:effectRef>
-          <a:fontRef idx="minor">
-            <a:schemeClr val="lt1"/>
-          </a:fontRef>
-        </p:style>
-        <p:txBody>
-          <a:bodyPr rtlCol="0" anchor="ctr"/>
-          <a:lstStyle/>
-          <a:p>
-            <a:pPr algn="ctr"/>
-            <a:endParaRPr lang="en-US"/>
-          </a:p>
-        </p:txBody>
-      </p:sp>
-      <p:pic>
-        <p:nvPicPr>
-          <p:cNvPr id="7" name="Picture 7" descr="Graphical user interface, text&#10;&#10;Description automatically generated">
-            <a:extLst>
-              <a:ext uri="{FF2B5EF4-FFF2-40B4-BE49-F238E27FC236}">
-                <a16:creationId xmlns:a16="http://schemas.microsoft.com/office/drawing/2014/main" id="{EBE4FA43-55BC-477E-B4E4-A8BBE767139F}"/>
-              </a:ext>
-            </a:extLst>
-          </p:cNvPr>
-          <p:cNvPicPr>
-            <a:picLocks noGrp="1" noChangeAspect="1"/>
-          </p:cNvPicPr>
-          <p:nvPr>
-            <p:ph sz="half" idx="1"/>
-          </p:nvPr>
-        </p:nvPicPr>
-        <p:blipFill>
-          <a:blip r:embed="rId3"/>
-          <a:stretch>
-            <a:fillRect/>
-          </a:stretch>
-        </p:blipFill>
-        <p:spPr>
-          <a:xfrm>
-            <a:off x="631063" y="1936027"/>
-            <a:ext cx="5118182" cy="1010841"/>
-          </a:xfrm>
-          <a:prstGeom prst="rect">
-            <a:avLst/>
-          </a:prstGeom>
-        </p:spPr>
-      </p:pic>
-      <p:cxnSp>
-        <p:nvCxnSpPr>
-          <p:cNvPr id="23" name="Straight Connector 22">
-            <a:extLst>
-              <a:ext uri="{FF2B5EF4-FFF2-40B4-BE49-F238E27FC236}">
-                <a16:creationId xmlns:a16="http://schemas.microsoft.com/office/drawing/2014/main" id="{04733B62-1719-4677-A612-CA0AC0AD7482}"/>
-              </a:ext>
-              <a:ext uri="{C183D7F6-B498-43B3-948B-1728B52AA6E4}">
-                <adec:decorative xmlns:adec="http://schemas.microsoft.com/office/drawing/2017/decorative" val="1"/>
-              </a:ext>
-            </a:extLst>
-          </p:cNvPr>
-          <p:cNvCxnSpPr>
-            <a:cxnSpLocks noGrp="1" noRot="1" noChangeAspect="1" noMove="1" noResize="1" noEditPoints="1" noAdjustHandles="1" noChangeArrowheads="1" noChangeShapeType="1"/>
-          </p:cNvCxnSpPr>
-          <p:nvPr>
-            <p:extLst>
-              <p:ext uri="{386F3935-93C4-4BCD-93E2-E3B085C9AB24}">
-                <p16:designElem xmlns:p16="http://schemas.microsoft.com/office/powerpoint/2015/main" val="1"/>
-              </p:ext>
-            </p:extLst>
-          </p:nvPr>
-        </p:nvCxnSpPr>
-        <p:spPr>
-          <a:xfrm>
-            <a:off x="721086" y="5618770"/>
-            <a:ext cx="10515600" cy="0"/>
-          </a:xfrm>
-          <a:prstGeom prst="line">
-            <a:avLst/>
-          </a:prstGeom>
-          <a:ln w="6350">
-            <a:solidFill>
-              <a:schemeClr val="tx2">
-                <a:alpha val="90000"/>
-              </a:schemeClr>
-            </a:solidFill>
-          </a:ln>
-        </p:spPr>
-        <p:style>
-          <a:lnRef idx="1">
-            <a:schemeClr val="accent1"/>
-          </a:lnRef>
-          <a:fillRef idx="0">
-            <a:schemeClr val="accent1"/>
-          </a:fillRef>
-          <a:effectRef idx="0">
-            <a:schemeClr val="accent1"/>
-          </a:effectRef>
-          <a:fontRef idx="minor">
-            <a:schemeClr val="tx1"/>
-          </a:fontRef>
-        </p:style>
-      </p:cxnSp>
-      <p:sp>
-        <p:nvSpPr>
-          <p:cNvPr id="25" name="Rectangle 24">
-            <a:extLst>
-              <a:ext uri="{FF2B5EF4-FFF2-40B4-BE49-F238E27FC236}">
-                <a16:creationId xmlns:a16="http://schemas.microsoft.com/office/drawing/2014/main" id="{DA52A394-10F4-4AA5-90E4-634D1E919DBA}"/>
-              </a:ext>
-              <a:ext uri="{C183D7F6-B498-43B3-948B-1728B52AA6E4}">
-                <adec:decorative xmlns:adec="http://schemas.microsoft.com/office/drawing/2017/decorative" val="1"/>
-              </a:ext>
-            </a:extLst>
-          </p:cNvPr>
-          <p:cNvSpPr>
-            <a:spLocks noGrp="1" noRot="1" noChangeAspect="1" noMove="1" noResize="1" noEditPoints="1" noAdjustHandles="1" noChangeArrowheads="1" noChangeShapeType="1" noTextEdit="1"/>
-          </p:cNvSpPr>
-          <p:nvPr>
-            <p:extLst>
-              <p:ext uri="{386F3935-93C4-4BCD-93E2-E3B085C9AB24}">
-                <p16:designElem xmlns:p16="http://schemas.microsoft.com/office/powerpoint/2015/main" val="1"/>
-              </p:ext>
-            </p:extLst>
-          </p:nvPr>
-        </p:nvSpPr>
-        <p:spPr>
-          <a:xfrm>
-            <a:off x="15" y="6334316"/>
-            <a:ext cx="12191985" cy="66484"/>
-          </a:xfrm>
-          <a:prstGeom prst="rect">
-            <a:avLst/>
-          </a:prstGeom>
-          <a:solidFill>
-            <a:schemeClr val="accent1"/>
-          </a:solidFill>
-          <a:ln>
-            <a:noFill/>
-          </a:ln>
-        </p:spPr>
-        <p:style>
-          <a:lnRef idx="2">
-            <a:schemeClr val="accent1">
-              <a:shade val="50000"/>
-            </a:schemeClr>
-          </a:lnRef>
-          <a:fillRef idx="1">
-            <a:schemeClr val="accent1"/>
-          </a:fillRef>
-          <a:effectRef idx="0">
-            <a:schemeClr val="accent1"/>
-          </a:effectRef>
-          <a:fontRef idx="minor">
-            <a:schemeClr val="lt1"/>
-          </a:fontRef>
-        </p:style>
-      </p:sp>
-      <p:sp>
-        <p:nvSpPr>
-          <p:cNvPr id="27" name="Rectangle 26">
-            <a:extLst>
-              <a:ext uri="{FF2B5EF4-FFF2-40B4-BE49-F238E27FC236}">
-                <a16:creationId xmlns:a16="http://schemas.microsoft.com/office/drawing/2014/main" id="{07BDDC51-8BB2-42BE-8EA8-39B3E9AC1EF6}"/>
-              </a:ext>
-              <a:ext uri="{C183D7F6-B498-43B3-948B-1728B52AA6E4}">
-                <adec:decorative xmlns:adec="http://schemas.microsoft.com/office/drawing/2017/decorative" val="1"/>
-              </a:ext>
-            </a:extLst>
-          </p:cNvPr>
-          <p:cNvSpPr>
-            <a:spLocks noGrp="1" noRot="1" noChangeAspect="1" noMove="1" noResize="1" noEditPoints="1" noAdjustHandles="1" noChangeArrowheads="1" noChangeShapeType="1" noTextEdit="1"/>
-          </p:cNvSpPr>
-          <p:nvPr>
-            <p:extLst>
-              <p:ext uri="{386F3935-93C4-4BCD-93E2-E3B085C9AB24}">
-                <p16:designElem xmlns:p16="http://schemas.microsoft.com/office/powerpoint/2015/main" val="1"/>
-              </p:ext>
-            </p:extLst>
-          </p:nvPr>
-        </p:nvSpPr>
-        <p:spPr>
-          <a:xfrm>
-            <a:off x="1" y="6400800"/>
-            <a:ext cx="12192000" cy="457200"/>
-          </a:xfrm>
-          <a:prstGeom prst="rect">
-            <a:avLst/>
-          </a:prstGeom>
-          <a:solidFill>
-            <a:schemeClr val="accent2"/>
-          </a:solidFill>
-          <a:ln>
-            <a:noFill/>
-          </a:ln>
-        </p:spPr>
-        <p:style>
-          <a:lnRef idx="2">
-            <a:schemeClr val="accent1">
-              <a:shade val="50000"/>
-            </a:schemeClr>
-          </a:lnRef>
-          <a:fillRef idx="1">
-            <a:schemeClr val="accent1"/>
-          </a:fillRef>
-          <a:effectRef idx="0">
-            <a:schemeClr val="accent1"/>
-          </a:effectRef>
-          <a:fontRef idx="minor">
-            <a:schemeClr val="lt1"/>
-          </a:fontRef>
-        </p:style>
-      </p:sp>
-      <p:sp>
-        <p:nvSpPr>
-          <p:cNvPr id="14" name="TextBox 13">
-            <a:extLst>
-              <a:ext uri="{FF2B5EF4-FFF2-40B4-BE49-F238E27FC236}">
-                <a16:creationId xmlns:a16="http://schemas.microsoft.com/office/drawing/2014/main" id="{261E1C79-FECC-4B0D-ACEE-EA995C962DA9}"/>
-              </a:ext>
-            </a:extLst>
-          </p:cNvPr>
-          <p:cNvSpPr txBox="1"/>
-          <p:nvPr/>
-        </p:nvSpPr>
-        <p:spPr>
-          <a:xfrm>
-            <a:off x="1820917" y="3239814"/>
-            <a:ext cx="2743200" cy="369332"/>
-          </a:xfrm>
-          <a:prstGeom prst="rect">
-            <a:avLst/>
-          </a:prstGeom>
-          <a:noFill/>
-        </p:spPr>
-        <p:txBody>
-          <a:bodyPr rot="0" spcFirstLastPara="0" vertOverflow="overflow" horzOverflow="overflow" vert="horz" wrap="square" lIns="91440" tIns="45720" rIns="91440" bIns="45720" numCol="1" spcCol="0" rtlCol="0" fromWordArt="0" anchor="t" anchorCtr="0" forceAA="0" compatLnSpc="1">
-            <a:prstTxWarp prst="textNoShape">
-              <a:avLst/>
-            </a:prstTxWarp>
-            <a:spAutoFit/>
-          </a:bodyPr>
-          <a:lstStyle/>
-          <a:p>
-            <a:r>
-              <a:rPr lang="en-US">
-                <a:latin typeface="Arial"/>
-                <a:cs typeface="Arial"/>
-              </a:rPr>
-              <a:t>Read the CSV</a:t>
-            </a:r>
-            <a:endParaRPr lang="en-US"/>
-          </a:p>
-        </p:txBody>
-      </p:sp>
-      <p:sp>
-        <p:nvSpPr>
-          <p:cNvPr id="22" name="TextBox 21">
-            <a:extLst>
-              <a:ext uri="{FF2B5EF4-FFF2-40B4-BE49-F238E27FC236}">
-                <a16:creationId xmlns:a16="http://schemas.microsoft.com/office/drawing/2014/main" id="{4EDDB516-A7EC-46D6-832C-F5975BCC2383}"/>
-              </a:ext>
-            </a:extLst>
-          </p:cNvPr>
-          <p:cNvSpPr txBox="1"/>
-          <p:nvPr/>
-        </p:nvSpPr>
-        <p:spPr>
-          <a:xfrm>
-            <a:off x="7798675" y="3160986"/>
-            <a:ext cx="2743200" cy="369332"/>
-          </a:xfrm>
-          <a:prstGeom prst="rect">
-            <a:avLst/>
-          </a:prstGeom>
-          <a:noFill/>
-        </p:spPr>
-        <p:txBody>
-          <a:bodyPr rot="0" spcFirstLastPara="0" vertOverflow="overflow" horzOverflow="overflow" vert="horz" wrap="square" lIns="91440" tIns="45720" rIns="91440" bIns="45720" numCol="1" spcCol="0" rtlCol="0" fromWordArt="0" anchor="t" anchorCtr="0" forceAA="0" compatLnSpc="1">
-            <a:prstTxWarp prst="textNoShape">
-              <a:avLst/>
-            </a:prstTxWarp>
-            <a:spAutoFit/>
-          </a:bodyPr>
-          <a:lstStyle/>
-          <a:p>
-            <a:r>
-              <a:rPr lang="en-US">
-                <a:latin typeface="Arial"/>
-                <a:cs typeface="Arial"/>
-              </a:rPr>
-              <a:t>Rename the columns</a:t>
-            </a:r>
-            <a:endParaRPr lang="en-US"/>
-          </a:p>
-        </p:txBody>
-      </p:sp>
     </p:spTree>
     <p:extLst>
       <p:ext uri="{BB962C8B-B14F-4D97-AF65-F5344CB8AC3E}">
-        <p14:creationId xmlns:p14="http://schemas.microsoft.com/office/powerpoint/2010/main" val="307389343"/>
+        <p14:creationId xmlns:p14="http://schemas.microsoft.com/office/powerpoint/2010/main" val="2179557535"/>
       </p:ext>
     </p:extLst>
   </p:cSld>
@@ -12214,327 +12124,12 @@
           </a:p>
         </p:txBody>
       </p:sp>
-      <p:sp>
-        <p:nvSpPr>
-          <p:cNvPr id="21" name="Rectangle 20">
+      <p:pic>
+        <p:nvPicPr>
+          <p:cNvPr id="8" name="Picture 8" descr="A picture containing text&#10;&#10;Description automatically generated">
             <a:extLst>
               <a:ext uri="{FF2B5EF4-FFF2-40B4-BE49-F238E27FC236}">
-                <a16:creationId xmlns:a16="http://schemas.microsoft.com/office/drawing/2014/main" id="{626F1402-2DEC-4071-84AF-350C7BF00D43}"/>
-              </a:ext>
-              <a:ext uri="{C183D7F6-B498-43B3-948B-1728B52AA6E4}">
-                <adec:decorative xmlns:adec="http://schemas.microsoft.com/office/drawing/2017/decorative" val="1"/>
-              </a:ext>
-            </a:extLst>
-          </p:cNvPr>
-          <p:cNvSpPr>
-            <a:spLocks noGrp="1" noRot="1" noChangeAspect="1" noMove="1" noResize="1" noEditPoints="1" noAdjustHandles="1" noChangeArrowheads="1" noChangeShapeType="1" noTextEdit="1"/>
-          </p:cNvSpPr>
-          <p:nvPr>
-            <p:extLst>
-              <p:ext uri="{386F3935-93C4-4BCD-93E2-E3B085C9AB24}">
-                <p16:designElem xmlns:p16="http://schemas.microsoft.com/office/powerpoint/2015/main" val="1"/>
-              </p:ext>
-            </p:extLst>
-          </p:nvPr>
-        </p:nvSpPr>
-        <p:spPr>
-          <a:xfrm>
-            <a:off x="6063996" y="886968"/>
-            <a:ext cx="64008" cy="3108960"/>
-          </a:xfrm>
-          <a:prstGeom prst="rect">
-            <a:avLst/>
-          </a:prstGeom>
-          <a:ln>
-            <a:noFill/>
-          </a:ln>
-        </p:spPr>
-        <p:style>
-          <a:lnRef idx="2">
-            <a:schemeClr val="accent1">
-              <a:shade val="50000"/>
-            </a:schemeClr>
-          </a:lnRef>
-          <a:fillRef idx="1">
-            <a:schemeClr val="accent1"/>
-          </a:fillRef>
-          <a:effectRef idx="0">
-            <a:schemeClr val="accent1"/>
-          </a:effectRef>
-          <a:fontRef idx="minor">
-            <a:schemeClr val="lt1"/>
-          </a:fontRef>
-        </p:style>
-        <p:txBody>
-          <a:bodyPr rtlCol="0" anchor="ctr"/>
-          <a:lstStyle/>
-          <a:p>
-            <a:pPr algn="ctr"/>
-            <a:endParaRPr lang="en-US"/>
-          </a:p>
-        </p:txBody>
-      </p:sp>
-      <p:cxnSp>
-        <p:nvCxnSpPr>
-          <p:cNvPr id="23" name="Straight Connector 22">
-            <a:extLst>
-              <a:ext uri="{FF2B5EF4-FFF2-40B4-BE49-F238E27FC236}">
-                <a16:creationId xmlns:a16="http://schemas.microsoft.com/office/drawing/2014/main" id="{04733B62-1719-4677-A612-CA0AC0AD7482}"/>
-              </a:ext>
-              <a:ext uri="{C183D7F6-B498-43B3-948B-1728B52AA6E4}">
-                <adec:decorative xmlns:adec="http://schemas.microsoft.com/office/drawing/2017/decorative" val="1"/>
-              </a:ext>
-            </a:extLst>
-          </p:cNvPr>
-          <p:cNvCxnSpPr>
-            <a:cxnSpLocks noGrp="1" noRot="1" noChangeAspect="1" noMove="1" noResize="1" noEditPoints="1" noAdjustHandles="1" noChangeArrowheads="1" noChangeShapeType="1"/>
-          </p:cNvCxnSpPr>
-          <p:nvPr>
-            <p:extLst>
-              <p:ext uri="{386F3935-93C4-4BCD-93E2-E3B085C9AB24}">
-                <p16:designElem xmlns:p16="http://schemas.microsoft.com/office/powerpoint/2015/main" val="1"/>
-              </p:ext>
-            </p:extLst>
-          </p:nvPr>
-        </p:nvCxnSpPr>
-        <p:spPr>
-          <a:xfrm>
-            <a:off x="721086" y="5618770"/>
-            <a:ext cx="10515600" cy="0"/>
-          </a:xfrm>
-          <a:prstGeom prst="line">
-            <a:avLst/>
-          </a:prstGeom>
-          <a:ln w="6350">
-            <a:solidFill>
-              <a:schemeClr val="tx2">
-                <a:alpha val="90000"/>
-              </a:schemeClr>
-            </a:solidFill>
-          </a:ln>
-        </p:spPr>
-        <p:style>
-          <a:lnRef idx="1">
-            <a:schemeClr val="accent1"/>
-          </a:lnRef>
-          <a:fillRef idx="0">
-            <a:schemeClr val="accent1"/>
-          </a:fillRef>
-          <a:effectRef idx="0">
-            <a:schemeClr val="accent1"/>
-          </a:effectRef>
-          <a:fontRef idx="minor">
-            <a:schemeClr val="tx1"/>
-          </a:fontRef>
-        </p:style>
-      </p:cxnSp>
-      <p:sp>
-        <p:nvSpPr>
-          <p:cNvPr id="25" name="Rectangle 24">
-            <a:extLst>
-              <a:ext uri="{FF2B5EF4-FFF2-40B4-BE49-F238E27FC236}">
-                <a16:creationId xmlns:a16="http://schemas.microsoft.com/office/drawing/2014/main" id="{DA52A394-10F4-4AA5-90E4-634D1E919DBA}"/>
-              </a:ext>
-              <a:ext uri="{C183D7F6-B498-43B3-948B-1728B52AA6E4}">
-                <adec:decorative xmlns:adec="http://schemas.microsoft.com/office/drawing/2017/decorative" val="1"/>
-              </a:ext>
-            </a:extLst>
-          </p:cNvPr>
-          <p:cNvSpPr>
-            <a:spLocks noGrp="1" noRot="1" noChangeAspect="1" noMove="1" noResize="1" noEditPoints="1" noAdjustHandles="1" noChangeArrowheads="1" noChangeShapeType="1" noTextEdit="1"/>
-          </p:cNvSpPr>
-          <p:nvPr>
-            <p:extLst>
-              <p:ext uri="{386F3935-93C4-4BCD-93E2-E3B085C9AB24}">
-                <p16:designElem xmlns:p16="http://schemas.microsoft.com/office/powerpoint/2015/main" val="1"/>
-              </p:ext>
-            </p:extLst>
-          </p:nvPr>
-        </p:nvSpPr>
-        <p:spPr>
-          <a:xfrm>
-            <a:off x="15" y="6334316"/>
-            <a:ext cx="12191985" cy="66484"/>
-          </a:xfrm>
-          <a:prstGeom prst="rect">
-            <a:avLst/>
-          </a:prstGeom>
-          <a:solidFill>
-            <a:schemeClr val="accent1"/>
-          </a:solidFill>
-          <a:ln>
-            <a:noFill/>
-          </a:ln>
-        </p:spPr>
-        <p:style>
-          <a:lnRef idx="2">
-            <a:schemeClr val="accent1">
-              <a:shade val="50000"/>
-            </a:schemeClr>
-          </a:lnRef>
-          <a:fillRef idx="1">
-            <a:schemeClr val="accent1"/>
-          </a:fillRef>
-          <a:effectRef idx="0">
-            <a:schemeClr val="accent1"/>
-          </a:effectRef>
-          <a:fontRef idx="minor">
-            <a:schemeClr val="lt1"/>
-          </a:fontRef>
-        </p:style>
-      </p:sp>
-      <p:sp>
-        <p:nvSpPr>
-          <p:cNvPr id="27" name="Rectangle 26">
-            <a:extLst>
-              <a:ext uri="{FF2B5EF4-FFF2-40B4-BE49-F238E27FC236}">
-                <a16:creationId xmlns:a16="http://schemas.microsoft.com/office/drawing/2014/main" id="{07BDDC51-8BB2-42BE-8EA8-39B3E9AC1EF6}"/>
-              </a:ext>
-              <a:ext uri="{C183D7F6-B498-43B3-948B-1728B52AA6E4}">
-                <adec:decorative xmlns:adec="http://schemas.microsoft.com/office/drawing/2017/decorative" val="1"/>
-              </a:ext>
-            </a:extLst>
-          </p:cNvPr>
-          <p:cNvSpPr>
-            <a:spLocks noGrp="1" noRot="1" noChangeAspect="1" noMove="1" noResize="1" noEditPoints="1" noAdjustHandles="1" noChangeArrowheads="1" noChangeShapeType="1" noTextEdit="1"/>
-          </p:cNvSpPr>
-          <p:nvPr>
-            <p:extLst>
-              <p:ext uri="{386F3935-93C4-4BCD-93E2-E3B085C9AB24}">
-                <p16:designElem xmlns:p16="http://schemas.microsoft.com/office/powerpoint/2015/main" val="1"/>
-              </p:ext>
-            </p:extLst>
-          </p:nvPr>
-        </p:nvSpPr>
-        <p:spPr>
-          <a:xfrm>
-            <a:off x="1" y="6400800"/>
-            <a:ext cx="12192000" cy="457200"/>
-          </a:xfrm>
-          <a:prstGeom prst="rect">
-            <a:avLst/>
-          </a:prstGeom>
-          <a:solidFill>
-            <a:schemeClr val="accent2"/>
-          </a:solidFill>
-          <a:ln>
-            <a:noFill/>
-          </a:ln>
-        </p:spPr>
-        <p:style>
-          <a:lnRef idx="2">
-            <a:schemeClr val="accent1">
-              <a:shade val="50000"/>
-            </a:schemeClr>
-          </a:lnRef>
-          <a:fillRef idx="1">
-            <a:schemeClr val="accent1"/>
-          </a:fillRef>
-          <a:effectRef idx="0">
-            <a:schemeClr val="accent1"/>
-          </a:effectRef>
-          <a:fontRef idx="minor">
-            <a:schemeClr val="lt1"/>
-          </a:fontRef>
-        </p:style>
-      </p:sp>
-      <p:sp>
-        <p:nvSpPr>
-          <p:cNvPr id="14" name="TextBox 13">
-            <a:extLst>
-              <a:ext uri="{FF2B5EF4-FFF2-40B4-BE49-F238E27FC236}">
-                <a16:creationId xmlns:a16="http://schemas.microsoft.com/office/drawing/2014/main" id="{261E1C79-FECC-4B0D-ACEE-EA995C962DA9}"/>
-              </a:ext>
-            </a:extLst>
-          </p:cNvPr>
-          <p:cNvSpPr txBox="1"/>
-          <p:nvPr/>
-        </p:nvSpPr>
-        <p:spPr>
-          <a:xfrm>
-            <a:off x="1820917" y="3239814"/>
-            <a:ext cx="2743200" cy="369332"/>
-          </a:xfrm>
-          <a:prstGeom prst="rect">
-            <a:avLst/>
-          </a:prstGeom>
-          <a:noFill/>
-        </p:spPr>
-        <p:txBody>
-          <a:bodyPr rot="0" spcFirstLastPara="0" vertOverflow="overflow" horzOverflow="overflow" vert="horz" wrap="square" lIns="91440" tIns="45720" rIns="91440" bIns="45720" numCol="1" spcCol="0" rtlCol="0" fromWordArt="0" anchor="t" anchorCtr="0" forceAA="0" compatLnSpc="1">
-            <a:prstTxWarp prst="textNoShape">
-              <a:avLst/>
-            </a:prstTxWarp>
-            <a:spAutoFit/>
-          </a:bodyPr>
-          <a:lstStyle/>
-          <a:p>
-            <a:r>
-              <a:rPr lang="en-US">
-                <a:latin typeface="Arial"/>
-                <a:cs typeface="Arial"/>
-              </a:rPr>
-              <a:t>Reset the index</a:t>
-            </a:r>
-            <a:endParaRPr lang="en-US"/>
-          </a:p>
-        </p:txBody>
-      </p:sp>
-      <p:sp>
-        <p:nvSpPr>
-          <p:cNvPr id="22" name="TextBox 21">
-            <a:extLst>
-              <a:ext uri="{FF2B5EF4-FFF2-40B4-BE49-F238E27FC236}">
-                <a16:creationId xmlns:a16="http://schemas.microsoft.com/office/drawing/2014/main" id="{4EDDB516-A7EC-46D6-832C-F5975BCC2383}"/>
-              </a:ext>
-            </a:extLst>
-          </p:cNvPr>
-          <p:cNvSpPr txBox="1"/>
-          <p:nvPr/>
-        </p:nvSpPr>
-        <p:spPr>
-          <a:xfrm>
-            <a:off x="7798675" y="3160986"/>
-            <a:ext cx="3111062" cy="369332"/>
-          </a:xfrm>
-          <a:prstGeom prst="rect">
-            <a:avLst/>
-          </a:prstGeom>
-          <a:noFill/>
-        </p:spPr>
-        <p:txBody>
-          <a:bodyPr rot="0" spcFirstLastPara="0" vertOverflow="overflow" horzOverflow="overflow" vert="horz" wrap="square" lIns="91440" tIns="45720" rIns="91440" bIns="45720" numCol="1" spcCol="0" rtlCol="0" fromWordArt="0" anchor="t" anchorCtr="0" forceAA="0" compatLnSpc="1">
-            <a:prstTxWarp prst="textNoShape">
-              <a:avLst/>
-            </a:prstTxWarp>
-            <a:spAutoFit/>
-          </a:bodyPr>
-          <a:lstStyle/>
-          <a:p>
-            <a:r>
-              <a:rPr lang="en-US" dirty="0">
-                <a:latin typeface="Arial"/>
-                <a:cs typeface="Arial"/>
-              </a:rPr>
-              <a:t>Clean up the 'state' </a:t>
-            </a:r>
-            <a:r>
-              <a:rPr lang="en-US">
-                <a:latin typeface="Arial"/>
-                <a:cs typeface="Arial"/>
-              </a:rPr>
-              <a:t>column</a:t>
-            </a:r>
-            <a:endParaRPr lang="en-US"/>
-          </a:p>
-        </p:txBody>
-      </p:sp>
-      <p:pic>
-        <p:nvPicPr>
-          <p:cNvPr id="3" name="Picture 3" descr="Graphical user interface, text&#10;&#10;Description automatically generated">
-            <a:extLst>
-              <a:ext uri="{FF2B5EF4-FFF2-40B4-BE49-F238E27FC236}">
-                <a16:creationId xmlns:a16="http://schemas.microsoft.com/office/drawing/2014/main" id="{F837897F-F7A6-4177-AFE4-89AE6BE776E7}"/>
+                <a16:creationId xmlns:a16="http://schemas.microsoft.com/office/drawing/2014/main" id="{DA3B7E85-9D1A-4ECA-94D2-FFCA7AC7B1AF}"/>
               </a:ext>
             </a:extLst>
           </p:cNvPr>
@@ -12551,27 +12146,89 @@
         </p:blipFill>
         <p:spPr>
           <a:xfrm>
-            <a:off x="559676" y="1534952"/>
-            <a:ext cx="5252544" cy="910892"/>
+            <a:off x="6219078" y="2087413"/>
+            <a:ext cx="5880514" cy="694932"/>
           </a:xfrm>
           <a:prstGeom prst="rect">
             <a:avLst/>
           </a:prstGeom>
         </p:spPr>
       </p:pic>
+      <p:sp>
+        <p:nvSpPr>
+          <p:cNvPr id="21" name="Rectangle 20">
+            <a:extLst>
+              <a:ext uri="{FF2B5EF4-FFF2-40B4-BE49-F238E27FC236}">
+                <a16:creationId xmlns:a16="http://schemas.microsoft.com/office/drawing/2014/main" id="{626F1402-2DEC-4071-84AF-350C7BF00D43}"/>
+              </a:ext>
+              <a:ext uri="{C183D7F6-B498-43B3-948B-1728B52AA6E4}">
+                <adec:decorative xmlns:adec="http://schemas.microsoft.com/office/drawing/2017/decorative" val="1"/>
+              </a:ext>
+            </a:extLst>
+          </p:cNvPr>
+          <p:cNvSpPr>
+            <a:spLocks noGrp="1" noRot="1" noChangeAspect="1" noMove="1" noResize="1" noEditPoints="1" noAdjustHandles="1" noChangeArrowheads="1" noChangeShapeType="1" noTextEdit="1"/>
+          </p:cNvSpPr>
+          <p:nvPr>
+            <p:extLst>
+              <p:ext uri="{386F3935-93C4-4BCD-93E2-E3B085C9AB24}">
+                <p16:designElem xmlns:p16="http://schemas.microsoft.com/office/powerpoint/2015/main" val="1"/>
+              </p:ext>
+            </p:extLst>
+          </p:nvPr>
+        </p:nvSpPr>
+        <p:spPr>
+          <a:xfrm>
+            <a:off x="6063996" y="886968"/>
+            <a:ext cx="64008" cy="3108960"/>
+          </a:xfrm>
+          <a:prstGeom prst="rect">
+            <a:avLst/>
+          </a:prstGeom>
+          <a:ln>
+            <a:noFill/>
+          </a:ln>
+        </p:spPr>
+        <p:style>
+          <a:lnRef idx="2">
+            <a:schemeClr val="accent1">
+              <a:shade val="50000"/>
+            </a:schemeClr>
+          </a:lnRef>
+          <a:fillRef idx="1">
+            <a:schemeClr val="accent1"/>
+          </a:fillRef>
+          <a:effectRef idx="0">
+            <a:schemeClr val="accent1"/>
+          </a:effectRef>
+          <a:fontRef idx="minor">
+            <a:schemeClr val="lt1"/>
+          </a:fontRef>
+        </p:style>
+        <p:txBody>
+          <a:bodyPr rtlCol="0" anchor="ctr"/>
+          <a:lstStyle/>
+          <a:p>
+            <a:pPr algn="ctr"/>
+            <a:endParaRPr lang="en-US"/>
+          </a:p>
+        </p:txBody>
+      </p:sp>
       <p:pic>
         <p:nvPicPr>
-          <p:cNvPr id="9" name="Picture 9" descr="Text&#10;&#10;Description automatically generated">
+          <p:cNvPr id="7" name="Picture 7" descr="Graphical user interface, text&#10;&#10;Description automatically generated">
             <a:extLst>
               <a:ext uri="{FF2B5EF4-FFF2-40B4-BE49-F238E27FC236}">
-                <a16:creationId xmlns:a16="http://schemas.microsoft.com/office/drawing/2014/main" id="{B58A46DE-E37D-4563-8184-0D6EC27AFF97}"/>
+                <a16:creationId xmlns:a16="http://schemas.microsoft.com/office/drawing/2014/main" id="{EBE4FA43-55BC-477E-B4E4-A8BBE767139F}"/>
               </a:ext>
             </a:extLst>
           </p:cNvPr>
           <p:cNvPicPr>
-            <a:picLocks noChangeAspect="1"/>
+            <a:picLocks noGrp="1" noChangeAspect="1"/>
           </p:cNvPicPr>
-          <p:nvPr/>
+          <p:nvPr>
+            <p:ph sz="half" idx="1"/>
+          </p:nvPr>
         </p:nvPicPr>
         <p:blipFill>
           <a:blip r:embed="rId3"/>
@@ -12581,18 +12238,266 @@
         </p:blipFill>
         <p:spPr>
           <a:xfrm>
-            <a:off x="6879021" y="644056"/>
-            <a:ext cx="4582510" cy="2390510"/>
+            <a:off x="631063" y="1936027"/>
+            <a:ext cx="5118182" cy="1010841"/>
           </a:xfrm>
           <a:prstGeom prst="rect">
             <a:avLst/>
           </a:prstGeom>
         </p:spPr>
       </p:pic>
+      <p:cxnSp>
+        <p:nvCxnSpPr>
+          <p:cNvPr id="23" name="Straight Connector 22">
+            <a:extLst>
+              <a:ext uri="{FF2B5EF4-FFF2-40B4-BE49-F238E27FC236}">
+                <a16:creationId xmlns:a16="http://schemas.microsoft.com/office/drawing/2014/main" id="{04733B62-1719-4677-A612-CA0AC0AD7482}"/>
+              </a:ext>
+              <a:ext uri="{C183D7F6-B498-43B3-948B-1728B52AA6E4}">
+                <adec:decorative xmlns:adec="http://schemas.microsoft.com/office/drawing/2017/decorative" val="1"/>
+              </a:ext>
+            </a:extLst>
+          </p:cNvPr>
+          <p:cNvCxnSpPr>
+            <a:cxnSpLocks noGrp="1" noRot="1" noChangeAspect="1" noMove="1" noResize="1" noEditPoints="1" noAdjustHandles="1" noChangeArrowheads="1" noChangeShapeType="1"/>
+          </p:cNvCxnSpPr>
+          <p:nvPr>
+            <p:extLst>
+              <p:ext uri="{386F3935-93C4-4BCD-93E2-E3B085C9AB24}">
+                <p16:designElem xmlns:p16="http://schemas.microsoft.com/office/powerpoint/2015/main" val="1"/>
+              </p:ext>
+            </p:extLst>
+          </p:nvPr>
+        </p:nvCxnSpPr>
+        <p:spPr>
+          <a:xfrm>
+            <a:off x="721086" y="5618770"/>
+            <a:ext cx="10515600" cy="0"/>
+          </a:xfrm>
+          <a:prstGeom prst="line">
+            <a:avLst/>
+          </a:prstGeom>
+          <a:ln w="6350">
+            <a:solidFill>
+              <a:schemeClr val="tx2">
+                <a:alpha val="90000"/>
+              </a:schemeClr>
+            </a:solidFill>
+          </a:ln>
+        </p:spPr>
+        <p:style>
+          <a:lnRef idx="1">
+            <a:schemeClr val="accent1"/>
+          </a:lnRef>
+          <a:fillRef idx="0">
+            <a:schemeClr val="accent1"/>
+          </a:fillRef>
+          <a:effectRef idx="0">
+            <a:schemeClr val="accent1"/>
+          </a:effectRef>
+          <a:fontRef idx="minor">
+            <a:schemeClr val="tx1"/>
+          </a:fontRef>
+        </p:style>
+      </p:cxnSp>
+      <p:sp>
+        <p:nvSpPr>
+          <p:cNvPr id="25" name="Rectangle 24">
+            <a:extLst>
+              <a:ext uri="{FF2B5EF4-FFF2-40B4-BE49-F238E27FC236}">
+                <a16:creationId xmlns:a16="http://schemas.microsoft.com/office/drawing/2014/main" id="{DA52A394-10F4-4AA5-90E4-634D1E919DBA}"/>
+              </a:ext>
+              <a:ext uri="{C183D7F6-B498-43B3-948B-1728B52AA6E4}">
+                <adec:decorative xmlns:adec="http://schemas.microsoft.com/office/drawing/2017/decorative" val="1"/>
+              </a:ext>
+            </a:extLst>
+          </p:cNvPr>
+          <p:cNvSpPr>
+            <a:spLocks noGrp="1" noRot="1" noChangeAspect="1" noMove="1" noResize="1" noEditPoints="1" noAdjustHandles="1" noChangeArrowheads="1" noChangeShapeType="1" noTextEdit="1"/>
+          </p:cNvSpPr>
+          <p:nvPr>
+            <p:extLst>
+              <p:ext uri="{386F3935-93C4-4BCD-93E2-E3B085C9AB24}">
+                <p16:designElem xmlns:p16="http://schemas.microsoft.com/office/powerpoint/2015/main" val="1"/>
+              </p:ext>
+            </p:extLst>
+          </p:nvPr>
+        </p:nvSpPr>
+        <p:spPr>
+          <a:xfrm>
+            <a:off x="15" y="6334316"/>
+            <a:ext cx="12191985" cy="66484"/>
+          </a:xfrm>
+          <a:prstGeom prst="rect">
+            <a:avLst/>
+          </a:prstGeom>
+          <a:solidFill>
+            <a:schemeClr val="accent1"/>
+          </a:solidFill>
+          <a:ln>
+            <a:noFill/>
+          </a:ln>
+        </p:spPr>
+        <p:style>
+          <a:lnRef idx="2">
+            <a:schemeClr val="accent1">
+              <a:shade val="50000"/>
+            </a:schemeClr>
+          </a:lnRef>
+          <a:fillRef idx="1">
+            <a:schemeClr val="accent1"/>
+          </a:fillRef>
+          <a:effectRef idx="0">
+            <a:schemeClr val="accent1"/>
+          </a:effectRef>
+          <a:fontRef idx="minor">
+            <a:schemeClr val="lt1"/>
+          </a:fontRef>
+        </p:style>
+      </p:sp>
+      <p:sp>
+        <p:nvSpPr>
+          <p:cNvPr id="27" name="Rectangle 26">
+            <a:extLst>
+              <a:ext uri="{FF2B5EF4-FFF2-40B4-BE49-F238E27FC236}">
+                <a16:creationId xmlns:a16="http://schemas.microsoft.com/office/drawing/2014/main" id="{07BDDC51-8BB2-42BE-8EA8-39B3E9AC1EF6}"/>
+              </a:ext>
+              <a:ext uri="{C183D7F6-B498-43B3-948B-1728B52AA6E4}">
+                <adec:decorative xmlns:adec="http://schemas.microsoft.com/office/drawing/2017/decorative" val="1"/>
+              </a:ext>
+            </a:extLst>
+          </p:cNvPr>
+          <p:cNvSpPr>
+            <a:spLocks noGrp="1" noRot="1" noChangeAspect="1" noMove="1" noResize="1" noEditPoints="1" noAdjustHandles="1" noChangeArrowheads="1" noChangeShapeType="1" noTextEdit="1"/>
+          </p:cNvSpPr>
+          <p:nvPr>
+            <p:extLst>
+              <p:ext uri="{386F3935-93C4-4BCD-93E2-E3B085C9AB24}">
+                <p16:designElem xmlns:p16="http://schemas.microsoft.com/office/powerpoint/2015/main" val="1"/>
+              </p:ext>
+            </p:extLst>
+          </p:nvPr>
+        </p:nvSpPr>
+        <p:spPr>
+          <a:xfrm>
+            <a:off x="1" y="6400800"/>
+            <a:ext cx="12192000" cy="457200"/>
+          </a:xfrm>
+          <a:prstGeom prst="rect">
+            <a:avLst/>
+          </a:prstGeom>
+          <a:solidFill>
+            <a:schemeClr val="accent2"/>
+          </a:solidFill>
+          <a:ln>
+            <a:noFill/>
+          </a:ln>
+        </p:spPr>
+        <p:style>
+          <a:lnRef idx="2">
+            <a:schemeClr val="accent1">
+              <a:shade val="50000"/>
+            </a:schemeClr>
+          </a:lnRef>
+          <a:fillRef idx="1">
+            <a:schemeClr val="accent1"/>
+          </a:fillRef>
+          <a:effectRef idx="0">
+            <a:schemeClr val="accent1"/>
+          </a:effectRef>
+          <a:fontRef idx="minor">
+            <a:schemeClr val="lt1"/>
+          </a:fontRef>
+        </p:style>
+      </p:sp>
+      <p:sp>
+        <p:nvSpPr>
+          <p:cNvPr id="14" name="TextBox 13">
+            <a:extLst>
+              <a:ext uri="{FF2B5EF4-FFF2-40B4-BE49-F238E27FC236}">
+                <a16:creationId xmlns:a16="http://schemas.microsoft.com/office/drawing/2014/main" id="{261E1C79-FECC-4B0D-ACEE-EA995C962DA9}"/>
+              </a:ext>
+            </a:extLst>
+          </p:cNvPr>
+          <p:cNvSpPr txBox="1"/>
+          <p:nvPr/>
+        </p:nvSpPr>
+        <p:spPr>
+          <a:xfrm>
+            <a:off x="1820917" y="3239814"/>
+            <a:ext cx="2743200" cy="369332"/>
+          </a:xfrm>
+          <a:prstGeom prst="rect">
+            <a:avLst/>
+          </a:prstGeom>
+          <a:noFill/>
+        </p:spPr>
+        <p:txBody>
+          <a:bodyPr rot="0" spcFirstLastPara="0" vertOverflow="overflow" horzOverflow="overflow" vert="horz" wrap="square" lIns="91440" tIns="45720" rIns="91440" bIns="45720" numCol="1" spcCol="0" rtlCol="0" fromWordArt="0" anchor="t" anchorCtr="0" forceAA="0" compatLnSpc="1">
+            <a:prstTxWarp prst="textNoShape">
+              <a:avLst/>
+            </a:prstTxWarp>
+            <a:spAutoFit/>
+          </a:bodyPr>
+          <a:lstStyle/>
+          <a:p>
+            <a:r>
+              <a:rPr lang="en-US">
+                <a:latin typeface="Arial"/>
+                <a:cs typeface="Arial"/>
+              </a:rPr>
+              <a:t>Read the CSV</a:t>
+            </a:r>
+            <a:endParaRPr lang="en-US"/>
+          </a:p>
+        </p:txBody>
+      </p:sp>
+      <p:sp>
+        <p:nvSpPr>
+          <p:cNvPr id="22" name="TextBox 21">
+            <a:extLst>
+              <a:ext uri="{FF2B5EF4-FFF2-40B4-BE49-F238E27FC236}">
+                <a16:creationId xmlns:a16="http://schemas.microsoft.com/office/drawing/2014/main" id="{4EDDB516-A7EC-46D6-832C-F5975BCC2383}"/>
+              </a:ext>
+            </a:extLst>
+          </p:cNvPr>
+          <p:cNvSpPr txBox="1"/>
+          <p:nvPr/>
+        </p:nvSpPr>
+        <p:spPr>
+          <a:xfrm>
+            <a:off x="7798675" y="3160986"/>
+            <a:ext cx="2743200" cy="369332"/>
+          </a:xfrm>
+          <a:prstGeom prst="rect">
+            <a:avLst/>
+          </a:prstGeom>
+          <a:noFill/>
+        </p:spPr>
+        <p:txBody>
+          <a:bodyPr rot="0" spcFirstLastPara="0" vertOverflow="overflow" horzOverflow="overflow" vert="horz" wrap="square" lIns="91440" tIns="45720" rIns="91440" bIns="45720" numCol="1" spcCol="0" rtlCol="0" fromWordArt="0" anchor="t" anchorCtr="0" forceAA="0" compatLnSpc="1">
+            <a:prstTxWarp prst="textNoShape">
+              <a:avLst/>
+            </a:prstTxWarp>
+            <a:spAutoFit/>
+          </a:bodyPr>
+          <a:lstStyle/>
+          <a:p>
+            <a:r>
+              <a:rPr lang="en-US">
+                <a:latin typeface="Arial"/>
+                <a:cs typeface="Arial"/>
+              </a:rPr>
+              <a:t>Rename the columns</a:t>
+            </a:r>
+            <a:endParaRPr lang="en-US"/>
+          </a:p>
+        </p:txBody>
+      </p:sp>
     </p:spTree>
     <p:extLst>
       <p:ext uri="{BB962C8B-B14F-4D97-AF65-F5344CB8AC3E}">
-        <p14:creationId xmlns:p14="http://schemas.microsoft.com/office/powerpoint/2010/main" val="1114760005"/>
+        <p14:creationId xmlns:p14="http://schemas.microsoft.com/office/powerpoint/2010/main" val="307389343"/>
       </p:ext>
     </p:extLst>
   </p:cSld>
@@ -12629,10 +12534,10 @@
       </p:grpSpPr>
       <p:sp>
         <p:nvSpPr>
-          <p:cNvPr id="16" name="Rectangle 15">
+          <p:cNvPr id="13" name="Rectangle 12">
             <a:extLst>
               <a:ext uri="{FF2B5EF4-FFF2-40B4-BE49-F238E27FC236}">
-                <a16:creationId xmlns:a16="http://schemas.microsoft.com/office/drawing/2014/main" id="{25C8D2C1-DA83-420D-9635-D52CE066B5DA}"/>
+                <a16:creationId xmlns:a16="http://schemas.microsoft.com/office/drawing/2014/main" id="{BB2B8762-61F0-4F1B-9364-D633EE9D6AF5}"/>
               </a:ext>
               <a:ext uri="{C183D7F6-B498-43B3-948B-1728B52AA6E4}">
                 <adec:decorative xmlns:adec="http://schemas.microsoft.com/office/drawing/2017/decorative" val="1"/>
@@ -12684,10 +12589,10 @@
       </p:sp>
       <p:sp>
         <p:nvSpPr>
-          <p:cNvPr id="18" name="Rectangle 17">
+          <p:cNvPr id="15" name="Rectangle 14">
             <a:extLst>
               <a:ext uri="{FF2B5EF4-FFF2-40B4-BE49-F238E27FC236}">
-                <a16:creationId xmlns:a16="http://schemas.microsoft.com/office/drawing/2014/main" id="{434F74C9-6A0B-409E-AD1C-45B58BE91BB8}"/>
+                <a16:creationId xmlns:a16="http://schemas.microsoft.com/office/drawing/2014/main" id="{E97675C8-1328-460C-9EBF-6B446B67EAD3}"/>
               </a:ext>
               <a:ext uri="{C183D7F6-B498-43B3-948B-1728B52AA6E4}">
                 <adec:decorative xmlns:adec="http://schemas.microsoft.com/office/drawing/2017/decorative" val="1"/>
@@ -12739,10 +12644,10 @@
       </p:sp>
       <p:cxnSp>
         <p:nvCxnSpPr>
-          <p:cNvPr id="20" name="Straight Connector 19">
+          <p:cNvPr id="17" name="Straight Connector 16">
             <a:extLst>
               <a:ext uri="{FF2B5EF4-FFF2-40B4-BE49-F238E27FC236}">
-                <a16:creationId xmlns:a16="http://schemas.microsoft.com/office/drawing/2014/main" id="{F5486A9D-1265-4B57-91E6-68E666B978BC}"/>
+                <a16:creationId xmlns:a16="http://schemas.microsoft.com/office/drawing/2014/main" id="{514EE78B-AF71-4195-A01B-F1165D9233BF}"/>
               </a:ext>
               <a:ext uri="{C183D7F6-B498-43B3-948B-1728B52AA6E4}">
                 <adec:decorative xmlns:adec="http://schemas.microsoft.com/office/drawing/2017/decorative" val="1"/>
@@ -12794,10 +12699,10 @@
       </p:cxnSp>
       <p:sp useBgFill="1">
         <p:nvSpPr>
-          <p:cNvPr id="22" name="Rectangle 21">
+          <p:cNvPr id="19" name="Rectangle 18">
             <a:extLst>
               <a:ext uri="{FF2B5EF4-FFF2-40B4-BE49-F238E27FC236}">
-                <a16:creationId xmlns:a16="http://schemas.microsoft.com/office/drawing/2014/main" id="{BE268116-E2A7-4F98-8812-192B4975E49B}"/>
+                <a16:creationId xmlns:a16="http://schemas.microsoft.com/office/drawing/2014/main" id="{C6417104-D4C1-4710-9982-2154A7F48492}"/>
               </a:ext>
               <a:ext uri="{C183D7F6-B498-43B3-948B-1728B52AA6E4}">
                 <adec:decorative xmlns:adec="http://schemas.microsoft.com/office/drawing/2017/decorative" val="1"/>
@@ -12857,7 +12762,7 @@
           <p:cNvPr id="2" name="Title 1">
             <a:extLst>
               <a:ext uri="{FF2B5EF4-FFF2-40B4-BE49-F238E27FC236}">
-                <a16:creationId xmlns:a16="http://schemas.microsoft.com/office/drawing/2014/main" id="{6F800589-E36F-406B-B904-9BA2C42C1DE4}"/>
+                <a16:creationId xmlns:a16="http://schemas.microsoft.com/office/drawing/2014/main" id="{97484EA6-3546-4935-BA8B-253C7590A7A3}"/>
               </a:ext>
             </a:extLst>
           </p:cNvPr>
@@ -12881,7 +12786,7 @@
           <a:lstStyle/>
           <a:p>
             <a:r>
-              <a:rPr lang="en-US" sz="6000">
+              <a:rPr lang="en-US" sz="5600">
                 <a:solidFill>
                   <a:schemeClr val="tx1">
                     <a:lumMod val="85000"/>
@@ -12889,106 +12794,77 @@
                   </a:schemeClr>
                 </a:solidFill>
               </a:rPr>
-              <a:t>Building Schema in SQL</a:t>
+              <a:t>Storing and cleaning the Dataframes</a:t>
             </a:r>
-            <a:endParaRPr lang="en-US" sz="6000">
-              <a:solidFill>
-                <a:schemeClr val="tx1">
-                  <a:lumMod val="85000"/>
-                  <a:lumOff val="15000"/>
-                </a:schemeClr>
-              </a:solidFill>
-              <a:cs typeface="Calibri Light"/>
-            </a:endParaRPr>
           </a:p>
         </p:txBody>
       </p:sp>
       <p:sp>
         <p:nvSpPr>
-          <p:cNvPr id="11" name="Text Placeholder 10">
+          <p:cNvPr id="21" name="Rectangle 20">
             <a:extLst>
               <a:ext uri="{FF2B5EF4-FFF2-40B4-BE49-F238E27FC236}">
-                <a16:creationId xmlns:a16="http://schemas.microsoft.com/office/drawing/2014/main" id="{57F1257A-8A4A-4643-B503-ED79CF120A12}"/>
+                <a16:creationId xmlns:a16="http://schemas.microsoft.com/office/drawing/2014/main" id="{626F1402-2DEC-4071-84AF-350C7BF00D43}"/>
+              </a:ext>
+              <a:ext uri="{C183D7F6-B498-43B3-948B-1728B52AA6E4}">
+                <adec:decorative xmlns:adec="http://schemas.microsoft.com/office/drawing/2017/decorative" val="1"/>
               </a:ext>
             </a:extLst>
           </p:cNvPr>
           <p:cNvSpPr>
-            <a:spLocks noGrp="1"/>
-          </p:cNvSpPr>
-          <p:nvPr>
-            <p:ph type="body" sz="half" idx="2"/>
-          </p:nvPr>
-        </p:nvSpPr>
-        <p:spPr>
-          <a:xfrm>
-            <a:off x="633999" y="5727515"/>
-            <a:ext cx="10925101" cy="515477"/>
-          </a:xfrm>
-        </p:spPr>
-        <p:txBody>
-          <a:bodyPr vert="horz" lIns="91440" tIns="45720" rIns="91440" bIns="45720" rtlCol="0">
-            <a:normAutofit/>
-          </a:bodyPr>
-          <a:lstStyle/>
-          <a:p>
-            <a:r>
-              <a:rPr lang="en-US" sz="2000" cap="all" spc="200">
-                <a:solidFill>
-                  <a:schemeClr val="tx1">
-                    <a:lumMod val="85000"/>
-                    <a:lumOff val="15000"/>
-                  </a:schemeClr>
-                </a:solidFill>
-                <a:latin typeface="+mj-lt"/>
-              </a:rPr>
-              <a:t>ERD diagram</a:t>
-            </a:r>
-          </a:p>
-        </p:txBody>
-      </p:sp>
-      <p:pic>
-        <p:nvPicPr>
-          <p:cNvPr id="5" name="Content Placeholder 4">
-            <a:extLst>
-              <a:ext uri="{FF2B5EF4-FFF2-40B4-BE49-F238E27FC236}">
-                <a16:creationId xmlns:a16="http://schemas.microsoft.com/office/drawing/2014/main" id="{F9806703-13B6-43CB-A908-E6A4DD440E92}"/>
-              </a:ext>
-            </a:extLst>
-          </p:cNvPr>
-          <p:cNvPicPr>
-            <a:picLocks noGrp="1" noChangeAspect="1"/>
-          </p:cNvPicPr>
-          <p:nvPr>
-            <p:ph type="pic" idx="1"/>
-          </p:nvPr>
-        </p:nvPicPr>
-        <p:blipFill rotWithShape="1">
-          <a:blip r:embed="rId2">
-            <a:extLst>
-              <a:ext uri="{28A0092B-C50C-407E-A947-70E740481C1C}">
-                <a14:useLocalDpi xmlns:a14="http://schemas.microsoft.com/office/drawing/2010/main" val="0"/>
-              </a:ext>
-            </a:extLst>
-          </a:blip>
-          <a:srcRect t="4686" r="-1" b="11762"/>
-          <a:stretch/>
-        </p:blipFill>
-        <p:spPr>
-          <a:xfrm>
-            <a:off x="635457" y="640080"/>
-            <a:ext cx="10916463" cy="3602736"/>
+            <a:spLocks noGrp="1" noRot="1" noChangeAspect="1" noMove="1" noResize="1" noEditPoints="1" noAdjustHandles="1" noChangeArrowheads="1" noChangeShapeType="1" noTextEdit="1"/>
+          </p:cNvSpPr>
+          <p:nvPr>
+            <p:extLst>
+              <p:ext uri="{386F3935-93C4-4BCD-93E2-E3B085C9AB24}">
+                <p16:designElem xmlns:p16="http://schemas.microsoft.com/office/powerpoint/2015/main" val="1"/>
+              </p:ext>
+            </p:extLst>
+          </p:nvPr>
+        </p:nvSpPr>
+        <p:spPr>
+          <a:xfrm>
+            <a:off x="6063996" y="886968"/>
+            <a:ext cx="64008" cy="3108960"/>
           </a:xfrm>
           <a:prstGeom prst="rect">
             <a:avLst/>
           </a:prstGeom>
-        </p:spPr>
-      </p:pic>
+          <a:ln>
+            <a:noFill/>
+          </a:ln>
+        </p:spPr>
+        <p:style>
+          <a:lnRef idx="2">
+            <a:schemeClr val="accent1">
+              <a:shade val="50000"/>
+            </a:schemeClr>
+          </a:lnRef>
+          <a:fillRef idx="1">
+            <a:schemeClr val="accent1"/>
+          </a:fillRef>
+          <a:effectRef idx="0">
+            <a:schemeClr val="accent1"/>
+          </a:effectRef>
+          <a:fontRef idx="minor">
+            <a:schemeClr val="lt1"/>
+          </a:fontRef>
+        </p:style>
+        <p:txBody>
+          <a:bodyPr rtlCol="0" anchor="ctr"/>
+          <a:lstStyle/>
+          <a:p>
+            <a:pPr algn="ctr"/>
+            <a:endParaRPr lang="en-US"/>
+          </a:p>
+        </p:txBody>
+      </p:sp>
       <p:cxnSp>
         <p:nvCxnSpPr>
-          <p:cNvPr id="24" name="Straight Connector 23">
+          <p:cNvPr id="23" name="Straight Connector 22">
             <a:extLst>
               <a:ext uri="{FF2B5EF4-FFF2-40B4-BE49-F238E27FC236}">
-                <a16:creationId xmlns:a16="http://schemas.microsoft.com/office/drawing/2014/main" id="{73D8893D-DEBE-4F67-901F-166F75E9C6E7}"/>
+                <a16:creationId xmlns:a16="http://schemas.microsoft.com/office/drawing/2014/main" id="{04733B62-1719-4677-A612-CA0AC0AD7482}"/>
               </a:ext>
               <a:ext uri="{C183D7F6-B498-43B3-948B-1728B52AA6E4}">
                 <adec:decorative xmlns:adec="http://schemas.microsoft.com/office/drawing/2017/decorative" val="1"/>
@@ -13039,10 +12915,10 @@
       </p:cxnSp>
       <p:sp>
         <p:nvSpPr>
-          <p:cNvPr id="26" name="Rectangle 25">
+          <p:cNvPr id="25" name="Rectangle 24">
             <a:extLst>
               <a:ext uri="{FF2B5EF4-FFF2-40B4-BE49-F238E27FC236}">
-                <a16:creationId xmlns:a16="http://schemas.microsoft.com/office/drawing/2014/main" id="{FBEFFA83-BC6D-4CD2-A2BA-98AD67423BF2}"/>
+                <a16:creationId xmlns:a16="http://schemas.microsoft.com/office/drawing/2014/main" id="{DA52A394-10F4-4AA5-90E4-634D1E919DBA}"/>
               </a:ext>
               <a:ext uri="{C183D7F6-B498-43B3-948B-1728B52AA6E4}">
                 <adec:decorative xmlns:adec="http://schemas.microsoft.com/office/drawing/2017/decorative" val="1"/>
@@ -13094,10 +12970,10 @@
       </p:sp>
       <p:sp>
         <p:nvSpPr>
-          <p:cNvPr id="28" name="Rectangle 27">
+          <p:cNvPr id="27" name="Rectangle 26">
             <a:extLst>
               <a:ext uri="{FF2B5EF4-FFF2-40B4-BE49-F238E27FC236}">
-                <a16:creationId xmlns:a16="http://schemas.microsoft.com/office/drawing/2014/main" id="{AB5696BF-D495-4CAC-AA8A-4EBFF2C32A55}"/>
+                <a16:creationId xmlns:a16="http://schemas.microsoft.com/office/drawing/2014/main" id="{07BDDC51-8BB2-42BE-8EA8-39B3E9AC1EF6}"/>
               </a:ext>
               <a:ext uri="{C183D7F6-B498-43B3-948B-1728B52AA6E4}">
                 <adec:decorative xmlns:adec="http://schemas.microsoft.com/office/drawing/2017/decorative" val="1"/>
@@ -13147,10 +13023,161 @@
           </a:fontRef>
         </p:style>
       </p:sp>
+      <p:sp>
+        <p:nvSpPr>
+          <p:cNvPr id="14" name="TextBox 13">
+            <a:extLst>
+              <a:ext uri="{FF2B5EF4-FFF2-40B4-BE49-F238E27FC236}">
+                <a16:creationId xmlns:a16="http://schemas.microsoft.com/office/drawing/2014/main" id="{261E1C79-FECC-4B0D-ACEE-EA995C962DA9}"/>
+              </a:ext>
+            </a:extLst>
+          </p:cNvPr>
+          <p:cNvSpPr txBox="1"/>
+          <p:nvPr/>
+        </p:nvSpPr>
+        <p:spPr>
+          <a:xfrm>
+            <a:off x="1820917" y="3239814"/>
+            <a:ext cx="2743200" cy="369332"/>
+          </a:xfrm>
+          <a:prstGeom prst="rect">
+            <a:avLst/>
+          </a:prstGeom>
+          <a:noFill/>
+        </p:spPr>
+        <p:txBody>
+          <a:bodyPr rot="0" spcFirstLastPara="0" vertOverflow="overflow" horzOverflow="overflow" vert="horz" wrap="square" lIns="91440" tIns="45720" rIns="91440" bIns="45720" numCol="1" spcCol="0" rtlCol="0" fromWordArt="0" anchor="t" anchorCtr="0" forceAA="0" compatLnSpc="1">
+            <a:prstTxWarp prst="textNoShape">
+              <a:avLst/>
+            </a:prstTxWarp>
+            <a:spAutoFit/>
+          </a:bodyPr>
+          <a:lstStyle/>
+          <a:p>
+            <a:r>
+              <a:rPr lang="en-US">
+                <a:latin typeface="Arial"/>
+                <a:cs typeface="Arial"/>
+              </a:rPr>
+              <a:t>Reset the index</a:t>
+            </a:r>
+            <a:endParaRPr lang="en-US"/>
+          </a:p>
+        </p:txBody>
+      </p:sp>
+      <p:sp>
+        <p:nvSpPr>
+          <p:cNvPr id="22" name="TextBox 21">
+            <a:extLst>
+              <a:ext uri="{FF2B5EF4-FFF2-40B4-BE49-F238E27FC236}">
+                <a16:creationId xmlns:a16="http://schemas.microsoft.com/office/drawing/2014/main" id="{4EDDB516-A7EC-46D6-832C-F5975BCC2383}"/>
+              </a:ext>
+            </a:extLst>
+          </p:cNvPr>
+          <p:cNvSpPr txBox="1"/>
+          <p:nvPr/>
+        </p:nvSpPr>
+        <p:spPr>
+          <a:xfrm>
+            <a:off x="7798675" y="3160986"/>
+            <a:ext cx="3111062" cy="369332"/>
+          </a:xfrm>
+          <a:prstGeom prst="rect">
+            <a:avLst/>
+          </a:prstGeom>
+          <a:noFill/>
+        </p:spPr>
+        <p:txBody>
+          <a:bodyPr rot="0" spcFirstLastPara="0" vertOverflow="overflow" horzOverflow="overflow" vert="horz" wrap="square" lIns="91440" tIns="45720" rIns="91440" bIns="45720" numCol="1" spcCol="0" rtlCol="0" fromWordArt="0" anchor="t" anchorCtr="0" forceAA="0" compatLnSpc="1">
+            <a:prstTxWarp prst="textNoShape">
+              <a:avLst/>
+            </a:prstTxWarp>
+            <a:spAutoFit/>
+          </a:bodyPr>
+          <a:lstStyle/>
+          <a:p>
+            <a:r>
+              <a:rPr lang="en-US" dirty="0">
+                <a:latin typeface="Arial"/>
+                <a:cs typeface="Arial"/>
+              </a:rPr>
+              <a:t>Clean up the 'state' </a:t>
+            </a:r>
+            <a:r>
+              <a:rPr lang="en-US">
+                <a:latin typeface="Arial"/>
+                <a:cs typeface="Arial"/>
+              </a:rPr>
+              <a:t>column</a:t>
+            </a:r>
+            <a:endParaRPr lang="en-US"/>
+          </a:p>
+        </p:txBody>
+      </p:sp>
+      <p:pic>
+        <p:nvPicPr>
+          <p:cNvPr id="3" name="Picture 3" descr="Graphical user interface, text&#10;&#10;Description automatically generated">
+            <a:extLst>
+              <a:ext uri="{FF2B5EF4-FFF2-40B4-BE49-F238E27FC236}">
+                <a16:creationId xmlns:a16="http://schemas.microsoft.com/office/drawing/2014/main" id="{F837897F-F7A6-4177-AFE4-89AE6BE776E7}"/>
+              </a:ext>
+            </a:extLst>
+          </p:cNvPr>
+          <p:cNvPicPr>
+            <a:picLocks noChangeAspect="1"/>
+          </p:cNvPicPr>
+          <p:nvPr/>
+        </p:nvPicPr>
+        <p:blipFill>
+          <a:blip r:embed="rId2"/>
+          <a:stretch>
+            <a:fillRect/>
+          </a:stretch>
+        </p:blipFill>
+        <p:spPr>
+          <a:xfrm>
+            <a:off x="559676" y="1534952"/>
+            <a:ext cx="5252544" cy="910892"/>
+          </a:xfrm>
+          <a:prstGeom prst="rect">
+            <a:avLst/>
+          </a:prstGeom>
+        </p:spPr>
+      </p:pic>
+      <p:pic>
+        <p:nvPicPr>
+          <p:cNvPr id="9" name="Picture 9" descr="Text&#10;&#10;Description automatically generated">
+            <a:extLst>
+              <a:ext uri="{FF2B5EF4-FFF2-40B4-BE49-F238E27FC236}">
+                <a16:creationId xmlns:a16="http://schemas.microsoft.com/office/drawing/2014/main" id="{B58A46DE-E37D-4563-8184-0D6EC27AFF97}"/>
+              </a:ext>
+            </a:extLst>
+          </p:cNvPr>
+          <p:cNvPicPr>
+            <a:picLocks noChangeAspect="1"/>
+          </p:cNvPicPr>
+          <p:nvPr/>
+        </p:nvPicPr>
+        <p:blipFill>
+          <a:blip r:embed="rId3"/>
+          <a:stretch>
+            <a:fillRect/>
+          </a:stretch>
+        </p:blipFill>
+        <p:spPr>
+          <a:xfrm>
+            <a:off x="6879021" y="644056"/>
+            <a:ext cx="4582510" cy="2390510"/>
+          </a:xfrm>
+          <a:prstGeom prst="rect">
+            <a:avLst/>
+          </a:prstGeom>
+        </p:spPr>
+      </p:pic>
     </p:spTree>
     <p:extLst>
       <p:ext uri="{BB962C8B-B14F-4D97-AF65-F5344CB8AC3E}">
-        <p14:creationId xmlns:p14="http://schemas.microsoft.com/office/powerpoint/2010/main" val="2880532840"/>
+        <p14:creationId xmlns:p14="http://schemas.microsoft.com/office/powerpoint/2010/main" val="1114760005"/>
       </p:ext>
     </p:extLst>
   </p:cSld>
@@ -13161,96 +13188,6 @@
 </file>
 
 <file path=ppt/slides/slide7.xml><?xml version="1.0" encoding="utf-8"?>
-<p:sld xmlns:a="http://schemas.openxmlformats.org/drawingml/2006/main" xmlns:r="http://schemas.openxmlformats.org/officeDocument/2006/relationships" xmlns:p="http://schemas.openxmlformats.org/presentationml/2006/main">
-  <p:cSld>
-    <p:spTree>
-      <p:nvGrpSpPr>
-        <p:cNvPr id="1" name=""/>
-        <p:cNvGrpSpPr/>
-        <p:nvPr/>
-      </p:nvGrpSpPr>
-      <p:grpSpPr>
-        <a:xfrm>
-          <a:off x="0" y="0"/>
-          <a:ext cx="0" cy="0"/>
-          <a:chOff x="0" y="0"/>
-          <a:chExt cx="0" cy="0"/>
-        </a:xfrm>
-      </p:grpSpPr>
-      <p:sp>
-        <p:nvSpPr>
-          <p:cNvPr id="2" name="Title 1">
-            <a:extLst>
-              <a:ext uri="{FF2B5EF4-FFF2-40B4-BE49-F238E27FC236}">
-                <a16:creationId xmlns:a16="http://schemas.microsoft.com/office/drawing/2014/main" id="{8F34933D-EF8D-4A6F-8A71-32701B56A902}"/>
-              </a:ext>
-            </a:extLst>
-          </p:cNvPr>
-          <p:cNvSpPr>
-            <a:spLocks noGrp="1"/>
-          </p:cNvSpPr>
-          <p:nvPr>
-            <p:ph type="title"/>
-          </p:nvPr>
-        </p:nvSpPr>
-        <p:spPr/>
-        <p:txBody>
-          <a:bodyPr/>
-          <a:lstStyle/>
-          <a:p>
-            <a:r>
-              <a:rPr lang="en-US">
-                <a:cs typeface="Calibri Light"/>
-              </a:rPr>
-              <a:t>Building Schema in SQL</a:t>
-            </a:r>
-            <a:endParaRPr lang="en-US"/>
-          </a:p>
-        </p:txBody>
-      </p:sp>
-      <p:pic>
-        <p:nvPicPr>
-          <p:cNvPr id="4" name="Picture 4" descr="Text&#10;&#10;Description automatically generated">
-            <a:extLst>
-              <a:ext uri="{FF2B5EF4-FFF2-40B4-BE49-F238E27FC236}">
-                <a16:creationId xmlns:a16="http://schemas.microsoft.com/office/drawing/2014/main" id="{48033D8A-0700-4598-BE66-07B4957963AE}"/>
-              </a:ext>
-            </a:extLst>
-          </p:cNvPr>
-          <p:cNvPicPr>
-            <a:picLocks noGrp="1" noChangeAspect="1"/>
-          </p:cNvPicPr>
-          <p:nvPr>
-            <p:ph sz="quarter" idx="13"/>
-          </p:nvPr>
-        </p:nvPicPr>
-        <p:blipFill>
-          <a:blip r:embed="rId2"/>
-          <a:stretch>
-            <a:fillRect/>
-          </a:stretch>
-        </p:blipFill>
-        <p:spPr>
-          <a:xfrm>
-            <a:off x="685800" y="2421464"/>
-            <a:ext cx="10394707" cy="2595052"/>
-          </a:xfrm>
-        </p:spPr>
-      </p:pic>
-    </p:spTree>
-    <p:extLst>
-      <p:ext uri="{BB962C8B-B14F-4D97-AF65-F5344CB8AC3E}">
-        <p14:creationId xmlns:p14="http://schemas.microsoft.com/office/powerpoint/2010/main" val="1782918285"/>
-      </p:ext>
-    </p:extLst>
-  </p:cSld>
-  <p:clrMapOvr>
-    <a:masterClrMapping/>
-  </p:clrMapOvr>
-</p:sld>
-</file>
-
-<file path=ppt/slides/slide8.xml><?xml version="1.0" encoding="utf-8"?>
 <p:sld xmlns:a="http://schemas.openxmlformats.org/drawingml/2006/main" xmlns:r="http://schemas.openxmlformats.org/officeDocument/2006/relationships" xmlns:p="http://schemas.openxmlformats.org/presentationml/2006/main">
   <p:cSld>
     <p:bg>
@@ -13277,10 +13214,10 @@
       </p:grpSpPr>
       <p:sp>
         <p:nvSpPr>
-          <p:cNvPr id="32" name="Rectangle 8">
+          <p:cNvPr id="16" name="Rectangle 15">
             <a:extLst>
               <a:ext uri="{FF2B5EF4-FFF2-40B4-BE49-F238E27FC236}">
-                <a16:creationId xmlns:a16="http://schemas.microsoft.com/office/drawing/2014/main" id="{4E4490D0-3672-446A-AC12-B4830333BDDD}"/>
+                <a16:creationId xmlns:a16="http://schemas.microsoft.com/office/drawing/2014/main" id="{25C8D2C1-DA83-420D-9635-D52CE066B5DA}"/>
               </a:ext>
               <a:ext uri="{C183D7F6-B498-43B3-948B-1728B52AA6E4}">
                 <adec:decorative xmlns:adec="http://schemas.microsoft.com/office/drawing/2017/decorative" val="1"/>
@@ -13332,10 +13269,10 @@
       </p:sp>
       <p:sp>
         <p:nvSpPr>
-          <p:cNvPr id="33" name="Rectangle 10">
+          <p:cNvPr id="18" name="Rectangle 17">
             <a:extLst>
               <a:ext uri="{FF2B5EF4-FFF2-40B4-BE49-F238E27FC236}">
-                <a16:creationId xmlns:a16="http://schemas.microsoft.com/office/drawing/2014/main" id="{39CB82C2-DF65-4EC1-8280-F201D50F570B}"/>
+                <a16:creationId xmlns:a16="http://schemas.microsoft.com/office/drawing/2014/main" id="{434F74C9-6A0B-409E-AD1C-45B58BE91BB8}"/>
               </a:ext>
               <a:ext uri="{C183D7F6-B498-43B3-948B-1728B52AA6E4}">
                 <adec:decorative xmlns:adec="http://schemas.microsoft.com/office/drawing/2017/decorative" val="1"/>
@@ -13387,10 +13324,10 @@
       </p:sp>
       <p:cxnSp>
         <p:nvCxnSpPr>
-          <p:cNvPr id="34" name="Straight Connector 12">
+          <p:cNvPr id="20" name="Straight Connector 19">
             <a:extLst>
               <a:ext uri="{FF2B5EF4-FFF2-40B4-BE49-F238E27FC236}">
-                <a16:creationId xmlns:a16="http://schemas.microsoft.com/office/drawing/2014/main" id="{7E1D4427-852B-4B37-8E76-0E9F1810BA2A}"/>
+                <a16:creationId xmlns:a16="http://schemas.microsoft.com/office/drawing/2014/main" id="{F5486A9D-1265-4B57-91E6-68E666B978BC}"/>
               </a:ext>
               <a:ext uri="{C183D7F6-B498-43B3-948B-1728B52AA6E4}">
                 <adec:decorative xmlns:adec="http://schemas.microsoft.com/office/drawing/2017/decorative" val="1"/>
@@ -13442,10 +13379,10 @@
       </p:cxnSp>
       <p:sp useBgFill="1">
         <p:nvSpPr>
-          <p:cNvPr id="35" name="Rectangle 14">
+          <p:cNvPr id="22" name="Rectangle 21">
             <a:extLst>
               <a:ext uri="{FF2B5EF4-FFF2-40B4-BE49-F238E27FC236}">
-                <a16:creationId xmlns:a16="http://schemas.microsoft.com/office/drawing/2014/main" id="{C4AAA502-5435-489E-9538-3A40E6C71461}"/>
+                <a16:creationId xmlns:a16="http://schemas.microsoft.com/office/drawing/2014/main" id="{BE268116-E2A7-4F98-8812-192B4975E49B}"/>
               </a:ext>
               <a:ext uri="{C183D7F6-B498-43B3-948B-1728B52AA6E4}">
                 <adec:decorative xmlns:adec="http://schemas.microsoft.com/office/drawing/2017/decorative" val="1"/>
@@ -13505,7 +13442,7 @@
           <p:cNvPr id="2" name="Title 1">
             <a:extLst>
               <a:ext uri="{FF2B5EF4-FFF2-40B4-BE49-F238E27FC236}">
-                <a16:creationId xmlns:a16="http://schemas.microsoft.com/office/drawing/2014/main" id="{D8FB9CDD-E557-436C-8E95-9D4BAFC4764A}"/>
+                <a16:creationId xmlns:a16="http://schemas.microsoft.com/office/drawing/2014/main" id="{6F800589-E36F-406B-B904-9BA2C42C1DE4}"/>
               </a:ext>
             </a:extLst>
           </p:cNvPr>
@@ -13529,7 +13466,7 @@
           <a:lstStyle/>
           <a:p>
             <a:r>
-              <a:rPr lang="en-US" sz="5100">
+              <a:rPr lang="en-US" sz="6000">
                 <a:solidFill>
                   <a:schemeClr val="tx1">
                     <a:lumMod val="85000"/>
@@ -13537,17 +13474,69 @@
                   </a:schemeClr>
                 </a:solidFill>
               </a:rPr>
-              <a:t>Creating connection for Load operation</a:t>
+              <a:t>Building Schema in SQL</a:t>
+            </a:r>
+            <a:endParaRPr lang="en-US" sz="6000">
+              <a:solidFill>
+                <a:schemeClr val="tx1">
+                  <a:lumMod val="85000"/>
+                  <a:lumOff val="15000"/>
+                </a:schemeClr>
+              </a:solidFill>
+              <a:cs typeface="Calibri Light"/>
+            </a:endParaRPr>
+          </a:p>
+        </p:txBody>
+      </p:sp>
+      <p:sp>
+        <p:nvSpPr>
+          <p:cNvPr id="11" name="Text Placeholder 10">
+            <a:extLst>
+              <a:ext uri="{FF2B5EF4-FFF2-40B4-BE49-F238E27FC236}">
+                <a16:creationId xmlns:a16="http://schemas.microsoft.com/office/drawing/2014/main" id="{57F1257A-8A4A-4643-B503-ED79CF120A12}"/>
+              </a:ext>
+            </a:extLst>
+          </p:cNvPr>
+          <p:cNvSpPr>
+            <a:spLocks noGrp="1"/>
+          </p:cNvSpPr>
+          <p:nvPr>
+            <p:ph type="body" sz="half" idx="2"/>
+          </p:nvPr>
+        </p:nvSpPr>
+        <p:spPr>
+          <a:xfrm>
+            <a:off x="633999" y="5727515"/>
+            <a:ext cx="10925101" cy="515477"/>
+          </a:xfrm>
+        </p:spPr>
+        <p:txBody>
+          <a:bodyPr vert="horz" lIns="91440" tIns="45720" rIns="91440" bIns="45720" rtlCol="0">
+            <a:normAutofit/>
+          </a:bodyPr>
+          <a:lstStyle/>
+          <a:p>
+            <a:r>
+              <a:rPr lang="en-US" sz="2000" cap="all" spc="200">
+                <a:solidFill>
+                  <a:schemeClr val="tx1">
+                    <a:lumMod val="85000"/>
+                    <a:lumOff val="15000"/>
+                  </a:schemeClr>
+                </a:solidFill>
+                <a:latin typeface="+mj-lt"/>
+              </a:rPr>
+              <a:t>ERD diagram</a:t>
             </a:r>
           </a:p>
         </p:txBody>
       </p:sp>
       <p:pic>
         <p:nvPicPr>
-          <p:cNvPr id="4" name="Picture 4" descr="Graphical user interface, text, application, website&#10;&#10;Description automatically generated">
+          <p:cNvPr id="5" name="Content Placeholder 4">
             <a:extLst>
               <a:ext uri="{FF2B5EF4-FFF2-40B4-BE49-F238E27FC236}">
-                <a16:creationId xmlns:a16="http://schemas.microsoft.com/office/drawing/2014/main" id="{48EA76F8-515A-4CD3-BF3B-1ACE989BC3C8}"/>
+                <a16:creationId xmlns:a16="http://schemas.microsoft.com/office/drawing/2014/main" id="{F9806703-13B6-43CB-A908-E6A4DD440E92}"/>
               </a:ext>
             </a:extLst>
           </p:cNvPr>
@@ -13555,19 +13544,24 @@
             <a:picLocks noGrp="1" noChangeAspect="1"/>
           </p:cNvPicPr>
           <p:nvPr>
-            <p:ph sz="quarter" idx="13"/>
+            <p:ph type="pic" idx="1"/>
           </p:nvPr>
         </p:nvPicPr>
-        <p:blipFill>
-          <a:blip r:embed="rId2"/>
-          <a:stretch>
-            <a:fillRect/>
-          </a:stretch>
+        <p:blipFill rotWithShape="1">
+          <a:blip r:embed="rId2">
+            <a:extLst>
+              <a:ext uri="{28A0092B-C50C-407E-A947-70E740481C1C}">
+                <a14:useLocalDpi xmlns:a14="http://schemas.microsoft.com/office/drawing/2010/main" val="0"/>
+              </a:ext>
+            </a:extLst>
+          </a:blip>
+          <a:srcRect t="4686" r="-1" b="11762"/>
+          <a:stretch/>
         </p:blipFill>
         <p:spPr>
           <a:xfrm>
             <a:off x="635457" y="640080"/>
-            <a:ext cx="9357754" cy="3602736"/>
+            <a:ext cx="10916463" cy="3602736"/>
           </a:xfrm>
           <a:prstGeom prst="rect">
             <a:avLst/>
@@ -13576,10 +13570,10 @@
       </p:pic>
       <p:cxnSp>
         <p:nvCxnSpPr>
-          <p:cNvPr id="36" name="Straight Connector 16">
+          <p:cNvPr id="24" name="Straight Connector 23">
             <a:extLst>
               <a:ext uri="{FF2B5EF4-FFF2-40B4-BE49-F238E27FC236}">
-                <a16:creationId xmlns:a16="http://schemas.microsoft.com/office/drawing/2014/main" id="{C9AC0290-4702-4519-B0F4-C2A46880997B}"/>
+                <a16:creationId xmlns:a16="http://schemas.microsoft.com/office/drawing/2014/main" id="{73D8893D-DEBE-4F67-901F-166F75E9C6E7}"/>
               </a:ext>
               <a:ext uri="{C183D7F6-B498-43B3-948B-1728B52AA6E4}">
                 <adec:decorative xmlns:adec="http://schemas.microsoft.com/office/drawing/2017/decorative" val="1"/>
@@ -13630,10 +13624,10 @@
       </p:cxnSp>
       <p:sp>
         <p:nvSpPr>
-          <p:cNvPr id="37" name="Rectangle 18">
+          <p:cNvPr id="26" name="Rectangle 25">
             <a:extLst>
               <a:ext uri="{FF2B5EF4-FFF2-40B4-BE49-F238E27FC236}">
-                <a16:creationId xmlns:a16="http://schemas.microsoft.com/office/drawing/2014/main" id="{DE42378B-2E28-4810-8421-7A473A40E376}"/>
+                <a16:creationId xmlns:a16="http://schemas.microsoft.com/office/drawing/2014/main" id="{FBEFFA83-BC6D-4CD2-A2BA-98AD67423BF2}"/>
               </a:ext>
               <a:ext uri="{C183D7F6-B498-43B3-948B-1728B52AA6E4}">
                 <adec:decorative xmlns:adec="http://schemas.microsoft.com/office/drawing/2017/decorative" val="1"/>
@@ -13685,10 +13679,10 @@
       </p:sp>
       <p:sp>
         <p:nvSpPr>
-          <p:cNvPr id="38" name="Rectangle 20">
+          <p:cNvPr id="28" name="Rectangle 27">
             <a:extLst>
               <a:ext uri="{FF2B5EF4-FFF2-40B4-BE49-F238E27FC236}">
-                <a16:creationId xmlns:a16="http://schemas.microsoft.com/office/drawing/2014/main" id="{0D91DD17-237F-4811-BC0E-128EB1BD7CFE}"/>
+                <a16:creationId xmlns:a16="http://schemas.microsoft.com/office/drawing/2014/main" id="{AB5696BF-D495-4CAC-AA8A-4EBFF2C32A55}"/>
               </a:ext>
               <a:ext uri="{C183D7F6-B498-43B3-948B-1728B52AA6E4}">
                 <adec:decorative xmlns:adec="http://schemas.microsoft.com/office/drawing/2017/decorative" val="1"/>
@@ -13741,7 +13735,97 @@
     </p:spTree>
     <p:extLst>
       <p:ext uri="{BB962C8B-B14F-4D97-AF65-F5344CB8AC3E}">
-        <p14:creationId xmlns:p14="http://schemas.microsoft.com/office/powerpoint/2010/main" val="2334027232"/>
+        <p14:creationId xmlns:p14="http://schemas.microsoft.com/office/powerpoint/2010/main" val="2880532840"/>
+      </p:ext>
+    </p:extLst>
+  </p:cSld>
+  <p:clrMapOvr>
+    <a:masterClrMapping/>
+  </p:clrMapOvr>
+</p:sld>
+</file>
+
+<file path=ppt/slides/slide8.xml><?xml version="1.0" encoding="utf-8"?>
+<p:sld xmlns:a="http://schemas.openxmlformats.org/drawingml/2006/main" xmlns:r="http://schemas.openxmlformats.org/officeDocument/2006/relationships" xmlns:p="http://schemas.openxmlformats.org/presentationml/2006/main">
+  <p:cSld>
+    <p:spTree>
+      <p:nvGrpSpPr>
+        <p:cNvPr id="1" name=""/>
+        <p:cNvGrpSpPr/>
+        <p:nvPr/>
+      </p:nvGrpSpPr>
+      <p:grpSpPr>
+        <a:xfrm>
+          <a:off x="0" y="0"/>
+          <a:ext cx="0" cy="0"/>
+          <a:chOff x="0" y="0"/>
+          <a:chExt cx="0" cy="0"/>
+        </a:xfrm>
+      </p:grpSpPr>
+      <p:sp>
+        <p:nvSpPr>
+          <p:cNvPr id="2" name="Title 1">
+            <a:extLst>
+              <a:ext uri="{FF2B5EF4-FFF2-40B4-BE49-F238E27FC236}">
+                <a16:creationId xmlns:a16="http://schemas.microsoft.com/office/drawing/2014/main" id="{8F34933D-EF8D-4A6F-8A71-32701B56A902}"/>
+              </a:ext>
+            </a:extLst>
+          </p:cNvPr>
+          <p:cNvSpPr>
+            <a:spLocks noGrp="1"/>
+          </p:cNvSpPr>
+          <p:nvPr>
+            <p:ph type="title"/>
+          </p:nvPr>
+        </p:nvSpPr>
+        <p:spPr/>
+        <p:txBody>
+          <a:bodyPr/>
+          <a:lstStyle/>
+          <a:p>
+            <a:r>
+              <a:rPr lang="en-US">
+                <a:cs typeface="Calibri Light"/>
+              </a:rPr>
+              <a:t>Building Schema in SQL</a:t>
+            </a:r>
+            <a:endParaRPr lang="en-US"/>
+          </a:p>
+        </p:txBody>
+      </p:sp>
+      <p:pic>
+        <p:nvPicPr>
+          <p:cNvPr id="4" name="Picture 4" descr="Text&#10;&#10;Description automatically generated">
+            <a:extLst>
+              <a:ext uri="{FF2B5EF4-FFF2-40B4-BE49-F238E27FC236}">
+                <a16:creationId xmlns:a16="http://schemas.microsoft.com/office/drawing/2014/main" id="{48033D8A-0700-4598-BE66-07B4957963AE}"/>
+              </a:ext>
+            </a:extLst>
+          </p:cNvPr>
+          <p:cNvPicPr>
+            <a:picLocks noGrp="1" noChangeAspect="1"/>
+          </p:cNvPicPr>
+          <p:nvPr>
+            <p:ph sz="quarter" idx="13"/>
+          </p:nvPr>
+        </p:nvPicPr>
+        <p:blipFill>
+          <a:blip r:embed="rId2"/>
+          <a:stretch>
+            <a:fillRect/>
+          </a:stretch>
+        </p:blipFill>
+        <p:spPr>
+          <a:xfrm>
+            <a:off x="685800" y="2421464"/>
+            <a:ext cx="10394707" cy="2595052"/>
+          </a:xfrm>
+        </p:spPr>
+      </p:pic>
+    </p:spTree>
+    <p:extLst>
+      <p:ext uri="{BB962C8B-B14F-4D97-AF65-F5344CB8AC3E}">
+        <p14:creationId xmlns:p14="http://schemas.microsoft.com/office/powerpoint/2010/main" val="1782918285"/>
       </p:ext>
     </p:extLst>
   </p:cSld>
@@ -13778,7 +13862,7 @@
       </p:grpSpPr>
       <p:sp>
         <p:nvSpPr>
-          <p:cNvPr id="9" name="Rectangle 8">
+          <p:cNvPr id="32" name="Rectangle 8">
             <a:extLst>
               <a:ext uri="{FF2B5EF4-FFF2-40B4-BE49-F238E27FC236}">
                 <a16:creationId xmlns:a16="http://schemas.microsoft.com/office/drawing/2014/main" id="{4E4490D0-3672-446A-AC12-B4830333BDDD}"/>
@@ -13833,7 +13917,7 @@
       </p:sp>
       <p:sp>
         <p:nvSpPr>
-          <p:cNvPr id="11" name="Rectangle 10">
+          <p:cNvPr id="33" name="Rectangle 10">
             <a:extLst>
               <a:ext uri="{FF2B5EF4-FFF2-40B4-BE49-F238E27FC236}">
                 <a16:creationId xmlns:a16="http://schemas.microsoft.com/office/drawing/2014/main" id="{39CB82C2-DF65-4EC1-8280-F201D50F570B}"/>
@@ -13888,7 +13972,7 @@
       </p:sp>
       <p:cxnSp>
         <p:nvCxnSpPr>
-          <p:cNvPr id="13" name="Straight Connector 12">
+          <p:cNvPr id="34" name="Straight Connector 12">
             <a:extLst>
               <a:ext uri="{FF2B5EF4-FFF2-40B4-BE49-F238E27FC236}">
                 <a16:creationId xmlns:a16="http://schemas.microsoft.com/office/drawing/2014/main" id="{7E1D4427-852B-4B37-8E76-0E9F1810BA2A}"/>
@@ -13943,7 +14027,7 @@
       </p:cxnSp>
       <p:sp useBgFill="1">
         <p:nvSpPr>
-          <p:cNvPr id="15" name="Rectangle 14">
+          <p:cNvPr id="35" name="Rectangle 14">
             <a:extLst>
               <a:ext uri="{FF2B5EF4-FFF2-40B4-BE49-F238E27FC236}">
                 <a16:creationId xmlns:a16="http://schemas.microsoft.com/office/drawing/2014/main" id="{C4AAA502-5435-489E-9538-3A40E6C71461}"/>
@@ -14006,7 +14090,7 @@
           <p:cNvPr id="2" name="Title 1">
             <a:extLst>
               <a:ext uri="{FF2B5EF4-FFF2-40B4-BE49-F238E27FC236}">
-                <a16:creationId xmlns:a16="http://schemas.microsoft.com/office/drawing/2014/main" id="{49C3DFD9-68EC-430E-A947-3760E2C3DA57}"/>
+                <a16:creationId xmlns:a16="http://schemas.microsoft.com/office/drawing/2014/main" id="{D8FB9CDD-E557-436C-8E95-9D4BAFC4764A}"/>
               </a:ext>
             </a:extLst>
           </p:cNvPr>
@@ -14030,7 +14114,7 @@
           <a:lstStyle/>
           <a:p>
             <a:r>
-              <a:rPr lang="en-US" sz="5600">
+              <a:rPr lang="en-US" sz="5100">
                 <a:solidFill>
                   <a:schemeClr val="tx1">
                     <a:lumMod val="85000"/>
@@ -14038,17 +14122,17 @@
                   </a:schemeClr>
                 </a:solidFill>
               </a:rPr>
-              <a:t>Loading the Dataframes into Postgres</a:t>
+              <a:t>Creating connection for Load operation</a:t>
             </a:r>
           </a:p>
         </p:txBody>
       </p:sp>
       <p:pic>
         <p:nvPicPr>
-          <p:cNvPr id="4" name="Picture 4" descr="Graphical user interface, application&#10;&#10;Description automatically generated">
+          <p:cNvPr id="4" name="Picture 4" descr="Graphical user interface, text, application, website&#10;&#10;Description automatically generated">
             <a:extLst>
               <a:ext uri="{FF2B5EF4-FFF2-40B4-BE49-F238E27FC236}">
-                <a16:creationId xmlns:a16="http://schemas.microsoft.com/office/drawing/2014/main" id="{730E915C-5522-4B7B-A0C1-DA201A0448F5}"/>
+                <a16:creationId xmlns:a16="http://schemas.microsoft.com/office/drawing/2014/main" id="{48EA76F8-515A-4CD3-BF3B-1ACE989BC3C8}"/>
               </a:ext>
             </a:extLst>
           </p:cNvPr>
@@ -14067,8 +14151,8 @@
         </p:blipFill>
         <p:spPr>
           <a:xfrm>
-            <a:off x="635457" y="1977652"/>
-            <a:ext cx="10916463" cy="2265164"/>
+            <a:off x="635457" y="640080"/>
+            <a:ext cx="9357754" cy="3602736"/>
           </a:xfrm>
           <a:prstGeom prst="rect">
             <a:avLst/>
@@ -14077,7 +14161,7 @@
       </p:pic>
       <p:cxnSp>
         <p:nvCxnSpPr>
-          <p:cNvPr id="17" name="Straight Connector 16">
+          <p:cNvPr id="36" name="Straight Connector 16">
             <a:extLst>
               <a:ext uri="{FF2B5EF4-FFF2-40B4-BE49-F238E27FC236}">
                 <a16:creationId xmlns:a16="http://schemas.microsoft.com/office/drawing/2014/main" id="{C9AC0290-4702-4519-B0F4-C2A46880997B}"/>
@@ -14131,7 +14215,7 @@
       </p:cxnSp>
       <p:sp>
         <p:nvSpPr>
-          <p:cNvPr id="19" name="Rectangle 18">
+          <p:cNvPr id="37" name="Rectangle 18">
             <a:extLst>
               <a:ext uri="{FF2B5EF4-FFF2-40B4-BE49-F238E27FC236}">
                 <a16:creationId xmlns:a16="http://schemas.microsoft.com/office/drawing/2014/main" id="{DE42378B-2E28-4810-8421-7A473A40E376}"/>
@@ -14186,7 +14270,7 @@
       </p:sp>
       <p:sp>
         <p:nvSpPr>
-          <p:cNvPr id="21" name="Rectangle 20">
+          <p:cNvPr id="38" name="Rectangle 20">
             <a:extLst>
               <a:ext uri="{FF2B5EF4-FFF2-40B4-BE49-F238E27FC236}">
                 <a16:creationId xmlns:a16="http://schemas.microsoft.com/office/drawing/2014/main" id="{0D91DD17-237F-4811-BC0E-128EB1BD7CFE}"/>
@@ -14242,7 +14326,7 @@
     </p:spTree>
     <p:extLst>
       <p:ext uri="{BB962C8B-B14F-4D97-AF65-F5344CB8AC3E}">
-        <p14:creationId xmlns:p14="http://schemas.microsoft.com/office/powerpoint/2010/main" val="3935079627"/>
+        <p14:creationId xmlns:p14="http://schemas.microsoft.com/office/powerpoint/2010/main" val="2334027232"/>
       </p:ext>
     </p:extLst>
   </p:cSld>

--- a/presentation/beers_breweries.pptx
+++ b/presentation/beers_breweries.pptx
@@ -22,6 +22,7 @@
     <p:sldId id="270" r:id="rId16"/>
     <p:sldId id="271" r:id="rId17"/>
     <p:sldId id="272" r:id="rId18"/>
+    <p:sldId id="274" r:id="rId19"/>
   </p:sldIdLst>
   <p:sldSz cx="12192000" cy="6858000"/>
   <p:notesSz cx="6858000" cy="9144000"/>
@@ -161,7 +162,7 @@
 <file path=ppt/revisionInfo.xml><?xml version="1.0" encoding="utf-8"?>
 <p1510:revInfo xmlns:a="http://schemas.openxmlformats.org/drawingml/2006/main" xmlns:r="http://schemas.openxmlformats.org/officeDocument/2006/relationships" xmlns:p1510="http://schemas.microsoft.com/office/powerpoint/2015/10/main">
   <p1510:revLst>
-    <p1510:client id="{CBEBBB26-7A42-4A97-8833-43DD7BABEB24}" v="1594" dt="2021-01-11T04:51:39.110"/>
+    <p1510:client id="{CBEBBB26-7A42-4A97-8833-43DD7BABEB24}" v="1626" dt="2021-01-11T05:01:25.016"/>
   </p1510:revLst>
 </p1510:revInfo>
 </file>
@@ -10840,6 +10841,389 @@
 </p:sld>
 </file>
 
+<file path=ppt/slides/slide18.xml><?xml version="1.0" encoding="utf-8"?>
+<p:sld xmlns:a="http://schemas.openxmlformats.org/drawingml/2006/main" xmlns:r="http://schemas.openxmlformats.org/officeDocument/2006/relationships" xmlns:p="http://schemas.openxmlformats.org/presentationml/2006/main">
+  <p:cSld>
+    <p:bg>
+      <p:bgPr>
+        <a:solidFill>
+          <a:schemeClr val="bg1"/>
+        </a:solidFill>
+        <a:effectLst/>
+      </p:bgPr>
+    </p:bg>
+    <p:spTree>
+      <p:nvGrpSpPr>
+        <p:cNvPr id="1" name=""/>
+        <p:cNvGrpSpPr/>
+        <p:nvPr/>
+      </p:nvGrpSpPr>
+      <p:grpSpPr>
+        <a:xfrm>
+          <a:off x="0" y="0"/>
+          <a:ext cx="0" cy="0"/>
+          <a:chOff x="0" y="0"/>
+          <a:chExt cx="0" cy="0"/>
+        </a:xfrm>
+      </p:grpSpPr>
+      <p:sp>
+        <p:nvSpPr>
+          <p:cNvPr id="9" name="Rectangle 8">
+            <a:extLst>
+              <a:ext uri="{FF2B5EF4-FFF2-40B4-BE49-F238E27FC236}">
+                <a16:creationId xmlns:a16="http://schemas.microsoft.com/office/drawing/2014/main" id="{25C8D2C1-DA83-420D-9635-D52CE066B5DA}"/>
+              </a:ext>
+              <a:ext uri="{C183D7F6-B498-43B3-948B-1728B52AA6E4}">
+                <adec:decorative xmlns:adec="http://schemas.microsoft.com/office/drawing/2017/decorative" val="1"/>
+              </a:ext>
+            </a:extLst>
+          </p:cNvPr>
+          <p:cNvSpPr>
+            <a:spLocks noGrp="1" noRot="1" noChangeAspect="1" noMove="1" noResize="1" noEditPoints="1" noAdjustHandles="1" noChangeArrowheads="1" noChangeShapeType="1" noTextEdit="1"/>
+          </p:cNvSpPr>
+          <p:nvPr>
+            <p:extLst>
+              <p:ext uri="{386F3935-93C4-4BCD-93E2-E3B085C9AB24}">
+                <p16:designElem xmlns:p16="http://schemas.microsoft.com/office/powerpoint/2015/main" val="1"/>
+              </p:ext>
+            </p:extLst>
+          </p:nvPr>
+        </p:nvSpPr>
+        <p:spPr>
+          <a:xfrm>
+            <a:off x="3175" y="6400800"/>
+            <a:ext cx="12188825" cy="457200"/>
+          </a:xfrm>
+          <a:prstGeom prst="rect">
+            <a:avLst/>
+          </a:prstGeom>
+          <a:solidFill>
+            <a:schemeClr val="accent2"/>
+          </a:solidFill>
+          <a:ln>
+            <a:noFill/>
+          </a:ln>
+        </p:spPr>
+        <p:style>
+          <a:lnRef idx="2">
+            <a:schemeClr val="accent1">
+              <a:shade val="50000"/>
+            </a:schemeClr>
+          </a:lnRef>
+          <a:fillRef idx="1">
+            <a:schemeClr val="accent1"/>
+          </a:fillRef>
+          <a:effectRef idx="0">
+            <a:schemeClr val="accent1"/>
+          </a:effectRef>
+          <a:fontRef idx="minor">
+            <a:schemeClr val="lt1"/>
+          </a:fontRef>
+        </p:style>
+      </p:sp>
+      <p:sp>
+        <p:nvSpPr>
+          <p:cNvPr id="11" name="Rectangle 10">
+            <a:extLst>
+              <a:ext uri="{FF2B5EF4-FFF2-40B4-BE49-F238E27FC236}">
+                <a16:creationId xmlns:a16="http://schemas.microsoft.com/office/drawing/2014/main" id="{434F74C9-6A0B-409E-AD1C-45B58BE91BB8}"/>
+              </a:ext>
+              <a:ext uri="{C183D7F6-B498-43B3-948B-1728B52AA6E4}">
+                <adec:decorative xmlns:adec="http://schemas.microsoft.com/office/drawing/2017/decorative" val="1"/>
+              </a:ext>
+            </a:extLst>
+          </p:cNvPr>
+          <p:cNvSpPr>
+            <a:spLocks noGrp="1" noRot="1" noChangeAspect="1" noMove="1" noResize="1" noEditPoints="1" noAdjustHandles="1" noChangeArrowheads="1" noChangeShapeType="1" noTextEdit="1"/>
+          </p:cNvSpPr>
+          <p:nvPr>
+            <p:extLst>
+              <p:ext uri="{386F3935-93C4-4BCD-93E2-E3B085C9AB24}">
+                <p16:designElem xmlns:p16="http://schemas.microsoft.com/office/powerpoint/2015/main" val="1"/>
+              </p:ext>
+            </p:extLst>
+          </p:nvPr>
+        </p:nvSpPr>
+        <p:spPr>
+          <a:xfrm>
+            <a:off x="15" y="6334316"/>
+            <a:ext cx="12188825" cy="64008"/>
+          </a:xfrm>
+          <a:prstGeom prst="rect">
+            <a:avLst/>
+          </a:prstGeom>
+          <a:solidFill>
+            <a:schemeClr val="accent1"/>
+          </a:solidFill>
+          <a:ln>
+            <a:noFill/>
+          </a:ln>
+        </p:spPr>
+        <p:style>
+          <a:lnRef idx="2">
+            <a:schemeClr val="accent1">
+              <a:shade val="50000"/>
+            </a:schemeClr>
+          </a:lnRef>
+          <a:fillRef idx="1">
+            <a:schemeClr val="accent1"/>
+          </a:fillRef>
+          <a:effectRef idx="0">
+            <a:schemeClr val="accent1"/>
+          </a:effectRef>
+          <a:fontRef idx="minor">
+            <a:schemeClr val="lt1"/>
+          </a:fontRef>
+        </p:style>
+      </p:sp>
+      <p:cxnSp>
+        <p:nvCxnSpPr>
+          <p:cNvPr id="13" name="Straight Connector 12">
+            <a:extLst>
+              <a:ext uri="{FF2B5EF4-FFF2-40B4-BE49-F238E27FC236}">
+                <a16:creationId xmlns:a16="http://schemas.microsoft.com/office/drawing/2014/main" id="{F5486A9D-1265-4B57-91E6-68E666B978BC}"/>
+              </a:ext>
+              <a:ext uri="{C183D7F6-B498-43B3-948B-1728B52AA6E4}">
+                <adec:decorative xmlns:adec="http://schemas.microsoft.com/office/drawing/2017/decorative" val="1"/>
+              </a:ext>
+            </a:extLst>
+          </p:cNvPr>
+          <p:cNvCxnSpPr>
+            <a:cxnSpLocks noGrp="1" noRot="1" noChangeAspect="1" noMove="1" noResize="1" noEditPoints="1" noAdjustHandles="1" noChangeArrowheads="1" noChangeShapeType="1"/>
+          </p:cNvCxnSpPr>
+          <p:nvPr>
+            <p:extLst>
+              <p:ext uri="{386F3935-93C4-4BCD-93E2-E3B085C9AB24}">
+                <p16:designElem xmlns:p16="http://schemas.microsoft.com/office/powerpoint/2015/main" val="1"/>
+              </p:ext>
+            </p:extLst>
+          </p:nvPr>
+        </p:nvCxnSpPr>
+        <p:spPr>
+          <a:xfrm>
+            <a:off x="1207658" y="4343400"/>
+            <a:ext cx="9875520" cy="0"/>
+          </a:xfrm>
+          <a:prstGeom prst="line">
+            <a:avLst/>
+          </a:prstGeom>
+          <a:ln w="6350">
+            <a:solidFill>
+              <a:schemeClr val="tx1">
+                <a:lumMod val="50000"/>
+                <a:lumOff val="50000"/>
+              </a:schemeClr>
+            </a:solidFill>
+          </a:ln>
+        </p:spPr>
+        <p:style>
+          <a:lnRef idx="1">
+            <a:schemeClr val="accent1"/>
+          </a:lnRef>
+          <a:fillRef idx="0">
+            <a:schemeClr val="accent1"/>
+          </a:fillRef>
+          <a:effectRef idx="0">
+            <a:schemeClr val="accent1"/>
+          </a:effectRef>
+          <a:fontRef idx="minor">
+            <a:schemeClr val="tx1"/>
+          </a:fontRef>
+        </p:style>
+      </p:cxnSp>
+      <p:pic>
+        <p:nvPicPr>
+          <p:cNvPr id="4" name="Picture 4" descr="CLV Frontiers' cannabis-inspired terpene beers launch in ...">
+            <a:extLst>
+              <a:ext uri="{FF2B5EF4-FFF2-40B4-BE49-F238E27FC236}">
+                <a16:creationId xmlns:a16="http://schemas.microsoft.com/office/drawing/2014/main" id="{3EB02F9C-C0D3-45E7-8DAE-51D7ADB98BC1}"/>
+              </a:ext>
+            </a:extLst>
+          </p:cNvPr>
+          <p:cNvPicPr>
+            <a:picLocks noGrp="1" noChangeAspect="1"/>
+          </p:cNvPicPr>
+          <p:nvPr>
+            <p:ph sz="quarter" idx="13"/>
+          </p:nvPr>
+        </p:nvPicPr>
+        <p:blipFill rotWithShape="1">
+          <a:blip r:embed="rId2"/>
+          <a:srcRect t="6091" b="21920"/>
+          <a:stretch/>
+        </p:blipFill>
+        <p:spPr>
+          <a:xfrm>
+            <a:off x="-32" y="10"/>
+            <a:ext cx="12192031" cy="4915066"/>
+          </a:xfrm>
+          <a:prstGeom prst="rect">
+            <a:avLst/>
+          </a:prstGeom>
+        </p:spPr>
+      </p:pic>
+      <p:sp>
+        <p:nvSpPr>
+          <p:cNvPr id="15" name="Rectangle 14">
+            <a:extLst>
+              <a:ext uri="{FF2B5EF4-FFF2-40B4-BE49-F238E27FC236}">
+                <a16:creationId xmlns:a16="http://schemas.microsoft.com/office/drawing/2014/main" id="{B76D919A-FC3E-4B4E-BAF0-ED6CFB8DC4AE}"/>
+              </a:ext>
+              <a:ext uri="{C183D7F6-B498-43B3-948B-1728B52AA6E4}">
+                <adec:decorative xmlns:adec="http://schemas.microsoft.com/office/drawing/2017/decorative" val="1"/>
+              </a:ext>
+            </a:extLst>
+          </p:cNvPr>
+          <p:cNvSpPr>
+            <a:spLocks noGrp="1" noRot="1" noChangeAspect="1" noMove="1" noResize="1" noEditPoints="1" noAdjustHandles="1" noChangeArrowheads="1" noChangeShapeType="1" noTextEdit="1"/>
+          </p:cNvSpPr>
+          <p:nvPr>
+            <p:extLst>
+              <p:ext uri="{386F3935-93C4-4BCD-93E2-E3B085C9AB24}">
+                <p16:designElem xmlns:p16="http://schemas.microsoft.com/office/powerpoint/2015/main" val="1"/>
+              </p:ext>
+            </p:extLst>
+          </p:nvPr>
+        </p:nvSpPr>
+        <p:spPr bwMode="white">
+          <a:xfrm>
+            <a:off x="1507" y="4953000"/>
+            <a:ext cx="12188952" cy="1905000"/>
+          </a:xfrm>
+          <a:prstGeom prst="rect">
+            <a:avLst/>
+          </a:prstGeom>
+          <a:solidFill>
+            <a:schemeClr val="accent2"/>
+          </a:solidFill>
+          <a:ln>
+            <a:noFill/>
+          </a:ln>
+        </p:spPr>
+        <p:style>
+          <a:lnRef idx="2">
+            <a:schemeClr val="accent1">
+              <a:shade val="50000"/>
+            </a:schemeClr>
+          </a:lnRef>
+          <a:fillRef idx="1">
+            <a:schemeClr val="accent1"/>
+          </a:fillRef>
+          <a:effectRef idx="0">
+            <a:schemeClr val="accent1"/>
+          </a:effectRef>
+          <a:fontRef idx="minor">
+            <a:schemeClr val="lt1"/>
+          </a:fontRef>
+        </p:style>
+      </p:sp>
+      <p:sp>
+        <p:nvSpPr>
+          <p:cNvPr id="2" name="Title 1">
+            <a:extLst>
+              <a:ext uri="{FF2B5EF4-FFF2-40B4-BE49-F238E27FC236}">
+                <a16:creationId xmlns:a16="http://schemas.microsoft.com/office/drawing/2014/main" id="{EBF1C41A-C1F3-437D-8E75-8CCF9409654E}"/>
+              </a:ext>
+            </a:extLst>
+          </p:cNvPr>
+          <p:cNvSpPr>
+            <a:spLocks noGrp="1"/>
+          </p:cNvSpPr>
+          <p:nvPr>
+            <p:ph type="title"/>
+          </p:nvPr>
+        </p:nvSpPr>
+        <p:spPr>
+          <a:xfrm>
+            <a:off x="1065197" y="5120640"/>
+            <a:ext cx="10058400" cy="822960"/>
+          </a:xfrm>
+        </p:spPr>
+        <p:txBody>
+          <a:bodyPr vert="horz" lIns="91440" tIns="45720" rIns="91440" bIns="45720" rtlCol="0" anchor="b">
+            <a:normAutofit/>
+          </a:bodyPr>
+          <a:lstStyle/>
+          <a:p>
+            <a:r>
+              <a:rPr lang="en-US" sz="3600">
+                <a:solidFill>
+                  <a:srgbClr val="FFFFFF"/>
+                </a:solidFill>
+              </a:rPr>
+              <a:t>Questions?</a:t>
+            </a:r>
+          </a:p>
+        </p:txBody>
+      </p:sp>
+      <p:sp>
+        <p:nvSpPr>
+          <p:cNvPr id="17" name="Rectangle 16">
+            <a:extLst>
+              <a:ext uri="{FF2B5EF4-FFF2-40B4-BE49-F238E27FC236}">
+                <a16:creationId xmlns:a16="http://schemas.microsoft.com/office/drawing/2014/main" id="{8F66ACBD-1C82-4782-AA7C-05504DD7DE77}"/>
+              </a:ext>
+              <a:ext uri="{C183D7F6-B498-43B3-948B-1728B52AA6E4}">
+                <adec:decorative xmlns:adec="http://schemas.microsoft.com/office/drawing/2017/decorative" val="1"/>
+              </a:ext>
+            </a:extLst>
+          </p:cNvPr>
+          <p:cNvSpPr>
+            <a:spLocks noGrp="1" noRot="1" noChangeAspect="1" noMove="1" noResize="1" noEditPoints="1" noAdjustHandles="1" noChangeArrowheads="1" noChangeShapeType="1" noTextEdit="1"/>
+          </p:cNvSpPr>
+          <p:nvPr>
+            <p:extLst>
+              <p:ext uri="{386F3935-93C4-4BCD-93E2-E3B085C9AB24}">
+                <p16:designElem xmlns:p16="http://schemas.microsoft.com/office/powerpoint/2015/main" val="1"/>
+              </p:ext>
+            </p:extLst>
+          </p:nvPr>
+        </p:nvSpPr>
+        <p:spPr>
+          <a:xfrm>
+            <a:off x="1507" y="4906176"/>
+            <a:ext cx="12188952" cy="64008"/>
+          </a:xfrm>
+          <a:prstGeom prst="rect">
+            <a:avLst/>
+          </a:prstGeom>
+          <a:solidFill>
+            <a:schemeClr val="accent1"/>
+          </a:solidFill>
+          <a:ln>
+            <a:noFill/>
+          </a:ln>
+        </p:spPr>
+        <p:style>
+          <a:lnRef idx="2">
+            <a:schemeClr val="accent1">
+              <a:shade val="50000"/>
+            </a:schemeClr>
+          </a:lnRef>
+          <a:fillRef idx="1">
+            <a:schemeClr val="accent1"/>
+          </a:fillRef>
+          <a:effectRef idx="0">
+            <a:schemeClr val="accent1"/>
+          </a:effectRef>
+          <a:fontRef idx="minor">
+            <a:schemeClr val="lt1"/>
+          </a:fontRef>
+        </p:style>
+      </p:sp>
+    </p:spTree>
+    <p:extLst>
+      <p:ext uri="{BB962C8B-B14F-4D97-AF65-F5344CB8AC3E}">
+        <p14:creationId xmlns:p14="http://schemas.microsoft.com/office/powerpoint/2010/main" val="92333336"/>
+      </p:ext>
+    </p:extLst>
+  </p:cSld>
+  <p:clrMapOvr>
+    <a:masterClrMapping/>
+  </p:clrMapOvr>
+</p:sld>
+</file>
+
 <file path=ppt/slides/slide2.xml><?xml version="1.0" encoding="utf-8"?>
 <p:sld xmlns:a="http://schemas.openxmlformats.org/drawingml/2006/main" xmlns:r="http://schemas.openxmlformats.org/officeDocument/2006/relationships" xmlns:p="http://schemas.openxmlformats.org/presentationml/2006/main">
   <p:cSld>

--- a/presentation/beers_breweries.pptx
+++ b/presentation/beers_breweries.pptx
@@ -22,7 +22,9 @@
     <p:sldId id="270" r:id="rId16"/>
     <p:sldId id="271" r:id="rId17"/>
     <p:sldId id="272" r:id="rId18"/>
-    <p:sldId id="274" r:id="rId19"/>
+    <p:sldId id="275" r:id="rId19"/>
+    <p:sldId id="276" r:id="rId20"/>
+    <p:sldId id="274" r:id="rId21"/>
   </p:sldIdLst>
   <p:sldSz cx="12192000" cy="6858000"/>
   <p:notesSz cx="6858000" cy="9144000"/>
@@ -162,7 +164,7 @@
 <file path=ppt/revisionInfo.xml><?xml version="1.0" encoding="utf-8"?>
 <p1510:revInfo xmlns:a="http://schemas.openxmlformats.org/drawingml/2006/main" xmlns:r="http://schemas.openxmlformats.org/officeDocument/2006/relationships" xmlns:p1510="http://schemas.microsoft.com/office/powerpoint/2015/10/main">
   <p1510:revLst>
-    <p1510:client id="{CBEBBB26-7A42-4A97-8833-43DD7BABEB24}" v="1626" dt="2021-01-11T05:01:25.016"/>
+    <p1510:client id="{CBEBBB26-7A42-4A97-8833-43DD7BABEB24}" v="1760" dt="2021-01-11T05:13:05.973"/>
   </p1510:revLst>
 </p1510:revInfo>
 </file>
@@ -1007,9 +1009,20 @@
         <a:bodyPr/>
         <a:lstStyle/>
         <a:p>
+          <a:pPr rtl="0"/>
           <a:r>
             <a:rPr lang="en-US"/>
-            <a:t>Which beer style has the highest alcohol by volume content?</a:t>
+            <a:t>Which beer style has the highest alcohol by volume</a:t>
+          </a:r>
+          <a:r>
+            <a:rPr lang="en-US">
+              <a:latin typeface="Calibri Light" panose="020F0302020204030204"/>
+            </a:rPr>
+            <a:t> (ABV)</a:t>
+          </a:r>
+          <a:r>
+            <a:rPr lang="en-US"/>
+            <a:t> content?</a:t>
           </a:r>
         </a:p>
       </dgm:t>
@@ -1471,7 +1484,7 @@
         </a:bodyPr>
         <a:lstStyle/>
         <a:p>
-          <a:pPr marL="0" lvl="0" indent="0" algn="l" defTabSz="1422400">
+          <a:pPr marL="0" lvl="0" indent="0" algn="l" defTabSz="1422400" rtl="0">
             <a:lnSpc>
               <a:spcPct val="90000"/>
             </a:lnSpc>
@@ -1485,7 +1498,17 @@
           </a:pPr>
           <a:r>
             <a:rPr lang="en-US" sz="3200" kern="1200"/>
-            <a:t>Which beer style has the highest alcohol by volume content?</a:t>
+            <a:t>Which beer style has the highest alcohol by volume</a:t>
+          </a:r>
+          <a:r>
+            <a:rPr lang="en-US" sz="3200" kern="1200">
+              <a:latin typeface="Calibri Light" panose="020F0302020204030204"/>
+            </a:rPr>
+            <a:t> (ABV)</a:t>
+          </a:r>
+          <a:r>
+            <a:rPr lang="en-US" sz="3200" kern="1200"/>
+            <a:t> content?</a:t>
           </a:r>
         </a:p>
       </dsp:txBody>
@@ -10844,14 +10867,6 @@
 <file path=ppt/slides/slide18.xml><?xml version="1.0" encoding="utf-8"?>
 <p:sld xmlns:a="http://schemas.openxmlformats.org/drawingml/2006/main" xmlns:r="http://schemas.openxmlformats.org/officeDocument/2006/relationships" xmlns:p="http://schemas.openxmlformats.org/presentationml/2006/main">
   <p:cSld>
-    <p:bg>
-      <p:bgPr>
-        <a:solidFill>
-          <a:schemeClr val="bg1"/>
-        </a:solidFill>
-        <a:effectLst/>
-      </p:bgPr>
-    </p:bg>
     <p:spTree>
       <p:nvGrpSpPr>
         <p:cNvPr id="1" name=""/>
@@ -10868,175 +10883,129 @@
       </p:grpSpPr>
       <p:sp>
         <p:nvSpPr>
-          <p:cNvPr id="9" name="Rectangle 8">
+          <p:cNvPr id="2" name="Title 1">
             <a:extLst>
               <a:ext uri="{FF2B5EF4-FFF2-40B4-BE49-F238E27FC236}">
-                <a16:creationId xmlns:a16="http://schemas.microsoft.com/office/drawing/2014/main" id="{25C8D2C1-DA83-420D-9635-D52CE066B5DA}"/>
-              </a:ext>
-              <a:ext uri="{C183D7F6-B498-43B3-948B-1728B52AA6E4}">
-                <adec:decorative xmlns:adec="http://schemas.microsoft.com/office/drawing/2017/decorative" val="1"/>
+                <a16:creationId xmlns:a16="http://schemas.microsoft.com/office/drawing/2014/main" id="{E5A59AB6-A960-473B-BC81-388F86251294}"/>
               </a:ext>
             </a:extLst>
           </p:cNvPr>
           <p:cNvSpPr>
-            <a:spLocks noGrp="1" noRot="1" noChangeAspect="1" noMove="1" noResize="1" noEditPoints="1" noAdjustHandles="1" noChangeArrowheads="1" noChangeShapeType="1" noTextEdit="1"/>
-          </p:cNvSpPr>
-          <p:nvPr>
-            <p:extLst>
-              <p:ext uri="{386F3935-93C4-4BCD-93E2-E3B085C9AB24}">
-                <p16:designElem xmlns:p16="http://schemas.microsoft.com/office/powerpoint/2015/main" val="1"/>
-              </p:ext>
-            </p:extLst>
-          </p:nvPr>
-        </p:nvSpPr>
-        <p:spPr>
-          <a:xfrm>
-            <a:off x="3175" y="6400800"/>
-            <a:ext cx="12188825" cy="457200"/>
-          </a:xfrm>
-          <a:prstGeom prst="rect">
-            <a:avLst/>
-          </a:prstGeom>
-          <a:solidFill>
-            <a:schemeClr val="accent2"/>
-          </a:solidFill>
-          <a:ln>
-            <a:noFill/>
-          </a:ln>
-        </p:spPr>
-        <p:style>
-          <a:lnRef idx="2">
-            <a:schemeClr val="accent1">
-              <a:shade val="50000"/>
-            </a:schemeClr>
-          </a:lnRef>
-          <a:fillRef idx="1">
-            <a:schemeClr val="accent1"/>
-          </a:fillRef>
-          <a:effectRef idx="0">
-            <a:schemeClr val="accent1"/>
-          </a:effectRef>
-          <a:fontRef idx="minor">
-            <a:schemeClr val="lt1"/>
-          </a:fontRef>
-        </p:style>
-      </p:sp>
-      <p:sp>
-        <p:nvSpPr>
-          <p:cNvPr id="11" name="Rectangle 10">
+            <a:spLocks noGrp="1"/>
+          </p:cNvSpPr>
+          <p:nvPr>
+            <p:ph type="title"/>
+          </p:nvPr>
+        </p:nvSpPr>
+        <p:spPr/>
+        <p:txBody>
+          <a:bodyPr/>
+          <a:lstStyle/>
+          <a:p>
+            <a:r>
+              <a:rPr lang="en-US">
+                <a:cs typeface="Calibri Light"/>
+              </a:rPr>
+              <a:t>Beer Styles with the Highest ABV</a:t>
+            </a:r>
+            <a:endParaRPr lang="en-US" dirty="0">
+              <a:cs typeface="Calibri Light"/>
+            </a:endParaRPr>
+          </a:p>
+        </p:txBody>
+      </p:sp>
+      <p:sp>
+        <p:nvSpPr>
+          <p:cNvPr id="3" name="Content Placeholder 2">
             <a:extLst>
               <a:ext uri="{FF2B5EF4-FFF2-40B4-BE49-F238E27FC236}">
-                <a16:creationId xmlns:a16="http://schemas.microsoft.com/office/drawing/2014/main" id="{434F74C9-6A0B-409E-AD1C-45B58BE91BB8}"/>
-              </a:ext>
-              <a:ext uri="{C183D7F6-B498-43B3-948B-1728B52AA6E4}">
-                <adec:decorative xmlns:adec="http://schemas.microsoft.com/office/drawing/2017/decorative" val="1"/>
+                <a16:creationId xmlns:a16="http://schemas.microsoft.com/office/drawing/2014/main" id="{1C601FDA-9A67-4235-91A4-59A6CFE07BEC}"/>
               </a:ext>
             </a:extLst>
           </p:cNvPr>
           <p:cNvSpPr>
-            <a:spLocks noGrp="1" noRot="1" noChangeAspect="1" noMove="1" noResize="1" noEditPoints="1" noAdjustHandles="1" noChangeArrowheads="1" noChangeShapeType="1" noTextEdit="1"/>
-          </p:cNvSpPr>
-          <p:nvPr>
-            <p:extLst>
-              <p:ext uri="{386F3935-93C4-4BCD-93E2-E3B085C9AB24}">
-                <p16:designElem xmlns:p16="http://schemas.microsoft.com/office/powerpoint/2015/main" val="1"/>
-              </p:ext>
-            </p:extLst>
-          </p:nvPr>
-        </p:nvSpPr>
-        <p:spPr>
-          <a:xfrm>
-            <a:off x="15" y="6334316"/>
-            <a:ext cx="12188825" cy="64008"/>
-          </a:xfrm>
-          <a:prstGeom prst="rect">
-            <a:avLst/>
-          </a:prstGeom>
-          <a:solidFill>
-            <a:schemeClr val="accent1"/>
-          </a:solidFill>
-          <a:ln>
-            <a:noFill/>
-          </a:ln>
-        </p:spPr>
-        <p:style>
-          <a:lnRef idx="2">
-            <a:schemeClr val="accent1">
-              <a:shade val="50000"/>
-            </a:schemeClr>
-          </a:lnRef>
-          <a:fillRef idx="1">
-            <a:schemeClr val="accent1"/>
-          </a:fillRef>
-          <a:effectRef idx="0">
-            <a:schemeClr val="accent1"/>
-          </a:effectRef>
-          <a:fontRef idx="minor">
-            <a:schemeClr val="lt1"/>
-          </a:fontRef>
-        </p:style>
-      </p:sp>
-      <p:cxnSp>
-        <p:nvCxnSpPr>
-          <p:cNvPr id="13" name="Straight Connector 12">
+            <a:spLocks noGrp="1"/>
+          </p:cNvSpPr>
+          <p:nvPr>
+            <p:ph sz="quarter" idx="13"/>
+          </p:nvPr>
+        </p:nvSpPr>
+        <p:spPr/>
+        <p:txBody>
+          <a:bodyPr/>
+          <a:lstStyle/>
+          <a:p>
+            <a:endParaRPr lang="en-US"/>
+          </a:p>
+        </p:txBody>
+      </p:sp>
+    </p:spTree>
+    <p:extLst>
+      <p:ext uri="{BB962C8B-B14F-4D97-AF65-F5344CB8AC3E}">
+        <p14:creationId xmlns:p14="http://schemas.microsoft.com/office/powerpoint/2010/main" val="2760880453"/>
+      </p:ext>
+    </p:extLst>
+  </p:cSld>
+  <p:clrMapOvr>
+    <a:masterClrMapping/>
+  </p:clrMapOvr>
+</p:sld>
+</file>
+
+<file path=ppt/slides/slide19.xml><?xml version="1.0" encoding="utf-8"?>
+<p:sld xmlns:a="http://schemas.openxmlformats.org/drawingml/2006/main" xmlns:r="http://schemas.openxmlformats.org/officeDocument/2006/relationships" xmlns:p="http://schemas.openxmlformats.org/presentationml/2006/main">
+  <p:cSld>
+    <p:spTree>
+      <p:nvGrpSpPr>
+        <p:cNvPr id="1" name=""/>
+        <p:cNvGrpSpPr/>
+        <p:nvPr/>
+      </p:nvGrpSpPr>
+      <p:grpSpPr>
+        <a:xfrm>
+          <a:off x="0" y="0"/>
+          <a:ext cx="0" cy="0"/>
+          <a:chOff x="0" y="0"/>
+          <a:chExt cx="0" cy="0"/>
+        </a:xfrm>
+      </p:grpSpPr>
+      <p:sp>
+        <p:nvSpPr>
+          <p:cNvPr id="2" name="Title 1">
             <a:extLst>
               <a:ext uri="{FF2B5EF4-FFF2-40B4-BE49-F238E27FC236}">
-                <a16:creationId xmlns:a16="http://schemas.microsoft.com/office/drawing/2014/main" id="{F5486A9D-1265-4B57-91E6-68E666B978BC}"/>
-              </a:ext>
-              <a:ext uri="{C183D7F6-B498-43B3-948B-1728B52AA6E4}">
-                <adec:decorative xmlns:adec="http://schemas.microsoft.com/office/drawing/2017/decorative" val="1"/>
+                <a16:creationId xmlns:a16="http://schemas.microsoft.com/office/drawing/2014/main" id="{39739E21-08A7-4214-9BC9-8F27854D7FD1}"/>
               </a:ext>
             </a:extLst>
           </p:cNvPr>
-          <p:cNvCxnSpPr>
-            <a:cxnSpLocks noGrp="1" noRot="1" noChangeAspect="1" noMove="1" noResize="1" noEditPoints="1" noAdjustHandles="1" noChangeArrowheads="1" noChangeShapeType="1"/>
-          </p:cNvCxnSpPr>
-          <p:nvPr>
-            <p:extLst>
-              <p:ext uri="{386F3935-93C4-4BCD-93E2-E3B085C9AB24}">
-                <p16:designElem xmlns:p16="http://schemas.microsoft.com/office/powerpoint/2015/main" val="1"/>
-              </p:ext>
-            </p:extLst>
-          </p:nvPr>
-        </p:nvCxnSpPr>
-        <p:spPr>
-          <a:xfrm>
-            <a:off x="1207658" y="4343400"/>
-            <a:ext cx="9875520" cy="0"/>
-          </a:xfrm>
-          <a:prstGeom prst="line">
-            <a:avLst/>
-          </a:prstGeom>
-          <a:ln w="6350">
-            <a:solidFill>
-              <a:schemeClr val="tx1">
-                <a:lumMod val="50000"/>
-                <a:lumOff val="50000"/>
-              </a:schemeClr>
-            </a:solidFill>
-          </a:ln>
-        </p:spPr>
-        <p:style>
-          <a:lnRef idx="1">
-            <a:schemeClr val="accent1"/>
-          </a:lnRef>
-          <a:fillRef idx="0">
-            <a:schemeClr val="accent1"/>
-          </a:fillRef>
-          <a:effectRef idx="0">
-            <a:schemeClr val="accent1"/>
-          </a:effectRef>
-          <a:fontRef idx="minor">
-            <a:schemeClr val="tx1"/>
-          </a:fontRef>
-        </p:style>
-      </p:cxnSp>
+          <p:cNvSpPr>
+            <a:spLocks noGrp="1"/>
+          </p:cNvSpPr>
+          <p:nvPr>
+            <p:ph type="title"/>
+          </p:nvPr>
+        </p:nvSpPr>
+        <p:spPr/>
+        <p:txBody>
+          <a:bodyPr/>
+          <a:lstStyle/>
+          <a:p>
+            <a:r>
+              <a:rPr lang="en-US">
+                <a:cs typeface="Calibri Light"/>
+              </a:rPr>
+              <a:t>Don't forget to close the connection!</a:t>
+            </a:r>
+            <a:endParaRPr lang="en-US"/>
+          </a:p>
+        </p:txBody>
+      </p:sp>
       <p:pic>
         <p:nvPicPr>
-          <p:cNvPr id="4" name="Picture 4" descr="CLV Frontiers' cannabis-inspired terpene beers launch in ...">
+          <p:cNvPr id="4" name="Picture 4" descr="A close up of a sign&#10;&#10;Description automatically generated">
             <a:extLst>
               <a:ext uri="{FF2B5EF4-FFF2-40B4-BE49-F238E27FC236}">
-                <a16:creationId xmlns:a16="http://schemas.microsoft.com/office/drawing/2014/main" id="{3EB02F9C-C0D3-45E7-8DAE-51D7ADB98BC1}"/>
+                <a16:creationId xmlns:a16="http://schemas.microsoft.com/office/drawing/2014/main" id="{C959D1B5-78ED-4B11-926E-E3E4BC8CA642}"/>
               </a:ext>
             </a:extLst>
           </p:cNvPr>
@@ -11047,174 +11016,23 @@
             <p:ph sz="quarter" idx="13"/>
           </p:nvPr>
         </p:nvPicPr>
-        <p:blipFill rotWithShape="1">
+        <p:blipFill>
           <a:blip r:embed="rId2"/>
-          <a:srcRect t="6091" b="21920"/>
-          <a:stretch/>
+          <a:stretch>
+            <a:fillRect/>
+          </a:stretch>
         </p:blipFill>
         <p:spPr>
           <a:xfrm>
-            <a:off x="-32" y="10"/>
-            <a:ext cx="12192031" cy="4915066"/>
-          </a:xfrm>
-          <a:prstGeom prst="rect">
-            <a:avLst/>
-          </a:prstGeom>
+            <a:off x="1220089" y="2260655"/>
+            <a:ext cx="2352675" cy="1000125"/>
+          </a:xfrm>
         </p:spPr>
       </p:pic>
-      <p:sp>
-        <p:nvSpPr>
-          <p:cNvPr id="15" name="Rectangle 14">
-            <a:extLst>
-              <a:ext uri="{FF2B5EF4-FFF2-40B4-BE49-F238E27FC236}">
-                <a16:creationId xmlns:a16="http://schemas.microsoft.com/office/drawing/2014/main" id="{B76D919A-FC3E-4B4E-BAF0-ED6CFB8DC4AE}"/>
-              </a:ext>
-              <a:ext uri="{C183D7F6-B498-43B3-948B-1728B52AA6E4}">
-                <adec:decorative xmlns:adec="http://schemas.microsoft.com/office/drawing/2017/decorative" val="1"/>
-              </a:ext>
-            </a:extLst>
-          </p:cNvPr>
-          <p:cNvSpPr>
-            <a:spLocks noGrp="1" noRot="1" noChangeAspect="1" noMove="1" noResize="1" noEditPoints="1" noAdjustHandles="1" noChangeArrowheads="1" noChangeShapeType="1" noTextEdit="1"/>
-          </p:cNvSpPr>
-          <p:nvPr>
-            <p:extLst>
-              <p:ext uri="{386F3935-93C4-4BCD-93E2-E3B085C9AB24}">
-                <p16:designElem xmlns:p16="http://schemas.microsoft.com/office/powerpoint/2015/main" val="1"/>
-              </p:ext>
-            </p:extLst>
-          </p:nvPr>
-        </p:nvSpPr>
-        <p:spPr bwMode="white">
-          <a:xfrm>
-            <a:off x="1507" y="4953000"/>
-            <a:ext cx="12188952" cy="1905000"/>
-          </a:xfrm>
-          <a:prstGeom prst="rect">
-            <a:avLst/>
-          </a:prstGeom>
-          <a:solidFill>
-            <a:schemeClr val="accent2"/>
-          </a:solidFill>
-          <a:ln>
-            <a:noFill/>
-          </a:ln>
-        </p:spPr>
-        <p:style>
-          <a:lnRef idx="2">
-            <a:schemeClr val="accent1">
-              <a:shade val="50000"/>
-            </a:schemeClr>
-          </a:lnRef>
-          <a:fillRef idx="1">
-            <a:schemeClr val="accent1"/>
-          </a:fillRef>
-          <a:effectRef idx="0">
-            <a:schemeClr val="accent1"/>
-          </a:effectRef>
-          <a:fontRef idx="minor">
-            <a:schemeClr val="lt1"/>
-          </a:fontRef>
-        </p:style>
-      </p:sp>
-      <p:sp>
-        <p:nvSpPr>
-          <p:cNvPr id="2" name="Title 1">
-            <a:extLst>
-              <a:ext uri="{FF2B5EF4-FFF2-40B4-BE49-F238E27FC236}">
-                <a16:creationId xmlns:a16="http://schemas.microsoft.com/office/drawing/2014/main" id="{EBF1C41A-C1F3-437D-8E75-8CCF9409654E}"/>
-              </a:ext>
-            </a:extLst>
-          </p:cNvPr>
-          <p:cNvSpPr>
-            <a:spLocks noGrp="1"/>
-          </p:cNvSpPr>
-          <p:nvPr>
-            <p:ph type="title"/>
-          </p:nvPr>
-        </p:nvSpPr>
-        <p:spPr>
-          <a:xfrm>
-            <a:off x="1065197" y="5120640"/>
-            <a:ext cx="10058400" cy="822960"/>
-          </a:xfrm>
-        </p:spPr>
-        <p:txBody>
-          <a:bodyPr vert="horz" lIns="91440" tIns="45720" rIns="91440" bIns="45720" rtlCol="0" anchor="b">
-            <a:normAutofit/>
-          </a:bodyPr>
-          <a:lstStyle/>
-          <a:p>
-            <a:r>
-              <a:rPr lang="en-US" sz="3600">
-                <a:solidFill>
-                  <a:srgbClr val="FFFFFF"/>
-                </a:solidFill>
-              </a:rPr>
-              <a:t>Questions?</a:t>
-            </a:r>
-          </a:p>
-        </p:txBody>
-      </p:sp>
-      <p:sp>
-        <p:nvSpPr>
-          <p:cNvPr id="17" name="Rectangle 16">
-            <a:extLst>
-              <a:ext uri="{FF2B5EF4-FFF2-40B4-BE49-F238E27FC236}">
-                <a16:creationId xmlns:a16="http://schemas.microsoft.com/office/drawing/2014/main" id="{8F66ACBD-1C82-4782-AA7C-05504DD7DE77}"/>
-              </a:ext>
-              <a:ext uri="{C183D7F6-B498-43B3-948B-1728B52AA6E4}">
-                <adec:decorative xmlns:adec="http://schemas.microsoft.com/office/drawing/2017/decorative" val="1"/>
-              </a:ext>
-            </a:extLst>
-          </p:cNvPr>
-          <p:cNvSpPr>
-            <a:spLocks noGrp="1" noRot="1" noChangeAspect="1" noMove="1" noResize="1" noEditPoints="1" noAdjustHandles="1" noChangeArrowheads="1" noChangeShapeType="1" noTextEdit="1"/>
-          </p:cNvSpPr>
-          <p:nvPr>
-            <p:extLst>
-              <p:ext uri="{386F3935-93C4-4BCD-93E2-E3B085C9AB24}">
-                <p16:designElem xmlns:p16="http://schemas.microsoft.com/office/powerpoint/2015/main" val="1"/>
-              </p:ext>
-            </p:extLst>
-          </p:nvPr>
-        </p:nvSpPr>
-        <p:spPr>
-          <a:xfrm>
-            <a:off x="1507" y="4906176"/>
-            <a:ext cx="12188952" cy="64008"/>
-          </a:xfrm>
-          <a:prstGeom prst="rect">
-            <a:avLst/>
-          </a:prstGeom>
-          <a:solidFill>
-            <a:schemeClr val="accent1"/>
-          </a:solidFill>
-          <a:ln>
-            <a:noFill/>
-          </a:ln>
-        </p:spPr>
-        <p:style>
-          <a:lnRef idx="2">
-            <a:schemeClr val="accent1">
-              <a:shade val="50000"/>
-            </a:schemeClr>
-          </a:lnRef>
-          <a:fillRef idx="1">
-            <a:schemeClr val="accent1"/>
-          </a:fillRef>
-          <a:effectRef idx="0">
-            <a:schemeClr val="accent1"/>
-          </a:effectRef>
-          <a:fontRef idx="minor">
-            <a:schemeClr val="lt1"/>
-          </a:fontRef>
-        </p:style>
-      </p:sp>
     </p:spTree>
     <p:extLst>
       <p:ext uri="{BB962C8B-B14F-4D97-AF65-F5344CB8AC3E}">
-        <p14:creationId xmlns:p14="http://schemas.microsoft.com/office/powerpoint/2010/main" val="92333336"/>
+        <p14:creationId xmlns:p14="http://schemas.microsoft.com/office/powerpoint/2010/main" val="2753587061"/>
       </p:ext>
     </p:extLst>
   </p:cSld>
@@ -11650,6 +11468,389 @@
     <p:extLst>
       <p:ext uri="{BB962C8B-B14F-4D97-AF65-F5344CB8AC3E}">
         <p14:creationId xmlns:p14="http://schemas.microsoft.com/office/powerpoint/2010/main" val="2001964210"/>
+      </p:ext>
+    </p:extLst>
+  </p:cSld>
+  <p:clrMapOvr>
+    <a:masterClrMapping/>
+  </p:clrMapOvr>
+</p:sld>
+</file>
+
+<file path=ppt/slides/slide20.xml><?xml version="1.0" encoding="utf-8"?>
+<p:sld xmlns:a="http://schemas.openxmlformats.org/drawingml/2006/main" xmlns:r="http://schemas.openxmlformats.org/officeDocument/2006/relationships" xmlns:p="http://schemas.openxmlformats.org/presentationml/2006/main">
+  <p:cSld>
+    <p:bg>
+      <p:bgPr>
+        <a:solidFill>
+          <a:schemeClr val="bg1"/>
+        </a:solidFill>
+        <a:effectLst/>
+      </p:bgPr>
+    </p:bg>
+    <p:spTree>
+      <p:nvGrpSpPr>
+        <p:cNvPr id="1" name=""/>
+        <p:cNvGrpSpPr/>
+        <p:nvPr/>
+      </p:nvGrpSpPr>
+      <p:grpSpPr>
+        <a:xfrm>
+          <a:off x="0" y="0"/>
+          <a:ext cx="0" cy="0"/>
+          <a:chOff x="0" y="0"/>
+          <a:chExt cx="0" cy="0"/>
+        </a:xfrm>
+      </p:grpSpPr>
+      <p:sp>
+        <p:nvSpPr>
+          <p:cNvPr id="9" name="Rectangle 8">
+            <a:extLst>
+              <a:ext uri="{FF2B5EF4-FFF2-40B4-BE49-F238E27FC236}">
+                <a16:creationId xmlns:a16="http://schemas.microsoft.com/office/drawing/2014/main" id="{25C8D2C1-DA83-420D-9635-D52CE066B5DA}"/>
+              </a:ext>
+              <a:ext uri="{C183D7F6-B498-43B3-948B-1728B52AA6E4}">
+                <adec:decorative xmlns:adec="http://schemas.microsoft.com/office/drawing/2017/decorative" val="1"/>
+              </a:ext>
+            </a:extLst>
+          </p:cNvPr>
+          <p:cNvSpPr>
+            <a:spLocks noGrp="1" noRot="1" noChangeAspect="1" noMove="1" noResize="1" noEditPoints="1" noAdjustHandles="1" noChangeArrowheads="1" noChangeShapeType="1" noTextEdit="1"/>
+          </p:cNvSpPr>
+          <p:nvPr>
+            <p:extLst>
+              <p:ext uri="{386F3935-93C4-4BCD-93E2-E3B085C9AB24}">
+                <p16:designElem xmlns:p16="http://schemas.microsoft.com/office/powerpoint/2015/main" val="1"/>
+              </p:ext>
+            </p:extLst>
+          </p:nvPr>
+        </p:nvSpPr>
+        <p:spPr>
+          <a:xfrm>
+            <a:off x="3175" y="6400800"/>
+            <a:ext cx="12188825" cy="457200"/>
+          </a:xfrm>
+          <a:prstGeom prst="rect">
+            <a:avLst/>
+          </a:prstGeom>
+          <a:solidFill>
+            <a:schemeClr val="accent2"/>
+          </a:solidFill>
+          <a:ln>
+            <a:noFill/>
+          </a:ln>
+        </p:spPr>
+        <p:style>
+          <a:lnRef idx="2">
+            <a:schemeClr val="accent1">
+              <a:shade val="50000"/>
+            </a:schemeClr>
+          </a:lnRef>
+          <a:fillRef idx="1">
+            <a:schemeClr val="accent1"/>
+          </a:fillRef>
+          <a:effectRef idx="0">
+            <a:schemeClr val="accent1"/>
+          </a:effectRef>
+          <a:fontRef idx="minor">
+            <a:schemeClr val="lt1"/>
+          </a:fontRef>
+        </p:style>
+      </p:sp>
+      <p:sp>
+        <p:nvSpPr>
+          <p:cNvPr id="11" name="Rectangle 10">
+            <a:extLst>
+              <a:ext uri="{FF2B5EF4-FFF2-40B4-BE49-F238E27FC236}">
+                <a16:creationId xmlns:a16="http://schemas.microsoft.com/office/drawing/2014/main" id="{434F74C9-6A0B-409E-AD1C-45B58BE91BB8}"/>
+              </a:ext>
+              <a:ext uri="{C183D7F6-B498-43B3-948B-1728B52AA6E4}">
+                <adec:decorative xmlns:adec="http://schemas.microsoft.com/office/drawing/2017/decorative" val="1"/>
+              </a:ext>
+            </a:extLst>
+          </p:cNvPr>
+          <p:cNvSpPr>
+            <a:spLocks noGrp="1" noRot="1" noChangeAspect="1" noMove="1" noResize="1" noEditPoints="1" noAdjustHandles="1" noChangeArrowheads="1" noChangeShapeType="1" noTextEdit="1"/>
+          </p:cNvSpPr>
+          <p:nvPr>
+            <p:extLst>
+              <p:ext uri="{386F3935-93C4-4BCD-93E2-E3B085C9AB24}">
+                <p16:designElem xmlns:p16="http://schemas.microsoft.com/office/powerpoint/2015/main" val="1"/>
+              </p:ext>
+            </p:extLst>
+          </p:nvPr>
+        </p:nvSpPr>
+        <p:spPr>
+          <a:xfrm>
+            <a:off x="15" y="6334316"/>
+            <a:ext cx="12188825" cy="64008"/>
+          </a:xfrm>
+          <a:prstGeom prst="rect">
+            <a:avLst/>
+          </a:prstGeom>
+          <a:solidFill>
+            <a:schemeClr val="accent1"/>
+          </a:solidFill>
+          <a:ln>
+            <a:noFill/>
+          </a:ln>
+        </p:spPr>
+        <p:style>
+          <a:lnRef idx="2">
+            <a:schemeClr val="accent1">
+              <a:shade val="50000"/>
+            </a:schemeClr>
+          </a:lnRef>
+          <a:fillRef idx="1">
+            <a:schemeClr val="accent1"/>
+          </a:fillRef>
+          <a:effectRef idx="0">
+            <a:schemeClr val="accent1"/>
+          </a:effectRef>
+          <a:fontRef idx="minor">
+            <a:schemeClr val="lt1"/>
+          </a:fontRef>
+        </p:style>
+      </p:sp>
+      <p:cxnSp>
+        <p:nvCxnSpPr>
+          <p:cNvPr id="13" name="Straight Connector 12">
+            <a:extLst>
+              <a:ext uri="{FF2B5EF4-FFF2-40B4-BE49-F238E27FC236}">
+                <a16:creationId xmlns:a16="http://schemas.microsoft.com/office/drawing/2014/main" id="{F5486A9D-1265-4B57-91E6-68E666B978BC}"/>
+              </a:ext>
+              <a:ext uri="{C183D7F6-B498-43B3-948B-1728B52AA6E4}">
+                <adec:decorative xmlns:adec="http://schemas.microsoft.com/office/drawing/2017/decorative" val="1"/>
+              </a:ext>
+            </a:extLst>
+          </p:cNvPr>
+          <p:cNvCxnSpPr>
+            <a:cxnSpLocks noGrp="1" noRot="1" noChangeAspect="1" noMove="1" noResize="1" noEditPoints="1" noAdjustHandles="1" noChangeArrowheads="1" noChangeShapeType="1"/>
+          </p:cNvCxnSpPr>
+          <p:nvPr>
+            <p:extLst>
+              <p:ext uri="{386F3935-93C4-4BCD-93E2-E3B085C9AB24}">
+                <p16:designElem xmlns:p16="http://schemas.microsoft.com/office/powerpoint/2015/main" val="1"/>
+              </p:ext>
+            </p:extLst>
+          </p:nvPr>
+        </p:nvCxnSpPr>
+        <p:spPr>
+          <a:xfrm>
+            <a:off x="1207658" y="4343400"/>
+            <a:ext cx="9875520" cy="0"/>
+          </a:xfrm>
+          <a:prstGeom prst="line">
+            <a:avLst/>
+          </a:prstGeom>
+          <a:ln w="6350">
+            <a:solidFill>
+              <a:schemeClr val="tx1">
+                <a:lumMod val="50000"/>
+                <a:lumOff val="50000"/>
+              </a:schemeClr>
+            </a:solidFill>
+          </a:ln>
+        </p:spPr>
+        <p:style>
+          <a:lnRef idx="1">
+            <a:schemeClr val="accent1"/>
+          </a:lnRef>
+          <a:fillRef idx="0">
+            <a:schemeClr val="accent1"/>
+          </a:fillRef>
+          <a:effectRef idx="0">
+            <a:schemeClr val="accent1"/>
+          </a:effectRef>
+          <a:fontRef idx="minor">
+            <a:schemeClr val="tx1"/>
+          </a:fontRef>
+        </p:style>
+      </p:cxnSp>
+      <p:pic>
+        <p:nvPicPr>
+          <p:cNvPr id="4" name="Picture 4" descr="CLV Frontiers' cannabis-inspired terpene beers launch in ...">
+            <a:extLst>
+              <a:ext uri="{FF2B5EF4-FFF2-40B4-BE49-F238E27FC236}">
+                <a16:creationId xmlns:a16="http://schemas.microsoft.com/office/drawing/2014/main" id="{3EB02F9C-C0D3-45E7-8DAE-51D7ADB98BC1}"/>
+              </a:ext>
+            </a:extLst>
+          </p:cNvPr>
+          <p:cNvPicPr>
+            <a:picLocks noGrp="1" noChangeAspect="1"/>
+          </p:cNvPicPr>
+          <p:nvPr>
+            <p:ph sz="quarter" idx="13"/>
+          </p:nvPr>
+        </p:nvPicPr>
+        <p:blipFill rotWithShape="1">
+          <a:blip r:embed="rId2"/>
+          <a:srcRect t="6091" b="21920"/>
+          <a:stretch/>
+        </p:blipFill>
+        <p:spPr>
+          <a:xfrm>
+            <a:off x="-32" y="10"/>
+            <a:ext cx="12192031" cy="4915066"/>
+          </a:xfrm>
+          <a:prstGeom prst="rect">
+            <a:avLst/>
+          </a:prstGeom>
+        </p:spPr>
+      </p:pic>
+      <p:sp>
+        <p:nvSpPr>
+          <p:cNvPr id="15" name="Rectangle 14">
+            <a:extLst>
+              <a:ext uri="{FF2B5EF4-FFF2-40B4-BE49-F238E27FC236}">
+                <a16:creationId xmlns:a16="http://schemas.microsoft.com/office/drawing/2014/main" id="{B76D919A-FC3E-4B4E-BAF0-ED6CFB8DC4AE}"/>
+              </a:ext>
+              <a:ext uri="{C183D7F6-B498-43B3-948B-1728B52AA6E4}">
+                <adec:decorative xmlns:adec="http://schemas.microsoft.com/office/drawing/2017/decorative" val="1"/>
+              </a:ext>
+            </a:extLst>
+          </p:cNvPr>
+          <p:cNvSpPr>
+            <a:spLocks noGrp="1" noRot="1" noChangeAspect="1" noMove="1" noResize="1" noEditPoints="1" noAdjustHandles="1" noChangeArrowheads="1" noChangeShapeType="1" noTextEdit="1"/>
+          </p:cNvSpPr>
+          <p:nvPr>
+            <p:extLst>
+              <p:ext uri="{386F3935-93C4-4BCD-93E2-E3B085C9AB24}">
+                <p16:designElem xmlns:p16="http://schemas.microsoft.com/office/powerpoint/2015/main" val="1"/>
+              </p:ext>
+            </p:extLst>
+          </p:nvPr>
+        </p:nvSpPr>
+        <p:spPr bwMode="white">
+          <a:xfrm>
+            <a:off x="1507" y="4953000"/>
+            <a:ext cx="12188952" cy="1905000"/>
+          </a:xfrm>
+          <a:prstGeom prst="rect">
+            <a:avLst/>
+          </a:prstGeom>
+          <a:solidFill>
+            <a:schemeClr val="accent2"/>
+          </a:solidFill>
+          <a:ln>
+            <a:noFill/>
+          </a:ln>
+        </p:spPr>
+        <p:style>
+          <a:lnRef idx="2">
+            <a:schemeClr val="accent1">
+              <a:shade val="50000"/>
+            </a:schemeClr>
+          </a:lnRef>
+          <a:fillRef idx="1">
+            <a:schemeClr val="accent1"/>
+          </a:fillRef>
+          <a:effectRef idx="0">
+            <a:schemeClr val="accent1"/>
+          </a:effectRef>
+          <a:fontRef idx="minor">
+            <a:schemeClr val="lt1"/>
+          </a:fontRef>
+        </p:style>
+      </p:sp>
+      <p:sp>
+        <p:nvSpPr>
+          <p:cNvPr id="2" name="Title 1">
+            <a:extLst>
+              <a:ext uri="{FF2B5EF4-FFF2-40B4-BE49-F238E27FC236}">
+                <a16:creationId xmlns:a16="http://schemas.microsoft.com/office/drawing/2014/main" id="{EBF1C41A-C1F3-437D-8E75-8CCF9409654E}"/>
+              </a:ext>
+            </a:extLst>
+          </p:cNvPr>
+          <p:cNvSpPr>
+            <a:spLocks noGrp="1"/>
+          </p:cNvSpPr>
+          <p:nvPr>
+            <p:ph type="title"/>
+          </p:nvPr>
+        </p:nvSpPr>
+        <p:spPr>
+          <a:xfrm>
+            <a:off x="1065197" y="5120640"/>
+            <a:ext cx="10058400" cy="822960"/>
+          </a:xfrm>
+        </p:spPr>
+        <p:txBody>
+          <a:bodyPr vert="horz" lIns="91440" tIns="45720" rIns="91440" bIns="45720" rtlCol="0" anchor="b">
+            <a:normAutofit/>
+          </a:bodyPr>
+          <a:lstStyle/>
+          <a:p>
+            <a:r>
+              <a:rPr lang="en-US" sz="3600">
+                <a:solidFill>
+                  <a:srgbClr val="FFFFFF"/>
+                </a:solidFill>
+              </a:rPr>
+              <a:t>Questions?</a:t>
+            </a:r>
+          </a:p>
+        </p:txBody>
+      </p:sp>
+      <p:sp>
+        <p:nvSpPr>
+          <p:cNvPr id="17" name="Rectangle 16">
+            <a:extLst>
+              <a:ext uri="{FF2B5EF4-FFF2-40B4-BE49-F238E27FC236}">
+                <a16:creationId xmlns:a16="http://schemas.microsoft.com/office/drawing/2014/main" id="{8F66ACBD-1C82-4782-AA7C-05504DD7DE77}"/>
+              </a:ext>
+              <a:ext uri="{C183D7F6-B498-43B3-948B-1728B52AA6E4}">
+                <adec:decorative xmlns:adec="http://schemas.microsoft.com/office/drawing/2017/decorative" val="1"/>
+              </a:ext>
+            </a:extLst>
+          </p:cNvPr>
+          <p:cNvSpPr>
+            <a:spLocks noGrp="1" noRot="1" noChangeAspect="1" noMove="1" noResize="1" noEditPoints="1" noAdjustHandles="1" noChangeArrowheads="1" noChangeShapeType="1" noTextEdit="1"/>
+          </p:cNvSpPr>
+          <p:nvPr>
+            <p:extLst>
+              <p:ext uri="{386F3935-93C4-4BCD-93E2-E3B085C9AB24}">
+                <p16:designElem xmlns:p16="http://schemas.microsoft.com/office/powerpoint/2015/main" val="1"/>
+              </p:ext>
+            </p:extLst>
+          </p:nvPr>
+        </p:nvSpPr>
+        <p:spPr>
+          <a:xfrm>
+            <a:off x="1507" y="4906176"/>
+            <a:ext cx="12188952" cy="64008"/>
+          </a:xfrm>
+          <a:prstGeom prst="rect">
+            <a:avLst/>
+          </a:prstGeom>
+          <a:solidFill>
+            <a:schemeClr val="accent1"/>
+          </a:solidFill>
+          <a:ln>
+            <a:noFill/>
+          </a:ln>
+        </p:spPr>
+        <p:style>
+          <a:lnRef idx="2">
+            <a:schemeClr val="accent1">
+              <a:shade val="50000"/>
+            </a:schemeClr>
+          </a:lnRef>
+          <a:fillRef idx="1">
+            <a:schemeClr val="accent1"/>
+          </a:fillRef>
+          <a:effectRef idx="0">
+            <a:schemeClr val="accent1"/>
+          </a:effectRef>
+          <a:fontRef idx="minor">
+            <a:schemeClr val="lt1"/>
+          </a:fontRef>
+        </p:style>
+      </p:sp>
+    </p:spTree>
+    <p:extLst>
+      <p:ext uri="{BB962C8B-B14F-4D97-AF65-F5344CB8AC3E}">
+        <p14:creationId xmlns:p14="http://schemas.microsoft.com/office/powerpoint/2010/main" val="92333336"/>
       </p:ext>
     </p:extLst>
   </p:cSld>

--- a/presentation/beers_breweries.pptx
+++ b/presentation/beers_breweries.pptx
@@ -4,27 +4,27 @@
   <p:sldMasterIdLst>
     <p:sldMasterId id="2147483729" r:id="rId1"/>
   </p:sldMasterIdLst>
+  <p:notesMasterIdLst>
+    <p:notesMasterId r:id="rId19"/>
+  </p:notesMasterIdLst>
   <p:sldIdLst>
     <p:sldId id="256" r:id="rId2"/>
     <p:sldId id="257" r:id="rId3"/>
     <p:sldId id="259" r:id="rId4"/>
-    <p:sldId id="273" r:id="rId5"/>
-    <p:sldId id="262" r:id="rId6"/>
-    <p:sldId id="267" r:id="rId7"/>
-    <p:sldId id="258" r:id="rId8"/>
-    <p:sldId id="261" r:id="rId9"/>
-    <p:sldId id="263" r:id="rId10"/>
-    <p:sldId id="264" r:id="rId11"/>
-    <p:sldId id="265" r:id="rId12"/>
-    <p:sldId id="266" r:id="rId13"/>
-    <p:sldId id="268" r:id="rId14"/>
-    <p:sldId id="269" r:id="rId15"/>
-    <p:sldId id="270" r:id="rId16"/>
-    <p:sldId id="271" r:id="rId17"/>
-    <p:sldId id="272" r:id="rId18"/>
-    <p:sldId id="275" r:id="rId19"/>
-    <p:sldId id="276" r:id="rId20"/>
-    <p:sldId id="274" r:id="rId21"/>
+    <p:sldId id="262" r:id="rId5"/>
+    <p:sldId id="267" r:id="rId6"/>
+    <p:sldId id="258" r:id="rId7"/>
+    <p:sldId id="261" r:id="rId8"/>
+    <p:sldId id="263" r:id="rId9"/>
+    <p:sldId id="265" r:id="rId10"/>
+    <p:sldId id="268" r:id="rId11"/>
+    <p:sldId id="269" r:id="rId12"/>
+    <p:sldId id="270" r:id="rId13"/>
+    <p:sldId id="271" r:id="rId14"/>
+    <p:sldId id="272" r:id="rId15"/>
+    <p:sldId id="275" r:id="rId16"/>
+    <p:sldId id="276" r:id="rId17"/>
+    <p:sldId id="274" r:id="rId18"/>
   </p:sldIdLst>
   <p:sldSz cx="12192000" cy="6858000"/>
   <p:notesSz cx="6858000" cy="9144000"/>
@@ -164,6 +164,7 @@
 <file path=ppt/revisionInfo.xml><?xml version="1.0" encoding="utf-8"?>
 <p1510:revInfo xmlns:a="http://schemas.openxmlformats.org/drawingml/2006/main" xmlns:r="http://schemas.openxmlformats.org/officeDocument/2006/relationships" xmlns:p1510="http://schemas.microsoft.com/office/powerpoint/2015/10/main">
   <p1510:revLst>
+    <p1510:client id="{1FB7CF0A-1027-43C3-80F4-3F3F4CC1E202}" v="183" dt="2021-01-12T03:04:12.372"/>
     <p1510:client id="{CBEBBB26-7A42-4A97-8833-43DD7BABEB24}" v="1760" dt="2021-01-11T05:13:05.973"/>
   </p1510:revLst>
 </p1510:revInfo>
@@ -938,7 +939,7 @@
         <a:lstStyle/>
         <a:p>
           <a:r>
-            <a:rPr lang="en-US"/>
+            <a:rPr lang="en-US" dirty="0"/>
             <a:t>Which state had the most breweries?</a:t>
           </a:r>
         </a:p>
@@ -974,7 +975,7 @@
         <a:lstStyle/>
         <a:p>
           <a:r>
-            <a:rPr lang="en-US"/>
+            <a:rPr lang="en-US" dirty="0"/>
             <a:t>Which beer style was most popular?</a:t>
           </a:r>
         </a:p>
@@ -1011,19 +1012,16 @@
         <a:p>
           <a:pPr rtl="0"/>
           <a:r>
-            <a:rPr lang="en-US"/>
+            <a:rPr lang="en-US" dirty="0"/>
             <a:t>Which beer style has the highest alcohol by volume</a:t>
           </a:r>
           <a:r>
-            <a:rPr lang="en-US">
+            <a:rPr lang="en-US" dirty="0">
               <a:latin typeface="Calibri Light" panose="020F0302020204030204"/>
             </a:rPr>
-            <a:t> (ABV)</a:t>
+            <a:t> (ABV)?</a:t>
           </a:r>
-          <a:r>
-            <a:rPr lang="en-US"/>
-            <a:t> content?</a:t>
-          </a:r>
+          <a:endParaRPr lang="en-US" dirty="0"/>
         </a:p>
       </dgm:t>
     </dgm:pt>
@@ -1112,7 +1110,7 @@
   <dgm:whole/>
   <dgm:extLst>
     <a:ext uri="http://schemas.microsoft.com/office/drawing/2008/diagram">
-      <dsp:dataModelExt xmlns:dsp="http://schemas.microsoft.com/office/drawing/2008/diagram" relId="rId8" minVer="http://schemas.openxmlformats.org/drawingml/2006/diagram"/>
+      <dsp:dataModelExt xmlns:dsp="http://schemas.microsoft.com/office/drawing/2008/diagram" relId="rId9" minVer="http://schemas.openxmlformats.org/drawingml/2006/diagram"/>
     </a:ext>
   </dgm:extLst>
 </dgm:dataModel>
@@ -1133,8 +1131,8 @@
       </dsp:nvSpPr>
       <dsp:spPr>
         <a:xfrm>
-          <a:off x="0" y="12712"/>
-          <a:ext cx="10058399" cy="1271205"/>
+          <a:off x="0" y="768239"/>
+          <a:ext cx="10058399" cy="767520"/>
         </a:xfrm>
         <a:prstGeom prst="roundRect">
           <a:avLst/>
@@ -1243,14 +1241,14 @@
             <a:buNone/>
           </a:pPr>
           <a:r>
-            <a:rPr lang="en-US" sz="3200" kern="1200"/>
+            <a:rPr lang="en-US" sz="3200" kern="1200" dirty="0"/>
             <a:t>Which state had the most breweries?</a:t>
           </a:r>
         </a:p>
       </dsp:txBody>
       <dsp:txXfrm>
-        <a:off x="62055" y="74767"/>
-        <a:ext cx="9934289" cy="1147095"/>
+        <a:off x="37467" y="805706"/>
+        <a:ext cx="9983465" cy="692586"/>
       </dsp:txXfrm>
     </dsp:sp>
     <dsp:sp modelId="{AC0CE02A-8275-4A0B-B6C5-A8F3789205DD}">
@@ -1260,8 +1258,8 @@
       </dsp:nvSpPr>
       <dsp:spPr>
         <a:xfrm>
-          <a:off x="0" y="1376077"/>
-          <a:ext cx="10058399" cy="1271205"/>
+          <a:off x="0" y="1627920"/>
+          <a:ext cx="10058399" cy="767520"/>
         </a:xfrm>
         <a:prstGeom prst="roundRect">
           <a:avLst/>
@@ -1370,14 +1368,14 @@
             <a:buNone/>
           </a:pPr>
           <a:r>
-            <a:rPr lang="en-US" sz="3200" kern="1200"/>
+            <a:rPr lang="en-US" sz="3200" kern="1200" dirty="0"/>
             <a:t>Which beer style was most popular?</a:t>
           </a:r>
         </a:p>
       </dsp:txBody>
       <dsp:txXfrm>
-        <a:off x="62055" y="1438132"/>
-        <a:ext cx="9934289" cy="1147095"/>
+        <a:off x="37467" y="1665387"/>
+        <a:ext cx="9983465" cy="692586"/>
       </dsp:txXfrm>
     </dsp:sp>
     <dsp:sp modelId="{48EDB131-C57B-4F95-98FA-6DBF3CD5ED91}">
@@ -1387,8 +1385,8 @@
       </dsp:nvSpPr>
       <dsp:spPr>
         <a:xfrm>
-          <a:off x="0" y="2739442"/>
-          <a:ext cx="10058399" cy="1271205"/>
+          <a:off x="0" y="2487599"/>
+          <a:ext cx="10058399" cy="767520"/>
         </a:xfrm>
         <a:prstGeom prst="roundRect">
           <a:avLst/>
@@ -1497,24 +1495,21 @@
             <a:buNone/>
           </a:pPr>
           <a:r>
-            <a:rPr lang="en-US" sz="3200" kern="1200"/>
+            <a:rPr lang="en-US" sz="3200" kern="1200" dirty="0"/>
             <a:t>Which beer style has the highest alcohol by volume</a:t>
           </a:r>
           <a:r>
-            <a:rPr lang="en-US" sz="3200" kern="1200">
+            <a:rPr lang="en-US" sz="3200" kern="1200" dirty="0">
               <a:latin typeface="Calibri Light" panose="020F0302020204030204"/>
             </a:rPr>
-            <a:t> (ABV)</a:t>
+            <a:t> (ABV)?</a:t>
           </a:r>
-          <a:r>
-            <a:rPr lang="en-US" sz="3200" kern="1200"/>
-            <a:t> content?</a:t>
-          </a:r>
+          <a:endParaRPr lang="en-US" sz="3200" kern="1200" dirty="0"/>
         </a:p>
       </dsp:txBody>
       <dsp:txXfrm>
-        <a:off x="62055" y="2801497"/>
-        <a:ext cx="9934289" cy="1147095"/>
+        <a:off x="37467" y="2525066"/>
+        <a:ext cx="9983465" cy="692586"/>
       </dsp:txXfrm>
     </dsp:sp>
   </dsp:spTree>
@@ -2722,6 +2717,533 @@
 </dgm:styleDef>
 </file>
 
+<file path=ppt/notesMasters/notesMaster1.xml><?xml version="1.0" encoding="utf-8"?>
+<p:notesMaster xmlns:a="http://schemas.openxmlformats.org/drawingml/2006/main" xmlns:r="http://schemas.openxmlformats.org/officeDocument/2006/relationships" xmlns:p="http://schemas.openxmlformats.org/presentationml/2006/main">
+  <p:cSld>
+    <p:bg>
+      <p:bgRef idx="1001">
+        <a:schemeClr val="bg1"/>
+      </p:bgRef>
+    </p:bg>
+    <p:spTree>
+      <p:nvGrpSpPr>
+        <p:cNvPr id="1" name=""/>
+        <p:cNvGrpSpPr/>
+        <p:nvPr/>
+      </p:nvGrpSpPr>
+      <p:grpSpPr>
+        <a:xfrm>
+          <a:off x="0" y="0"/>
+          <a:ext cx="0" cy="0"/>
+          <a:chOff x="0" y="0"/>
+          <a:chExt cx="0" cy="0"/>
+        </a:xfrm>
+      </p:grpSpPr>
+      <p:sp>
+        <p:nvSpPr>
+          <p:cNvPr id="2" name="Header Placeholder 1"/>
+          <p:cNvSpPr>
+            <a:spLocks noGrp="1"/>
+          </p:cNvSpPr>
+          <p:nvPr>
+            <p:ph type="hdr" sz="quarter"/>
+          </p:nvPr>
+        </p:nvSpPr>
+        <p:spPr>
+          <a:xfrm>
+            <a:off x="0" y="0"/>
+            <a:ext cx="2971800" cy="458788"/>
+          </a:xfrm>
+          <a:prstGeom prst="rect">
+            <a:avLst/>
+          </a:prstGeom>
+        </p:spPr>
+        <p:txBody>
+          <a:bodyPr vert="horz" lIns="91440" tIns="45720" rIns="91440" bIns="45720" rtlCol="0"/>
+          <a:lstStyle>
+            <a:lvl1pPr algn="l">
+              <a:defRPr sz="1200"/>
+            </a:lvl1pPr>
+          </a:lstStyle>
+          <a:p>
+            <a:endParaRPr lang="en-US"/>
+          </a:p>
+        </p:txBody>
+      </p:sp>
+      <p:sp>
+        <p:nvSpPr>
+          <p:cNvPr id="3" name="Date Placeholder 2"/>
+          <p:cNvSpPr>
+            <a:spLocks noGrp="1"/>
+          </p:cNvSpPr>
+          <p:nvPr>
+            <p:ph type="dt" idx="1"/>
+          </p:nvPr>
+        </p:nvSpPr>
+        <p:spPr>
+          <a:xfrm>
+            <a:off x="3884613" y="0"/>
+            <a:ext cx="2971800" cy="458788"/>
+          </a:xfrm>
+          <a:prstGeom prst="rect">
+            <a:avLst/>
+          </a:prstGeom>
+        </p:spPr>
+        <p:txBody>
+          <a:bodyPr vert="horz" lIns="91440" tIns="45720" rIns="91440" bIns="45720" rtlCol="0"/>
+          <a:lstStyle>
+            <a:lvl1pPr algn="r">
+              <a:defRPr sz="1200"/>
+            </a:lvl1pPr>
+          </a:lstStyle>
+          <a:p>
+            <a:fld id="{AA5F2E4F-6C36-4017-BF1D-B5B235C292FC}" type="datetimeFigureOut">
+              <a:rPr lang="en-US"/>
+              <a:t>1/11/2021</a:t>
+            </a:fld>
+            <a:endParaRPr lang="en-US"/>
+          </a:p>
+        </p:txBody>
+      </p:sp>
+      <p:sp>
+        <p:nvSpPr>
+          <p:cNvPr id="4" name="Slide Image Placeholder 3"/>
+          <p:cNvSpPr>
+            <a:spLocks noGrp="1" noRot="1" noChangeAspect="1"/>
+          </p:cNvSpPr>
+          <p:nvPr>
+            <p:ph type="sldImg" idx="2"/>
+          </p:nvPr>
+        </p:nvSpPr>
+        <p:spPr>
+          <a:xfrm>
+            <a:off x="685800" y="1143000"/>
+            <a:ext cx="5486400" cy="3086100"/>
+          </a:xfrm>
+          <a:prstGeom prst="rect">
+            <a:avLst/>
+          </a:prstGeom>
+          <a:noFill/>
+          <a:ln w="12700">
+            <a:solidFill>
+              <a:prstClr val="black"/>
+            </a:solidFill>
+          </a:ln>
+        </p:spPr>
+        <p:txBody>
+          <a:bodyPr vert="horz" lIns="91440" tIns="45720" rIns="91440" bIns="45720" rtlCol="0" anchor="ctr"/>
+          <a:lstStyle/>
+          <a:p>
+            <a:endParaRPr lang="en-US"/>
+          </a:p>
+        </p:txBody>
+      </p:sp>
+      <p:sp>
+        <p:nvSpPr>
+          <p:cNvPr id="5" name="Notes Placeholder 4"/>
+          <p:cNvSpPr>
+            <a:spLocks noGrp="1"/>
+          </p:cNvSpPr>
+          <p:nvPr>
+            <p:ph type="body" sz="quarter" idx="3"/>
+          </p:nvPr>
+        </p:nvSpPr>
+        <p:spPr>
+          <a:xfrm>
+            <a:off x="685800" y="4400550"/>
+            <a:ext cx="5486400" cy="3600450"/>
+          </a:xfrm>
+          <a:prstGeom prst="rect">
+            <a:avLst/>
+          </a:prstGeom>
+        </p:spPr>
+        <p:txBody>
+          <a:bodyPr vert="horz" lIns="91440" tIns="45720" rIns="91440" bIns="45720" rtlCol="0"/>
+          <a:lstStyle/>
+          <a:p>
+            <a:pPr lvl="0"/>
+            <a:r>
+              <a:rPr lang="en-US"/>
+              <a:t>Click to edit Master text styles</a:t>
+            </a:r>
+          </a:p>
+          <a:p>
+            <a:pPr lvl="1"/>
+            <a:r>
+              <a:rPr lang="en-US"/>
+              <a:t>Second level</a:t>
+            </a:r>
+          </a:p>
+          <a:p>
+            <a:pPr lvl="2"/>
+            <a:r>
+              <a:rPr lang="en-US"/>
+              <a:t>Third level</a:t>
+            </a:r>
+          </a:p>
+          <a:p>
+            <a:pPr lvl="3"/>
+            <a:r>
+              <a:rPr lang="en-US"/>
+              <a:t>Fourth level</a:t>
+            </a:r>
+          </a:p>
+          <a:p>
+            <a:pPr lvl="4"/>
+            <a:r>
+              <a:rPr lang="en-US"/>
+              <a:t>Fifth level</a:t>
+            </a:r>
+          </a:p>
+        </p:txBody>
+      </p:sp>
+      <p:sp>
+        <p:nvSpPr>
+          <p:cNvPr id="6" name="Footer Placeholder 5"/>
+          <p:cNvSpPr>
+            <a:spLocks noGrp="1"/>
+          </p:cNvSpPr>
+          <p:nvPr>
+            <p:ph type="ftr" sz="quarter" idx="4"/>
+          </p:nvPr>
+        </p:nvSpPr>
+        <p:spPr>
+          <a:xfrm>
+            <a:off x="0" y="8685213"/>
+            <a:ext cx="2971800" cy="458787"/>
+          </a:xfrm>
+          <a:prstGeom prst="rect">
+            <a:avLst/>
+          </a:prstGeom>
+        </p:spPr>
+        <p:txBody>
+          <a:bodyPr vert="horz" lIns="91440" tIns="45720" rIns="91440" bIns="45720" rtlCol="0" anchor="b"/>
+          <a:lstStyle>
+            <a:lvl1pPr algn="l">
+              <a:defRPr sz="1200"/>
+            </a:lvl1pPr>
+          </a:lstStyle>
+          <a:p>
+            <a:endParaRPr lang="en-US"/>
+          </a:p>
+        </p:txBody>
+      </p:sp>
+      <p:sp>
+        <p:nvSpPr>
+          <p:cNvPr id="7" name="Slide Number Placeholder 6"/>
+          <p:cNvSpPr>
+            <a:spLocks noGrp="1"/>
+          </p:cNvSpPr>
+          <p:nvPr>
+            <p:ph type="sldNum" sz="quarter" idx="5"/>
+          </p:nvPr>
+        </p:nvSpPr>
+        <p:spPr>
+          <a:xfrm>
+            <a:off x="3884613" y="8685213"/>
+            <a:ext cx="2971800" cy="458787"/>
+          </a:xfrm>
+          <a:prstGeom prst="rect">
+            <a:avLst/>
+          </a:prstGeom>
+        </p:spPr>
+        <p:txBody>
+          <a:bodyPr vert="horz" lIns="91440" tIns="45720" rIns="91440" bIns="45720" rtlCol="0" anchor="b"/>
+          <a:lstStyle>
+            <a:lvl1pPr algn="r">
+              <a:defRPr sz="1200"/>
+            </a:lvl1pPr>
+          </a:lstStyle>
+          <a:p>
+            <a:fld id="{4FEB0E66-F66D-4B3B-997B-278900C8E8A0}" type="slidenum">
+              <a:rPr lang="en-US"/>
+              <a:t>‹#›</a:t>
+            </a:fld>
+            <a:endParaRPr lang="en-US"/>
+          </a:p>
+        </p:txBody>
+      </p:sp>
+    </p:spTree>
+    <p:extLst>
+      <p:ext uri="{BB962C8B-B14F-4D97-AF65-F5344CB8AC3E}">
+        <p14:creationId xmlns:p14="http://schemas.microsoft.com/office/powerpoint/2010/main" val="1111929871"/>
+      </p:ext>
+    </p:extLst>
+  </p:cSld>
+  <p:clrMap bg1="lt1" tx1="dk1" bg2="lt2" tx2="dk2" accent1="accent1" accent2="accent2" accent3="accent3" accent4="accent4" accent5="accent5" accent6="accent6" hlink="hlink" folHlink="folHlink"/>
+  <p:notesStyle>
+    <a:lvl1pPr marL="0" algn="l" defTabSz="914400" rtl="0" eaLnBrk="1" latinLnBrk="0" hangingPunct="1">
+      <a:defRPr sz="1200" kern="1200">
+        <a:solidFill>
+          <a:schemeClr val="tx1"/>
+        </a:solidFill>
+        <a:latin typeface="+mn-lt"/>
+        <a:ea typeface="+mn-ea"/>
+        <a:cs typeface="+mn-cs"/>
+      </a:defRPr>
+    </a:lvl1pPr>
+    <a:lvl2pPr marL="457200" algn="l" defTabSz="914400" rtl="0" eaLnBrk="1" latinLnBrk="0" hangingPunct="1">
+      <a:defRPr sz="1200" kern="1200">
+        <a:solidFill>
+          <a:schemeClr val="tx1"/>
+        </a:solidFill>
+        <a:latin typeface="+mn-lt"/>
+        <a:ea typeface="+mn-ea"/>
+        <a:cs typeface="+mn-cs"/>
+      </a:defRPr>
+    </a:lvl2pPr>
+    <a:lvl3pPr marL="914400" algn="l" defTabSz="914400" rtl="0" eaLnBrk="1" latinLnBrk="0" hangingPunct="1">
+      <a:defRPr sz="1200" kern="1200">
+        <a:solidFill>
+          <a:schemeClr val="tx1"/>
+        </a:solidFill>
+        <a:latin typeface="+mn-lt"/>
+        <a:ea typeface="+mn-ea"/>
+        <a:cs typeface="+mn-cs"/>
+      </a:defRPr>
+    </a:lvl3pPr>
+    <a:lvl4pPr marL="1371600" algn="l" defTabSz="914400" rtl="0" eaLnBrk="1" latinLnBrk="0" hangingPunct="1">
+      <a:defRPr sz="1200" kern="1200">
+        <a:solidFill>
+          <a:schemeClr val="tx1"/>
+        </a:solidFill>
+        <a:latin typeface="+mn-lt"/>
+        <a:ea typeface="+mn-ea"/>
+        <a:cs typeface="+mn-cs"/>
+      </a:defRPr>
+    </a:lvl4pPr>
+    <a:lvl5pPr marL="1828800" algn="l" defTabSz="914400" rtl="0" eaLnBrk="1" latinLnBrk="0" hangingPunct="1">
+      <a:defRPr sz="1200" kern="1200">
+        <a:solidFill>
+          <a:schemeClr val="tx1"/>
+        </a:solidFill>
+        <a:latin typeface="+mn-lt"/>
+        <a:ea typeface="+mn-ea"/>
+        <a:cs typeface="+mn-cs"/>
+      </a:defRPr>
+    </a:lvl5pPr>
+    <a:lvl6pPr marL="2286000" algn="l" defTabSz="914400" rtl="0" eaLnBrk="1" latinLnBrk="0" hangingPunct="1">
+      <a:defRPr sz="1200" kern="1200">
+        <a:solidFill>
+          <a:schemeClr val="tx1"/>
+        </a:solidFill>
+        <a:latin typeface="+mn-lt"/>
+        <a:ea typeface="+mn-ea"/>
+        <a:cs typeface="+mn-cs"/>
+      </a:defRPr>
+    </a:lvl6pPr>
+    <a:lvl7pPr marL="2743200" algn="l" defTabSz="914400" rtl="0" eaLnBrk="1" latinLnBrk="0" hangingPunct="1">
+      <a:defRPr sz="1200" kern="1200">
+        <a:solidFill>
+          <a:schemeClr val="tx1"/>
+        </a:solidFill>
+        <a:latin typeface="+mn-lt"/>
+        <a:ea typeface="+mn-ea"/>
+        <a:cs typeface="+mn-cs"/>
+      </a:defRPr>
+    </a:lvl7pPr>
+    <a:lvl8pPr marL="3200400" algn="l" defTabSz="914400" rtl="0" eaLnBrk="1" latinLnBrk="0" hangingPunct="1">
+      <a:defRPr sz="1200" kern="1200">
+        <a:solidFill>
+          <a:schemeClr val="tx1"/>
+        </a:solidFill>
+        <a:latin typeface="+mn-lt"/>
+        <a:ea typeface="+mn-ea"/>
+        <a:cs typeface="+mn-cs"/>
+      </a:defRPr>
+    </a:lvl8pPr>
+    <a:lvl9pPr marL="3657600" algn="l" defTabSz="914400" rtl="0" eaLnBrk="1" latinLnBrk="0" hangingPunct="1">
+      <a:defRPr sz="1200" kern="1200">
+        <a:solidFill>
+          <a:schemeClr val="tx1"/>
+        </a:solidFill>
+        <a:latin typeface="+mn-lt"/>
+        <a:ea typeface="+mn-ea"/>
+        <a:cs typeface="+mn-cs"/>
+      </a:defRPr>
+    </a:lvl9pPr>
+  </p:notesStyle>
+</p:notesMaster>
+</file>
+
+<file path=ppt/notesSlides/notesSlide1.xml><?xml version="1.0" encoding="utf-8"?>
+<p:notes xmlns:a="http://schemas.openxmlformats.org/drawingml/2006/main" xmlns:r="http://schemas.openxmlformats.org/officeDocument/2006/relationships" xmlns:p="http://schemas.openxmlformats.org/presentationml/2006/main">
+  <p:cSld>
+    <p:spTree>
+      <p:nvGrpSpPr>
+        <p:cNvPr id="1" name=""/>
+        <p:cNvGrpSpPr/>
+        <p:nvPr/>
+      </p:nvGrpSpPr>
+      <p:grpSpPr>
+        <a:xfrm>
+          <a:off x="0" y="0"/>
+          <a:ext cx="0" cy="0"/>
+          <a:chOff x="0" y="0"/>
+          <a:chExt cx="0" cy="0"/>
+        </a:xfrm>
+      </p:grpSpPr>
+      <p:sp>
+        <p:nvSpPr>
+          <p:cNvPr id="2" name="Slide Image Placeholder 1"/>
+          <p:cNvSpPr>
+            <a:spLocks noGrp="1" noRot="1" noChangeAspect="1"/>
+          </p:cNvSpPr>
+          <p:nvPr>
+            <p:ph type="sldImg"/>
+          </p:nvPr>
+        </p:nvSpPr>
+        <p:spPr/>
+      </p:sp>
+      <p:sp>
+        <p:nvSpPr>
+          <p:cNvPr id="3" name="Notes Placeholder 2"/>
+          <p:cNvSpPr>
+            <a:spLocks noGrp="1"/>
+          </p:cNvSpPr>
+          <p:nvPr>
+            <p:ph type="body" idx="1"/>
+          </p:nvPr>
+        </p:nvSpPr>
+        <p:spPr/>
+        <p:txBody>
+          <a:bodyPr/>
+          <a:lstStyle/>
+          <a:p>
+            <a:r>
+              <a:rPr lang="en-US" dirty="0">
+                <a:cs typeface="Calibri"/>
+              </a:rPr>
+              <a:t>The foreign key (dotted line) creates the relationship between the beers and brewery tables</a:t>
+            </a:r>
+          </a:p>
+        </p:txBody>
+      </p:sp>
+      <p:sp>
+        <p:nvSpPr>
+          <p:cNvPr id="4" name="Slide Number Placeholder 3"/>
+          <p:cNvSpPr>
+            <a:spLocks noGrp="1"/>
+          </p:cNvSpPr>
+          <p:nvPr>
+            <p:ph type="sldNum" sz="quarter" idx="5"/>
+          </p:nvPr>
+        </p:nvSpPr>
+        <p:spPr/>
+        <p:txBody>
+          <a:bodyPr/>
+          <a:lstStyle/>
+          <a:p>
+            <a:fld id="{4FEB0E66-F66D-4B3B-997B-278900C8E8A0}" type="slidenum">
+              <a:rPr lang="en-US"/>
+              <a:t>‹#›</a:t>
+            </a:fld>
+            <a:endParaRPr lang="en-US"/>
+          </a:p>
+        </p:txBody>
+      </p:sp>
+    </p:spTree>
+    <p:extLst>
+      <p:ext uri="{BB962C8B-B14F-4D97-AF65-F5344CB8AC3E}">
+        <p14:creationId xmlns:p14="http://schemas.microsoft.com/office/powerpoint/2010/main" val="1854331633"/>
+      </p:ext>
+    </p:extLst>
+  </p:cSld>
+  <p:clrMapOvr>
+    <a:masterClrMapping/>
+  </p:clrMapOvr>
+</p:notes>
+</file>
+
+<file path=ppt/notesSlides/notesSlide2.xml><?xml version="1.0" encoding="utf-8"?>
+<p:notes xmlns:a="http://schemas.openxmlformats.org/drawingml/2006/main" xmlns:r="http://schemas.openxmlformats.org/officeDocument/2006/relationships" xmlns:p="http://schemas.openxmlformats.org/presentationml/2006/main">
+  <p:cSld>
+    <p:spTree>
+      <p:nvGrpSpPr>
+        <p:cNvPr id="1" name=""/>
+        <p:cNvGrpSpPr/>
+        <p:nvPr/>
+      </p:nvGrpSpPr>
+      <p:grpSpPr>
+        <a:xfrm>
+          <a:off x="0" y="0"/>
+          <a:ext cx="0" cy="0"/>
+          <a:chOff x="0" y="0"/>
+          <a:chExt cx="0" cy="0"/>
+        </a:xfrm>
+      </p:grpSpPr>
+      <p:sp>
+        <p:nvSpPr>
+          <p:cNvPr id="2" name="Slide Image Placeholder 1"/>
+          <p:cNvSpPr>
+            <a:spLocks noGrp="1" noRot="1" noChangeAspect="1"/>
+          </p:cNvSpPr>
+          <p:nvPr>
+            <p:ph type="sldImg"/>
+          </p:nvPr>
+        </p:nvSpPr>
+        <p:spPr/>
+      </p:sp>
+      <p:sp>
+        <p:nvSpPr>
+          <p:cNvPr id="3" name="Notes Placeholder 2"/>
+          <p:cNvSpPr>
+            <a:spLocks noGrp="1"/>
+          </p:cNvSpPr>
+          <p:nvPr>
+            <p:ph type="body" idx="1"/>
+          </p:nvPr>
+        </p:nvSpPr>
+        <p:spPr/>
+        <p:txBody>
+          <a:bodyPr/>
+          <a:lstStyle/>
+          <a:p>
+            <a:r>
+              <a:rPr lang="en-US" dirty="0">
+                <a:cs typeface="Calibri"/>
+              </a:rPr>
+              <a:t>Mike introduce questions</a:t>
+            </a:r>
+          </a:p>
+        </p:txBody>
+      </p:sp>
+      <p:sp>
+        <p:nvSpPr>
+          <p:cNvPr id="4" name="Slide Number Placeholder 3"/>
+          <p:cNvSpPr>
+            <a:spLocks noGrp="1"/>
+          </p:cNvSpPr>
+          <p:nvPr>
+            <p:ph type="sldNum" sz="quarter" idx="5"/>
+          </p:nvPr>
+        </p:nvSpPr>
+        <p:spPr/>
+        <p:txBody>
+          <a:bodyPr/>
+          <a:lstStyle/>
+          <a:p>
+            <a:fld id="{4FEB0E66-F66D-4B3B-997B-278900C8E8A0}" type="slidenum">
+              <a:rPr lang="en-US"/>
+              <a:t>‹#›</a:t>
+            </a:fld>
+            <a:endParaRPr lang="en-US"/>
+          </a:p>
+        </p:txBody>
+      </p:sp>
+    </p:spTree>
+    <p:extLst>
+      <p:ext uri="{BB962C8B-B14F-4D97-AF65-F5344CB8AC3E}">
+        <p14:creationId xmlns:p14="http://schemas.microsoft.com/office/powerpoint/2010/main" val="3103888542"/>
+      </p:ext>
+    </p:extLst>
+  </p:cSld>
+  <p:clrMapOvr>
+    <a:masterClrMapping/>
+  </p:clrMapOvr>
+</p:notes>
+</file>
+
 <file path=ppt/slideLayouts/slideLayout1.xml><?xml version="1.0" encoding="utf-8"?>
 <p:sldLayout xmlns:a="http://schemas.openxmlformats.org/drawingml/2006/main" xmlns:r="http://schemas.openxmlformats.org/officeDocument/2006/relationships" xmlns:p="http://schemas.openxmlformats.org/presentationml/2006/main" showMasterSp="0" type="title" preserve="1">
   <p:cSld name="Title Slide">
@@ -8070,1517 +8592,6 @@
   <p:cSld>
     <p:bg>
       <p:bgPr>
-        <a:solidFill>
-          <a:schemeClr val="bg1"/>
-        </a:solidFill>
-        <a:effectLst/>
-      </p:bgPr>
-    </p:bg>
-    <p:spTree>
-      <p:nvGrpSpPr>
-        <p:cNvPr id="1" name=""/>
-        <p:cNvGrpSpPr/>
-        <p:nvPr/>
-      </p:nvGrpSpPr>
-      <p:grpSpPr>
-        <a:xfrm>
-          <a:off x="0" y="0"/>
-          <a:ext cx="0" cy="0"/>
-          <a:chOff x="0" y="0"/>
-          <a:chExt cx="0" cy="0"/>
-        </a:xfrm>
-      </p:grpSpPr>
-      <p:sp>
-        <p:nvSpPr>
-          <p:cNvPr id="9" name="Rectangle 8">
-            <a:extLst>
-              <a:ext uri="{FF2B5EF4-FFF2-40B4-BE49-F238E27FC236}">
-                <a16:creationId xmlns:a16="http://schemas.microsoft.com/office/drawing/2014/main" id="{4E4490D0-3672-446A-AC12-B4830333BDDD}"/>
-              </a:ext>
-              <a:ext uri="{C183D7F6-B498-43B3-948B-1728B52AA6E4}">
-                <adec:decorative xmlns:adec="http://schemas.microsoft.com/office/drawing/2017/decorative" val="1"/>
-              </a:ext>
-            </a:extLst>
-          </p:cNvPr>
-          <p:cNvSpPr>
-            <a:spLocks noGrp="1" noRot="1" noChangeAspect="1" noMove="1" noResize="1" noEditPoints="1" noAdjustHandles="1" noChangeArrowheads="1" noChangeShapeType="1" noTextEdit="1"/>
-          </p:cNvSpPr>
-          <p:nvPr>
-            <p:extLst>
-              <p:ext uri="{386F3935-93C4-4BCD-93E2-E3B085C9AB24}">
-                <p16:designElem xmlns:p16="http://schemas.microsoft.com/office/powerpoint/2015/main" val="1"/>
-              </p:ext>
-            </p:extLst>
-          </p:nvPr>
-        </p:nvSpPr>
-        <p:spPr>
-          <a:xfrm>
-            <a:off x="3175" y="6400800"/>
-            <a:ext cx="12188825" cy="457200"/>
-          </a:xfrm>
-          <a:prstGeom prst="rect">
-            <a:avLst/>
-          </a:prstGeom>
-          <a:solidFill>
-            <a:schemeClr val="accent2"/>
-          </a:solidFill>
-          <a:ln>
-            <a:noFill/>
-          </a:ln>
-        </p:spPr>
-        <p:style>
-          <a:lnRef idx="2">
-            <a:schemeClr val="accent1">
-              <a:shade val="50000"/>
-            </a:schemeClr>
-          </a:lnRef>
-          <a:fillRef idx="1">
-            <a:schemeClr val="accent1"/>
-          </a:fillRef>
-          <a:effectRef idx="0">
-            <a:schemeClr val="accent1"/>
-          </a:effectRef>
-          <a:fontRef idx="minor">
-            <a:schemeClr val="lt1"/>
-          </a:fontRef>
-        </p:style>
-      </p:sp>
-      <p:sp>
-        <p:nvSpPr>
-          <p:cNvPr id="11" name="Rectangle 10">
-            <a:extLst>
-              <a:ext uri="{FF2B5EF4-FFF2-40B4-BE49-F238E27FC236}">
-                <a16:creationId xmlns:a16="http://schemas.microsoft.com/office/drawing/2014/main" id="{39CB82C2-DF65-4EC1-8280-F201D50F570B}"/>
-              </a:ext>
-              <a:ext uri="{C183D7F6-B498-43B3-948B-1728B52AA6E4}">
-                <adec:decorative xmlns:adec="http://schemas.microsoft.com/office/drawing/2017/decorative" val="1"/>
-              </a:ext>
-            </a:extLst>
-          </p:cNvPr>
-          <p:cNvSpPr>
-            <a:spLocks noGrp="1" noRot="1" noChangeAspect="1" noMove="1" noResize="1" noEditPoints="1" noAdjustHandles="1" noChangeArrowheads="1" noChangeShapeType="1" noTextEdit="1"/>
-          </p:cNvSpPr>
-          <p:nvPr>
-            <p:extLst>
-              <p:ext uri="{386F3935-93C4-4BCD-93E2-E3B085C9AB24}">
-                <p16:designElem xmlns:p16="http://schemas.microsoft.com/office/powerpoint/2015/main" val="1"/>
-              </p:ext>
-            </p:extLst>
-          </p:nvPr>
-        </p:nvSpPr>
-        <p:spPr>
-          <a:xfrm>
-            <a:off x="15" y="6334316"/>
-            <a:ext cx="12188825" cy="64008"/>
-          </a:xfrm>
-          <a:prstGeom prst="rect">
-            <a:avLst/>
-          </a:prstGeom>
-          <a:solidFill>
-            <a:schemeClr val="accent1"/>
-          </a:solidFill>
-          <a:ln>
-            <a:noFill/>
-          </a:ln>
-        </p:spPr>
-        <p:style>
-          <a:lnRef idx="2">
-            <a:schemeClr val="accent1">
-              <a:shade val="50000"/>
-            </a:schemeClr>
-          </a:lnRef>
-          <a:fillRef idx="1">
-            <a:schemeClr val="accent1"/>
-          </a:fillRef>
-          <a:effectRef idx="0">
-            <a:schemeClr val="accent1"/>
-          </a:effectRef>
-          <a:fontRef idx="minor">
-            <a:schemeClr val="lt1"/>
-          </a:fontRef>
-        </p:style>
-      </p:sp>
-      <p:cxnSp>
-        <p:nvCxnSpPr>
-          <p:cNvPr id="13" name="Straight Connector 12">
-            <a:extLst>
-              <a:ext uri="{FF2B5EF4-FFF2-40B4-BE49-F238E27FC236}">
-                <a16:creationId xmlns:a16="http://schemas.microsoft.com/office/drawing/2014/main" id="{7E1D4427-852B-4B37-8E76-0E9F1810BA2A}"/>
-              </a:ext>
-              <a:ext uri="{C183D7F6-B498-43B3-948B-1728B52AA6E4}">
-                <adec:decorative xmlns:adec="http://schemas.microsoft.com/office/drawing/2017/decorative" val="1"/>
-              </a:ext>
-            </a:extLst>
-          </p:cNvPr>
-          <p:cNvCxnSpPr>
-            <a:cxnSpLocks noGrp="1" noRot="1" noChangeAspect="1" noMove="1" noResize="1" noEditPoints="1" noAdjustHandles="1" noChangeArrowheads="1" noChangeShapeType="1"/>
-          </p:cNvCxnSpPr>
-          <p:nvPr>
-            <p:extLst>
-              <p:ext uri="{386F3935-93C4-4BCD-93E2-E3B085C9AB24}">
-                <p16:designElem xmlns:p16="http://schemas.microsoft.com/office/powerpoint/2015/main" val="1"/>
-              </p:ext>
-            </p:extLst>
-          </p:nvPr>
-        </p:nvCxnSpPr>
-        <p:spPr>
-          <a:xfrm>
-            <a:off x="1207658" y="4343400"/>
-            <a:ext cx="9875520" cy="0"/>
-          </a:xfrm>
-          <a:prstGeom prst="line">
-            <a:avLst/>
-          </a:prstGeom>
-          <a:ln w="6350">
-            <a:solidFill>
-              <a:schemeClr val="tx1">
-                <a:lumMod val="50000"/>
-                <a:lumOff val="50000"/>
-              </a:schemeClr>
-            </a:solidFill>
-          </a:ln>
-        </p:spPr>
-        <p:style>
-          <a:lnRef idx="1">
-            <a:schemeClr val="accent1"/>
-          </a:lnRef>
-          <a:fillRef idx="0">
-            <a:schemeClr val="accent1"/>
-          </a:fillRef>
-          <a:effectRef idx="0">
-            <a:schemeClr val="accent1"/>
-          </a:effectRef>
-          <a:fontRef idx="minor">
-            <a:schemeClr val="tx1"/>
-          </a:fontRef>
-        </p:style>
-      </p:cxnSp>
-      <p:sp useBgFill="1">
-        <p:nvSpPr>
-          <p:cNvPr id="15" name="Rectangle 14">
-            <a:extLst>
-              <a:ext uri="{FF2B5EF4-FFF2-40B4-BE49-F238E27FC236}">
-                <a16:creationId xmlns:a16="http://schemas.microsoft.com/office/drawing/2014/main" id="{C4AAA502-5435-489E-9538-3A40E6C71461}"/>
-              </a:ext>
-              <a:ext uri="{C183D7F6-B498-43B3-948B-1728B52AA6E4}">
-                <adec:decorative xmlns:adec="http://schemas.microsoft.com/office/drawing/2017/decorative" val="1"/>
-              </a:ext>
-            </a:extLst>
-          </p:cNvPr>
-          <p:cNvSpPr>
-            <a:spLocks noGrp="1" noRot="1" noChangeAspect="1" noMove="1" noResize="1" noEditPoints="1" noAdjustHandles="1" noChangeArrowheads="1" noChangeShapeType="1" noTextEdit="1"/>
-          </p:cNvSpPr>
-          <p:nvPr>
-            <p:extLst>
-              <p:ext uri="{386F3935-93C4-4BCD-93E2-E3B085C9AB24}">
-                <p16:designElem xmlns:p16="http://schemas.microsoft.com/office/powerpoint/2015/main" val="1"/>
-              </p:ext>
-            </p:extLst>
-          </p:nvPr>
-        </p:nvSpPr>
-        <p:spPr>
-          <a:xfrm>
-            <a:off x="0" y="0"/>
-            <a:ext cx="12192001" cy="6334316"/>
-          </a:xfrm>
-          <a:prstGeom prst="rect">
-            <a:avLst/>
-          </a:prstGeom>
-          <a:ln>
-            <a:noFill/>
-          </a:ln>
-        </p:spPr>
-        <p:style>
-          <a:lnRef idx="2">
-            <a:schemeClr val="accent1">
-              <a:shade val="50000"/>
-            </a:schemeClr>
-          </a:lnRef>
-          <a:fillRef idx="1">
-            <a:schemeClr val="accent1"/>
-          </a:fillRef>
-          <a:effectRef idx="0">
-            <a:schemeClr val="accent1"/>
-          </a:effectRef>
-          <a:fontRef idx="minor">
-            <a:schemeClr val="lt1"/>
-          </a:fontRef>
-        </p:style>
-        <p:txBody>
-          <a:bodyPr rtlCol="0" anchor="ctr"/>
-          <a:lstStyle/>
-          <a:p>
-            <a:pPr algn="ctr"/>
-            <a:endParaRPr lang="en-US"/>
-          </a:p>
-        </p:txBody>
-      </p:sp>
-      <p:sp>
-        <p:nvSpPr>
-          <p:cNvPr id="2" name="Title 1">
-            <a:extLst>
-              <a:ext uri="{FF2B5EF4-FFF2-40B4-BE49-F238E27FC236}">
-                <a16:creationId xmlns:a16="http://schemas.microsoft.com/office/drawing/2014/main" id="{49C3DFD9-68EC-430E-A947-3760E2C3DA57}"/>
-              </a:ext>
-            </a:extLst>
-          </p:cNvPr>
-          <p:cNvSpPr>
-            <a:spLocks noGrp="1"/>
-          </p:cNvSpPr>
-          <p:nvPr>
-            <p:ph type="title"/>
-          </p:nvPr>
-        </p:nvSpPr>
-        <p:spPr>
-          <a:xfrm>
-            <a:off x="633999" y="4550229"/>
-            <a:ext cx="10909073" cy="1057655"/>
-          </a:xfrm>
-        </p:spPr>
-        <p:txBody>
-          <a:bodyPr vert="horz" lIns="91440" tIns="45720" rIns="91440" bIns="45720" rtlCol="0" anchor="b">
-            <a:normAutofit/>
-          </a:bodyPr>
-          <a:lstStyle/>
-          <a:p>
-            <a:r>
-              <a:rPr lang="en-US" sz="5600">
-                <a:solidFill>
-                  <a:schemeClr val="tx1">
-                    <a:lumMod val="85000"/>
-                    <a:lumOff val="15000"/>
-                  </a:schemeClr>
-                </a:solidFill>
-              </a:rPr>
-              <a:t>Loading the Dataframes into Postgres</a:t>
-            </a:r>
-          </a:p>
-        </p:txBody>
-      </p:sp>
-      <p:pic>
-        <p:nvPicPr>
-          <p:cNvPr id="4" name="Picture 4" descr="Graphical user interface, application&#10;&#10;Description automatically generated">
-            <a:extLst>
-              <a:ext uri="{FF2B5EF4-FFF2-40B4-BE49-F238E27FC236}">
-                <a16:creationId xmlns:a16="http://schemas.microsoft.com/office/drawing/2014/main" id="{730E915C-5522-4B7B-A0C1-DA201A0448F5}"/>
-              </a:ext>
-            </a:extLst>
-          </p:cNvPr>
-          <p:cNvPicPr>
-            <a:picLocks noGrp="1" noChangeAspect="1"/>
-          </p:cNvPicPr>
-          <p:nvPr>
-            <p:ph sz="quarter" idx="13"/>
-          </p:nvPr>
-        </p:nvPicPr>
-        <p:blipFill>
-          <a:blip r:embed="rId2"/>
-          <a:stretch>
-            <a:fillRect/>
-          </a:stretch>
-        </p:blipFill>
-        <p:spPr>
-          <a:xfrm>
-            <a:off x="635457" y="1977652"/>
-            <a:ext cx="10916463" cy="2265164"/>
-          </a:xfrm>
-          <a:prstGeom prst="rect">
-            <a:avLst/>
-          </a:prstGeom>
-        </p:spPr>
-      </p:pic>
-      <p:cxnSp>
-        <p:nvCxnSpPr>
-          <p:cNvPr id="17" name="Straight Connector 16">
-            <a:extLst>
-              <a:ext uri="{FF2B5EF4-FFF2-40B4-BE49-F238E27FC236}">
-                <a16:creationId xmlns:a16="http://schemas.microsoft.com/office/drawing/2014/main" id="{C9AC0290-4702-4519-B0F4-C2A46880997B}"/>
-              </a:ext>
-              <a:ext uri="{C183D7F6-B498-43B3-948B-1728B52AA6E4}">
-                <adec:decorative xmlns:adec="http://schemas.microsoft.com/office/drawing/2017/decorative" val="1"/>
-              </a:ext>
-            </a:extLst>
-          </p:cNvPr>
-          <p:cNvCxnSpPr>
-            <a:cxnSpLocks noGrp="1" noRot="1" noChangeAspect="1" noMove="1" noResize="1" noEditPoints="1" noAdjustHandles="1" noChangeArrowheads="1" noChangeShapeType="1"/>
-          </p:cNvCxnSpPr>
-          <p:nvPr>
-            <p:extLst>
-              <p:ext uri="{386F3935-93C4-4BCD-93E2-E3B085C9AB24}">
-                <p16:designElem xmlns:p16="http://schemas.microsoft.com/office/powerpoint/2015/main" val="1"/>
-              </p:ext>
-            </p:extLst>
-          </p:nvPr>
-        </p:nvCxnSpPr>
-        <p:spPr>
-          <a:xfrm>
-            <a:off x="721086" y="5618770"/>
-            <a:ext cx="10515600" cy="0"/>
-          </a:xfrm>
-          <a:prstGeom prst="line">
-            <a:avLst/>
-          </a:prstGeom>
-          <a:ln w="6350">
-            <a:solidFill>
-              <a:schemeClr val="tx2">
-                <a:alpha val="90000"/>
-              </a:schemeClr>
-            </a:solidFill>
-          </a:ln>
-        </p:spPr>
-        <p:style>
-          <a:lnRef idx="1">
-            <a:schemeClr val="accent1"/>
-          </a:lnRef>
-          <a:fillRef idx="0">
-            <a:schemeClr val="accent1"/>
-          </a:fillRef>
-          <a:effectRef idx="0">
-            <a:schemeClr val="accent1"/>
-          </a:effectRef>
-          <a:fontRef idx="minor">
-            <a:schemeClr val="tx1"/>
-          </a:fontRef>
-        </p:style>
-      </p:cxnSp>
-      <p:sp>
-        <p:nvSpPr>
-          <p:cNvPr id="19" name="Rectangle 18">
-            <a:extLst>
-              <a:ext uri="{FF2B5EF4-FFF2-40B4-BE49-F238E27FC236}">
-                <a16:creationId xmlns:a16="http://schemas.microsoft.com/office/drawing/2014/main" id="{DE42378B-2E28-4810-8421-7A473A40E376}"/>
-              </a:ext>
-              <a:ext uri="{C183D7F6-B498-43B3-948B-1728B52AA6E4}">
-                <adec:decorative xmlns:adec="http://schemas.microsoft.com/office/drawing/2017/decorative" val="1"/>
-              </a:ext>
-            </a:extLst>
-          </p:cNvPr>
-          <p:cNvSpPr>
-            <a:spLocks noGrp="1" noRot="1" noChangeAspect="1" noMove="1" noResize="1" noEditPoints="1" noAdjustHandles="1" noChangeArrowheads="1" noChangeShapeType="1" noTextEdit="1"/>
-          </p:cNvSpPr>
-          <p:nvPr>
-            <p:extLst>
-              <p:ext uri="{386F3935-93C4-4BCD-93E2-E3B085C9AB24}">
-                <p16:designElem xmlns:p16="http://schemas.microsoft.com/office/powerpoint/2015/main" val="1"/>
-              </p:ext>
-            </p:extLst>
-          </p:nvPr>
-        </p:nvSpPr>
-        <p:spPr>
-          <a:xfrm>
-            <a:off x="15" y="6334316"/>
-            <a:ext cx="12191985" cy="66484"/>
-          </a:xfrm>
-          <a:prstGeom prst="rect">
-            <a:avLst/>
-          </a:prstGeom>
-          <a:solidFill>
-            <a:schemeClr val="accent1"/>
-          </a:solidFill>
-          <a:ln>
-            <a:noFill/>
-          </a:ln>
-        </p:spPr>
-        <p:style>
-          <a:lnRef idx="2">
-            <a:schemeClr val="accent1">
-              <a:shade val="50000"/>
-            </a:schemeClr>
-          </a:lnRef>
-          <a:fillRef idx="1">
-            <a:schemeClr val="accent1"/>
-          </a:fillRef>
-          <a:effectRef idx="0">
-            <a:schemeClr val="accent1"/>
-          </a:effectRef>
-          <a:fontRef idx="minor">
-            <a:schemeClr val="lt1"/>
-          </a:fontRef>
-        </p:style>
-      </p:sp>
-      <p:sp>
-        <p:nvSpPr>
-          <p:cNvPr id="21" name="Rectangle 20">
-            <a:extLst>
-              <a:ext uri="{FF2B5EF4-FFF2-40B4-BE49-F238E27FC236}">
-                <a16:creationId xmlns:a16="http://schemas.microsoft.com/office/drawing/2014/main" id="{0D91DD17-237F-4811-BC0E-128EB1BD7CFE}"/>
-              </a:ext>
-              <a:ext uri="{C183D7F6-B498-43B3-948B-1728B52AA6E4}">
-                <adec:decorative xmlns:adec="http://schemas.microsoft.com/office/drawing/2017/decorative" val="1"/>
-              </a:ext>
-            </a:extLst>
-          </p:cNvPr>
-          <p:cNvSpPr>
-            <a:spLocks noGrp="1" noRot="1" noChangeAspect="1" noMove="1" noResize="1" noEditPoints="1" noAdjustHandles="1" noChangeArrowheads="1" noChangeShapeType="1" noTextEdit="1"/>
-          </p:cNvSpPr>
-          <p:nvPr>
-            <p:extLst>
-              <p:ext uri="{386F3935-93C4-4BCD-93E2-E3B085C9AB24}">
-                <p16:designElem xmlns:p16="http://schemas.microsoft.com/office/powerpoint/2015/main" val="1"/>
-              </p:ext>
-            </p:extLst>
-          </p:nvPr>
-        </p:nvSpPr>
-        <p:spPr>
-          <a:xfrm>
-            <a:off x="1" y="6400800"/>
-            <a:ext cx="12192000" cy="457200"/>
-          </a:xfrm>
-          <a:prstGeom prst="rect">
-            <a:avLst/>
-          </a:prstGeom>
-          <a:solidFill>
-            <a:schemeClr val="accent2"/>
-          </a:solidFill>
-          <a:ln>
-            <a:noFill/>
-          </a:ln>
-        </p:spPr>
-        <p:style>
-          <a:lnRef idx="2">
-            <a:schemeClr val="accent1">
-              <a:shade val="50000"/>
-            </a:schemeClr>
-          </a:lnRef>
-          <a:fillRef idx="1">
-            <a:schemeClr val="accent1"/>
-          </a:fillRef>
-          <a:effectRef idx="0">
-            <a:schemeClr val="accent1"/>
-          </a:effectRef>
-          <a:fontRef idx="minor">
-            <a:schemeClr val="lt1"/>
-          </a:fontRef>
-        </p:style>
-      </p:sp>
-    </p:spTree>
-    <p:extLst>
-      <p:ext uri="{BB962C8B-B14F-4D97-AF65-F5344CB8AC3E}">
-        <p14:creationId xmlns:p14="http://schemas.microsoft.com/office/powerpoint/2010/main" val="3935079627"/>
-      </p:ext>
-    </p:extLst>
-  </p:cSld>
-  <p:clrMapOvr>
-    <a:masterClrMapping/>
-  </p:clrMapOvr>
-</p:sld>
-</file>
-
-<file path=ppt/slides/slide11.xml><?xml version="1.0" encoding="utf-8"?>
-<p:sld xmlns:a="http://schemas.openxmlformats.org/drawingml/2006/main" xmlns:r="http://schemas.openxmlformats.org/officeDocument/2006/relationships" xmlns:p="http://schemas.openxmlformats.org/presentationml/2006/main">
-  <p:cSld>
-    <p:bg>
-      <p:bgPr>
-        <a:solidFill>
-          <a:schemeClr val="bg1"/>
-        </a:solidFill>
-        <a:effectLst/>
-      </p:bgPr>
-    </p:bg>
-    <p:spTree>
-      <p:nvGrpSpPr>
-        <p:cNvPr id="1" name=""/>
-        <p:cNvGrpSpPr/>
-        <p:nvPr/>
-      </p:nvGrpSpPr>
-      <p:grpSpPr>
-        <a:xfrm>
-          <a:off x="0" y="0"/>
-          <a:ext cx="0" cy="0"/>
-          <a:chOff x="0" y="0"/>
-          <a:chExt cx="0" cy="0"/>
-        </a:xfrm>
-      </p:grpSpPr>
-      <p:sp>
-        <p:nvSpPr>
-          <p:cNvPr id="9" name="Rectangle 8">
-            <a:extLst>
-              <a:ext uri="{FF2B5EF4-FFF2-40B4-BE49-F238E27FC236}">
-                <a16:creationId xmlns:a16="http://schemas.microsoft.com/office/drawing/2014/main" id="{25C8D2C1-DA83-420D-9635-D52CE066B5DA}"/>
-              </a:ext>
-              <a:ext uri="{C183D7F6-B498-43B3-948B-1728B52AA6E4}">
-                <adec:decorative xmlns:adec="http://schemas.microsoft.com/office/drawing/2017/decorative" val="1"/>
-              </a:ext>
-            </a:extLst>
-          </p:cNvPr>
-          <p:cNvSpPr>
-            <a:spLocks noGrp="1" noRot="1" noChangeAspect="1" noMove="1" noResize="1" noEditPoints="1" noAdjustHandles="1" noChangeArrowheads="1" noChangeShapeType="1" noTextEdit="1"/>
-          </p:cNvSpPr>
-          <p:nvPr>
-            <p:extLst>
-              <p:ext uri="{386F3935-93C4-4BCD-93E2-E3B085C9AB24}">
-                <p16:designElem xmlns:p16="http://schemas.microsoft.com/office/powerpoint/2015/main" val="1"/>
-              </p:ext>
-            </p:extLst>
-          </p:nvPr>
-        </p:nvSpPr>
-        <p:spPr>
-          <a:xfrm>
-            <a:off x="3175" y="6400800"/>
-            <a:ext cx="12188825" cy="457200"/>
-          </a:xfrm>
-          <a:prstGeom prst="rect">
-            <a:avLst/>
-          </a:prstGeom>
-          <a:solidFill>
-            <a:schemeClr val="accent2"/>
-          </a:solidFill>
-          <a:ln>
-            <a:noFill/>
-          </a:ln>
-        </p:spPr>
-        <p:style>
-          <a:lnRef idx="2">
-            <a:schemeClr val="accent1">
-              <a:shade val="50000"/>
-            </a:schemeClr>
-          </a:lnRef>
-          <a:fillRef idx="1">
-            <a:schemeClr val="accent1"/>
-          </a:fillRef>
-          <a:effectRef idx="0">
-            <a:schemeClr val="accent1"/>
-          </a:effectRef>
-          <a:fontRef idx="minor">
-            <a:schemeClr val="lt1"/>
-          </a:fontRef>
-        </p:style>
-      </p:sp>
-      <p:sp>
-        <p:nvSpPr>
-          <p:cNvPr id="11" name="Rectangle 10">
-            <a:extLst>
-              <a:ext uri="{FF2B5EF4-FFF2-40B4-BE49-F238E27FC236}">
-                <a16:creationId xmlns:a16="http://schemas.microsoft.com/office/drawing/2014/main" id="{434F74C9-6A0B-409E-AD1C-45B58BE91BB8}"/>
-              </a:ext>
-              <a:ext uri="{C183D7F6-B498-43B3-948B-1728B52AA6E4}">
-                <adec:decorative xmlns:adec="http://schemas.microsoft.com/office/drawing/2017/decorative" val="1"/>
-              </a:ext>
-            </a:extLst>
-          </p:cNvPr>
-          <p:cNvSpPr>
-            <a:spLocks noGrp="1" noRot="1" noChangeAspect="1" noMove="1" noResize="1" noEditPoints="1" noAdjustHandles="1" noChangeArrowheads="1" noChangeShapeType="1" noTextEdit="1"/>
-          </p:cNvSpPr>
-          <p:nvPr>
-            <p:extLst>
-              <p:ext uri="{386F3935-93C4-4BCD-93E2-E3B085C9AB24}">
-                <p16:designElem xmlns:p16="http://schemas.microsoft.com/office/powerpoint/2015/main" val="1"/>
-              </p:ext>
-            </p:extLst>
-          </p:nvPr>
-        </p:nvSpPr>
-        <p:spPr>
-          <a:xfrm>
-            <a:off x="15" y="6334316"/>
-            <a:ext cx="12188825" cy="64008"/>
-          </a:xfrm>
-          <a:prstGeom prst="rect">
-            <a:avLst/>
-          </a:prstGeom>
-          <a:solidFill>
-            <a:schemeClr val="accent1"/>
-          </a:solidFill>
-          <a:ln>
-            <a:noFill/>
-          </a:ln>
-        </p:spPr>
-        <p:style>
-          <a:lnRef idx="2">
-            <a:schemeClr val="accent1">
-              <a:shade val="50000"/>
-            </a:schemeClr>
-          </a:lnRef>
-          <a:fillRef idx="1">
-            <a:schemeClr val="accent1"/>
-          </a:fillRef>
-          <a:effectRef idx="0">
-            <a:schemeClr val="accent1"/>
-          </a:effectRef>
-          <a:fontRef idx="minor">
-            <a:schemeClr val="lt1"/>
-          </a:fontRef>
-        </p:style>
-      </p:sp>
-      <p:cxnSp>
-        <p:nvCxnSpPr>
-          <p:cNvPr id="13" name="Straight Connector 12">
-            <a:extLst>
-              <a:ext uri="{FF2B5EF4-FFF2-40B4-BE49-F238E27FC236}">
-                <a16:creationId xmlns:a16="http://schemas.microsoft.com/office/drawing/2014/main" id="{F5486A9D-1265-4B57-91E6-68E666B978BC}"/>
-              </a:ext>
-              <a:ext uri="{C183D7F6-B498-43B3-948B-1728B52AA6E4}">
-                <adec:decorative xmlns:adec="http://schemas.microsoft.com/office/drawing/2017/decorative" val="1"/>
-              </a:ext>
-            </a:extLst>
-          </p:cNvPr>
-          <p:cNvCxnSpPr>
-            <a:cxnSpLocks noGrp="1" noRot="1" noChangeAspect="1" noMove="1" noResize="1" noEditPoints="1" noAdjustHandles="1" noChangeArrowheads="1" noChangeShapeType="1"/>
-          </p:cNvCxnSpPr>
-          <p:nvPr>
-            <p:extLst>
-              <p:ext uri="{386F3935-93C4-4BCD-93E2-E3B085C9AB24}">
-                <p16:designElem xmlns:p16="http://schemas.microsoft.com/office/powerpoint/2015/main" val="1"/>
-              </p:ext>
-            </p:extLst>
-          </p:nvPr>
-        </p:nvCxnSpPr>
-        <p:spPr>
-          <a:xfrm>
-            <a:off x="1207658" y="4343400"/>
-            <a:ext cx="9875520" cy="0"/>
-          </a:xfrm>
-          <a:prstGeom prst="line">
-            <a:avLst/>
-          </a:prstGeom>
-          <a:ln w="6350">
-            <a:solidFill>
-              <a:schemeClr val="tx1">
-                <a:lumMod val="50000"/>
-                <a:lumOff val="50000"/>
-              </a:schemeClr>
-            </a:solidFill>
-          </a:ln>
-        </p:spPr>
-        <p:style>
-          <a:lnRef idx="1">
-            <a:schemeClr val="accent1"/>
-          </a:lnRef>
-          <a:fillRef idx="0">
-            <a:schemeClr val="accent1"/>
-          </a:fillRef>
-          <a:effectRef idx="0">
-            <a:schemeClr val="accent1"/>
-          </a:effectRef>
-          <a:fontRef idx="minor">
-            <a:schemeClr val="tx1"/>
-          </a:fontRef>
-        </p:style>
-      </p:cxnSp>
-      <p:sp useBgFill="1">
-        <p:nvSpPr>
-          <p:cNvPr id="15" name="Rectangle 14">
-            <a:extLst>
-              <a:ext uri="{FF2B5EF4-FFF2-40B4-BE49-F238E27FC236}">
-                <a16:creationId xmlns:a16="http://schemas.microsoft.com/office/drawing/2014/main" id="{BE268116-E2A7-4F98-8812-192B4975E49B}"/>
-              </a:ext>
-              <a:ext uri="{C183D7F6-B498-43B3-948B-1728B52AA6E4}">
-                <adec:decorative xmlns:adec="http://schemas.microsoft.com/office/drawing/2017/decorative" val="1"/>
-              </a:ext>
-            </a:extLst>
-          </p:cNvPr>
-          <p:cNvSpPr>
-            <a:spLocks noGrp="1" noRot="1" noChangeAspect="1" noMove="1" noResize="1" noEditPoints="1" noAdjustHandles="1" noChangeArrowheads="1" noChangeShapeType="1" noTextEdit="1"/>
-          </p:cNvSpPr>
-          <p:nvPr>
-            <p:extLst>
-              <p:ext uri="{386F3935-93C4-4BCD-93E2-E3B085C9AB24}">
-                <p16:designElem xmlns:p16="http://schemas.microsoft.com/office/powerpoint/2015/main" val="1"/>
-              </p:ext>
-            </p:extLst>
-          </p:nvPr>
-        </p:nvSpPr>
-        <p:spPr>
-          <a:xfrm>
-            <a:off x="0" y="0"/>
-            <a:ext cx="12192001" cy="6334316"/>
-          </a:xfrm>
-          <a:prstGeom prst="rect">
-            <a:avLst/>
-          </a:prstGeom>
-          <a:ln>
-            <a:noFill/>
-          </a:ln>
-        </p:spPr>
-        <p:style>
-          <a:lnRef idx="2">
-            <a:schemeClr val="accent1">
-              <a:shade val="50000"/>
-            </a:schemeClr>
-          </a:lnRef>
-          <a:fillRef idx="1">
-            <a:schemeClr val="accent1"/>
-          </a:fillRef>
-          <a:effectRef idx="0">
-            <a:schemeClr val="accent1"/>
-          </a:effectRef>
-          <a:fontRef idx="minor">
-            <a:schemeClr val="lt1"/>
-          </a:fontRef>
-        </p:style>
-        <p:txBody>
-          <a:bodyPr rtlCol="0" anchor="ctr"/>
-          <a:lstStyle/>
-          <a:p>
-            <a:pPr algn="ctr"/>
-            <a:endParaRPr lang="en-US"/>
-          </a:p>
-        </p:txBody>
-      </p:sp>
-      <p:sp>
-        <p:nvSpPr>
-          <p:cNvPr id="2" name="Title 1">
-            <a:extLst>
-              <a:ext uri="{FF2B5EF4-FFF2-40B4-BE49-F238E27FC236}">
-                <a16:creationId xmlns:a16="http://schemas.microsoft.com/office/drawing/2014/main" id="{679187FD-19D2-4D35-837F-FCD9DC22B324}"/>
-              </a:ext>
-            </a:extLst>
-          </p:cNvPr>
-          <p:cNvSpPr>
-            <a:spLocks noGrp="1"/>
-          </p:cNvSpPr>
-          <p:nvPr>
-            <p:ph type="title"/>
-          </p:nvPr>
-        </p:nvSpPr>
-        <p:spPr>
-          <a:xfrm>
-            <a:off x="633999" y="4550229"/>
-            <a:ext cx="10909073" cy="1057655"/>
-          </a:xfrm>
-        </p:spPr>
-        <p:txBody>
-          <a:bodyPr vert="horz" lIns="91440" tIns="45720" rIns="91440" bIns="45720" rtlCol="0" anchor="b">
-            <a:normAutofit/>
-          </a:bodyPr>
-          <a:lstStyle/>
-          <a:p>
-            <a:r>
-              <a:rPr lang="en-US" sz="6000">
-                <a:solidFill>
-                  <a:schemeClr val="tx1">
-                    <a:lumMod val="85000"/>
-                    <a:lumOff val="15000"/>
-                  </a:schemeClr>
-                </a:solidFill>
-              </a:rPr>
-              <a:t>SQL</a:t>
-            </a:r>
-          </a:p>
-        </p:txBody>
-      </p:sp>
-      <p:pic>
-        <p:nvPicPr>
-          <p:cNvPr id="4" name="Picture 4" descr="Graphical user interface, text&#10;&#10;Description automatically generated">
-            <a:extLst>
-              <a:ext uri="{FF2B5EF4-FFF2-40B4-BE49-F238E27FC236}">
-                <a16:creationId xmlns:a16="http://schemas.microsoft.com/office/drawing/2014/main" id="{0FC0BF4B-53CF-4F63-9E60-6915FEB195B5}"/>
-              </a:ext>
-            </a:extLst>
-          </p:cNvPr>
-          <p:cNvPicPr>
-            <a:picLocks noGrp="1" noChangeAspect="1"/>
-          </p:cNvPicPr>
-          <p:nvPr>
-            <p:ph sz="quarter" idx="13"/>
-          </p:nvPr>
-        </p:nvPicPr>
-        <p:blipFill rotWithShape="1">
-          <a:blip r:embed="rId2"/>
-          <a:srcRect r="24248" b="-1"/>
-          <a:stretch/>
-        </p:blipFill>
-        <p:spPr>
-          <a:xfrm>
-            <a:off x="635457" y="640080"/>
-            <a:ext cx="10916463" cy="3602736"/>
-          </a:xfrm>
-          <a:prstGeom prst="rect">
-            <a:avLst/>
-          </a:prstGeom>
-        </p:spPr>
-      </p:pic>
-      <p:cxnSp>
-        <p:nvCxnSpPr>
-          <p:cNvPr id="17" name="Straight Connector 16">
-            <a:extLst>
-              <a:ext uri="{FF2B5EF4-FFF2-40B4-BE49-F238E27FC236}">
-                <a16:creationId xmlns:a16="http://schemas.microsoft.com/office/drawing/2014/main" id="{73D8893D-DEBE-4F67-901F-166F75E9C6E7}"/>
-              </a:ext>
-              <a:ext uri="{C183D7F6-B498-43B3-948B-1728B52AA6E4}">
-                <adec:decorative xmlns:adec="http://schemas.microsoft.com/office/drawing/2017/decorative" val="1"/>
-              </a:ext>
-            </a:extLst>
-          </p:cNvPr>
-          <p:cNvCxnSpPr>
-            <a:cxnSpLocks noGrp="1" noRot="1" noChangeAspect="1" noMove="1" noResize="1" noEditPoints="1" noAdjustHandles="1" noChangeArrowheads="1" noChangeShapeType="1"/>
-          </p:cNvCxnSpPr>
-          <p:nvPr>
-            <p:extLst>
-              <p:ext uri="{386F3935-93C4-4BCD-93E2-E3B085C9AB24}">
-                <p16:designElem xmlns:p16="http://schemas.microsoft.com/office/powerpoint/2015/main" val="1"/>
-              </p:ext>
-            </p:extLst>
-          </p:nvPr>
-        </p:nvCxnSpPr>
-        <p:spPr>
-          <a:xfrm>
-            <a:off x="721086" y="5618770"/>
-            <a:ext cx="10515600" cy="0"/>
-          </a:xfrm>
-          <a:prstGeom prst="line">
-            <a:avLst/>
-          </a:prstGeom>
-          <a:ln w="6350">
-            <a:solidFill>
-              <a:schemeClr val="tx2">
-                <a:alpha val="90000"/>
-              </a:schemeClr>
-            </a:solidFill>
-          </a:ln>
-        </p:spPr>
-        <p:style>
-          <a:lnRef idx="1">
-            <a:schemeClr val="accent1"/>
-          </a:lnRef>
-          <a:fillRef idx="0">
-            <a:schemeClr val="accent1"/>
-          </a:fillRef>
-          <a:effectRef idx="0">
-            <a:schemeClr val="accent1"/>
-          </a:effectRef>
-          <a:fontRef idx="minor">
-            <a:schemeClr val="tx1"/>
-          </a:fontRef>
-        </p:style>
-      </p:cxnSp>
-      <p:sp>
-        <p:nvSpPr>
-          <p:cNvPr id="19" name="Rectangle 18">
-            <a:extLst>
-              <a:ext uri="{FF2B5EF4-FFF2-40B4-BE49-F238E27FC236}">
-                <a16:creationId xmlns:a16="http://schemas.microsoft.com/office/drawing/2014/main" id="{FBEFFA83-BC6D-4CD2-A2BA-98AD67423BF2}"/>
-              </a:ext>
-              <a:ext uri="{C183D7F6-B498-43B3-948B-1728B52AA6E4}">
-                <adec:decorative xmlns:adec="http://schemas.microsoft.com/office/drawing/2017/decorative" val="1"/>
-              </a:ext>
-            </a:extLst>
-          </p:cNvPr>
-          <p:cNvSpPr>
-            <a:spLocks noGrp="1" noRot="1" noChangeAspect="1" noMove="1" noResize="1" noEditPoints="1" noAdjustHandles="1" noChangeArrowheads="1" noChangeShapeType="1" noTextEdit="1"/>
-          </p:cNvSpPr>
-          <p:nvPr>
-            <p:extLst>
-              <p:ext uri="{386F3935-93C4-4BCD-93E2-E3B085C9AB24}">
-                <p16:designElem xmlns:p16="http://schemas.microsoft.com/office/powerpoint/2015/main" val="1"/>
-              </p:ext>
-            </p:extLst>
-          </p:nvPr>
-        </p:nvSpPr>
-        <p:spPr>
-          <a:xfrm>
-            <a:off x="15" y="6334316"/>
-            <a:ext cx="12191985" cy="66484"/>
-          </a:xfrm>
-          <a:prstGeom prst="rect">
-            <a:avLst/>
-          </a:prstGeom>
-          <a:solidFill>
-            <a:schemeClr val="accent1"/>
-          </a:solidFill>
-          <a:ln>
-            <a:noFill/>
-          </a:ln>
-        </p:spPr>
-        <p:style>
-          <a:lnRef idx="2">
-            <a:schemeClr val="accent1">
-              <a:shade val="50000"/>
-            </a:schemeClr>
-          </a:lnRef>
-          <a:fillRef idx="1">
-            <a:schemeClr val="accent1"/>
-          </a:fillRef>
-          <a:effectRef idx="0">
-            <a:schemeClr val="accent1"/>
-          </a:effectRef>
-          <a:fontRef idx="minor">
-            <a:schemeClr val="lt1"/>
-          </a:fontRef>
-        </p:style>
-      </p:sp>
-      <p:sp>
-        <p:nvSpPr>
-          <p:cNvPr id="21" name="Rectangle 20">
-            <a:extLst>
-              <a:ext uri="{FF2B5EF4-FFF2-40B4-BE49-F238E27FC236}">
-                <a16:creationId xmlns:a16="http://schemas.microsoft.com/office/drawing/2014/main" id="{AB5696BF-D495-4CAC-AA8A-4EBFF2C32A55}"/>
-              </a:ext>
-              <a:ext uri="{C183D7F6-B498-43B3-948B-1728B52AA6E4}">
-                <adec:decorative xmlns:adec="http://schemas.microsoft.com/office/drawing/2017/decorative" val="1"/>
-              </a:ext>
-            </a:extLst>
-          </p:cNvPr>
-          <p:cNvSpPr>
-            <a:spLocks noGrp="1" noRot="1" noChangeAspect="1" noMove="1" noResize="1" noEditPoints="1" noAdjustHandles="1" noChangeArrowheads="1" noChangeShapeType="1" noTextEdit="1"/>
-          </p:cNvSpPr>
-          <p:nvPr>
-            <p:extLst>
-              <p:ext uri="{386F3935-93C4-4BCD-93E2-E3B085C9AB24}">
-                <p16:designElem xmlns:p16="http://schemas.microsoft.com/office/powerpoint/2015/main" val="1"/>
-              </p:ext>
-            </p:extLst>
-          </p:nvPr>
-        </p:nvSpPr>
-        <p:spPr>
-          <a:xfrm>
-            <a:off x="1" y="6400800"/>
-            <a:ext cx="12192000" cy="457200"/>
-          </a:xfrm>
-          <a:prstGeom prst="rect">
-            <a:avLst/>
-          </a:prstGeom>
-          <a:solidFill>
-            <a:schemeClr val="accent2"/>
-          </a:solidFill>
-          <a:ln>
-            <a:noFill/>
-          </a:ln>
-        </p:spPr>
-        <p:style>
-          <a:lnRef idx="2">
-            <a:schemeClr val="accent1">
-              <a:shade val="50000"/>
-            </a:schemeClr>
-          </a:lnRef>
-          <a:fillRef idx="1">
-            <a:schemeClr val="accent1"/>
-          </a:fillRef>
-          <a:effectRef idx="0">
-            <a:schemeClr val="accent1"/>
-          </a:effectRef>
-          <a:fontRef idx="minor">
-            <a:schemeClr val="lt1"/>
-          </a:fontRef>
-        </p:style>
-      </p:sp>
-    </p:spTree>
-    <p:extLst>
-      <p:ext uri="{BB962C8B-B14F-4D97-AF65-F5344CB8AC3E}">
-        <p14:creationId xmlns:p14="http://schemas.microsoft.com/office/powerpoint/2010/main" val="3248304426"/>
-      </p:ext>
-    </p:extLst>
-  </p:cSld>
-  <p:clrMapOvr>
-    <a:masterClrMapping/>
-  </p:clrMapOvr>
-</p:sld>
-</file>
-
-<file path=ppt/slides/slide12.xml><?xml version="1.0" encoding="utf-8"?>
-<p:sld xmlns:a="http://schemas.openxmlformats.org/drawingml/2006/main" xmlns:r="http://schemas.openxmlformats.org/officeDocument/2006/relationships" xmlns:p="http://schemas.openxmlformats.org/presentationml/2006/main">
-  <p:cSld>
-    <p:bg>
-      <p:bgPr>
-        <a:solidFill>
-          <a:schemeClr val="bg1"/>
-        </a:solidFill>
-        <a:effectLst/>
-      </p:bgPr>
-    </p:bg>
-    <p:spTree>
-      <p:nvGrpSpPr>
-        <p:cNvPr id="1" name=""/>
-        <p:cNvGrpSpPr/>
-        <p:nvPr/>
-      </p:nvGrpSpPr>
-      <p:grpSpPr>
-        <a:xfrm>
-          <a:off x="0" y="0"/>
-          <a:ext cx="0" cy="0"/>
-          <a:chOff x="0" y="0"/>
-          <a:chExt cx="0" cy="0"/>
-        </a:xfrm>
-      </p:grpSpPr>
-      <p:sp>
-        <p:nvSpPr>
-          <p:cNvPr id="6" name="Rectangle 8">
-            <a:extLst>
-              <a:ext uri="{FF2B5EF4-FFF2-40B4-BE49-F238E27FC236}">
-                <a16:creationId xmlns:a16="http://schemas.microsoft.com/office/drawing/2014/main" id="{4E4490D0-3672-446A-AC12-B4830333BDDD}"/>
-              </a:ext>
-              <a:ext uri="{C183D7F6-B498-43B3-948B-1728B52AA6E4}">
-                <adec:decorative xmlns:adec="http://schemas.microsoft.com/office/drawing/2017/decorative" val="1"/>
-              </a:ext>
-            </a:extLst>
-          </p:cNvPr>
-          <p:cNvSpPr>
-            <a:spLocks noGrp="1" noRot="1" noChangeAspect="1" noMove="1" noResize="1" noEditPoints="1" noAdjustHandles="1" noChangeArrowheads="1" noChangeShapeType="1" noTextEdit="1"/>
-          </p:cNvSpPr>
-          <p:nvPr>
-            <p:extLst>
-              <p:ext uri="{386F3935-93C4-4BCD-93E2-E3B085C9AB24}">
-                <p16:designElem xmlns:p16="http://schemas.microsoft.com/office/powerpoint/2015/main" val="1"/>
-              </p:ext>
-            </p:extLst>
-          </p:nvPr>
-        </p:nvSpPr>
-        <p:spPr>
-          <a:xfrm>
-            <a:off x="3175" y="6400800"/>
-            <a:ext cx="12188825" cy="457200"/>
-          </a:xfrm>
-          <a:prstGeom prst="rect">
-            <a:avLst/>
-          </a:prstGeom>
-          <a:solidFill>
-            <a:schemeClr val="accent2"/>
-          </a:solidFill>
-          <a:ln>
-            <a:noFill/>
-          </a:ln>
-        </p:spPr>
-        <p:style>
-          <a:lnRef idx="2">
-            <a:schemeClr val="accent1">
-              <a:shade val="50000"/>
-            </a:schemeClr>
-          </a:lnRef>
-          <a:fillRef idx="1">
-            <a:schemeClr val="accent1"/>
-          </a:fillRef>
-          <a:effectRef idx="0">
-            <a:schemeClr val="accent1"/>
-          </a:effectRef>
-          <a:fontRef idx="minor">
-            <a:schemeClr val="lt1"/>
-          </a:fontRef>
-        </p:style>
-      </p:sp>
-      <p:sp>
-        <p:nvSpPr>
-          <p:cNvPr id="7" name="Rectangle 10">
-            <a:extLst>
-              <a:ext uri="{FF2B5EF4-FFF2-40B4-BE49-F238E27FC236}">
-                <a16:creationId xmlns:a16="http://schemas.microsoft.com/office/drawing/2014/main" id="{39CB82C2-DF65-4EC1-8280-F201D50F570B}"/>
-              </a:ext>
-              <a:ext uri="{C183D7F6-B498-43B3-948B-1728B52AA6E4}">
-                <adec:decorative xmlns:adec="http://schemas.microsoft.com/office/drawing/2017/decorative" val="1"/>
-              </a:ext>
-            </a:extLst>
-          </p:cNvPr>
-          <p:cNvSpPr>
-            <a:spLocks noGrp="1" noRot="1" noChangeAspect="1" noMove="1" noResize="1" noEditPoints="1" noAdjustHandles="1" noChangeArrowheads="1" noChangeShapeType="1" noTextEdit="1"/>
-          </p:cNvSpPr>
-          <p:nvPr>
-            <p:extLst>
-              <p:ext uri="{386F3935-93C4-4BCD-93E2-E3B085C9AB24}">
-                <p16:designElem xmlns:p16="http://schemas.microsoft.com/office/powerpoint/2015/main" val="1"/>
-              </p:ext>
-            </p:extLst>
-          </p:nvPr>
-        </p:nvSpPr>
-        <p:spPr>
-          <a:xfrm>
-            <a:off x="15" y="6334316"/>
-            <a:ext cx="12188825" cy="64008"/>
-          </a:xfrm>
-          <a:prstGeom prst="rect">
-            <a:avLst/>
-          </a:prstGeom>
-          <a:solidFill>
-            <a:schemeClr val="accent1"/>
-          </a:solidFill>
-          <a:ln>
-            <a:noFill/>
-          </a:ln>
-        </p:spPr>
-        <p:style>
-          <a:lnRef idx="2">
-            <a:schemeClr val="accent1">
-              <a:shade val="50000"/>
-            </a:schemeClr>
-          </a:lnRef>
-          <a:fillRef idx="1">
-            <a:schemeClr val="accent1"/>
-          </a:fillRef>
-          <a:effectRef idx="0">
-            <a:schemeClr val="accent1"/>
-          </a:effectRef>
-          <a:fontRef idx="minor">
-            <a:schemeClr val="lt1"/>
-          </a:fontRef>
-        </p:style>
-      </p:sp>
-      <p:cxnSp>
-        <p:nvCxnSpPr>
-          <p:cNvPr id="8" name="Straight Connector 12">
-            <a:extLst>
-              <a:ext uri="{FF2B5EF4-FFF2-40B4-BE49-F238E27FC236}">
-                <a16:creationId xmlns:a16="http://schemas.microsoft.com/office/drawing/2014/main" id="{7E1D4427-852B-4B37-8E76-0E9F1810BA2A}"/>
-              </a:ext>
-              <a:ext uri="{C183D7F6-B498-43B3-948B-1728B52AA6E4}">
-                <adec:decorative xmlns:adec="http://schemas.microsoft.com/office/drawing/2017/decorative" val="1"/>
-              </a:ext>
-            </a:extLst>
-          </p:cNvPr>
-          <p:cNvCxnSpPr>
-            <a:cxnSpLocks noGrp="1" noRot="1" noChangeAspect="1" noMove="1" noResize="1" noEditPoints="1" noAdjustHandles="1" noChangeArrowheads="1" noChangeShapeType="1"/>
-          </p:cNvCxnSpPr>
-          <p:nvPr>
-            <p:extLst>
-              <p:ext uri="{386F3935-93C4-4BCD-93E2-E3B085C9AB24}">
-                <p16:designElem xmlns:p16="http://schemas.microsoft.com/office/powerpoint/2015/main" val="1"/>
-              </p:ext>
-            </p:extLst>
-          </p:nvPr>
-        </p:nvCxnSpPr>
-        <p:spPr>
-          <a:xfrm>
-            <a:off x="1207658" y="4343400"/>
-            <a:ext cx="9875520" cy="0"/>
-          </a:xfrm>
-          <a:prstGeom prst="line">
-            <a:avLst/>
-          </a:prstGeom>
-          <a:ln w="6350">
-            <a:solidFill>
-              <a:schemeClr val="tx1">
-                <a:lumMod val="50000"/>
-                <a:lumOff val="50000"/>
-              </a:schemeClr>
-            </a:solidFill>
-          </a:ln>
-        </p:spPr>
-        <p:style>
-          <a:lnRef idx="1">
-            <a:schemeClr val="accent1"/>
-          </a:lnRef>
-          <a:fillRef idx="0">
-            <a:schemeClr val="accent1"/>
-          </a:fillRef>
-          <a:effectRef idx="0">
-            <a:schemeClr val="accent1"/>
-          </a:effectRef>
-          <a:fontRef idx="minor">
-            <a:schemeClr val="tx1"/>
-          </a:fontRef>
-        </p:style>
-      </p:cxnSp>
-      <p:sp useBgFill="1">
-        <p:nvSpPr>
-          <p:cNvPr id="10" name="Rectangle 14">
-            <a:extLst>
-              <a:ext uri="{FF2B5EF4-FFF2-40B4-BE49-F238E27FC236}">
-                <a16:creationId xmlns:a16="http://schemas.microsoft.com/office/drawing/2014/main" id="{C4AAA502-5435-489E-9538-3A40E6C71461}"/>
-              </a:ext>
-              <a:ext uri="{C183D7F6-B498-43B3-948B-1728B52AA6E4}">
-                <adec:decorative xmlns:adec="http://schemas.microsoft.com/office/drawing/2017/decorative" val="1"/>
-              </a:ext>
-            </a:extLst>
-          </p:cNvPr>
-          <p:cNvSpPr>
-            <a:spLocks noGrp="1" noRot="1" noChangeAspect="1" noMove="1" noResize="1" noEditPoints="1" noAdjustHandles="1" noChangeArrowheads="1" noChangeShapeType="1" noTextEdit="1"/>
-          </p:cNvSpPr>
-          <p:nvPr>
-            <p:extLst>
-              <p:ext uri="{386F3935-93C4-4BCD-93E2-E3B085C9AB24}">
-                <p16:designElem xmlns:p16="http://schemas.microsoft.com/office/powerpoint/2015/main" val="1"/>
-              </p:ext>
-            </p:extLst>
-          </p:nvPr>
-        </p:nvSpPr>
-        <p:spPr>
-          <a:xfrm>
-            <a:off x="0" y="0"/>
-            <a:ext cx="12192001" cy="6334316"/>
-          </a:xfrm>
-          <a:prstGeom prst="rect">
-            <a:avLst/>
-          </a:prstGeom>
-          <a:ln>
-            <a:noFill/>
-          </a:ln>
-        </p:spPr>
-        <p:style>
-          <a:lnRef idx="2">
-            <a:schemeClr val="accent1">
-              <a:shade val="50000"/>
-            </a:schemeClr>
-          </a:lnRef>
-          <a:fillRef idx="1">
-            <a:schemeClr val="accent1"/>
-          </a:fillRef>
-          <a:effectRef idx="0">
-            <a:schemeClr val="accent1"/>
-          </a:effectRef>
-          <a:fontRef idx="minor">
-            <a:schemeClr val="lt1"/>
-          </a:fontRef>
-        </p:style>
-        <p:txBody>
-          <a:bodyPr rtlCol="0" anchor="ctr"/>
-          <a:lstStyle/>
-          <a:p>
-            <a:pPr algn="ctr"/>
-            <a:endParaRPr lang="en-US"/>
-          </a:p>
-        </p:txBody>
-      </p:sp>
-      <p:sp>
-        <p:nvSpPr>
-          <p:cNvPr id="2" name="Title 1">
-            <a:extLst>
-              <a:ext uri="{FF2B5EF4-FFF2-40B4-BE49-F238E27FC236}">
-                <a16:creationId xmlns:a16="http://schemas.microsoft.com/office/drawing/2014/main" id="{76AF42A5-0963-4D12-AA31-6E2F7536CAD3}"/>
-              </a:ext>
-            </a:extLst>
-          </p:cNvPr>
-          <p:cNvSpPr>
-            <a:spLocks noGrp="1"/>
-          </p:cNvSpPr>
-          <p:nvPr>
-            <p:ph type="title"/>
-          </p:nvPr>
-        </p:nvSpPr>
-        <p:spPr>
-          <a:xfrm>
-            <a:off x="633999" y="4550229"/>
-            <a:ext cx="10909073" cy="1057655"/>
-          </a:xfrm>
-        </p:spPr>
-        <p:txBody>
-          <a:bodyPr vert="horz" lIns="91440" tIns="45720" rIns="91440" bIns="45720" rtlCol="0" anchor="b">
-            <a:normAutofit/>
-          </a:bodyPr>
-          <a:lstStyle/>
-          <a:p>
-            <a:r>
-              <a:rPr lang="en-US" sz="6000">
-                <a:solidFill>
-                  <a:schemeClr val="tx1">
-                    <a:lumMod val="85000"/>
-                    <a:lumOff val="15000"/>
-                  </a:schemeClr>
-                </a:solidFill>
-                <a:cs typeface="Calibri Light"/>
-              </a:rPr>
-              <a:t>SQL</a:t>
-            </a:r>
-            <a:endParaRPr lang="en-US" sz="6000">
-              <a:solidFill>
-                <a:schemeClr val="tx1">
-                  <a:lumMod val="85000"/>
-                  <a:lumOff val="15000"/>
-                </a:schemeClr>
-              </a:solidFill>
-            </a:endParaRPr>
-          </a:p>
-        </p:txBody>
-      </p:sp>
-      <p:pic>
-        <p:nvPicPr>
-          <p:cNvPr id="4" name="Picture 4" descr="Graphical user interface, text&#10;&#10;Description automatically generated">
-            <a:extLst>
-              <a:ext uri="{FF2B5EF4-FFF2-40B4-BE49-F238E27FC236}">
-                <a16:creationId xmlns:a16="http://schemas.microsoft.com/office/drawing/2014/main" id="{8C62D07E-D1D6-4F23-8910-A88390E3CBD8}"/>
-              </a:ext>
-            </a:extLst>
-          </p:cNvPr>
-          <p:cNvPicPr>
-            <a:picLocks noGrp="1" noChangeAspect="1"/>
-          </p:cNvPicPr>
-          <p:nvPr>
-            <p:ph sz="quarter" idx="13"/>
-          </p:nvPr>
-        </p:nvPicPr>
-        <p:blipFill>
-          <a:blip r:embed="rId2"/>
-          <a:stretch>
-            <a:fillRect/>
-          </a:stretch>
-        </p:blipFill>
-        <p:spPr>
-          <a:xfrm>
-            <a:off x="635457" y="2468892"/>
-            <a:ext cx="10916463" cy="1773923"/>
-          </a:xfrm>
-          <a:prstGeom prst="rect">
-            <a:avLst/>
-          </a:prstGeom>
-        </p:spPr>
-      </p:pic>
-      <p:cxnSp>
-        <p:nvCxnSpPr>
-          <p:cNvPr id="12" name="Straight Connector 16">
-            <a:extLst>
-              <a:ext uri="{FF2B5EF4-FFF2-40B4-BE49-F238E27FC236}">
-                <a16:creationId xmlns:a16="http://schemas.microsoft.com/office/drawing/2014/main" id="{C9AC0290-4702-4519-B0F4-C2A46880997B}"/>
-              </a:ext>
-              <a:ext uri="{C183D7F6-B498-43B3-948B-1728B52AA6E4}">
-                <adec:decorative xmlns:adec="http://schemas.microsoft.com/office/drawing/2017/decorative" val="1"/>
-              </a:ext>
-            </a:extLst>
-          </p:cNvPr>
-          <p:cNvCxnSpPr>
-            <a:cxnSpLocks noGrp="1" noRot="1" noChangeAspect="1" noMove="1" noResize="1" noEditPoints="1" noAdjustHandles="1" noChangeArrowheads="1" noChangeShapeType="1"/>
-          </p:cNvCxnSpPr>
-          <p:nvPr>
-            <p:extLst>
-              <p:ext uri="{386F3935-93C4-4BCD-93E2-E3B085C9AB24}">
-                <p16:designElem xmlns:p16="http://schemas.microsoft.com/office/powerpoint/2015/main" val="1"/>
-              </p:ext>
-            </p:extLst>
-          </p:nvPr>
-        </p:nvCxnSpPr>
-        <p:spPr>
-          <a:xfrm>
-            <a:off x="721086" y="5618770"/>
-            <a:ext cx="10515600" cy="0"/>
-          </a:xfrm>
-          <a:prstGeom prst="line">
-            <a:avLst/>
-          </a:prstGeom>
-          <a:ln w="6350">
-            <a:solidFill>
-              <a:schemeClr val="tx2">
-                <a:alpha val="90000"/>
-              </a:schemeClr>
-            </a:solidFill>
-          </a:ln>
-        </p:spPr>
-        <p:style>
-          <a:lnRef idx="1">
-            <a:schemeClr val="accent1"/>
-          </a:lnRef>
-          <a:fillRef idx="0">
-            <a:schemeClr val="accent1"/>
-          </a:fillRef>
-          <a:effectRef idx="0">
-            <a:schemeClr val="accent1"/>
-          </a:effectRef>
-          <a:fontRef idx="minor">
-            <a:schemeClr val="tx1"/>
-          </a:fontRef>
-        </p:style>
-      </p:cxnSp>
-      <p:sp>
-        <p:nvSpPr>
-          <p:cNvPr id="14" name="Rectangle 18">
-            <a:extLst>
-              <a:ext uri="{FF2B5EF4-FFF2-40B4-BE49-F238E27FC236}">
-                <a16:creationId xmlns:a16="http://schemas.microsoft.com/office/drawing/2014/main" id="{DE42378B-2E28-4810-8421-7A473A40E376}"/>
-              </a:ext>
-              <a:ext uri="{C183D7F6-B498-43B3-948B-1728B52AA6E4}">
-                <adec:decorative xmlns:adec="http://schemas.microsoft.com/office/drawing/2017/decorative" val="1"/>
-              </a:ext>
-            </a:extLst>
-          </p:cNvPr>
-          <p:cNvSpPr>
-            <a:spLocks noGrp="1" noRot="1" noChangeAspect="1" noMove="1" noResize="1" noEditPoints="1" noAdjustHandles="1" noChangeArrowheads="1" noChangeShapeType="1" noTextEdit="1"/>
-          </p:cNvSpPr>
-          <p:nvPr>
-            <p:extLst>
-              <p:ext uri="{386F3935-93C4-4BCD-93E2-E3B085C9AB24}">
-                <p16:designElem xmlns:p16="http://schemas.microsoft.com/office/powerpoint/2015/main" val="1"/>
-              </p:ext>
-            </p:extLst>
-          </p:nvPr>
-        </p:nvSpPr>
-        <p:spPr>
-          <a:xfrm>
-            <a:off x="15" y="6334316"/>
-            <a:ext cx="12191985" cy="66484"/>
-          </a:xfrm>
-          <a:prstGeom prst="rect">
-            <a:avLst/>
-          </a:prstGeom>
-          <a:solidFill>
-            <a:schemeClr val="accent1"/>
-          </a:solidFill>
-          <a:ln>
-            <a:noFill/>
-          </a:ln>
-        </p:spPr>
-        <p:style>
-          <a:lnRef idx="2">
-            <a:schemeClr val="accent1">
-              <a:shade val="50000"/>
-            </a:schemeClr>
-          </a:lnRef>
-          <a:fillRef idx="1">
-            <a:schemeClr val="accent1"/>
-          </a:fillRef>
-          <a:effectRef idx="0">
-            <a:schemeClr val="accent1"/>
-          </a:effectRef>
-          <a:fontRef idx="minor">
-            <a:schemeClr val="lt1"/>
-          </a:fontRef>
-        </p:style>
-      </p:sp>
-      <p:sp>
-        <p:nvSpPr>
-          <p:cNvPr id="16" name="Rectangle 20">
-            <a:extLst>
-              <a:ext uri="{FF2B5EF4-FFF2-40B4-BE49-F238E27FC236}">
-                <a16:creationId xmlns:a16="http://schemas.microsoft.com/office/drawing/2014/main" id="{0D91DD17-237F-4811-BC0E-128EB1BD7CFE}"/>
-              </a:ext>
-              <a:ext uri="{C183D7F6-B498-43B3-948B-1728B52AA6E4}">
-                <adec:decorative xmlns:adec="http://schemas.microsoft.com/office/drawing/2017/decorative" val="1"/>
-              </a:ext>
-            </a:extLst>
-          </p:cNvPr>
-          <p:cNvSpPr>
-            <a:spLocks noGrp="1" noRot="1" noChangeAspect="1" noMove="1" noResize="1" noEditPoints="1" noAdjustHandles="1" noChangeArrowheads="1" noChangeShapeType="1" noTextEdit="1"/>
-          </p:cNvSpPr>
-          <p:nvPr>
-            <p:extLst>
-              <p:ext uri="{386F3935-93C4-4BCD-93E2-E3B085C9AB24}">
-                <p16:designElem xmlns:p16="http://schemas.microsoft.com/office/powerpoint/2015/main" val="1"/>
-              </p:ext>
-            </p:extLst>
-          </p:nvPr>
-        </p:nvSpPr>
-        <p:spPr>
-          <a:xfrm>
-            <a:off x="1" y="6400800"/>
-            <a:ext cx="12192000" cy="457200"/>
-          </a:xfrm>
-          <a:prstGeom prst="rect">
-            <a:avLst/>
-          </a:prstGeom>
-          <a:solidFill>
-            <a:schemeClr val="accent2"/>
-          </a:solidFill>
-          <a:ln>
-            <a:noFill/>
-          </a:ln>
-        </p:spPr>
-        <p:style>
-          <a:lnRef idx="2">
-            <a:schemeClr val="accent1">
-              <a:shade val="50000"/>
-            </a:schemeClr>
-          </a:lnRef>
-          <a:fillRef idx="1">
-            <a:schemeClr val="accent1"/>
-          </a:fillRef>
-          <a:effectRef idx="0">
-            <a:schemeClr val="accent1"/>
-          </a:effectRef>
-          <a:fontRef idx="minor">
-            <a:schemeClr val="lt1"/>
-          </a:fontRef>
-        </p:style>
-      </p:sp>
-    </p:spTree>
-    <p:extLst>
-      <p:ext uri="{BB962C8B-B14F-4D97-AF65-F5344CB8AC3E}">
-        <p14:creationId xmlns:p14="http://schemas.microsoft.com/office/powerpoint/2010/main" val="2654179728"/>
-      </p:ext>
-    </p:extLst>
-  </p:cSld>
-  <p:clrMapOvr>
-    <a:masterClrMapping/>
-  </p:clrMapOvr>
-</p:sld>
-</file>
-
-<file path=ppt/slides/slide13.xml><?xml version="1.0" encoding="utf-8"?>
-<p:sld xmlns:a="http://schemas.openxmlformats.org/drawingml/2006/main" xmlns:r="http://schemas.openxmlformats.org/officeDocument/2006/relationships" xmlns:p="http://schemas.openxmlformats.org/presentationml/2006/main">
-  <p:cSld>
-    <p:bg>
-      <p:bgPr>
         <a:gradFill rotWithShape="1">
           <a:gsLst>
             <a:gs pos="0">
@@ -9639,11 +8650,11 @@
           <p:nvPr/>
         </p:nvPicPr>
         <p:blipFill rotWithShape="1">
-          <a:blip r:embed="rId2">
+          <a:blip r:embed="rId3">
             <a:alphaModFix amt="35000"/>
             <a:extLst>
               <a:ext uri="{837473B0-CC2E-450A-ABE3-18F120FF3D39}">
-                <a1611:picAttrSrcUrl xmlns:a1611="http://schemas.microsoft.com/office/drawing/2016/11/main" r:id="rId3"/>
+                <a1611:picAttrSrcUrl xmlns:a1611="http://schemas.microsoft.com/office/drawing/2016/11/main" r:id="rId4"/>
               </a:ext>
             </a:extLst>
           </a:blip>
@@ -9887,7 +8898,7 @@
         </p:xfrm>
         <a:graphic>
           <a:graphicData uri="http://schemas.openxmlformats.org/drawingml/2006/diagram">
-            <dgm:relIds xmlns:dgm="http://schemas.openxmlformats.org/drawingml/2006/diagram" xmlns:r="http://schemas.openxmlformats.org/officeDocument/2006/relationships" r:dm="rId4" r:lo="rId5" r:qs="rId6" r:cs="rId7"/>
+            <dgm:relIds xmlns:dgm="http://schemas.openxmlformats.org/drawingml/2006/diagram" xmlns:r="http://schemas.openxmlformats.org/officeDocument/2006/relationships" r:dm="rId5" r:lo="rId6" r:qs="rId7" r:cs="rId8"/>
           </a:graphicData>
         </a:graphic>
       </p:graphicFrame>
@@ -9932,7 +8943,7 @@
                   <a:srgbClr val="FFFFFF"/>
                 </a:solidFill>
                 <a:latin typeface="+mn-lt"/>
-                <a:hlinkClick r:id="rId3">
+                <a:hlinkClick r:id="rId4">
                   <a:extLst>
                     <a:ext uri="{A12FA001-AC4F-418D-AE19-62706E023703}">
                       <ahyp:hlinkClr xmlns:ahyp="http://schemas.microsoft.com/office/drawing/2018/hyperlinkcolor" val="tx"/>
@@ -9957,7 +8968,7 @@
                   <a:srgbClr val="FFFFFF"/>
                 </a:solidFill>
                 <a:latin typeface="+mn-lt"/>
-                <a:hlinkClick r:id="rId9">
+                <a:hlinkClick r:id="rId10">
                   <a:extLst>
                     <a:ext uri="{A12FA001-AC4F-418D-AE19-62706E023703}">
                       <ahyp:hlinkClr xmlns:ahyp="http://schemas.microsoft.com/office/drawing/2018/hyperlinkcolor" val="tx"/>
@@ -9992,7 +9003,7 @@
 </p:sld>
 </file>
 
-<file path=ppt/slides/slide14.xml><?xml version="1.0" encoding="utf-8"?>
+<file path=ppt/slides/slide11.xml><?xml version="1.0" encoding="utf-8"?>
 <p:sld xmlns:a="http://schemas.openxmlformats.org/drawingml/2006/main" xmlns:r="http://schemas.openxmlformats.org/officeDocument/2006/relationships" xmlns:p="http://schemas.openxmlformats.org/presentationml/2006/main">
   <p:cSld>
     <p:spTree>
@@ -10103,6 +9114,727 @@
     <p:extLst>
       <p:ext uri="{BB962C8B-B14F-4D97-AF65-F5344CB8AC3E}">
         <p14:creationId xmlns:p14="http://schemas.microsoft.com/office/powerpoint/2010/main" val="3904402862"/>
+      </p:ext>
+    </p:extLst>
+  </p:cSld>
+  <p:clrMapOvr>
+    <a:masterClrMapping/>
+  </p:clrMapOvr>
+</p:sld>
+</file>
+
+<file path=ppt/slides/slide12.xml><?xml version="1.0" encoding="utf-8"?>
+<p:sld xmlns:a="http://schemas.openxmlformats.org/drawingml/2006/main" xmlns:r="http://schemas.openxmlformats.org/officeDocument/2006/relationships" xmlns:p="http://schemas.openxmlformats.org/presentationml/2006/main">
+  <p:cSld>
+    <p:bg>
+      <p:bgPr>
+        <a:solidFill>
+          <a:schemeClr val="bg1"/>
+        </a:solidFill>
+        <a:effectLst/>
+      </p:bgPr>
+    </p:bg>
+    <p:spTree>
+      <p:nvGrpSpPr>
+        <p:cNvPr id="1" name=""/>
+        <p:cNvGrpSpPr/>
+        <p:nvPr/>
+      </p:nvGrpSpPr>
+      <p:grpSpPr>
+        <a:xfrm>
+          <a:off x="0" y="0"/>
+          <a:ext cx="0" cy="0"/>
+          <a:chOff x="0" y="0"/>
+          <a:chExt cx="0" cy="0"/>
+        </a:xfrm>
+      </p:grpSpPr>
+      <p:sp useBgFill="1">
+        <p:nvSpPr>
+          <p:cNvPr id="28" name="Rectangle 27">
+            <a:extLst>
+              <a:ext uri="{FF2B5EF4-FFF2-40B4-BE49-F238E27FC236}">
+                <a16:creationId xmlns:a16="http://schemas.microsoft.com/office/drawing/2014/main" id="{44CC594A-A820-450F-B363-C19201FCFEC6}"/>
+              </a:ext>
+              <a:ext uri="{C183D7F6-B498-43B3-948B-1728B52AA6E4}">
+                <adec:decorative xmlns:adec="http://schemas.microsoft.com/office/drawing/2017/decorative" val="1"/>
+              </a:ext>
+            </a:extLst>
+          </p:cNvPr>
+          <p:cNvSpPr>
+            <a:spLocks noGrp="1" noRot="1" noChangeAspect="1" noMove="1" noResize="1" noEditPoints="1" noAdjustHandles="1" noChangeArrowheads="1" noChangeShapeType="1" noTextEdit="1"/>
+          </p:cNvSpPr>
+          <p:nvPr>
+            <p:extLst>
+              <p:ext uri="{386F3935-93C4-4BCD-93E2-E3B085C9AB24}">
+                <p16:designElem xmlns:p16="http://schemas.microsoft.com/office/powerpoint/2015/main" val="1"/>
+              </p:ext>
+            </p:extLst>
+          </p:nvPr>
+        </p:nvSpPr>
+        <p:spPr>
+          <a:xfrm>
+            <a:off x="0" y="0"/>
+            <a:ext cx="12186315" cy="6858000"/>
+          </a:xfrm>
+          <a:prstGeom prst="rect">
+            <a:avLst/>
+          </a:prstGeom>
+          <a:ln>
+            <a:noFill/>
+          </a:ln>
+        </p:spPr>
+        <p:style>
+          <a:lnRef idx="2">
+            <a:schemeClr val="accent6">
+              <a:shade val="50000"/>
+            </a:schemeClr>
+          </a:lnRef>
+          <a:fillRef idx="1001">
+            <a:schemeClr val="lt1"/>
+          </a:fillRef>
+          <a:effectRef idx="0">
+            <a:schemeClr val="accent6"/>
+          </a:effectRef>
+          <a:fontRef idx="minor">
+            <a:schemeClr val="lt1"/>
+          </a:fontRef>
+        </p:style>
+        <p:txBody>
+          <a:bodyPr rtlCol="0" anchor="ctr"/>
+          <a:lstStyle/>
+          <a:p>
+            <a:pPr algn="ctr"/>
+            <a:endParaRPr lang="en-US"/>
+          </a:p>
+        </p:txBody>
+      </p:sp>
+      <p:sp>
+        <p:nvSpPr>
+          <p:cNvPr id="30" name="Rectangle 29">
+            <a:extLst>
+              <a:ext uri="{FF2B5EF4-FFF2-40B4-BE49-F238E27FC236}">
+                <a16:creationId xmlns:a16="http://schemas.microsoft.com/office/drawing/2014/main" id="{59FAB3DA-E9ED-4574-ABCC-378BC0FF1BBC}"/>
+              </a:ext>
+              <a:ext uri="{C183D7F6-B498-43B3-948B-1728B52AA6E4}">
+                <adec:decorative xmlns:adec="http://schemas.microsoft.com/office/drawing/2017/decorative" val="1"/>
+              </a:ext>
+            </a:extLst>
+          </p:cNvPr>
+          <p:cNvSpPr>
+            <a:spLocks noGrp="1" noRot="1" noChangeAspect="1" noMove="1" noResize="1" noEditPoints="1" noAdjustHandles="1" noChangeArrowheads="1" noChangeShapeType="1" noTextEdit="1"/>
+          </p:cNvSpPr>
+          <p:nvPr>
+            <p:extLst>
+              <p:ext uri="{386F3935-93C4-4BCD-93E2-E3B085C9AB24}">
+                <p16:designElem xmlns:p16="http://schemas.microsoft.com/office/powerpoint/2015/main" val="1"/>
+              </p:ext>
+            </p:extLst>
+          </p:nvPr>
+        </p:nvSpPr>
+        <p:spPr>
+          <a:xfrm>
+            <a:off x="16" y="0"/>
+            <a:ext cx="4050791" cy="6858000"/>
+          </a:xfrm>
+          <a:prstGeom prst="rect">
+            <a:avLst/>
+          </a:prstGeom>
+          <a:solidFill>
+            <a:schemeClr val="accent2"/>
+          </a:solidFill>
+          <a:ln>
+            <a:noFill/>
+          </a:ln>
+        </p:spPr>
+        <p:style>
+          <a:lnRef idx="2">
+            <a:schemeClr val="accent1">
+              <a:shade val="50000"/>
+            </a:schemeClr>
+          </a:lnRef>
+          <a:fillRef idx="1">
+            <a:schemeClr val="accent1"/>
+          </a:fillRef>
+          <a:effectRef idx="0">
+            <a:schemeClr val="accent1"/>
+          </a:effectRef>
+          <a:fontRef idx="minor">
+            <a:schemeClr val="lt1"/>
+          </a:fontRef>
+        </p:style>
+      </p:sp>
+      <p:sp>
+        <p:nvSpPr>
+          <p:cNvPr id="2" name="Title 1">
+            <a:extLst>
+              <a:ext uri="{FF2B5EF4-FFF2-40B4-BE49-F238E27FC236}">
+                <a16:creationId xmlns:a16="http://schemas.microsoft.com/office/drawing/2014/main" id="{A483CD7E-BB5C-474C-B839-5DC33C934764}"/>
+              </a:ext>
+            </a:extLst>
+          </p:cNvPr>
+          <p:cNvSpPr>
+            <a:spLocks noGrp="1"/>
+          </p:cNvSpPr>
+          <p:nvPr>
+            <p:ph type="title"/>
+          </p:nvPr>
+        </p:nvSpPr>
+        <p:spPr>
+          <a:xfrm>
+            <a:off x="492370" y="516835"/>
+            <a:ext cx="3084844" cy="2103875"/>
+          </a:xfrm>
+        </p:spPr>
+        <p:txBody>
+          <a:bodyPr vert="horz" lIns="91440" tIns="45720" rIns="91440" bIns="45720" rtlCol="0">
+            <a:normAutofit/>
+          </a:bodyPr>
+          <a:lstStyle/>
+          <a:p>
+            <a:r>
+              <a:rPr lang="en-US" sz="3600">
+                <a:solidFill>
+                  <a:srgbClr val="FFFFFF"/>
+                </a:solidFill>
+              </a:rPr>
+              <a:t>Breweries by State</a:t>
+            </a:r>
+          </a:p>
+        </p:txBody>
+      </p:sp>
+      <p:sp>
+        <p:nvSpPr>
+          <p:cNvPr id="25" name="Content Placeholder 24">
+            <a:extLst>
+              <a:ext uri="{FF2B5EF4-FFF2-40B4-BE49-F238E27FC236}">
+                <a16:creationId xmlns:a16="http://schemas.microsoft.com/office/drawing/2014/main" id="{4FBB1267-6734-46C7-9721-BBBB879F799A}"/>
+              </a:ext>
+            </a:extLst>
+          </p:cNvPr>
+          <p:cNvSpPr>
+            <a:spLocks noGrp="1"/>
+          </p:cNvSpPr>
+          <p:nvPr>
+            <p:ph sz="quarter" idx="13"/>
+          </p:nvPr>
+        </p:nvSpPr>
+        <p:spPr>
+          <a:xfrm>
+            <a:off x="492371" y="2653800"/>
+            <a:ext cx="3084844" cy="3335519"/>
+          </a:xfrm>
+        </p:spPr>
+        <p:txBody>
+          <a:bodyPr>
+            <a:normAutofit/>
+          </a:bodyPr>
+          <a:lstStyle/>
+          <a:p>
+            <a:endParaRPr lang="en-US" sz="1500">
+              <a:solidFill>
+                <a:srgbClr val="FFFFFF"/>
+              </a:solidFill>
+            </a:endParaRPr>
+          </a:p>
+        </p:txBody>
+      </p:sp>
+      <p:sp>
+        <p:nvSpPr>
+          <p:cNvPr id="32" name="Rectangle 31">
+            <a:extLst>
+              <a:ext uri="{FF2B5EF4-FFF2-40B4-BE49-F238E27FC236}">
+                <a16:creationId xmlns:a16="http://schemas.microsoft.com/office/drawing/2014/main" id="{53B8D6B0-55D6-48DC-86D8-FD95D5F118AB}"/>
+              </a:ext>
+              <a:ext uri="{C183D7F6-B498-43B3-948B-1728B52AA6E4}">
+                <adec:decorative xmlns:adec="http://schemas.microsoft.com/office/drawing/2017/decorative" val="1"/>
+              </a:ext>
+            </a:extLst>
+          </p:cNvPr>
+          <p:cNvSpPr>
+            <a:spLocks noGrp="1" noRot="1" noChangeAspect="1" noMove="1" noResize="1" noEditPoints="1" noAdjustHandles="1" noChangeArrowheads="1" noChangeShapeType="1" noTextEdit="1"/>
+          </p:cNvSpPr>
+          <p:nvPr>
+            <p:extLst>
+              <p:ext uri="{386F3935-93C4-4BCD-93E2-E3B085C9AB24}">
+                <p16:designElem xmlns:p16="http://schemas.microsoft.com/office/powerpoint/2015/main" val="1"/>
+              </p:ext>
+            </p:extLst>
+          </p:nvPr>
+        </p:nvSpPr>
+        <p:spPr>
+          <a:xfrm>
+            <a:off x="4040071" y="0"/>
+            <a:ext cx="64008" cy="6858000"/>
+          </a:xfrm>
+          <a:prstGeom prst="rect">
+            <a:avLst/>
+          </a:prstGeom>
+          <a:solidFill>
+            <a:schemeClr val="accent1"/>
+          </a:solidFill>
+          <a:ln>
+            <a:noFill/>
+          </a:ln>
+        </p:spPr>
+        <p:style>
+          <a:lnRef idx="2">
+            <a:schemeClr val="accent1">
+              <a:shade val="50000"/>
+            </a:schemeClr>
+          </a:lnRef>
+          <a:fillRef idx="1">
+            <a:schemeClr val="accent1"/>
+          </a:fillRef>
+          <a:effectRef idx="0">
+            <a:schemeClr val="accent1"/>
+          </a:effectRef>
+          <a:fontRef idx="minor">
+            <a:schemeClr val="lt1"/>
+          </a:fontRef>
+        </p:style>
+      </p:sp>
+      <p:pic>
+        <p:nvPicPr>
+          <p:cNvPr id="4" name="Picture 4" descr="A picture containing chart&#10;&#10;Description automatically generated">
+            <a:extLst>
+              <a:ext uri="{FF2B5EF4-FFF2-40B4-BE49-F238E27FC236}">
+                <a16:creationId xmlns:a16="http://schemas.microsoft.com/office/drawing/2014/main" id="{769CB3FA-FC2C-46BE-B56A-F29B16AD3910}"/>
+              </a:ext>
+            </a:extLst>
+          </p:cNvPr>
+          <p:cNvPicPr>
+            <a:picLocks noChangeAspect="1"/>
+          </p:cNvPicPr>
+          <p:nvPr/>
+        </p:nvPicPr>
+        <p:blipFill>
+          <a:blip r:embed="rId2"/>
+          <a:stretch>
+            <a:fillRect/>
+          </a:stretch>
+        </p:blipFill>
+        <p:spPr>
+          <a:xfrm>
+            <a:off x="5257290" y="-3678"/>
+            <a:ext cx="5833225" cy="6865356"/>
+          </a:xfrm>
+          <a:prstGeom prst="rect">
+            <a:avLst/>
+          </a:prstGeom>
+        </p:spPr>
+      </p:pic>
+    </p:spTree>
+    <p:extLst>
+      <p:ext uri="{BB962C8B-B14F-4D97-AF65-F5344CB8AC3E}">
+        <p14:creationId xmlns:p14="http://schemas.microsoft.com/office/powerpoint/2010/main" val="2186860319"/>
+      </p:ext>
+    </p:extLst>
+  </p:cSld>
+  <p:clrMapOvr>
+    <a:masterClrMapping/>
+  </p:clrMapOvr>
+</p:sld>
+</file>
+
+<file path=ppt/slides/slide13.xml><?xml version="1.0" encoding="utf-8"?>
+<p:sld xmlns:a="http://schemas.openxmlformats.org/drawingml/2006/main" xmlns:r="http://schemas.openxmlformats.org/officeDocument/2006/relationships" xmlns:p="http://schemas.openxmlformats.org/presentationml/2006/main">
+  <p:cSld>
+    <p:spTree>
+      <p:nvGrpSpPr>
+        <p:cNvPr id="1" name=""/>
+        <p:cNvGrpSpPr/>
+        <p:nvPr/>
+      </p:nvGrpSpPr>
+      <p:grpSpPr>
+        <a:xfrm>
+          <a:off x="0" y="0"/>
+          <a:ext cx="0" cy="0"/>
+          <a:chOff x="0" y="0"/>
+          <a:chExt cx="0" cy="0"/>
+        </a:xfrm>
+      </p:grpSpPr>
+      <p:sp>
+        <p:nvSpPr>
+          <p:cNvPr id="2" name="Title 1">
+            <a:extLst>
+              <a:ext uri="{FF2B5EF4-FFF2-40B4-BE49-F238E27FC236}">
+                <a16:creationId xmlns:a16="http://schemas.microsoft.com/office/drawing/2014/main" id="{D35FDEBC-112B-4EB9-83E5-B7FC3C095F79}"/>
+              </a:ext>
+            </a:extLst>
+          </p:cNvPr>
+          <p:cNvSpPr>
+            <a:spLocks noGrp="1"/>
+          </p:cNvSpPr>
+          <p:nvPr>
+            <p:ph type="title"/>
+          </p:nvPr>
+        </p:nvSpPr>
+        <p:spPr/>
+        <p:txBody>
+          <a:bodyPr/>
+          <a:lstStyle/>
+          <a:p>
+            <a:r>
+              <a:rPr lang="en-US">
+                <a:cs typeface="Calibri Light"/>
+              </a:rPr>
+              <a:t>Most Popular Beer Style using matplotlib</a:t>
+            </a:r>
+            <a:endParaRPr lang="en-US"/>
+          </a:p>
+        </p:txBody>
+      </p:sp>
+      <p:pic>
+        <p:nvPicPr>
+          <p:cNvPr id="4" name="Picture 4" descr="Graphical user interface, text, application&#10;&#10;Description automatically generated">
+            <a:extLst>
+              <a:ext uri="{FF2B5EF4-FFF2-40B4-BE49-F238E27FC236}">
+                <a16:creationId xmlns:a16="http://schemas.microsoft.com/office/drawing/2014/main" id="{DF0A036C-845B-498D-B232-A70A226E03BD}"/>
+              </a:ext>
+            </a:extLst>
+          </p:cNvPr>
+          <p:cNvPicPr>
+            <a:picLocks noGrp="1" noChangeAspect="1"/>
+          </p:cNvPicPr>
+          <p:nvPr>
+            <p:ph sz="quarter" idx="13"/>
+          </p:nvPr>
+        </p:nvPicPr>
+        <p:blipFill>
+          <a:blip r:embed="rId2"/>
+          <a:stretch>
+            <a:fillRect/>
+          </a:stretch>
+        </p:blipFill>
+        <p:spPr>
+          <a:xfrm>
+            <a:off x="1821398" y="2084139"/>
+            <a:ext cx="8543925" cy="1666875"/>
+          </a:xfrm>
+        </p:spPr>
+      </p:pic>
+      <p:pic>
+        <p:nvPicPr>
+          <p:cNvPr id="5" name="Picture 5" descr="Text&#10;&#10;Description automatically generated">
+            <a:extLst>
+              <a:ext uri="{FF2B5EF4-FFF2-40B4-BE49-F238E27FC236}">
+                <a16:creationId xmlns:a16="http://schemas.microsoft.com/office/drawing/2014/main" id="{2A781267-B5CC-4BB4-822B-55E4FAB2C1D9}"/>
+              </a:ext>
+            </a:extLst>
+          </p:cNvPr>
+          <p:cNvPicPr>
+            <a:picLocks noChangeAspect="1"/>
+          </p:cNvPicPr>
+          <p:nvPr/>
+        </p:nvPicPr>
+        <p:blipFill>
+          <a:blip r:embed="rId3"/>
+          <a:stretch>
+            <a:fillRect/>
+          </a:stretch>
+        </p:blipFill>
+        <p:spPr>
+          <a:xfrm>
+            <a:off x="1531883" y="3958516"/>
+            <a:ext cx="9180786" cy="2015244"/>
+          </a:xfrm>
+          <a:prstGeom prst="rect">
+            <a:avLst/>
+          </a:prstGeom>
+        </p:spPr>
+      </p:pic>
+    </p:spTree>
+    <p:extLst>
+      <p:ext uri="{BB962C8B-B14F-4D97-AF65-F5344CB8AC3E}">
+        <p14:creationId xmlns:p14="http://schemas.microsoft.com/office/powerpoint/2010/main" val="1286566013"/>
+      </p:ext>
+    </p:extLst>
+  </p:cSld>
+  <p:clrMapOvr>
+    <a:masterClrMapping/>
+  </p:clrMapOvr>
+</p:sld>
+</file>
+
+<file path=ppt/slides/slide14.xml><?xml version="1.0" encoding="utf-8"?>
+<p:sld xmlns:a="http://schemas.openxmlformats.org/drawingml/2006/main" xmlns:r="http://schemas.openxmlformats.org/officeDocument/2006/relationships" xmlns:p="http://schemas.openxmlformats.org/presentationml/2006/main">
+  <p:cSld>
+    <p:bg>
+      <p:bgPr>
+        <a:solidFill>
+          <a:schemeClr val="bg1"/>
+        </a:solidFill>
+        <a:effectLst/>
+      </p:bgPr>
+    </p:bg>
+    <p:spTree>
+      <p:nvGrpSpPr>
+        <p:cNvPr id="1" name=""/>
+        <p:cNvGrpSpPr/>
+        <p:nvPr/>
+      </p:nvGrpSpPr>
+      <p:grpSpPr>
+        <a:xfrm>
+          <a:off x="0" y="0"/>
+          <a:ext cx="0" cy="0"/>
+          <a:chOff x="0" y="0"/>
+          <a:chExt cx="0" cy="0"/>
+        </a:xfrm>
+      </p:grpSpPr>
+      <p:sp useBgFill="1">
+        <p:nvSpPr>
+          <p:cNvPr id="6" name="Rectangle 10">
+            <a:extLst>
+              <a:ext uri="{FF2B5EF4-FFF2-40B4-BE49-F238E27FC236}">
+                <a16:creationId xmlns:a16="http://schemas.microsoft.com/office/drawing/2014/main" id="{44CC594A-A820-450F-B363-C19201FCFEC6}"/>
+              </a:ext>
+              <a:ext uri="{C183D7F6-B498-43B3-948B-1728B52AA6E4}">
+                <adec:decorative xmlns:adec="http://schemas.microsoft.com/office/drawing/2017/decorative" val="1"/>
+              </a:ext>
+            </a:extLst>
+          </p:cNvPr>
+          <p:cNvSpPr>
+            <a:spLocks noGrp="1" noRot="1" noChangeAspect="1" noMove="1" noResize="1" noEditPoints="1" noAdjustHandles="1" noChangeArrowheads="1" noChangeShapeType="1" noTextEdit="1"/>
+          </p:cNvSpPr>
+          <p:nvPr>
+            <p:extLst>
+              <p:ext uri="{386F3935-93C4-4BCD-93E2-E3B085C9AB24}">
+                <p16:designElem xmlns:p16="http://schemas.microsoft.com/office/powerpoint/2015/main" val="1"/>
+              </p:ext>
+            </p:extLst>
+          </p:nvPr>
+        </p:nvSpPr>
+        <p:spPr>
+          <a:xfrm>
+            <a:off x="0" y="0"/>
+            <a:ext cx="12186315" cy="6858000"/>
+          </a:xfrm>
+          <a:prstGeom prst="rect">
+            <a:avLst/>
+          </a:prstGeom>
+          <a:ln>
+            <a:noFill/>
+          </a:ln>
+        </p:spPr>
+        <p:style>
+          <a:lnRef idx="2">
+            <a:schemeClr val="accent6">
+              <a:shade val="50000"/>
+            </a:schemeClr>
+          </a:lnRef>
+          <a:fillRef idx="1001">
+            <a:schemeClr val="lt1"/>
+          </a:fillRef>
+          <a:effectRef idx="0">
+            <a:schemeClr val="accent6"/>
+          </a:effectRef>
+          <a:fontRef idx="minor">
+            <a:schemeClr val="lt1"/>
+          </a:fontRef>
+        </p:style>
+        <p:txBody>
+          <a:bodyPr rtlCol="0" anchor="ctr"/>
+          <a:lstStyle/>
+          <a:p>
+            <a:pPr algn="ctr"/>
+            <a:endParaRPr lang="en-US"/>
+          </a:p>
+        </p:txBody>
+      </p:sp>
+      <p:sp>
+        <p:nvSpPr>
+          <p:cNvPr id="7" name="Rectangle 12">
+            <a:extLst>
+              <a:ext uri="{FF2B5EF4-FFF2-40B4-BE49-F238E27FC236}">
+                <a16:creationId xmlns:a16="http://schemas.microsoft.com/office/drawing/2014/main" id="{59FAB3DA-E9ED-4574-ABCC-378BC0FF1BBC}"/>
+              </a:ext>
+              <a:ext uri="{C183D7F6-B498-43B3-948B-1728B52AA6E4}">
+                <adec:decorative xmlns:adec="http://schemas.microsoft.com/office/drawing/2017/decorative" val="1"/>
+              </a:ext>
+            </a:extLst>
+          </p:cNvPr>
+          <p:cNvSpPr>
+            <a:spLocks noGrp="1" noRot="1" noChangeAspect="1" noMove="1" noResize="1" noEditPoints="1" noAdjustHandles="1" noChangeArrowheads="1" noChangeShapeType="1" noTextEdit="1"/>
+          </p:cNvSpPr>
+          <p:nvPr>
+            <p:extLst>
+              <p:ext uri="{386F3935-93C4-4BCD-93E2-E3B085C9AB24}">
+                <p16:designElem xmlns:p16="http://schemas.microsoft.com/office/powerpoint/2015/main" val="1"/>
+              </p:ext>
+            </p:extLst>
+          </p:nvPr>
+        </p:nvSpPr>
+        <p:spPr>
+          <a:xfrm>
+            <a:off x="16" y="0"/>
+            <a:ext cx="4050791" cy="6858000"/>
+          </a:xfrm>
+          <a:prstGeom prst="rect">
+            <a:avLst/>
+          </a:prstGeom>
+          <a:solidFill>
+            <a:schemeClr val="accent2"/>
+          </a:solidFill>
+          <a:ln>
+            <a:noFill/>
+          </a:ln>
+        </p:spPr>
+        <p:style>
+          <a:lnRef idx="2">
+            <a:schemeClr val="accent1">
+              <a:shade val="50000"/>
+            </a:schemeClr>
+          </a:lnRef>
+          <a:fillRef idx="1">
+            <a:schemeClr val="accent1"/>
+          </a:fillRef>
+          <a:effectRef idx="0">
+            <a:schemeClr val="accent1"/>
+          </a:effectRef>
+          <a:fontRef idx="minor">
+            <a:schemeClr val="lt1"/>
+          </a:fontRef>
+        </p:style>
+      </p:sp>
+      <p:sp>
+        <p:nvSpPr>
+          <p:cNvPr id="2" name="Title 1">
+            <a:extLst>
+              <a:ext uri="{FF2B5EF4-FFF2-40B4-BE49-F238E27FC236}">
+                <a16:creationId xmlns:a16="http://schemas.microsoft.com/office/drawing/2014/main" id="{18624427-25B9-4D02-A025-78EBB11258DB}"/>
+              </a:ext>
+            </a:extLst>
+          </p:cNvPr>
+          <p:cNvSpPr>
+            <a:spLocks noGrp="1"/>
+          </p:cNvSpPr>
+          <p:nvPr>
+            <p:ph type="title"/>
+          </p:nvPr>
+        </p:nvSpPr>
+        <p:spPr>
+          <a:xfrm>
+            <a:off x="492370" y="516835"/>
+            <a:ext cx="3084844" cy="2103875"/>
+          </a:xfrm>
+        </p:spPr>
+        <p:txBody>
+          <a:bodyPr>
+            <a:normAutofit/>
+          </a:bodyPr>
+          <a:lstStyle/>
+          <a:p>
+            <a:r>
+              <a:rPr lang="en-US" sz="3600">
+                <a:solidFill>
+                  <a:srgbClr val="FFFFFF"/>
+                </a:solidFill>
+                <a:cs typeface="Calibri Light"/>
+              </a:rPr>
+              <a:t>Most Popular Beer Style</a:t>
+            </a:r>
+            <a:endParaRPr lang="en-US" sz="3600">
+              <a:solidFill>
+                <a:srgbClr val="FFFFFF"/>
+              </a:solidFill>
+            </a:endParaRPr>
+          </a:p>
+        </p:txBody>
+      </p:sp>
+      <p:pic>
+        <p:nvPicPr>
+          <p:cNvPr id="5" name="Content Placeholder 4">
+            <a:extLst>
+              <a:ext uri="{FF2B5EF4-FFF2-40B4-BE49-F238E27FC236}">
+                <a16:creationId xmlns:a16="http://schemas.microsoft.com/office/drawing/2014/main" id="{12C50430-C38F-485E-B214-66B3A4070392}"/>
+              </a:ext>
+            </a:extLst>
+          </p:cNvPr>
+          <p:cNvPicPr>
+            <a:picLocks noGrp="1" noChangeAspect="1"/>
+          </p:cNvPicPr>
+          <p:nvPr>
+            <p:ph sz="quarter" idx="13"/>
+          </p:nvPr>
+        </p:nvPicPr>
+        <p:blipFill>
+          <a:blip r:embed="rId2">
+            <a:extLst>
+              <a:ext uri="{28A0092B-C50C-407E-A947-70E740481C1C}">
+                <a14:useLocalDpi xmlns:a14="http://schemas.microsoft.com/office/drawing/2010/main" val="0"/>
+              </a:ext>
+            </a:extLst>
+          </a:blip>
+          <a:stretch>
+            <a:fillRect/>
+          </a:stretch>
+        </p:blipFill>
+        <p:spPr>
+          <a:xfrm>
+            <a:off x="4249472" y="0"/>
+            <a:ext cx="7738178" cy="6848087"/>
+          </a:xfrm>
+        </p:spPr>
+      </p:pic>
+      <p:sp>
+        <p:nvSpPr>
+          <p:cNvPr id="10" name="Rectangle 14">
+            <a:extLst>
+              <a:ext uri="{FF2B5EF4-FFF2-40B4-BE49-F238E27FC236}">
+                <a16:creationId xmlns:a16="http://schemas.microsoft.com/office/drawing/2014/main" id="{53B8D6B0-55D6-48DC-86D8-FD95D5F118AB}"/>
+              </a:ext>
+              <a:ext uri="{C183D7F6-B498-43B3-948B-1728B52AA6E4}">
+                <adec:decorative xmlns:adec="http://schemas.microsoft.com/office/drawing/2017/decorative" val="1"/>
+              </a:ext>
+            </a:extLst>
+          </p:cNvPr>
+          <p:cNvSpPr>
+            <a:spLocks noGrp="1" noRot="1" noChangeAspect="1" noMove="1" noResize="1" noEditPoints="1" noAdjustHandles="1" noChangeArrowheads="1" noChangeShapeType="1" noTextEdit="1"/>
+          </p:cNvSpPr>
+          <p:nvPr>
+            <p:extLst>
+              <p:ext uri="{386F3935-93C4-4BCD-93E2-E3B085C9AB24}">
+                <p16:designElem xmlns:p16="http://schemas.microsoft.com/office/powerpoint/2015/main" val="1"/>
+              </p:ext>
+            </p:extLst>
+          </p:nvPr>
+        </p:nvSpPr>
+        <p:spPr>
+          <a:xfrm>
+            <a:off x="4040071" y="0"/>
+            <a:ext cx="64008" cy="6858000"/>
+          </a:xfrm>
+          <a:prstGeom prst="rect">
+            <a:avLst/>
+          </a:prstGeom>
+          <a:solidFill>
+            <a:schemeClr val="accent1"/>
+          </a:solidFill>
+          <a:ln>
+            <a:noFill/>
+          </a:ln>
+        </p:spPr>
+        <p:style>
+          <a:lnRef idx="2">
+            <a:schemeClr val="accent1">
+              <a:shade val="50000"/>
+            </a:schemeClr>
+          </a:lnRef>
+          <a:fillRef idx="1">
+            <a:schemeClr val="accent1"/>
+          </a:fillRef>
+          <a:effectRef idx="0">
+            <a:schemeClr val="accent1"/>
+          </a:effectRef>
+          <a:fontRef idx="minor">
+            <a:schemeClr val="lt1"/>
+          </a:fontRef>
+        </p:style>
+      </p:sp>
+    </p:spTree>
+    <p:extLst>
+      <p:ext uri="{BB962C8B-B14F-4D97-AF65-F5344CB8AC3E}">
+        <p14:creationId xmlns:p14="http://schemas.microsoft.com/office/powerpoint/2010/main" val="322538831"/>
       </p:ext>
     </p:extLst>
   </p:cSld>
@@ -10139,7 +9871,7 @@
       </p:grpSpPr>
       <p:sp useBgFill="1">
         <p:nvSpPr>
-          <p:cNvPr id="28" name="Rectangle 27">
+          <p:cNvPr id="12" name="Rectangle 11">
             <a:extLst>
               <a:ext uri="{FF2B5EF4-FFF2-40B4-BE49-F238E27FC236}">
                 <a16:creationId xmlns:a16="http://schemas.microsoft.com/office/drawing/2014/main" id="{44CC594A-A820-450F-B363-C19201FCFEC6}"/>
@@ -10199,7 +9931,7 @@
       </p:sp>
       <p:sp>
         <p:nvSpPr>
-          <p:cNvPr id="30" name="Rectangle 29">
+          <p:cNvPr id="14" name="Rectangle 13">
             <a:extLst>
               <a:ext uri="{FF2B5EF4-FFF2-40B4-BE49-F238E27FC236}">
                 <a16:creationId xmlns:a16="http://schemas.microsoft.com/office/drawing/2014/main" id="{59FAB3DA-E9ED-4574-ABCC-378BC0FF1BBC}"/>
@@ -10257,7 +9989,7 @@
           <p:cNvPr id="2" name="Title 1">
             <a:extLst>
               <a:ext uri="{FF2B5EF4-FFF2-40B4-BE49-F238E27FC236}">
-                <a16:creationId xmlns:a16="http://schemas.microsoft.com/office/drawing/2014/main" id="{A483CD7E-BB5C-474C-B839-5DC33C934764}"/>
+                <a16:creationId xmlns:a16="http://schemas.microsoft.com/office/drawing/2014/main" id="{E5A59AB6-A960-473B-BC81-388F86251294}"/>
               </a:ext>
             </a:extLst>
           </p:cNvPr>
@@ -10275,7 +10007,7 @@
           </a:xfrm>
         </p:spPr>
         <p:txBody>
-          <a:bodyPr vert="horz" lIns="91440" tIns="45720" rIns="91440" bIns="45720" rtlCol="0">
+          <a:bodyPr>
             <a:normAutofit/>
           </a:bodyPr>
           <a:lstStyle/>
@@ -10285,18 +10017,19 @@
                 <a:solidFill>
                   <a:srgbClr val="FFFFFF"/>
                 </a:solidFill>
+                <a:cs typeface="Calibri Light"/>
               </a:rPr>
-              <a:t>Breweries by State</a:t>
+              <a:t>Beer Styles with the Highest ABV</a:t>
             </a:r>
           </a:p>
         </p:txBody>
       </p:sp>
       <p:sp>
         <p:nvSpPr>
-          <p:cNvPr id="25" name="Content Placeholder 24">
+          <p:cNvPr id="9" name="Content Placeholder 8">
             <a:extLst>
               <a:ext uri="{FF2B5EF4-FFF2-40B4-BE49-F238E27FC236}">
-                <a16:creationId xmlns:a16="http://schemas.microsoft.com/office/drawing/2014/main" id="{4FBB1267-6734-46C7-9721-BBBB879F799A}"/>
+                <a16:creationId xmlns:a16="http://schemas.microsoft.com/office/drawing/2014/main" id="{8A01A388-71F1-45C5-90B2-0078BC23B92E}"/>
               </a:ext>
             </a:extLst>
           </p:cNvPr>
@@ -10329,7 +10062,7 @@
       </p:sp>
       <p:sp>
         <p:nvSpPr>
-          <p:cNvPr id="32" name="Rectangle 31">
+          <p:cNvPr id="16" name="Rectangle 15">
             <a:extLst>
               <a:ext uri="{FF2B5EF4-FFF2-40B4-BE49-F238E27FC236}">
                 <a16:creationId xmlns:a16="http://schemas.microsoft.com/office/drawing/2014/main" id="{53B8D6B0-55D6-48DC-86D8-FD95D5F118AB}"/>
@@ -10384,10 +10117,10 @@
       </p:sp>
       <p:pic>
         <p:nvPicPr>
-          <p:cNvPr id="4" name="Picture 4" descr="A picture containing chart&#10;&#10;Description automatically generated">
+          <p:cNvPr id="5" name="Content Placeholder 4">
             <a:extLst>
               <a:ext uri="{FF2B5EF4-FFF2-40B4-BE49-F238E27FC236}">
-                <a16:creationId xmlns:a16="http://schemas.microsoft.com/office/drawing/2014/main" id="{769CB3FA-FC2C-46BE-B56A-F29B16AD3910}"/>
+                <a16:creationId xmlns:a16="http://schemas.microsoft.com/office/drawing/2014/main" id="{30D4BCBF-5B74-4265-9045-6490829979E7}"/>
               </a:ext>
             </a:extLst>
           </p:cNvPr>
@@ -10397,15 +10130,21 @@
           <p:nvPr/>
         </p:nvPicPr>
         <p:blipFill>
-          <a:blip r:embed="rId2"/>
+          <a:blip r:embed="rId2">
+            <a:extLst>
+              <a:ext uri="{28A0092B-C50C-407E-A947-70E740481C1C}">
+                <a14:useLocalDpi xmlns:a14="http://schemas.microsoft.com/office/drawing/2010/main" val="0"/>
+              </a:ext>
+            </a:extLst>
+          </a:blip>
           <a:stretch>
             <a:fillRect/>
           </a:stretch>
         </p:blipFill>
         <p:spPr>
           <a:xfrm>
-            <a:off x="5257290" y="-3678"/>
-            <a:ext cx="5833225" cy="6865356"/>
+            <a:off x="4493651" y="155171"/>
+            <a:ext cx="7271722" cy="6582294"/>
           </a:xfrm>
           <a:prstGeom prst="rect">
             <a:avLst/>
@@ -10415,7 +10154,7 @@
     </p:spTree>
     <p:extLst>
       <p:ext uri="{BB962C8B-B14F-4D97-AF65-F5344CB8AC3E}">
-        <p14:creationId xmlns:p14="http://schemas.microsoft.com/office/powerpoint/2010/main" val="2186860319"/>
+        <p14:creationId xmlns:p14="http://schemas.microsoft.com/office/powerpoint/2010/main" val="2760880453"/>
       </p:ext>
     </p:extLst>
   </p:cSld>
@@ -10428,6 +10167,14 @@
 <file path=ppt/slides/slide16.xml><?xml version="1.0" encoding="utf-8"?>
 <p:sld xmlns:a="http://schemas.openxmlformats.org/drawingml/2006/main" xmlns:r="http://schemas.openxmlformats.org/officeDocument/2006/relationships" xmlns:p="http://schemas.openxmlformats.org/presentationml/2006/main">
   <p:cSld>
+    <p:bg>
+      <p:bgPr>
+        <a:solidFill>
+          <a:schemeClr val="bg1"/>
+        </a:solidFill>
+        <a:effectLst/>
+      </p:bgPr>
+    </p:bg>
     <p:spTree>
       <p:nvGrpSpPr>
         <p:cNvPr id="1" name=""/>
@@ -10444,10 +10191,235 @@
       </p:grpSpPr>
       <p:sp>
         <p:nvSpPr>
+          <p:cNvPr id="11" name="Rectangle 10">
+            <a:extLst>
+              <a:ext uri="{FF2B5EF4-FFF2-40B4-BE49-F238E27FC236}">
+                <a16:creationId xmlns:a16="http://schemas.microsoft.com/office/drawing/2014/main" id="{4E4490D0-3672-446A-AC12-B4830333BDDD}"/>
+              </a:ext>
+              <a:ext uri="{C183D7F6-B498-43B3-948B-1728B52AA6E4}">
+                <adec:decorative xmlns:adec="http://schemas.microsoft.com/office/drawing/2017/decorative" val="1"/>
+              </a:ext>
+            </a:extLst>
+          </p:cNvPr>
+          <p:cNvSpPr>
+            <a:spLocks noGrp="1" noRot="1" noChangeAspect="1" noMove="1" noResize="1" noEditPoints="1" noAdjustHandles="1" noChangeArrowheads="1" noChangeShapeType="1" noTextEdit="1"/>
+          </p:cNvSpPr>
+          <p:nvPr>
+            <p:extLst>
+              <p:ext uri="{386F3935-93C4-4BCD-93E2-E3B085C9AB24}">
+                <p16:designElem xmlns:p16="http://schemas.microsoft.com/office/powerpoint/2015/main" val="1"/>
+              </p:ext>
+            </p:extLst>
+          </p:nvPr>
+        </p:nvSpPr>
+        <p:spPr>
+          <a:xfrm>
+            <a:off x="3175" y="6400800"/>
+            <a:ext cx="12188825" cy="457200"/>
+          </a:xfrm>
+          <a:prstGeom prst="rect">
+            <a:avLst/>
+          </a:prstGeom>
+          <a:solidFill>
+            <a:schemeClr val="accent2"/>
+          </a:solidFill>
+          <a:ln>
+            <a:noFill/>
+          </a:ln>
+        </p:spPr>
+        <p:style>
+          <a:lnRef idx="2">
+            <a:schemeClr val="accent1">
+              <a:shade val="50000"/>
+            </a:schemeClr>
+          </a:lnRef>
+          <a:fillRef idx="1">
+            <a:schemeClr val="accent1"/>
+          </a:fillRef>
+          <a:effectRef idx="0">
+            <a:schemeClr val="accent1"/>
+          </a:effectRef>
+          <a:fontRef idx="minor">
+            <a:schemeClr val="lt1"/>
+          </a:fontRef>
+        </p:style>
+      </p:sp>
+      <p:sp>
+        <p:nvSpPr>
+          <p:cNvPr id="13" name="Rectangle 12">
+            <a:extLst>
+              <a:ext uri="{FF2B5EF4-FFF2-40B4-BE49-F238E27FC236}">
+                <a16:creationId xmlns:a16="http://schemas.microsoft.com/office/drawing/2014/main" id="{39CB82C2-DF65-4EC1-8280-F201D50F570B}"/>
+              </a:ext>
+              <a:ext uri="{C183D7F6-B498-43B3-948B-1728B52AA6E4}">
+                <adec:decorative xmlns:adec="http://schemas.microsoft.com/office/drawing/2017/decorative" val="1"/>
+              </a:ext>
+            </a:extLst>
+          </p:cNvPr>
+          <p:cNvSpPr>
+            <a:spLocks noGrp="1" noRot="1" noChangeAspect="1" noMove="1" noResize="1" noEditPoints="1" noAdjustHandles="1" noChangeArrowheads="1" noChangeShapeType="1" noTextEdit="1"/>
+          </p:cNvSpPr>
+          <p:nvPr>
+            <p:extLst>
+              <p:ext uri="{386F3935-93C4-4BCD-93E2-E3B085C9AB24}">
+                <p16:designElem xmlns:p16="http://schemas.microsoft.com/office/powerpoint/2015/main" val="1"/>
+              </p:ext>
+            </p:extLst>
+          </p:nvPr>
+        </p:nvSpPr>
+        <p:spPr>
+          <a:xfrm>
+            <a:off x="15" y="6334316"/>
+            <a:ext cx="12188825" cy="64008"/>
+          </a:xfrm>
+          <a:prstGeom prst="rect">
+            <a:avLst/>
+          </a:prstGeom>
+          <a:solidFill>
+            <a:schemeClr val="accent1"/>
+          </a:solidFill>
+          <a:ln>
+            <a:noFill/>
+          </a:ln>
+        </p:spPr>
+        <p:style>
+          <a:lnRef idx="2">
+            <a:schemeClr val="accent1">
+              <a:shade val="50000"/>
+            </a:schemeClr>
+          </a:lnRef>
+          <a:fillRef idx="1">
+            <a:schemeClr val="accent1"/>
+          </a:fillRef>
+          <a:effectRef idx="0">
+            <a:schemeClr val="accent1"/>
+          </a:effectRef>
+          <a:fontRef idx="minor">
+            <a:schemeClr val="lt1"/>
+          </a:fontRef>
+        </p:style>
+      </p:sp>
+      <p:cxnSp>
+        <p:nvCxnSpPr>
+          <p:cNvPr id="15" name="Straight Connector 14">
+            <a:extLst>
+              <a:ext uri="{FF2B5EF4-FFF2-40B4-BE49-F238E27FC236}">
+                <a16:creationId xmlns:a16="http://schemas.microsoft.com/office/drawing/2014/main" id="{7E1D4427-852B-4B37-8E76-0E9F1810BA2A}"/>
+              </a:ext>
+              <a:ext uri="{C183D7F6-B498-43B3-948B-1728B52AA6E4}">
+                <adec:decorative xmlns:adec="http://schemas.microsoft.com/office/drawing/2017/decorative" val="1"/>
+              </a:ext>
+            </a:extLst>
+          </p:cNvPr>
+          <p:cNvCxnSpPr>
+            <a:cxnSpLocks noGrp="1" noRot="1" noChangeAspect="1" noMove="1" noResize="1" noEditPoints="1" noAdjustHandles="1" noChangeArrowheads="1" noChangeShapeType="1"/>
+          </p:cNvCxnSpPr>
+          <p:nvPr>
+            <p:extLst>
+              <p:ext uri="{386F3935-93C4-4BCD-93E2-E3B085C9AB24}">
+                <p16:designElem xmlns:p16="http://schemas.microsoft.com/office/powerpoint/2015/main" val="1"/>
+              </p:ext>
+            </p:extLst>
+          </p:nvPr>
+        </p:nvCxnSpPr>
+        <p:spPr>
+          <a:xfrm>
+            <a:off x="1207658" y="4343400"/>
+            <a:ext cx="9875520" cy="0"/>
+          </a:xfrm>
+          <a:prstGeom prst="line">
+            <a:avLst/>
+          </a:prstGeom>
+          <a:ln w="6350">
+            <a:solidFill>
+              <a:schemeClr val="tx1">
+                <a:lumMod val="50000"/>
+                <a:lumOff val="50000"/>
+              </a:schemeClr>
+            </a:solidFill>
+          </a:ln>
+        </p:spPr>
+        <p:style>
+          <a:lnRef idx="1">
+            <a:schemeClr val="accent1"/>
+          </a:lnRef>
+          <a:fillRef idx="0">
+            <a:schemeClr val="accent1"/>
+          </a:fillRef>
+          <a:effectRef idx="0">
+            <a:schemeClr val="accent1"/>
+          </a:effectRef>
+          <a:fontRef idx="minor">
+            <a:schemeClr val="tx1"/>
+          </a:fontRef>
+        </p:style>
+      </p:cxnSp>
+      <p:sp useBgFill="1">
+        <p:nvSpPr>
+          <p:cNvPr id="17" name="Rectangle 16">
+            <a:extLst>
+              <a:ext uri="{FF2B5EF4-FFF2-40B4-BE49-F238E27FC236}">
+                <a16:creationId xmlns:a16="http://schemas.microsoft.com/office/drawing/2014/main" id="{9971ECC5-51D9-4E70-89C1-3DCF3A3725B1}"/>
+              </a:ext>
+              <a:ext uri="{C183D7F6-B498-43B3-948B-1728B52AA6E4}">
+                <adec:decorative xmlns:adec="http://schemas.microsoft.com/office/drawing/2017/decorative" val="1"/>
+              </a:ext>
+            </a:extLst>
+          </p:cNvPr>
+          <p:cNvSpPr>
+            <a:spLocks noGrp="1" noRot="1" noChangeAspect="1" noMove="1" noResize="1" noEditPoints="1" noAdjustHandles="1" noChangeArrowheads="1" noChangeShapeType="1" noTextEdit="1"/>
+          </p:cNvSpPr>
+          <p:nvPr>
+            <p:extLst>
+              <p:ext uri="{386F3935-93C4-4BCD-93E2-E3B085C9AB24}">
+                <p16:designElem xmlns:p16="http://schemas.microsoft.com/office/powerpoint/2015/main" val="1"/>
+              </p:ext>
+            </p:extLst>
+          </p:nvPr>
+        </p:nvSpPr>
+        <p:spPr>
+          <a:xfrm>
+            <a:off x="0" y="0"/>
+            <a:ext cx="12192001" cy="6334316"/>
+          </a:xfrm>
+          <a:prstGeom prst="rect">
+            <a:avLst/>
+          </a:prstGeom>
+          <a:ln>
+            <a:noFill/>
+          </a:ln>
+        </p:spPr>
+        <p:style>
+          <a:lnRef idx="2">
+            <a:schemeClr val="accent1">
+              <a:shade val="50000"/>
+            </a:schemeClr>
+          </a:lnRef>
+          <a:fillRef idx="1">
+            <a:schemeClr val="accent1"/>
+          </a:fillRef>
+          <a:effectRef idx="0">
+            <a:schemeClr val="accent1"/>
+          </a:effectRef>
+          <a:fontRef idx="minor">
+            <a:schemeClr val="lt1"/>
+          </a:fontRef>
+        </p:style>
+        <p:txBody>
+          <a:bodyPr rtlCol="0" anchor="ctr"/>
+          <a:lstStyle/>
+          <a:p>
+            <a:pPr algn="ctr"/>
+            <a:endParaRPr lang="en-US"/>
+          </a:p>
+        </p:txBody>
+      </p:sp>
+      <p:sp>
+        <p:nvSpPr>
           <p:cNvPr id="2" name="Title 1">
             <a:extLst>
               <a:ext uri="{FF2B5EF4-FFF2-40B4-BE49-F238E27FC236}">
-                <a16:creationId xmlns:a16="http://schemas.microsoft.com/office/drawing/2014/main" id="{D35FDEBC-112B-4EB9-83E5-B7FC3C095F79}"/>
+                <a16:creationId xmlns:a16="http://schemas.microsoft.com/office/drawing/2014/main" id="{39739E21-08A7-4214-9BC9-8F27854D7FD1}"/>
               </a:ext>
             </a:extLst>
           </p:cNvPr>
@@ -10458,27 +10430,39 @@
             <p:ph type="title"/>
           </p:nvPr>
         </p:nvSpPr>
-        <p:spPr/>
+        <p:spPr>
+          <a:xfrm>
+            <a:off x="638423" y="3766457"/>
+            <a:ext cx="10909073" cy="1654629"/>
+          </a:xfrm>
+        </p:spPr>
         <p:txBody>
-          <a:bodyPr/>
+          <a:bodyPr vert="horz" lIns="91440" tIns="45720" rIns="91440" bIns="45720" rtlCol="0" anchor="b">
+            <a:normAutofit/>
+          </a:bodyPr>
           <a:lstStyle/>
           <a:p>
+            <a:pPr algn="ctr"/>
             <a:r>
-              <a:rPr lang="en-US">
-                <a:cs typeface="Calibri Light"/>
+              <a:rPr lang="en-US" sz="6000">
+                <a:solidFill>
+                  <a:schemeClr val="tx1">
+                    <a:lumMod val="85000"/>
+                    <a:lumOff val="15000"/>
+                  </a:schemeClr>
+                </a:solidFill>
               </a:rPr>
-              <a:t>Most Popular Beer Style using matplotlib</a:t>
+              <a:t>Don't forget to close the connection!</a:t>
             </a:r>
-            <a:endParaRPr lang="en-US"/>
           </a:p>
         </p:txBody>
       </p:sp>
       <p:pic>
         <p:nvPicPr>
-          <p:cNvPr id="4" name="Picture 4" descr="Graphical user interface, text, application&#10;&#10;Description automatically generated">
+          <p:cNvPr id="6" name="Picture 6" descr="Graphical user interface, text, application&#10;&#10;Description automatically generated">
             <a:extLst>
               <a:ext uri="{FF2B5EF4-FFF2-40B4-BE49-F238E27FC236}">
-                <a16:creationId xmlns:a16="http://schemas.microsoft.com/office/drawing/2014/main" id="{DF0A036C-845B-498D-B232-A70A226E03BD}"/>
+                <a16:creationId xmlns:a16="http://schemas.microsoft.com/office/drawing/2014/main" id="{85CCC127-8459-4EBE-99FC-23F7B07B1DAA}"/>
               </a:ext>
             </a:extLst>
           </p:cNvPr>
@@ -10497,45 +10481,182 @@
         </p:blipFill>
         <p:spPr>
           <a:xfrm>
-            <a:off x="1821398" y="2084139"/>
-            <a:ext cx="8543925" cy="1666875"/>
-          </a:xfrm>
-        </p:spPr>
-      </p:pic>
-      <p:pic>
-        <p:nvPicPr>
-          <p:cNvPr id="5" name="Picture 5" descr="Text&#10;&#10;Description automatically generated">
-            <a:extLst>
-              <a:ext uri="{FF2B5EF4-FFF2-40B4-BE49-F238E27FC236}">
-                <a16:creationId xmlns:a16="http://schemas.microsoft.com/office/drawing/2014/main" id="{2A781267-B5CC-4BB4-822B-55E4FAB2C1D9}"/>
-              </a:ext>
-            </a:extLst>
-          </p:cNvPr>
-          <p:cNvPicPr>
-            <a:picLocks noChangeAspect="1"/>
-          </p:cNvPicPr>
-          <p:nvPr/>
-        </p:nvPicPr>
-        <p:blipFill>
-          <a:blip r:embed="rId3"/>
-          <a:stretch>
-            <a:fillRect/>
-          </a:stretch>
-        </p:blipFill>
-        <p:spPr>
-          <a:xfrm>
-            <a:off x="1531883" y="3958516"/>
-            <a:ext cx="9180786" cy="2015244"/>
+            <a:off x="1315363" y="932016"/>
+            <a:ext cx="9548609" cy="2506511"/>
           </a:xfrm>
           <a:prstGeom prst="rect">
             <a:avLst/>
           </a:prstGeom>
         </p:spPr>
       </p:pic>
+      <p:cxnSp>
+        <p:nvCxnSpPr>
+          <p:cNvPr id="19" name="Straight Connector 18">
+            <a:extLst>
+              <a:ext uri="{FF2B5EF4-FFF2-40B4-BE49-F238E27FC236}">
+                <a16:creationId xmlns:a16="http://schemas.microsoft.com/office/drawing/2014/main" id="{432529AB-8F99-47FB-91B5-93565E543B50}"/>
+              </a:ext>
+              <a:ext uri="{C183D7F6-B498-43B3-948B-1728B52AA6E4}">
+                <adec:decorative xmlns:adec="http://schemas.microsoft.com/office/drawing/2017/decorative" val="1"/>
+              </a:ext>
+            </a:extLst>
+          </p:cNvPr>
+          <p:cNvCxnSpPr>
+            <a:cxnSpLocks noGrp="1" noRot="1" noChangeAspect="1" noMove="1" noResize="1" noEditPoints="1" noAdjustHandles="1" noChangeArrowheads="1" noChangeShapeType="1"/>
+          </p:cNvCxnSpPr>
+          <p:nvPr>
+            <p:extLst>
+              <p:ext uri="{386F3935-93C4-4BCD-93E2-E3B085C9AB24}">
+                <p16:designElem xmlns:p16="http://schemas.microsoft.com/office/powerpoint/2015/main" val="1"/>
+              </p:ext>
+            </p:extLst>
+          </p:nvPr>
+        </p:nvCxnSpPr>
+        <p:spPr>
+          <a:xfrm>
+            <a:off x="835159" y="5433708"/>
+            <a:ext cx="10515600" cy="0"/>
+          </a:xfrm>
+          <a:prstGeom prst="line">
+            <a:avLst/>
+          </a:prstGeom>
+          <a:ln w="6350">
+            <a:solidFill>
+              <a:schemeClr val="tx2">
+                <a:alpha val="90000"/>
+              </a:schemeClr>
+            </a:solidFill>
+          </a:ln>
+        </p:spPr>
+        <p:style>
+          <a:lnRef idx="1">
+            <a:schemeClr val="accent1"/>
+          </a:lnRef>
+          <a:fillRef idx="0">
+            <a:schemeClr val="accent1"/>
+          </a:fillRef>
+          <a:effectRef idx="0">
+            <a:schemeClr val="accent1"/>
+          </a:effectRef>
+          <a:fontRef idx="minor">
+            <a:schemeClr val="tx1"/>
+          </a:fontRef>
+        </p:style>
+      </p:cxnSp>
+      <p:sp>
+        <p:nvSpPr>
+          <p:cNvPr id="21" name="Rectangle 20">
+            <a:extLst>
+              <a:ext uri="{FF2B5EF4-FFF2-40B4-BE49-F238E27FC236}">
+                <a16:creationId xmlns:a16="http://schemas.microsoft.com/office/drawing/2014/main" id="{7E11F890-74C3-40C9-9A8B-A80E38704358}"/>
+              </a:ext>
+              <a:ext uri="{C183D7F6-B498-43B3-948B-1728B52AA6E4}">
+                <adec:decorative xmlns:adec="http://schemas.microsoft.com/office/drawing/2017/decorative" val="1"/>
+              </a:ext>
+            </a:extLst>
+          </p:cNvPr>
+          <p:cNvSpPr>
+            <a:spLocks noGrp="1" noRot="1" noChangeAspect="1" noMove="1" noResize="1" noEditPoints="1" noAdjustHandles="1" noChangeArrowheads="1" noChangeShapeType="1" noTextEdit="1"/>
+          </p:cNvSpPr>
+          <p:nvPr>
+            <p:extLst>
+              <p:ext uri="{386F3935-93C4-4BCD-93E2-E3B085C9AB24}">
+                <p16:designElem xmlns:p16="http://schemas.microsoft.com/office/powerpoint/2015/main" val="1"/>
+              </p:ext>
+            </p:extLst>
+          </p:nvPr>
+        </p:nvSpPr>
+        <p:spPr>
+          <a:xfrm>
+            <a:off x="15" y="6334316"/>
+            <a:ext cx="12191985" cy="66484"/>
+          </a:xfrm>
+          <a:prstGeom prst="rect">
+            <a:avLst/>
+          </a:prstGeom>
+          <a:solidFill>
+            <a:schemeClr val="accent1"/>
+          </a:solidFill>
+          <a:ln>
+            <a:noFill/>
+          </a:ln>
+        </p:spPr>
+        <p:style>
+          <a:lnRef idx="2">
+            <a:schemeClr val="accent1">
+              <a:shade val="50000"/>
+            </a:schemeClr>
+          </a:lnRef>
+          <a:fillRef idx="1">
+            <a:schemeClr val="accent1"/>
+          </a:fillRef>
+          <a:effectRef idx="0">
+            <a:schemeClr val="accent1"/>
+          </a:effectRef>
+          <a:fontRef idx="minor">
+            <a:schemeClr val="lt1"/>
+          </a:fontRef>
+        </p:style>
+      </p:sp>
+      <p:sp>
+        <p:nvSpPr>
+          <p:cNvPr id="23" name="Rectangle 22">
+            <a:extLst>
+              <a:ext uri="{FF2B5EF4-FFF2-40B4-BE49-F238E27FC236}">
+                <a16:creationId xmlns:a16="http://schemas.microsoft.com/office/drawing/2014/main" id="{27874070-078A-470B-9C8C-BD1BCB55A005}"/>
+              </a:ext>
+              <a:ext uri="{C183D7F6-B498-43B3-948B-1728B52AA6E4}">
+                <adec:decorative xmlns:adec="http://schemas.microsoft.com/office/drawing/2017/decorative" val="1"/>
+              </a:ext>
+            </a:extLst>
+          </p:cNvPr>
+          <p:cNvSpPr>
+            <a:spLocks noGrp="1" noRot="1" noChangeAspect="1" noMove="1" noResize="1" noEditPoints="1" noAdjustHandles="1" noChangeArrowheads="1" noChangeShapeType="1" noTextEdit="1"/>
+          </p:cNvSpPr>
+          <p:nvPr>
+            <p:extLst>
+              <p:ext uri="{386F3935-93C4-4BCD-93E2-E3B085C9AB24}">
+                <p16:designElem xmlns:p16="http://schemas.microsoft.com/office/powerpoint/2015/main" val="1"/>
+              </p:ext>
+            </p:extLst>
+          </p:nvPr>
+        </p:nvSpPr>
+        <p:spPr>
+          <a:xfrm>
+            <a:off x="1" y="6400800"/>
+            <a:ext cx="12192000" cy="457200"/>
+          </a:xfrm>
+          <a:prstGeom prst="rect">
+            <a:avLst/>
+          </a:prstGeom>
+          <a:solidFill>
+            <a:schemeClr val="accent2"/>
+          </a:solidFill>
+          <a:ln>
+            <a:noFill/>
+          </a:ln>
+        </p:spPr>
+        <p:style>
+          <a:lnRef idx="2">
+            <a:schemeClr val="accent1">
+              <a:shade val="50000"/>
+            </a:schemeClr>
+          </a:lnRef>
+          <a:fillRef idx="1">
+            <a:schemeClr val="accent1"/>
+          </a:fillRef>
+          <a:effectRef idx="0">
+            <a:schemeClr val="accent1"/>
+          </a:effectRef>
+          <a:fontRef idx="minor">
+            <a:schemeClr val="lt1"/>
+          </a:fontRef>
+        </p:style>
+      </p:sp>
     </p:spTree>
     <p:extLst>
       <p:ext uri="{BB962C8B-B14F-4D97-AF65-F5344CB8AC3E}">
-        <p14:creationId xmlns:p14="http://schemas.microsoft.com/office/powerpoint/2010/main" val="1286566013"/>
+        <p14:creationId xmlns:p14="http://schemas.microsoft.com/office/powerpoint/2010/main" val="2753587061"/>
       </p:ext>
     </p:extLst>
   </p:cSld>
@@ -10570,12 +10691,12 @@
           <a:chExt cx="0" cy="0"/>
         </a:xfrm>
       </p:grpSpPr>
-      <p:sp useBgFill="1">
-        <p:nvSpPr>
-          <p:cNvPr id="6" name="Rectangle 10">
+      <p:sp>
+        <p:nvSpPr>
+          <p:cNvPr id="22" name="Rectangle 21">
             <a:extLst>
               <a:ext uri="{FF2B5EF4-FFF2-40B4-BE49-F238E27FC236}">
-                <a16:creationId xmlns:a16="http://schemas.microsoft.com/office/drawing/2014/main" id="{44CC594A-A820-450F-B363-C19201FCFEC6}"/>
+                <a16:creationId xmlns:a16="http://schemas.microsoft.com/office/drawing/2014/main" id="{25C8D2C1-DA83-420D-9635-D52CE066B5DA}"/>
               </a:ext>
               <a:ext uri="{C183D7F6-B498-43B3-948B-1728B52AA6E4}">
                 <adec:decorative xmlns:adec="http://schemas.microsoft.com/office/drawing/2017/decorative" val="1"/>
@@ -10595,68 +10716,8 @@
         </p:nvSpPr>
         <p:spPr>
           <a:xfrm>
-            <a:off x="0" y="0"/>
-            <a:ext cx="12186315" cy="6858000"/>
-          </a:xfrm>
-          <a:prstGeom prst="rect">
-            <a:avLst/>
-          </a:prstGeom>
-          <a:ln>
-            <a:noFill/>
-          </a:ln>
-        </p:spPr>
-        <p:style>
-          <a:lnRef idx="2">
-            <a:schemeClr val="accent6">
-              <a:shade val="50000"/>
-            </a:schemeClr>
-          </a:lnRef>
-          <a:fillRef idx="1001">
-            <a:schemeClr val="lt1"/>
-          </a:fillRef>
-          <a:effectRef idx="0">
-            <a:schemeClr val="accent6"/>
-          </a:effectRef>
-          <a:fontRef idx="minor">
-            <a:schemeClr val="lt1"/>
-          </a:fontRef>
-        </p:style>
-        <p:txBody>
-          <a:bodyPr rtlCol="0" anchor="ctr"/>
-          <a:lstStyle/>
-          <a:p>
-            <a:pPr algn="ctr"/>
-            <a:endParaRPr lang="en-US"/>
-          </a:p>
-        </p:txBody>
-      </p:sp>
-      <p:sp>
-        <p:nvSpPr>
-          <p:cNvPr id="7" name="Rectangle 12">
-            <a:extLst>
-              <a:ext uri="{FF2B5EF4-FFF2-40B4-BE49-F238E27FC236}">
-                <a16:creationId xmlns:a16="http://schemas.microsoft.com/office/drawing/2014/main" id="{59FAB3DA-E9ED-4574-ABCC-378BC0FF1BBC}"/>
-              </a:ext>
-              <a:ext uri="{C183D7F6-B498-43B3-948B-1728B52AA6E4}">
-                <adec:decorative xmlns:adec="http://schemas.microsoft.com/office/drawing/2017/decorative" val="1"/>
-              </a:ext>
-            </a:extLst>
-          </p:cNvPr>
-          <p:cNvSpPr>
-            <a:spLocks noGrp="1" noRot="1" noChangeAspect="1" noMove="1" noResize="1" noEditPoints="1" noAdjustHandles="1" noChangeArrowheads="1" noChangeShapeType="1" noTextEdit="1"/>
-          </p:cNvSpPr>
-          <p:nvPr>
-            <p:extLst>
-              <p:ext uri="{386F3935-93C4-4BCD-93E2-E3B085C9AB24}">
-                <p16:designElem xmlns:p16="http://schemas.microsoft.com/office/powerpoint/2015/main" val="1"/>
-              </p:ext>
-            </p:extLst>
-          </p:nvPr>
-        </p:nvSpPr>
-        <p:spPr>
-          <a:xfrm>
-            <a:off x="16" y="0"/>
-            <a:ext cx="4050791" cy="6858000"/>
+            <a:off x="3175" y="6400800"/>
+            <a:ext cx="12188825" cy="457200"/>
           </a:xfrm>
           <a:prstGeom prst="rect">
             <a:avLst/>
@@ -10687,91 +10748,10 @@
       </p:sp>
       <p:sp>
         <p:nvSpPr>
-          <p:cNvPr id="2" name="Title 1">
+          <p:cNvPr id="24" name="Rectangle 23">
             <a:extLst>
               <a:ext uri="{FF2B5EF4-FFF2-40B4-BE49-F238E27FC236}">
-                <a16:creationId xmlns:a16="http://schemas.microsoft.com/office/drawing/2014/main" id="{18624427-25B9-4D02-A025-78EBB11258DB}"/>
-              </a:ext>
-            </a:extLst>
-          </p:cNvPr>
-          <p:cNvSpPr>
-            <a:spLocks noGrp="1"/>
-          </p:cNvSpPr>
-          <p:nvPr>
-            <p:ph type="title"/>
-          </p:nvPr>
-        </p:nvSpPr>
-        <p:spPr>
-          <a:xfrm>
-            <a:off x="492370" y="516835"/>
-            <a:ext cx="3084844" cy="2103875"/>
-          </a:xfrm>
-        </p:spPr>
-        <p:txBody>
-          <a:bodyPr>
-            <a:normAutofit/>
-          </a:bodyPr>
-          <a:lstStyle/>
-          <a:p>
-            <a:r>
-              <a:rPr lang="en-US" sz="3600">
-                <a:solidFill>
-                  <a:srgbClr val="FFFFFF"/>
-                </a:solidFill>
-                <a:cs typeface="Calibri Light"/>
-              </a:rPr>
-              <a:t>Most Popular Beer Style</a:t>
-            </a:r>
-            <a:endParaRPr lang="en-US" sz="3600">
-              <a:solidFill>
-                <a:srgbClr val="FFFFFF"/>
-              </a:solidFill>
-            </a:endParaRPr>
-          </a:p>
-        </p:txBody>
-      </p:sp>
-      <p:sp>
-        <p:nvSpPr>
-          <p:cNvPr id="8" name="Content Placeholder 7">
-            <a:extLst>
-              <a:ext uri="{FF2B5EF4-FFF2-40B4-BE49-F238E27FC236}">
-                <a16:creationId xmlns:a16="http://schemas.microsoft.com/office/drawing/2014/main" id="{5AF529A6-9C9C-4D58-AB95-57A9C704E09D}"/>
-              </a:ext>
-            </a:extLst>
-          </p:cNvPr>
-          <p:cNvSpPr>
-            <a:spLocks noGrp="1"/>
-          </p:cNvSpPr>
-          <p:nvPr>
-            <p:ph sz="quarter" idx="13"/>
-          </p:nvPr>
-        </p:nvSpPr>
-        <p:spPr>
-          <a:xfrm>
-            <a:off x="492371" y="2653800"/>
-            <a:ext cx="3084844" cy="3335519"/>
-          </a:xfrm>
-        </p:spPr>
-        <p:txBody>
-          <a:bodyPr>
-            <a:normAutofit/>
-          </a:bodyPr>
-          <a:lstStyle/>
-          <a:p>
-            <a:endParaRPr lang="en-US" sz="1500">
-              <a:solidFill>
-                <a:srgbClr val="FFFFFF"/>
-              </a:solidFill>
-            </a:endParaRPr>
-          </a:p>
-        </p:txBody>
-      </p:sp>
-      <p:sp>
-        <p:nvSpPr>
-          <p:cNvPr id="10" name="Rectangle 14">
-            <a:extLst>
-              <a:ext uri="{FF2B5EF4-FFF2-40B4-BE49-F238E27FC236}">
-                <a16:creationId xmlns:a16="http://schemas.microsoft.com/office/drawing/2014/main" id="{53B8D6B0-55D6-48DC-86D8-FD95D5F118AB}"/>
+                <a16:creationId xmlns:a16="http://schemas.microsoft.com/office/drawing/2014/main" id="{434F74C9-6A0B-409E-AD1C-45B58BE91BB8}"/>
               </a:ext>
               <a:ext uri="{C183D7F6-B498-43B3-948B-1728B52AA6E4}">
                 <adec:decorative xmlns:adec="http://schemas.microsoft.com/office/drawing/2017/decorative" val="1"/>
@@ -10791,8 +10771,8 @@
         </p:nvSpPr>
         <p:spPr>
           <a:xfrm>
-            <a:off x="4040071" y="0"/>
-            <a:ext cx="64008" cy="6858000"/>
+            <a:off x="15" y="6334316"/>
+            <a:ext cx="12188825" cy="64008"/>
           </a:xfrm>
           <a:prstGeom prst="rect">
             <a:avLst/>
@@ -10821,191 +10801,67 @@
           </a:fontRef>
         </p:style>
       </p:sp>
+      <p:cxnSp>
+        <p:nvCxnSpPr>
+          <p:cNvPr id="26" name="Straight Connector 25">
+            <a:extLst>
+              <a:ext uri="{FF2B5EF4-FFF2-40B4-BE49-F238E27FC236}">
+                <a16:creationId xmlns:a16="http://schemas.microsoft.com/office/drawing/2014/main" id="{F5486A9D-1265-4B57-91E6-68E666B978BC}"/>
+              </a:ext>
+              <a:ext uri="{C183D7F6-B498-43B3-948B-1728B52AA6E4}">
+                <adec:decorative xmlns:adec="http://schemas.microsoft.com/office/drawing/2017/decorative" val="1"/>
+              </a:ext>
+            </a:extLst>
+          </p:cNvPr>
+          <p:cNvCxnSpPr>
+            <a:cxnSpLocks noGrp="1" noRot="1" noChangeAspect="1" noMove="1" noResize="1" noEditPoints="1" noAdjustHandles="1" noChangeArrowheads="1" noChangeShapeType="1"/>
+          </p:cNvCxnSpPr>
+          <p:nvPr>
+            <p:extLst>
+              <p:ext uri="{386F3935-93C4-4BCD-93E2-E3B085C9AB24}">
+                <p16:designElem xmlns:p16="http://schemas.microsoft.com/office/powerpoint/2015/main" val="1"/>
+              </p:ext>
+            </p:extLst>
+          </p:nvPr>
+        </p:nvCxnSpPr>
+        <p:spPr>
+          <a:xfrm>
+            <a:off x="1207658" y="4343400"/>
+            <a:ext cx="9875520" cy="0"/>
+          </a:xfrm>
+          <a:prstGeom prst="line">
+            <a:avLst/>
+          </a:prstGeom>
+          <a:ln w="6350">
+            <a:solidFill>
+              <a:schemeClr val="tx1">
+                <a:lumMod val="50000"/>
+                <a:lumOff val="50000"/>
+              </a:schemeClr>
+            </a:solidFill>
+          </a:ln>
+        </p:spPr>
+        <p:style>
+          <a:lnRef idx="1">
+            <a:schemeClr val="accent1"/>
+          </a:lnRef>
+          <a:fillRef idx="0">
+            <a:schemeClr val="accent1"/>
+          </a:fillRef>
+          <a:effectRef idx="0">
+            <a:schemeClr val="accent1"/>
+          </a:effectRef>
+          <a:fontRef idx="minor">
+            <a:schemeClr val="tx1"/>
+          </a:fontRef>
+        </p:style>
+      </p:cxnSp>
       <p:pic>
         <p:nvPicPr>
-          <p:cNvPr id="4" name="Picture 4" descr="Chart, bar chart, funnel chart&#10;&#10;Description automatically generated">
+          <p:cNvPr id="6" name="Picture 6" descr="Drunk Spongebob - YouTube">
             <a:extLst>
               <a:ext uri="{FF2B5EF4-FFF2-40B4-BE49-F238E27FC236}">
-                <a16:creationId xmlns:a16="http://schemas.microsoft.com/office/drawing/2014/main" id="{3CD50FEE-E875-4E21-9025-8D375906784D}"/>
-              </a:ext>
-            </a:extLst>
-          </p:cNvPr>
-          <p:cNvPicPr>
-            <a:picLocks noChangeAspect="1"/>
-          </p:cNvPicPr>
-          <p:nvPr/>
-        </p:nvPicPr>
-        <p:blipFill>
-          <a:blip r:embed="rId2"/>
-          <a:stretch>
-            <a:fillRect/>
-          </a:stretch>
-        </p:blipFill>
-        <p:spPr>
-          <a:xfrm>
-            <a:off x="4543024" y="-3678"/>
-            <a:ext cx="7169791" cy="6865356"/>
-          </a:xfrm>
-          <a:prstGeom prst="rect">
-            <a:avLst/>
-          </a:prstGeom>
-        </p:spPr>
-      </p:pic>
-    </p:spTree>
-    <p:extLst>
-      <p:ext uri="{BB962C8B-B14F-4D97-AF65-F5344CB8AC3E}">
-        <p14:creationId xmlns:p14="http://schemas.microsoft.com/office/powerpoint/2010/main" val="322538831"/>
-      </p:ext>
-    </p:extLst>
-  </p:cSld>
-  <p:clrMapOvr>
-    <a:masterClrMapping/>
-  </p:clrMapOvr>
-</p:sld>
-</file>
-
-<file path=ppt/slides/slide18.xml><?xml version="1.0" encoding="utf-8"?>
-<p:sld xmlns:a="http://schemas.openxmlformats.org/drawingml/2006/main" xmlns:r="http://schemas.openxmlformats.org/officeDocument/2006/relationships" xmlns:p="http://schemas.openxmlformats.org/presentationml/2006/main">
-  <p:cSld>
-    <p:spTree>
-      <p:nvGrpSpPr>
-        <p:cNvPr id="1" name=""/>
-        <p:cNvGrpSpPr/>
-        <p:nvPr/>
-      </p:nvGrpSpPr>
-      <p:grpSpPr>
-        <a:xfrm>
-          <a:off x="0" y="0"/>
-          <a:ext cx="0" cy="0"/>
-          <a:chOff x="0" y="0"/>
-          <a:chExt cx="0" cy="0"/>
-        </a:xfrm>
-      </p:grpSpPr>
-      <p:sp>
-        <p:nvSpPr>
-          <p:cNvPr id="2" name="Title 1">
-            <a:extLst>
-              <a:ext uri="{FF2B5EF4-FFF2-40B4-BE49-F238E27FC236}">
-                <a16:creationId xmlns:a16="http://schemas.microsoft.com/office/drawing/2014/main" id="{E5A59AB6-A960-473B-BC81-388F86251294}"/>
-              </a:ext>
-            </a:extLst>
-          </p:cNvPr>
-          <p:cNvSpPr>
-            <a:spLocks noGrp="1"/>
-          </p:cNvSpPr>
-          <p:nvPr>
-            <p:ph type="title"/>
-          </p:nvPr>
-        </p:nvSpPr>
-        <p:spPr/>
-        <p:txBody>
-          <a:bodyPr/>
-          <a:lstStyle/>
-          <a:p>
-            <a:r>
-              <a:rPr lang="en-US">
-                <a:cs typeface="Calibri Light"/>
-              </a:rPr>
-              <a:t>Beer Styles with the Highest ABV</a:t>
-            </a:r>
-            <a:endParaRPr lang="en-US" dirty="0">
-              <a:cs typeface="Calibri Light"/>
-            </a:endParaRPr>
-          </a:p>
-        </p:txBody>
-      </p:sp>
-      <p:sp>
-        <p:nvSpPr>
-          <p:cNvPr id="3" name="Content Placeholder 2">
-            <a:extLst>
-              <a:ext uri="{FF2B5EF4-FFF2-40B4-BE49-F238E27FC236}">
-                <a16:creationId xmlns:a16="http://schemas.microsoft.com/office/drawing/2014/main" id="{1C601FDA-9A67-4235-91A4-59A6CFE07BEC}"/>
-              </a:ext>
-            </a:extLst>
-          </p:cNvPr>
-          <p:cNvSpPr>
-            <a:spLocks noGrp="1"/>
-          </p:cNvSpPr>
-          <p:nvPr>
-            <p:ph sz="quarter" idx="13"/>
-          </p:nvPr>
-        </p:nvSpPr>
-        <p:spPr/>
-        <p:txBody>
-          <a:bodyPr/>
-          <a:lstStyle/>
-          <a:p>
-            <a:endParaRPr lang="en-US"/>
-          </a:p>
-        </p:txBody>
-      </p:sp>
-    </p:spTree>
-    <p:extLst>
-      <p:ext uri="{BB962C8B-B14F-4D97-AF65-F5344CB8AC3E}">
-        <p14:creationId xmlns:p14="http://schemas.microsoft.com/office/powerpoint/2010/main" val="2760880453"/>
-      </p:ext>
-    </p:extLst>
-  </p:cSld>
-  <p:clrMapOvr>
-    <a:masterClrMapping/>
-  </p:clrMapOvr>
-</p:sld>
-</file>
-
-<file path=ppt/slides/slide19.xml><?xml version="1.0" encoding="utf-8"?>
-<p:sld xmlns:a="http://schemas.openxmlformats.org/drawingml/2006/main" xmlns:r="http://schemas.openxmlformats.org/officeDocument/2006/relationships" xmlns:p="http://schemas.openxmlformats.org/presentationml/2006/main">
-  <p:cSld>
-    <p:spTree>
-      <p:nvGrpSpPr>
-        <p:cNvPr id="1" name=""/>
-        <p:cNvGrpSpPr/>
-        <p:nvPr/>
-      </p:nvGrpSpPr>
-      <p:grpSpPr>
-        <a:xfrm>
-          <a:off x="0" y="0"/>
-          <a:ext cx="0" cy="0"/>
-          <a:chOff x="0" y="0"/>
-          <a:chExt cx="0" cy="0"/>
-        </a:xfrm>
-      </p:grpSpPr>
-      <p:sp>
-        <p:nvSpPr>
-          <p:cNvPr id="2" name="Title 1">
-            <a:extLst>
-              <a:ext uri="{FF2B5EF4-FFF2-40B4-BE49-F238E27FC236}">
-                <a16:creationId xmlns:a16="http://schemas.microsoft.com/office/drawing/2014/main" id="{39739E21-08A7-4214-9BC9-8F27854D7FD1}"/>
-              </a:ext>
-            </a:extLst>
-          </p:cNvPr>
-          <p:cNvSpPr>
-            <a:spLocks noGrp="1"/>
-          </p:cNvSpPr>
-          <p:nvPr>
-            <p:ph type="title"/>
-          </p:nvPr>
-        </p:nvSpPr>
-        <p:spPr/>
-        <p:txBody>
-          <a:bodyPr/>
-          <a:lstStyle/>
-          <a:p>
-            <a:r>
-              <a:rPr lang="en-US">
-                <a:cs typeface="Calibri Light"/>
-              </a:rPr>
-              <a:t>Don't forget to close the connection!</a:t>
-            </a:r>
-            <a:endParaRPr lang="en-US"/>
-          </a:p>
-        </p:txBody>
-      </p:sp>
-      <p:pic>
-        <p:nvPicPr>
-          <p:cNvPr id="4" name="Picture 4" descr="A close up of a sign&#10;&#10;Description automatically generated">
-            <a:extLst>
-              <a:ext uri="{FF2B5EF4-FFF2-40B4-BE49-F238E27FC236}">
-                <a16:creationId xmlns:a16="http://schemas.microsoft.com/office/drawing/2014/main" id="{C959D1B5-78ED-4B11-926E-E3E4BC8CA642}"/>
+                <a16:creationId xmlns:a16="http://schemas.microsoft.com/office/drawing/2014/main" id="{0D2C0A1E-6CB5-4598-9CFD-A5927E0E7E37}"/>
               </a:ext>
             </a:extLst>
           </p:cNvPr>
@@ -11016,23 +10872,174 @@
             <p:ph sz="quarter" idx="13"/>
           </p:nvPr>
         </p:nvPicPr>
-        <p:blipFill>
+        <p:blipFill rotWithShape="1">
           <a:blip r:embed="rId2"/>
-          <a:stretch>
-            <a:fillRect/>
-          </a:stretch>
+          <a:srcRect t="16739" b="11592"/>
+          <a:stretch/>
         </p:blipFill>
         <p:spPr>
           <a:xfrm>
-            <a:off x="1220089" y="2260655"/>
-            <a:ext cx="2352675" cy="1000125"/>
-          </a:xfrm>
+            <a:off x="-32" y="10"/>
+            <a:ext cx="12192031" cy="4915066"/>
+          </a:xfrm>
+          <a:prstGeom prst="rect">
+            <a:avLst/>
+          </a:prstGeom>
         </p:spPr>
       </p:pic>
+      <p:sp>
+        <p:nvSpPr>
+          <p:cNvPr id="28" name="Rectangle 27">
+            <a:extLst>
+              <a:ext uri="{FF2B5EF4-FFF2-40B4-BE49-F238E27FC236}">
+                <a16:creationId xmlns:a16="http://schemas.microsoft.com/office/drawing/2014/main" id="{B76D919A-FC3E-4B4E-BAF0-ED6CFB8DC4AE}"/>
+              </a:ext>
+              <a:ext uri="{C183D7F6-B498-43B3-948B-1728B52AA6E4}">
+                <adec:decorative xmlns:adec="http://schemas.microsoft.com/office/drawing/2017/decorative" val="1"/>
+              </a:ext>
+            </a:extLst>
+          </p:cNvPr>
+          <p:cNvSpPr>
+            <a:spLocks noGrp="1" noRot="1" noChangeAspect="1" noMove="1" noResize="1" noEditPoints="1" noAdjustHandles="1" noChangeArrowheads="1" noChangeShapeType="1" noTextEdit="1"/>
+          </p:cNvSpPr>
+          <p:nvPr>
+            <p:extLst>
+              <p:ext uri="{386F3935-93C4-4BCD-93E2-E3B085C9AB24}">
+                <p16:designElem xmlns:p16="http://schemas.microsoft.com/office/powerpoint/2015/main" val="1"/>
+              </p:ext>
+            </p:extLst>
+          </p:nvPr>
+        </p:nvSpPr>
+        <p:spPr bwMode="white">
+          <a:xfrm>
+            <a:off x="1507" y="4953000"/>
+            <a:ext cx="12188952" cy="1905000"/>
+          </a:xfrm>
+          <a:prstGeom prst="rect">
+            <a:avLst/>
+          </a:prstGeom>
+          <a:solidFill>
+            <a:schemeClr val="accent2"/>
+          </a:solidFill>
+          <a:ln>
+            <a:noFill/>
+          </a:ln>
+        </p:spPr>
+        <p:style>
+          <a:lnRef idx="2">
+            <a:schemeClr val="accent1">
+              <a:shade val="50000"/>
+            </a:schemeClr>
+          </a:lnRef>
+          <a:fillRef idx="1">
+            <a:schemeClr val="accent1"/>
+          </a:fillRef>
+          <a:effectRef idx="0">
+            <a:schemeClr val="accent1"/>
+          </a:effectRef>
+          <a:fontRef idx="minor">
+            <a:schemeClr val="lt1"/>
+          </a:fontRef>
+        </p:style>
+      </p:sp>
+      <p:sp>
+        <p:nvSpPr>
+          <p:cNvPr id="2" name="Title 1">
+            <a:extLst>
+              <a:ext uri="{FF2B5EF4-FFF2-40B4-BE49-F238E27FC236}">
+                <a16:creationId xmlns:a16="http://schemas.microsoft.com/office/drawing/2014/main" id="{EBF1C41A-C1F3-437D-8E75-8CCF9409654E}"/>
+              </a:ext>
+            </a:extLst>
+          </p:cNvPr>
+          <p:cNvSpPr>
+            <a:spLocks noGrp="1"/>
+          </p:cNvSpPr>
+          <p:nvPr>
+            <p:ph type="title"/>
+          </p:nvPr>
+        </p:nvSpPr>
+        <p:spPr>
+          <a:xfrm>
+            <a:off x="1065197" y="5120640"/>
+            <a:ext cx="10058400" cy="822960"/>
+          </a:xfrm>
+        </p:spPr>
+        <p:txBody>
+          <a:bodyPr vert="horz" lIns="91440" tIns="45720" rIns="91440" bIns="45720" rtlCol="0" anchor="b">
+            <a:normAutofit/>
+          </a:bodyPr>
+          <a:lstStyle/>
+          <a:p>
+            <a:r>
+              <a:rPr lang="en-US" sz="3600">
+                <a:solidFill>
+                  <a:srgbClr val="FFFFFF"/>
+                </a:solidFill>
+              </a:rPr>
+              <a:t>Questions?</a:t>
+            </a:r>
+          </a:p>
+        </p:txBody>
+      </p:sp>
+      <p:sp>
+        <p:nvSpPr>
+          <p:cNvPr id="30" name="Rectangle 29">
+            <a:extLst>
+              <a:ext uri="{FF2B5EF4-FFF2-40B4-BE49-F238E27FC236}">
+                <a16:creationId xmlns:a16="http://schemas.microsoft.com/office/drawing/2014/main" id="{8F66ACBD-1C82-4782-AA7C-05504DD7DE77}"/>
+              </a:ext>
+              <a:ext uri="{C183D7F6-B498-43B3-948B-1728B52AA6E4}">
+                <adec:decorative xmlns:adec="http://schemas.microsoft.com/office/drawing/2017/decorative" val="1"/>
+              </a:ext>
+            </a:extLst>
+          </p:cNvPr>
+          <p:cNvSpPr>
+            <a:spLocks noGrp="1" noRot="1" noChangeAspect="1" noMove="1" noResize="1" noEditPoints="1" noAdjustHandles="1" noChangeArrowheads="1" noChangeShapeType="1" noTextEdit="1"/>
+          </p:cNvSpPr>
+          <p:nvPr>
+            <p:extLst>
+              <p:ext uri="{386F3935-93C4-4BCD-93E2-E3B085C9AB24}">
+                <p16:designElem xmlns:p16="http://schemas.microsoft.com/office/powerpoint/2015/main" val="1"/>
+              </p:ext>
+            </p:extLst>
+          </p:nvPr>
+        </p:nvSpPr>
+        <p:spPr>
+          <a:xfrm>
+            <a:off x="1507" y="4906176"/>
+            <a:ext cx="12188952" cy="64008"/>
+          </a:xfrm>
+          <a:prstGeom prst="rect">
+            <a:avLst/>
+          </a:prstGeom>
+          <a:solidFill>
+            <a:schemeClr val="accent1"/>
+          </a:solidFill>
+          <a:ln>
+            <a:noFill/>
+          </a:ln>
+        </p:spPr>
+        <p:style>
+          <a:lnRef idx="2">
+            <a:schemeClr val="accent1">
+              <a:shade val="50000"/>
+            </a:schemeClr>
+          </a:lnRef>
+          <a:fillRef idx="1">
+            <a:schemeClr val="accent1"/>
+          </a:fillRef>
+          <a:effectRef idx="0">
+            <a:schemeClr val="accent1"/>
+          </a:effectRef>
+          <a:fontRef idx="minor">
+            <a:schemeClr val="lt1"/>
+          </a:fontRef>
+        </p:style>
+      </p:sp>
     </p:spTree>
     <p:extLst>
       <p:ext uri="{BB962C8B-B14F-4D97-AF65-F5344CB8AC3E}">
-        <p14:creationId xmlns:p14="http://schemas.microsoft.com/office/powerpoint/2010/main" val="2753587061"/>
+        <p14:creationId xmlns:p14="http://schemas.microsoft.com/office/powerpoint/2010/main" val="92333336"/>
       </p:ext>
     </p:extLst>
   </p:cSld>
@@ -11477,389 +11484,6 @@
 </p:sld>
 </file>
 
-<file path=ppt/slides/slide20.xml><?xml version="1.0" encoding="utf-8"?>
-<p:sld xmlns:a="http://schemas.openxmlformats.org/drawingml/2006/main" xmlns:r="http://schemas.openxmlformats.org/officeDocument/2006/relationships" xmlns:p="http://schemas.openxmlformats.org/presentationml/2006/main">
-  <p:cSld>
-    <p:bg>
-      <p:bgPr>
-        <a:solidFill>
-          <a:schemeClr val="bg1"/>
-        </a:solidFill>
-        <a:effectLst/>
-      </p:bgPr>
-    </p:bg>
-    <p:spTree>
-      <p:nvGrpSpPr>
-        <p:cNvPr id="1" name=""/>
-        <p:cNvGrpSpPr/>
-        <p:nvPr/>
-      </p:nvGrpSpPr>
-      <p:grpSpPr>
-        <a:xfrm>
-          <a:off x="0" y="0"/>
-          <a:ext cx="0" cy="0"/>
-          <a:chOff x="0" y="0"/>
-          <a:chExt cx="0" cy="0"/>
-        </a:xfrm>
-      </p:grpSpPr>
-      <p:sp>
-        <p:nvSpPr>
-          <p:cNvPr id="9" name="Rectangle 8">
-            <a:extLst>
-              <a:ext uri="{FF2B5EF4-FFF2-40B4-BE49-F238E27FC236}">
-                <a16:creationId xmlns:a16="http://schemas.microsoft.com/office/drawing/2014/main" id="{25C8D2C1-DA83-420D-9635-D52CE066B5DA}"/>
-              </a:ext>
-              <a:ext uri="{C183D7F6-B498-43B3-948B-1728B52AA6E4}">
-                <adec:decorative xmlns:adec="http://schemas.microsoft.com/office/drawing/2017/decorative" val="1"/>
-              </a:ext>
-            </a:extLst>
-          </p:cNvPr>
-          <p:cNvSpPr>
-            <a:spLocks noGrp="1" noRot="1" noChangeAspect="1" noMove="1" noResize="1" noEditPoints="1" noAdjustHandles="1" noChangeArrowheads="1" noChangeShapeType="1" noTextEdit="1"/>
-          </p:cNvSpPr>
-          <p:nvPr>
-            <p:extLst>
-              <p:ext uri="{386F3935-93C4-4BCD-93E2-E3B085C9AB24}">
-                <p16:designElem xmlns:p16="http://schemas.microsoft.com/office/powerpoint/2015/main" val="1"/>
-              </p:ext>
-            </p:extLst>
-          </p:nvPr>
-        </p:nvSpPr>
-        <p:spPr>
-          <a:xfrm>
-            <a:off x="3175" y="6400800"/>
-            <a:ext cx="12188825" cy="457200"/>
-          </a:xfrm>
-          <a:prstGeom prst="rect">
-            <a:avLst/>
-          </a:prstGeom>
-          <a:solidFill>
-            <a:schemeClr val="accent2"/>
-          </a:solidFill>
-          <a:ln>
-            <a:noFill/>
-          </a:ln>
-        </p:spPr>
-        <p:style>
-          <a:lnRef idx="2">
-            <a:schemeClr val="accent1">
-              <a:shade val="50000"/>
-            </a:schemeClr>
-          </a:lnRef>
-          <a:fillRef idx="1">
-            <a:schemeClr val="accent1"/>
-          </a:fillRef>
-          <a:effectRef idx="0">
-            <a:schemeClr val="accent1"/>
-          </a:effectRef>
-          <a:fontRef idx="minor">
-            <a:schemeClr val="lt1"/>
-          </a:fontRef>
-        </p:style>
-      </p:sp>
-      <p:sp>
-        <p:nvSpPr>
-          <p:cNvPr id="11" name="Rectangle 10">
-            <a:extLst>
-              <a:ext uri="{FF2B5EF4-FFF2-40B4-BE49-F238E27FC236}">
-                <a16:creationId xmlns:a16="http://schemas.microsoft.com/office/drawing/2014/main" id="{434F74C9-6A0B-409E-AD1C-45B58BE91BB8}"/>
-              </a:ext>
-              <a:ext uri="{C183D7F6-B498-43B3-948B-1728B52AA6E4}">
-                <adec:decorative xmlns:adec="http://schemas.microsoft.com/office/drawing/2017/decorative" val="1"/>
-              </a:ext>
-            </a:extLst>
-          </p:cNvPr>
-          <p:cNvSpPr>
-            <a:spLocks noGrp="1" noRot="1" noChangeAspect="1" noMove="1" noResize="1" noEditPoints="1" noAdjustHandles="1" noChangeArrowheads="1" noChangeShapeType="1" noTextEdit="1"/>
-          </p:cNvSpPr>
-          <p:nvPr>
-            <p:extLst>
-              <p:ext uri="{386F3935-93C4-4BCD-93E2-E3B085C9AB24}">
-                <p16:designElem xmlns:p16="http://schemas.microsoft.com/office/powerpoint/2015/main" val="1"/>
-              </p:ext>
-            </p:extLst>
-          </p:nvPr>
-        </p:nvSpPr>
-        <p:spPr>
-          <a:xfrm>
-            <a:off x="15" y="6334316"/>
-            <a:ext cx="12188825" cy="64008"/>
-          </a:xfrm>
-          <a:prstGeom prst="rect">
-            <a:avLst/>
-          </a:prstGeom>
-          <a:solidFill>
-            <a:schemeClr val="accent1"/>
-          </a:solidFill>
-          <a:ln>
-            <a:noFill/>
-          </a:ln>
-        </p:spPr>
-        <p:style>
-          <a:lnRef idx="2">
-            <a:schemeClr val="accent1">
-              <a:shade val="50000"/>
-            </a:schemeClr>
-          </a:lnRef>
-          <a:fillRef idx="1">
-            <a:schemeClr val="accent1"/>
-          </a:fillRef>
-          <a:effectRef idx="0">
-            <a:schemeClr val="accent1"/>
-          </a:effectRef>
-          <a:fontRef idx="minor">
-            <a:schemeClr val="lt1"/>
-          </a:fontRef>
-        </p:style>
-      </p:sp>
-      <p:cxnSp>
-        <p:nvCxnSpPr>
-          <p:cNvPr id="13" name="Straight Connector 12">
-            <a:extLst>
-              <a:ext uri="{FF2B5EF4-FFF2-40B4-BE49-F238E27FC236}">
-                <a16:creationId xmlns:a16="http://schemas.microsoft.com/office/drawing/2014/main" id="{F5486A9D-1265-4B57-91E6-68E666B978BC}"/>
-              </a:ext>
-              <a:ext uri="{C183D7F6-B498-43B3-948B-1728B52AA6E4}">
-                <adec:decorative xmlns:adec="http://schemas.microsoft.com/office/drawing/2017/decorative" val="1"/>
-              </a:ext>
-            </a:extLst>
-          </p:cNvPr>
-          <p:cNvCxnSpPr>
-            <a:cxnSpLocks noGrp="1" noRot="1" noChangeAspect="1" noMove="1" noResize="1" noEditPoints="1" noAdjustHandles="1" noChangeArrowheads="1" noChangeShapeType="1"/>
-          </p:cNvCxnSpPr>
-          <p:nvPr>
-            <p:extLst>
-              <p:ext uri="{386F3935-93C4-4BCD-93E2-E3B085C9AB24}">
-                <p16:designElem xmlns:p16="http://schemas.microsoft.com/office/powerpoint/2015/main" val="1"/>
-              </p:ext>
-            </p:extLst>
-          </p:nvPr>
-        </p:nvCxnSpPr>
-        <p:spPr>
-          <a:xfrm>
-            <a:off x="1207658" y="4343400"/>
-            <a:ext cx="9875520" cy="0"/>
-          </a:xfrm>
-          <a:prstGeom prst="line">
-            <a:avLst/>
-          </a:prstGeom>
-          <a:ln w="6350">
-            <a:solidFill>
-              <a:schemeClr val="tx1">
-                <a:lumMod val="50000"/>
-                <a:lumOff val="50000"/>
-              </a:schemeClr>
-            </a:solidFill>
-          </a:ln>
-        </p:spPr>
-        <p:style>
-          <a:lnRef idx="1">
-            <a:schemeClr val="accent1"/>
-          </a:lnRef>
-          <a:fillRef idx="0">
-            <a:schemeClr val="accent1"/>
-          </a:fillRef>
-          <a:effectRef idx="0">
-            <a:schemeClr val="accent1"/>
-          </a:effectRef>
-          <a:fontRef idx="minor">
-            <a:schemeClr val="tx1"/>
-          </a:fontRef>
-        </p:style>
-      </p:cxnSp>
-      <p:pic>
-        <p:nvPicPr>
-          <p:cNvPr id="4" name="Picture 4" descr="CLV Frontiers' cannabis-inspired terpene beers launch in ...">
-            <a:extLst>
-              <a:ext uri="{FF2B5EF4-FFF2-40B4-BE49-F238E27FC236}">
-                <a16:creationId xmlns:a16="http://schemas.microsoft.com/office/drawing/2014/main" id="{3EB02F9C-C0D3-45E7-8DAE-51D7ADB98BC1}"/>
-              </a:ext>
-            </a:extLst>
-          </p:cNvPr>
-          <p:cNvPicPr>
-            <a:picLocks noGrp="1" noChangeAspect="1"/>
-          </p:cNvPicPr>
-          <p:nvPr>
-            <p:ph sz="quarter" idx="13"/>
-          </p:nvPr>
-        </p:nvPicPr>
-        <p:blipFill rotWithShape="1">
-          <a:blip r:embed="rId2"/>
-          <a:srcRect t="6091" b="21920"/>
-          <a:stretch/>
-        </p:blipFill>
-        <p:spPr>
-          <a:xfrm>
-            <a:off x="-32" y="10"/>
-            <a:ext cx="12192031" cy="4915066"/>
-          </a:xfrm>
-          <a:prstGeom prst="rect">
-            <a:avLst/>
-          </a:prstGeom>
-        </p:spPr>
-      </p:pic>
-      <p:sp>
-        <p:nvSpPr>
-          <p:cNvPr id="15" name="Rectangle 14">
-            <a:extLst>
-              <a:ext uri="{FF2B5EF4-FFF2-40B4-BE49-F238E27FC236}">
-                <a16:creationId xmlns:a16="http://schemas.microsoft.com/office/drawing/2014/main" id="{B76D919A-FC3E-4B4E-BAF0-ED6CFB8DC4AE}"/>
-              </a:ext>
-              <a:ext uri="{C183D7F6-B498-43B3-948B-1728B52AA6E4}">
-                <adec:decorative xmlns:adec="http://schemas.microsoft.com/office/drawing/2017/decorative" val="1"/>
-              </a:ext>
-            </a:extLst>
-          </p:cNvPr>
-          <p:cNvSpPr>
-            <a:spLocks noGrp="1" noRot="1" noChangeAspect="1" noMove="1" noResize="1" noEditPoints="1" noAdjustHandles="1" noChangeArrowheads="1" noChangeShapeType="1" noTextEdit="1"/>
-          </p:cNvSpPr>
-          <p:nvPr>
-            <p:extLst>
-              <p:ext uri="{386F3935-93C4-4BCD-93E2-E3B085C9AB24}">
-                <p16:designElem xmlns:p16="http://schemas.microsoft.com/office/powerpoint/2015/main" val="1"/>
-              </p:ext>
-            </p:extLst>
-          </p:nvPr>
-        </p:nvSpPr>
-        <p:spPr bwMode="white">
-          <a:xfrm>
-            <a:off x="1507" y="4953000"/>
-            <a:ext cx="12188952" cy="1905000"/>
-          </a:xfrm>
-          <a:prstGeom prst="rect">
-            <a:avLst/>
-          </a:prstGeom>
-          <a:solidFill>
-            <a:schemeClr val="accent2"/>
-          </a:solidFill>
-          <a:ln>
-            <a:noFill/>
-          </a:ln>
-        </p:spPr>
-        <p:style>
-          <a:lnRef idx="2">
-            <a:schemeClr val="accent1">
-              <a:shade val="50000"/>
-            </a:schemeClr>
-          </a:lnRef>
-          <a:fillRef idx="1">
-            <a:schemeClr val="accent1"/>
-          </a:fillRef>
-          <a:effectRef idx="0">
-            <a:schemeClr val="accent1"/>
-          </a:effectRef>
-          <a:fontRef idx="minor">
-            <a:schemeClr val="lt1"/>
-          </a:fontRef>
-        </p:style>
-      </p:sp>
-      <p:sp>
-        <p:nvSpPr>
-          <p:cNvPr id="2" name="Title 1">
-            <a:extLst>
-              <a:ext uri="{FF2B5EF4-FFF2-40B4-BE49-F238E27FC236}">
-                <a16:creationId xmlns:a16="http://schemas.microsoft.com/office/drawing/2014/main" id="{EBF1C41A-C1F3-437D-8E75-8CCF9409654E}"/>
-              </a:ext>
-            </a:extLst>
-          </p:cNvPr>
-          <p:cNvSpPr>
-            <a:spLocks noGrp="1"/>
-          </p:cNvSpPr>
-          <p:nvPr>
-            <p:ph type="title"/>
-          </p:nvPr>
-        </p:nvSpPr>
-        <p:spPr>
-          <a:xfrm>
-            <a:off x="1065197" y="5120640"/>
-            <a:ext cx="10058400" cy="822960"/>
-          </a:xfrm>
-        </p:spPr>
-        <p:txBody>
-          <a:bodyPr vert="horz" lIns="91440" tIns="45720" rIns="91440" bIns="45720" rtlCol="0" anchor="b">
-            <a:normAutofit/>
-          </a:bodyPr>
-          <a:lstStyle/>
-          <a:p>
-            <a:r>
-              <a:rPr lang="en-US" sz="3600">
-                <a:solidFill>
-                  <a:srgbClr val="FFFFFF"/>
-                </a:solidFill>
-              </a:rPr>
-              <a:t>Questions?</a:t>
-            </a:r>
-          </a:p>
-        </p:txBody>
-      </p:sp>
-      <p:sp>
-        <p:nvSpPr>
-          <p:cNvPr id="17" name="Rectangle 16">
-            <a:extLst>
-              <a:ext uri="{FF2B5EF4-FFF2-40B4-BE49-F238E27FC236}">
-                <a16:creationId xmlns:a16="http://schemas.microsoft.com/office/drawing/2014/main" id="{8F66ACBD-1C82-4782-AA7C-05504DD7DE77}"/>
-              </a:ext>
-              <a:ext uri="{C183D7F6-B498-43B3-948B-1728B52AA6E4}">
-                <adec:decorative xmlns:adec="http://schemas.microsoft.com/office/drawing/2017/decorative" val="1"/>
-              </a:ext>
-            </a:extLst>
-          </p:cNvPr>
-          <p:cNvSpPr>
-            <a:spLocks noGrp="1" noRot="1" noChangeAspect="1" noMove="1" noResize="1" noEditPoints="1" noAdjustHandles="1" noChangeArrowheads="1" noChangeShapeType="1" noTextEdit="1"/>
-          </p:cNvSpPr>
-          <p:nvPr>
-            <p:extLst>
-              <p:ext uri="{386F3935-93C4-4BCD-93E2-E3B085C9AB24}">
-                <p16:designElem xmlns:p16="http://schemas.microsoft.com/office/powerpoint/2015/main" val="1"/>
-              </p:ext>
-            </p:extLst>
-          </p:nvPr>
-        </p:nvSpPr>
-        <p:spPr>
-          <a:xfrm>
-            <a:off x="1507" y="4906176"/>
-            <a:ext cx="12188952" cy="64008"/>
-          </a:xfrm>
-          <a:prstGeom prst="rect">
-            <a:avLst/>
-          </a:prstGeom>
-          <a:solidFill>
-            <a:schemeClr val="accent1"/>
-          </a:solidFill>
-          <a:ln>
-            <a:noFill/>
-          </a:ln>
-        </p:spPr>
-        <p:style>
-          <a:lnRef idx="2">
-            <a:schemeClr val="accent1">
-              <a:shade val="50000"/>
-            </a:schemeClr>
-          </a:lnRef>
-          <a:fillRef idx="1">
-            <a:schemeClr val="accent1"/>
-          </a:fillRef>
-          <a:effectRef idx="0">
-            <a:schemeClr val="accent1"/>
-          </a:effectRef>
-          <a:fontRef idx="minor">
-            <a:schemeClr val="lt1"/>
-          </a:fontRef>
-        </p:style>
-      </p:sp>
-    </p:spTree>
-    <p:extLst>
-      <p:ext uri="{BB962C8B-B14F-4D97-AF65-F5344CB8AC3E}">
-        <p14:creationId xmlns:p14="http://schemas.microsoft.com/office/powerpoint/2010/main" val="92333336"/>
-      </p:ext>
-    </p:extLst>
-  </p:cSld>
-  <p:clrMapOvr>
-    <a:masterClrMapping/>
-  </p:clrMapOvr>
-</p:sld>
-</file>
-
 <file path=ppt/slides/slide3.xml><?xml version="1.0" encoding="utf-8"?>
 <p:sld xmlns:a="http://schemas.openxmlformats.org/drawingml/2006/main" xmlns:r="http://schemas.openxmlformats.org/officeDocument/2006/relationships" xmlns:p="http://schemas.openxmlformats.org/presentationml/2006/main">
   <p:cSld>
@@ -11885,6 +11509,66 @@
           <a:chExt cx="0" cy="0"/>
         </a:xfrm>
       </p:grpSpPr>
+      <p:sp useBgFill="1">
+        <p:nvSpPr>
+          <p:cNvPr id="10" name="Rectangle 12">
+            <a:extLst>
+              <a:ext uri="{FF2B5EF4-FFF2-40B4-BE49-F238E27FC236}">
+                <a16:creationId xmlns:a16="http://schemas.microsoft.com/office/drawing/2014/main" id="{E5958DBC-F4DA-42A8-8C52-860179790ECD}"/>
+              </a:ext>
+              <a:ext uri="{C183D7F6-B498-43B3-948B-1728B52AA6E4}">
+                <adec:decorative xmlns:adec="http://schemas.microsoft.com/office/drawing/2017/decorative" val="1"/>
+              </a:ext>
+            </a:extLst>
+          </p:cNvPr>
+          <p:cNvSpPr>
+            <a:spLocks noGrp="1" noRot="1" noChangeAspect="1" noMove="1" noResize="1" noEditPoints="1" noAdjustHandles="1" noChangeArrowheads="1" noChangeShapeType="1" noTextEdit="1"/>
+          </p:cNvSpPr>
+          <p:nvPr>
+            <p:extLst>
+              <p:ext uri="{386F3935-93C4-4BCD-93E2-E3B085C9AB24}">
+                <p16:designElem xmlns:p16="http://schemas.microsoft.com/office/powerpoint/2015/main" val="1"/>
+              </p:ext>
+            </p:extLst>
+          </p:nvPr>
+        </p:nvSpPr>
+        <p:spPr>
+          <a:xfrm>
+            <a:off x="0" y="0"/>
+            <a:ext cx="12192001" cy="6334316"/>
+          </a:xfrm>
+          <a:prstGeom prst="rect">
+            <a:avLst/>
+          </a:prstGeom>
+          <a:ln>
+            <a:noFill/>
+          </a:ln>
+        </p:spPr>
+        <p:style>
+          <a:lnRef idx="2">
+            <a:schemeClr val="accent1">
+              <a:shade val="50000"/>
+            </a:schemeClr>
+          </a:lnRef>
+          <a:fillRef idx="1">
+            <a:schemeClr val="accent1"/>
+          </a:fillRef>
+          <a:effectRef idx="0">
+            <a:schemeClr val="accent1"/>
+          </a:effectRef>
+          <a:fontRef idx="minor">
+            <a:schemeClr val="lt1"/>
+          </a:fontRef>
+        </p:style>
+        <p:txBody>
+          <a:bodyPr rtlCol="0" anchor="ctr"/>
+          <a:lstStyle/>
+          <a:p>
+            <a:pPr algn="ctr"/>
+            <a:endParaRPr lang="en-US"/>
+          </a:p>
+        </p:txBody>
+      </p:sp>
       <p:sp>
         <p:nvSpPr>
           <p:cNvPr id="2" name="Title 1">
@@ -11903,8 +11587,8 @@
         </p:nvSpPr>
         <p:spPr>
           <a:xfrm>
-            <a:off x="1097280" y="286603"/>
-            <a:ext cx="10058400" cy="1450757"/>
+            <a:off x="5144679" y="634946"/>
+            <a:ext cx="6405063" cy="1450757"/>
           </a:xfrm>
         </p:spPr>
         <p:txBody>
@@ -11944,8 +11628,94 @@
         </p:blipFill>
         <p:spPr>
           <a:xfrm>
-            <a:off x="77948" y="3423647"/>
-            <a:ext cx="12028791" cy="1231491"/>
+            <a:off x="187309" y="2843065"/>
+            <a:ext cx="10852021" cy="1157855"/>
+          </a:xfrm>
+          <a:prstGeom prst="rect">
+            <a:avLst/>
+          </a:prstGeom>
+        </p:spPr>
+      </p:pic>
+      <p:cxnSp>
+        <p:nvCxnSpPr>
+          <p:cNvPr id="11" name="Straight Connector 14">
+            <a:extLst>
+              <a:ext uri="{FF2B5EF4-FFF2-40B4-BE49-F238E27FC236}">
+                <a16:creationId xmlns:a16="http://schemas.microsoft.com/office/drawing/2014/main" id="{79FCC9A9-2031-4283-9B27-34B62BB7F305}"/>
+              </a:ext>
+              <a:ext uri="{C183D7F6-B498-43B3-948B-1728B52AA6E4}">
+                <adec:decorative xmlns:adec="http://schemas.microsoft.com/office/drawing/2017/decorative" val="1"/>
+              </a:ext>
+            </a:extLst>
+          </p:cNvPr>
+          <p:cNvCxnSpPr>
+            <a:cxnSpLocks noGrp="1" noRot="1" noChangeAspect="1" noMove="1" noResize="1" noEditPoints="1" noAdjustHandles="1" noChangeArrowheads="1" noChangeShapeType="1"/>
+          </p:cNvCxnSpPr>
+          <p:nvPr>
+            <p:extLst>
+              <p:ext uri="{386F3935-93C4-4BCD-93E2-E3B085C9AB24}">
+                <p16:designElem xmlns:p16="http://schemas.microsoft.com/office/powerpoint/2015/main" val="1"/>
+              </p:ext>
+            </p:extLst>
+          </p:nvPr>
+        </p:nvCxnSpPr>
+        <p:spPr>
+          <a:xfrm>
+            <a:off x="5181247" y="2086188"/>
+            <a:ext cx="5852160" cy="0"/>
+          </a:xfrm>
+          <a:prstGeom prst="line">
+            <a:avLst/>
+          </a:prstGeom>
+          <a:ln w="6350">
+            <a:solidFill>
+              <a:schemeClr val="tx1">
+                <a:lumMod val="50000"/>
+                <a:lumOff val="50000"/>
+                <a:alpha val="90000"/>
+              </a:schemeClr>
+            </a:solidFill>
+          </a:ln>
+        </p:spPr>
+        <p:style>
+          <a:lnRef idx="1">
+            <a:schemeClr val="accent1"/>
+          </a:lnRef>
+          <a:fillRef idx="0">
+            <a:schemeClr val="accent1"/>
+          </a:fillRef>
+          <a:effectRef idx="0">
+            <a:schemeClr val="accent1"/>
+          </a:effectRef>
+          <a:fontRef idx="minor">
+            <a:schemeClr val="tx1"/>
+          </a:fontRef>
+        </p:style>
+      </p:cxnSp>
+      <p:pic>
+        <p:nvPicPr>
+          <p:cNvPr id="6" name="Picture 6" descr="Text&#10;&#10;Description automatically generated">
+            <a:extLst>
+              <a:ext uri="{FF2B5EF4-FFF2-40B4-BE49-F238E27FC236}">
+                <a16:creationId xmlns:a16="http://schemas.microsoft.com/office/drawing/2014/main" id="{E823B086-BDEB-4AD3-BC3D-ACBA38F671CB}"/>
+              </a:ext>
+            </a:extLst>
+          </p:cNvPr>
+          <p:cNvPicPr>
+            <a:picLocks noChangeAspect="1"/>
+          </p:cNvPicPr>
+          <p:nvPr/>
+        </p:nvPicPr>
+        <p:blipFill>
+          <a:blip r:embed="rId3"/>
+          <a:stretch>
+            <a:fillRect/>
+          </a:stretch>
+        </p:blipFill>
+        <p:spPr>
+          <a:xfrm>
+            <a:off x="5981137" y="4035339"/>
+            <a:ext cx="4256778" cy="2181729"/>
           </a:xfrm>
           <a:prstGeom prst="rect">
             <a:avLst/>
@@ -11966,15 +11736,15 @@
         </p:nvSpPr>
         <p:spPr>
           <a:xfrm>
-            <a:off x="2839836" y="2174182"/>
-            <a:ext cx="6515947" cy="4023360"/>
+            <a:off x="5144679" y="2198914"/>
+            <a:ext cx="6405063" cy="3670180"/>
           </a:xfrm>
           <a:prstGeom prst="rect">
             <a:avLst/>
           </a:prstGeom>
         </p:spPr>
         <p:txBody>
-          <a:bodyPr rot="0" spcFirstLastPara="0" vertOverflow="overflow" horzOverflow="overflow" vert="horz" wrap="square" lIns="0" tIns="45720" rIns="0" bIns="45720" numCol="1" spcCol="0" rtlCol="0" fromWordArt="0" anchor="t" anchorCtr="0" forceAA="0" compatLnSpc="1">
+          <a:bodyPr rot="0" spcFirstLastPara="0" vertOverflow="overflow" horzOverflow="overflow" vert="horz" lIns="0" tIns="45720" rIns="0" bIns="45720" numCol="1" spcCol="0" rtlCol="0" fromWordArt="0" anchorCtr="0" forceAA="0" compatLnSpc="1">
             <a:prstTxWarp prst="textNoShape">
               <a:avLst/>
             </a:prstTxWarp>
@@ -11982,7 +11752,7 @@
           </a:bodyPr>
           <a:lstStyle/>
           <a:p>
-            <a:pPr algn="ctr">
+            <a:pPr>
               <a:lnSpc>
                 <a:spcPct val="90000"/>
               </a:lnSpc>
@@ -11995,7 +11765,7 @@
               <a:buFont typeface="Calibri" panose="020F0502020204030204" pitchFamily="34" charset="0"/>
             </a:pPr>
             <a:r>
-              <a:rPr lang="en-US" sz="2400">
+              <a:rPr lang="en-US">
                 <a:solidFill>
                   <a:schemeClr val="tx1">
                     <a:lumMod val="75000"/>
@@ -12006,19 +11776,9 @@
               </a:rPr>
               <a:t>We used the psycopg2 library in order to call external SQL scripts to create the database and tables from within the jupyter notebook</a:t>
             </a:r>
-            <a:endParaRPr lang="en-US" sz="2400" dirty="0">
-              <a:solidFill>
-                <a:schemeClr val="tx1">
-                  <a:lumMod val="75000"/>
-                  <a:lumOff val="25000"/>
-                </a:schemeClr>
-              </a:solidFill>
-              <a:latin typeface="+mn-lt"/>
-              <a:cs typeface="Calibri"/>
-            </a:endParaRPr>
-          </a:p>
-          <a:p>
-            <a:pPr algn="ctr">
+          </a:p>
+          <a:p>
+            <a:pPr>
               <a:lnSpc>
                 <a:spcPct val="90000"/>
               </a:lnSpc>
@@ -12030,7 +11790,7 @@
               </a:buClr>
               <a:buFont typeface="Calibri" panose="020F0502020204030204" pitchFamily="34" charset="0"/>
             </a:pPr>
-            <a:endParaRPr lang="en-US" sz="2400" dirty="0">
+            <a:endParaRPr lang="en-US">
               <a:solidFill>
                 <a:schemeClr val="tx1">
                   <a:lumMod val="75000"/>
@@ -12038,10 +11798,119 @@
                 </a:schemeClr>
               </a:solidFill>
               <a:latin typeface="+mn-lt"/>
-              <a:cs typeface="Calibri"/>
             </a:endParaRPr>
           </a:p>
         </p:txBody>
+      </p:sp>
+      <p:sp>
+        <p:nvSpPr>
+          <p:cNvPr id="12" name="Rectangle 16">
+            <a:extLst>
+              <a:ext uri="{FF2B5EF4-FFF2-40B4-BE49-F238E27FC236}">
+                <a16:creationId xmlns:a16="http://schemas.microsoft.com/office/drawing/2014/main" id="{51DDD252-D7C8-4CE5-9C61-D60D722BC217}"/>
+              </a:ext>
+              <a:ext uri="{C183D7F6-B498-43B3-948B-1728B52AA6E4}">
+                <adec:decorative xmlns:adec="http://schemas.microsoft.com/office/drawing/2017/decorative" val="1"/>
+              </a:ext>
+            </a:extLst>
+          </p:cNvPr>
+          <p:cNvSpPr>
+            <a:spLocks noGrp="1" noRot="1" noChangeAspect="1" noMove="1" noResize="1" noEditPoints="1" noAdjustHandles="1" noChangeArrowheads="1" noChangeShapeType="1" noTextEdit="1"/>
+          </p:cNvSpPr>
+          <p:nvPr>
+            <p:extLst>
+              <p:ext uri="{386F3935-93C4-4BCD-93E2-E3B085C9AB24}">
+                <p16:designElem xmlns:p16="http://schemas.microsoft.com/office/powerpoint/2015/main" val="1"/>
+              </p:ext>
+            </p:extLst>
+          </p:nvPr>
+        </p:nvSpPr>
+        <p:spPr>
+          <a:xfrm>
+            <a:off x="15" y="6334316"/>
+            <a:ext cx="12191985" cy="66484"/>
+          </a:xfrm>
+          <a:prstGeom prst="rect">
+            <a:avLst/>
+          </a:prstGeom>
+          <a:solidFill>
+            <a:schemeClr val="accent1"/>
+          </a:solidFill>
+          <a:ln>
+            <a:noFill/>
+          </a:ln>
+        </p:spPr>
+        <p:style>
+          <a:lnRef idx="2">
+            <a:schemeClr val="accent1">
+              <a:shade val="50000"/>
+            </a:schemeClr>
+          </a:lnRef>
+          <a:fillRef idx="1">
+            <a:schemeClr val="accent1"/>
+          </a:fillRef>
+          <a:effectRef idx="0">
+            <a:schemeClr val="accent1"/>
+          </a:effectRef>
+          <a:fontRef idx="minor">
+            <a:schemeClr val="lt1"/>
+          </a:fontRef>
+        </p:style>
+      </p:sp>
+      <p:sp>
+        <p:nvSpPr>
+          <p:cNvPr id="14" name="Rectangle 18">
+            <a:extLst>
+              <a:ext uri="{FF2B5EF4-FFF2-40B4-BE49-F238E27FC236}">
+                <a16:creationId xmlns:a16="http://schemas.microsoft.com/office/drawing/2014/main" id="{2FBD75F5-C49C-4F6A-8D43-7A5939C23307}"/>
+              </a:ext>
+              <a:ext uri="{C183D7F6-B498-43B3-948B-1728B52AA6E4}">
+                <adec:decorative xmlns:adec="http://schemas.microsoft.com/office/drawing/2017/decorative" val="1"/>
+              </a:ext>
+            </a:extLst>
+          </p:cNvPr>
+          <p:cNvSpPr>
+            <a:spLocks noGrp="1" noRot="1" noChangeAspect="1" noMove="1" noResize="1" noEditPoints="1" noAdjustHandles="1" noChangeArrowheads="1" noChangeShapeType="1" noTextEdit="1"/>
+          </p:cNvSpPr>
+          <p:nvPr>
+            <p:extLst>
+              <p:ext uri="{386F3935-93C4-4BCD-93E2-E3B085C9AB24}">
+                <p16:designElem xmlns:p16="http://schemas.microsoft.com/office/powerpoint/2015/main" val="1"/>
+              </p:ext>
+            </p:extLst>
+          </p:nvPr>
+        </p:nvSpPr>
+        <p:spPr>
+          <a:xfrm>
+            <a:off x="1" y="6400800"/>
+            <a:ext cx="12192000" cy="457200"/>
+          </a:xfrm>
+          <a:prstGeom prst="rect">
+            <a:avLst/>
+          </a:prstGeom>
+          <a:solidFill>
+            <a:schemeClr val="accent2"/>
+          </a:solidFill>
+          <a:ln>
+            <a:noFill/>
+          </a:ln>
+        </p:spPr>
+        <p:style>
+          <a:lnRef idx="2">
+            <a:schemeClr val="accent1">
+              <a:shade val="50000"/>
+            </a:schemeClr>
+          </a:lnRef>
+          <a:fillRef idx="1">
+            <a:schemeClr val="accent1"/>
+          </a:fillRef>
+          <a:effectRef idx="0">
+            <a:schemeClr val="accent1"/>
+          </a:effectRef>
+          <a:fontRef idx="minor">
+            <a:schemeClr val="lt1"/>
+          </a:fontRef>
+        </p:style>
       </p:sp>
     </p:spTree>
     <p:extLst>
@@ -12081,12 +11950,12 @@
           <a:chExt cx="0" cy="0"/>
         </a:xfrm>
       </p:grpSpPr>
-      <p:sp useBgFill="1">
-        <p:nvSpPr>
-          <p:cNvPr id="10" name="Rectangle 9">
+      <p:sp>
+        <p:nvSpPr>
+          <p:cNvPr id="13" name="Rectangle 12">
             <a:extLst>
               <a:ext uri="{FF2B5EF4-FFF2-40B4-BE49-F238E27FC236}">
-                <a16:creationId xmlns:a16="http://schemas.microsoft.com/office/drawing/2014/main" id="{44CC594A-A820-450F-B363-C19201FCFEC6}"/>
+                <a16:creationId xmlns:a16="http://schemas.microsoft.com/office/drawing/2014/main" id="{BB2B8762-61F0-4F1B-9364-D633EE9D6AF5}"/>
               </a:ext>
               <a:ext uri="{C183D7F6-B498-43B3-948B-1728B52AA6E4}">
                 <adec:decorative xmlns:adec="http://schemas.microsoft.com/office/drawing/2017/decorative" val="1"/>
@@ -12106,68 +11975,8 @@
         </p:nvSpPr>
         <p:spPr>
           <a:xfrm>
-            <a:off x="0" y="0"/>
-            <a:ext cx="12186315" cy="6858000"/>
-          </a:xfrm>
-          <a:prstGeom prst="rect">
-            <a:avLst/>
-          </a:prstGeom>
-          <a:ln>
-            <a:noFill/>
-          </a:ln>
-        </p:spPr>
-        <p:style>
-          <a:lnRef idx="2">
-            <a:schemeClr val="accent6">
-              <a:shade val="50000"/>
-            </a:schemeClr>
-          </a:lnRef>
-          <a:fillRef idx="1001">
-            <a:schemeClr val="lt1"/>
-          </a:fillRef>
-          <a:effectRef idx="0">
-            <a:schemeClr val="accent6"/>
-          </a:effectRef>
-          <a:fontRef idx="minor">
-            <a:schemeClr val="lt1"/>
-          </a:fontRef>
-        </p:style>
-        <p:txBody>
-          <a:bodyPr rtlCol="0" anchor="ctr"/>
-          <a:lstStyle/>
-          <a:p>
-            <a:pPr algn="ctr"/>
-            <a:endParaRPr lang="en-US"/>
-          </a:p>
-        </p:txBody>
-      </p:sp>
-      <p:sp>
-        <p:nvSpPr>
-          <p:cNvPr id="12" name="Rectangle 11">
-            <a:extLst>
-              <a:ext uri="{FF2B5EF4-FFF2-40B4-BE49-F238E27FC236}">
-                <a16:creationId xmlns:a16="http://schemas.microsoft.com/office/drawing/2014/main" id="{59FAB3DA-E9ED-4574-ABCC-378BC0FF1BBC}"/>
-              </a:ext>
-              <a:ext uri="{C183D7F6-B498-43B3-948B-1728B52AA6E4}">
-                <adec:decorative xmlns:adec="http://schemas.microsoft.com/office/drawing/2017/decorative" val="1"/>
-              </a:ext>
-            </a:extLst>
-          </p:cNvPr>
-          <p:cNvSpPr>
-            <a:spLocks noGrp="1" noRot="1" noChangeAspect="1" noMove="1" noResize="1" noEditPoints="1" noAdjustHandles="1" noChangeArrowheads="1" noChangeShapeType="1" noTextEdit="1"/>
-          </p:cNvSpPr>
-          <p:nvPr>
-            <p:extLst>
-              <p:ext uri="{386F3935-93C4-4BCD-93E2-E3B085C9AB24}">
-                <p16:designElem xmlns:p16="http://schemas.microsoft.com/office/powerpoint/2015/main" val="1"/>
-              </p:ext>
-            </p:extLst>
-          </p:nvPr>
-        </p:nvSpPr>
-        <p:spPr>
-          <a:xfrm>
-            <a:off x="16" y="0"/>
-            <a:ext cx="4050791" cy="6858000"/>
+            <a:off x="3175" y="6400800"/>
+            <a:ext cx="12188825" cy="457200"/>
           </a:xfrm>
           <a:prstGeom prst="rect">
             <a:avLst/>
@@ -12198,131 +12007,10 @@
       </p:sp>
       <p:sp>
         <p:nvSpPr>
-          <p:cNvPr id="2" name="Title 1">
+          <p:cNvPr id="15" name="Rectangle 14">
             <a:extLst>
               <a:ext uri="{FF2B5EF4-FFF2-40B4-BE49-F238E27FC236}">
-                <a16:creationId xmlns:a16="http://schemas.microsoft.com/office/drawing/2014/main" id="{57AF72CB-6B41-4272-9C17-51C9324A4669}"/>
-              </a:ext>
-            </a:extLst>
-          </p:cNvPr>
-          <p:cNvSpPr>
-            <a:spLocks noGrp="1"/>
-          </p:cNvSpPr>
-          <p:nvPr>
-            <p:ph type="title"/>
-          </p:nvPr>
-        </p:nvSpPr>
-        <p:spPr>
-          <a:xfrm>
-            <a:off x="492370" y="516835"/>
-            <a:ext cx="3084844" cy="2103875"/>
-          </a:xfrm>
-        </p:spPr>
-        <p:txBody>
-          <a:bodyPr vert="horz" lIns="91440" tIns="45720" rIns="91440" bIns="45720" rtlCol="0" anchor="b">
-            <a:normAutofit/>
-          </a:bodyPr>
-          <a:lstStyle/>
-          <a:p>
-            <a:r>
-              <a:rPr lang="en-US" sz="3600">
-                <a:solidFill>
-                  <a:srgbClr val="FFFFFF"/>
-                </a:solidFill>
-              </a:rPr>
-              <a:t>Creating connection and Database in Postgres</a:t>
-            </a:r>
-          </a:p>
-        </p:txBody>
-      </p:sp>
-      <p:sp>
-        <p:nvSpPr>
-          <p:cNvPr id="5" name="TextBox 4">
-            <a:extLst>
-              <a:ext uri="{FF2B5EF4-FFF2-40B4-BE49-F238E27FC236}">
-                <a16:creationId xmlns:a16="http://schemas.microsoft.com/office/drawing/2014/main" id="{FA9A0FDB-16C5-4B7E-B833-9A03ED63FA40}"/>
-              </a:ext>
-            </a:extLst>
-          </p:cNvPr>
-          <p:cNvSpPr txBox="1"/>
-          <p:nvPr/>
-        </p:nvSpPr>
-        <p:spPr>
-          <a:xfrm>
-            <a:off x="492371" y="2653800"/>
-            <a:ext cx="3084844" cy="3335519"/>
-          </a:xfrm>
-          <a:prstGeom prst="rect">
-            <a:avLst/>
-          </a:prstGeom>
-        </p:spPr>
-        <p:txBody>
-          <a:bodyPr rot="0" spcFirstLastPara="0" vertOverflow="overflow" horzOverflow="overflow" vert="horz" lIns="0" tIns="45720" rIns="0" bIns="45720" numCol="1" spcCol="0" rtlCol="0" fromWordArt="0" anchorCtr="0" forceAA="0" compatLnSpc="1">
-            <a:prstTxWarp prst="textNoShape">
-              <a:avLst/>
-            </a:prstTxWarp>
-            <a:normAutofit/>
-          </a:bodyPr>
-          <a:lstStyle/>
-          <a:p>
-            <a:pPr>
-              <a:lnSpc>
-                <a:spcPct val="90000"/>
-              </a:lnSpc>
-              <a:spcAft>
-                <a:spcPts val="600"/>
-              </a:spcAft>
-              <a:buClr>
-                <a:schemeClr val="accent1"/>
-              </a:buClr>
-              <a:buFont typeface="Calibri" panose="020F0502020204030204" pitchFamily="34" charset="0"/>
-            </a:pPr>
-            <a:r>
-              <a:rPr lang="en-US">
-                <a:solidFill>
-                  <a:srgbClr val="FFFFFF"/>
-                </a:solidFill>
-                <a:latin typeface="+mn-lt"/>
-              </a:rPr>
-              <a:t>After creating the database and schema we utilized sqlalchemy and pandas to load our table and perform our query against those tables.</a:t>
-            </a:r>
-            <a:endParaRPr lang="en-US" dirty="0">
-              <a:solidFill>
-                <a:srgbClr val="FFFFFF"/>
-              </a:solidFill>
-              <a:latin typeface="+mn-lt"/>
-              <a:cs typeface="Calibri"/>
-            </a:endParaRPr>
-          </a:p>
-          <a:p>
-            <a:pPr>
-              <a:lnSpc>
-                <a:spcPct val="90000"/>
-              </a:lnSpc>
-              <a:spcAft>
-                <a:spcPts val="600"/>
-              </a:spcAft>
-              <a:buClr>
-                <a:schemeClr val="accent1"/>
-              </a:buClr>
-              <a:buFont typeface="Calibri" panose="020F0502020204030204" pitchFamily="34" charset="0"/>
-            </a:pPr>
-            <a:endParaRPr lang="en-US" dirty="0">
-              <a:solidFill>
-                <a:srgbClr val="FFFFFF"/>
-              </a:solidFill>
-              <a:latin typeface="+mn-lt"/>
-              <a:cs typeface="Calibri"/>
-            </a:endParaRPr>
-          </a:p>
-        </p:txBody>
-      </p:sp>
-      <p:sp>
-        <p:nvSpPr>
-          <p:cNvPr id="14" name="Rectangle 13">
-            <a:extLst>
-              <a:ext uri="{FF2B5EF4-FFF2-40B4-BE49-F238E27FC236}">
-                <a16:creationId xmlns:a16="http://schemas.microsoft.com/office/drawing/2014/main" id="{53B8D6B0-55D6-48DC-86D8-FD95D5F118AB}"/>
+                <a16:creationId xmlns:a16="http://schemas.microsoft.com/office/drawing/2014/main" id="{E97675C8-1328-460C-9EBF-6B446B67EAD3}"/>
               </a:ext>
               <a:ext uri="{C183D7F6-B498-43B3-948B-1728B52AA6E4}">
                 <adec:decorative xmlns:adec="http://schemas.microsoft.com/office/drawing/2017/decorative" val="1"/>
@@ -12342,8 +12030,8 @@
         </p:nvSpPr>
         <p:spPr>
           <a:xfrm>
-            <a:off x="4040071" y="0"/>
-            <a:ext cx="64008" cy="6858000"/>
+            <a:off x="15" y="6334316"/>
+            <a:ext cx="12188825" cy="64008"/>
           </a:xfrm>
           <a:prstGeom prst="rect">
             <a:avLst/>
@@ -12372,21 +12060,176 @@
           </a:fontRef>
         </p:style>
       </p:sp>
+      <p:cxnSp>
+        <p:nvCxnSpPr>
+          <p:cNvPr id="17" name="Straight Connector 16">
+            <a:extLst>
+              <a:ext uri="{FF2B5EF4-FFF2-40B4-BE49-F238E27FC236}">
+                <a16:creationId xmlns:a16="http://schemas.microsoft.com/office/drawing/2014/main" id="{514EE78B-AF71-4195-A01B-F1165D9233BF}"/>
+              </a:ext>
+              <a:ext uri="{C183D7F6-B498-43B3-948B-1728B52AA6E4}">
+                <adec:decorative xmlns:adec="http://schemas.microsoft.com/office/drawing/2017/decorative" val="1"/>
+              </a:ext>
+            </a:extLst>
+          </p:cNvPr>
+          <p:cNvCxnSpPr>
+            <a:cxnSpLocks noGrp="1" noRot="1" noChangeAspect="1" noMove="1" noResize="1" noEditPoints="1" noAdjustHandles="1" noChangeArrowheads="1" noChangeShapeType="1"/>
+          </p:cNvCxnSpPr>
+          <p:nvPr>
+            <p:extLst>
+              <p:ext uri="{386F3935-93C4-4BCD-93E2-E3B085C9AB24}">
+                <p16:designElem xmlns:p16="http://schemas.microsoft.com/office/powerpoint/2015/main" val="1"/>
+              </p:ext>
+            </p:extLst>
+          </p:nvPr>
+        </p:nvCxnSpPr>
+        <p:spPr>
+          <a:xfrm>
+            <a:off x="1207658" y="4343400"/>
+            <a:ext cx="9875520" cy="0"/>
+          </a:xfrm>
+          <a:prstGeom prst="line">
+            <a:avLst/>
+          </a:prstGeom>
+          <a:ln w="6350">
+            <a:solidFill>
+              <a:schemeClr val="tx1">
+                <a:lumMod val="50000"/>
+                <a:lumOff val="50000"/>
+              </a:schemeClr>
+            </a:solidFill>
+          </a:ln>
+        </p:spPr>
+        <p:style>
+          <a:lnRef idx="1">
+            <a:schemeClr val="accent1"/>
+          </a:lnRef>
+          <a:fillRef idx="0">
+            <a:schemeClr val="accent1"/>
+          </a:fillRef>
+          <a:effectRef idx="0">
+            <a:schemeClr val="accent1"/>
+          </a:effectRef>
+          <a:fontRef idx="minor">
+            <a:schemeClr val="tx1"/>
+          </a:fontRef>
+        </p:style>
+      </p:cxnSp>
+      <p:sp useBgFill="1">
+        <p:nvSpPr>
+          <p:cNvPr id="19" name="Rectangle 18">
+            <a:extLst>
+              <a:ext uri="{FF2B5EF4-FFF2-40B4-BE49-F238E27FC236}">
+                <a16:creationId xmlns:a16="http://schemas.microsoft.com/office/drawing/2014/main" id="{C6417104-D4C1-4710-9982-2154A7F48492}"/>
+              </a:ext>
+              <a:ext uri="{C183D7F6-B498-43B3-948B-1728B52AA6E4}">
+                <adec:decorative xmlns:adec="http://schemas.microsoft.com/office/drawing/2017/decorative" val="1"/>
+              </a:ext>
+            </a:extLst>
+          </p:cNvPr>
+          <p:cNvSpPr>
+            <a:spLocks noGrp="1" noRot="1" noChangeAspect="1" noMove="1" noResize="1" noEditPoints="1" noAdjustHandles="1" noChangeArrowheads="1" noChangeShapeType="1" noTextEdit="1"/>
+          </p:cNvSpPr>
+          <p:nvPr>
+            <p:extLst>
+              <p:ext uri="{386F3935-93C4-4BCD-93E2-E3B085C9AB24}">
+                <p16:designElem xmlns:p16="http://schemas.microsoft.com/office/powerpoint/2015/main" val="1"/>
+              </p:ext>
+            </p:extLst>
+          </p:nvPr>
+        </p:nvSpPr>
+        <p:spPr>
+          <a:xfrm>
+            <a:off x="0" y="0"/>
+            <a:ext cx="12192001" cy="6334316"/>
+          </a:xfrm>
+          <a:prstGeom prst="rect">
+            <a:avLst/>
+          </a:prstGeom>
+          <a:ln>
+            <a:noFill/>
+          </a:ln>
+        </p:spPr>
+        <p:style>
+          <a:lnRef idx="2">
+            <a:schemeClr val="accent1">
+              <a:shade val="50000"/>
+            </a:schemeClr>
+          </a:lnRef>
+          <a:fillRef idx="1">
+            <a:schemeClr val="accent1"/>
+          </a:fillRef>
+          <a:effectRef idx="0">
+            <a:schemeClr val="accent1"/>
+          </a:effectRef>
+          <a:fontRef idx="minor">
+            <a:schemeClr val="lt1"/>
+          </a:fontRef>
+        </p:style>
+        <p:txBody>
+          <a:bodyPr rtlCol="0" anchor="ctr"/>
+          <a:lstStyle/>
+          <a:p>
+            <a:pPr algn="ctr"/>
+            <a:endParaRPr lang="en-US"/>
+          </a:p>
+        </p:txBody>
+      </p:sp>
+      <p:sp>
+        <p:nvSpPr>
+          <p:cNvPr id="2" name="Title 1">
+            <a:extLst>
+              <a:ext uri="{FF2B5EF4-FFF2-40B4-BE49-F238E27FC236}">
+                <a16:creationId xmlns:a16="http://schemas.microsoft.com/office/drawing/2014/main" id="{97484EA6-3546-4935-BA8B-253C7590A7A3}"/>
+              </a:ext>
+            </a:extLst>
+          </p:cNvPr>
+          <p:cNvSpPr>
+            <a:spLocks noGrp="1"/>
+          </p:cNvSpPr>
+          <p:nvPr>
+            <p:ph type="title"/>
+          </p:nvPr>
+        </p:nvSpPr>
+        <p:spPr>
+          <a:xfrm>
+            <a:off x="633999" y="4550229"/>
+            <a:ext cx="10909073" cy="1057655"/>
+          </a:xfrm>
+        </p:spPr>
+        <p:txBody>
+          <a:bodyPr vert="horz" lIns="91440" tIns="45720" rIns="91440" bIns="45720" rtlCol="0" anchor="b">
+            <a:normAutofit/>
+          </a:bodyPr>
+          <a:lstStyle/>
+          <a:p>
+            <a:r>
+              <a:rPr lang="en-US" sz="5600">
+                <a:solidFill>
+                  <a:schemeClr val="tx1">
+                    <a:lumMod val="85000"/>
+                    <a:lumOff val="15000"/>
+                  </a:schemeClr>
+                </a:solidFill>
+              </a:rPr>
+              <a:t>Storing and cleaning the Dataframes</a:t>
+            </a:r>
+          </a:p>
+        </p:txBody>
+      </p:sp>
       <p:pic>
         <p:nvPicPr>
-          <p:cNvPr id="4" name="Picture 4" descr="Text&#10;&#10;Description automatically generated">
+          <p:cNvPr id="8" name="Picture 8" descr="A picture containing text&#10;&#10;Description automatically generated">
             <a:extLst>
               <a:ext uri="{FF2B5EF4-FFF2-40B4-BE49-F238E27FC236}">
-                <a16:creationId xmlns:a16="http://schemas.microsoft.com/office/drawing/2014/main" id="{47A4C708-2F5B-4635-9D56-ADE5B8DB5039}"/>
+                <a16:creationId xmlns:a16="http://schemas.microsoft.com/office/drawing/2014/main" id="{DA3B7E85-9D1A-4ECA-94D2-FFCA7AC7B1AF}"/>
               </a:ext>
             </a:extLst>
           </p:cNvPr>
           <p:cNvPicPr>
-            <a:picLocks noGrp="1" noChangeAspect="1"/>
+            <a:picLocks noChangeAspect="1"/>
           </p:cNvPicPr>
-          <p:nvPr>
-            <p:ph sz="quarter" idx="13"/>
-          </p:nvPr>
+          <p:nvPr/>
         </p:nvPicPr>
         <p:blipFill>
           <a:blip r:embed="rId2"/>
@@ -12396,18 +12239,358 @@
         </p:blipFill>
         <p:spPr>
           <a:xfrm>
-            <a:off x="4742017" y="1385911"/>
-            <a:ext cx="6798082" cy="4086178"/>
+            <a:off x="6219078" y="2087413"/>
+            <a:ext cx="5880514" cy="694932"/>
           </a:xfrm>
           <a:prstGeom prst="rect">
             <a:avLst/>
           </a:prstGeom>
         </p:spPr>
       </p:pic>
+      <p:sp>
+        <p:nvSpPr>
+          <p:cNvPr id="21" name="Rectangle 20">
+            <a:extLst>
+              <a:ext uri="{FF2B5EF4-FFF2-40B4-BE49-F238E27FC236}">
+                <a16:creationId xmlns:a16="http://schemas.microsoft.com/office/drawing/2014/main" id="{626F1402-2DEC-4071-84AF-350C7BF00D43}"/>
+              </a:ext>
+              <a:ext uri="{C183D7F6-B498-43B3-948B-1728B52AA6E4}">
+                <adec:decorative xmlns:adec="http://schemas.microsoft.com/office/drawing/2017/decorative" val="1"/>
+              </a:ext>
+            </a:extLst>
+          </p:cNvPr>
+          <p:cNvSpPr>
+            <a:spLocks noGrp="1" noRot="1" noChangeAspect="1" noMove="1" noResize="1" noEditPoints="1" noAdjustHandles="1" noChangeArrowheads="1" noChangeShapeType="1" noTextEdit="1"/>
+          </p:cNvSpPr>
+          <p:nvPr>
+            <p:extLst>
+              <p:ext uri="{386F3935-93C4-4BCD-93E2-E3B085C9AB24}">
+                <p16:designElem xmlns:p16="http://schemas.microsoft.com/office/powerpoint/2015/main" val="1"/>
+              </p:ext>
+            </p:extLst>
+          </p:nvPr>
+        </p:nvSpPr>
+        <p:spPr>
+          <a:xfrm>
+            <a:off x="6063996" y="886968"/>
+            <a:ext cx="64008" cy="3108960"/>
+          </a:xfrm>
+          <a:prstGeom prst="rect">
+            <a:avLst/>
+          </a:prstGeom>
+          <a:ln>
+            <a:noFill/>
+          </a:ln>
+        </p:spPr>
+        <p:style>
+          <a:lnRef idx="2">
+            <a:schemeClr val="accent1">
+              <a:shade val="50000"/>
+            </a:schemeClr>
+          </a:lnRef>
+          <a:fillRef idx="1">
+            <a:schemeClr val="accent1"/>
+          </a:fillRef>
+          <a:effectRef idx="0">
+            <a:schemeClr val="accent1"/>
+          </a:effectRef>
+          <a:fontRef idx="minor">
+            <a:schemeClr val="lt1"/>
+          </a:fontRef>
+        </p:style>
+        <p:txBody>
+          <a:bodyPr rtlCol="0" anchor="ctr"/>
+          <a:lstStyle/>
+          <a:p>
+            <a:pPr algn="ctr"/>
+            <a:endParaRPr lang="en-US"/>
+          </a:p>
+        </p:txBody>
+      </p:sp>
+      <p:pic>
+        <p:nvPicPr>
+          <p:cNvPr id="7" name="Picture 7" descr="Graphical user interface, text&#10;&#10;Description automatically generated">
+            <a:extLst>
+              <a:ext uri="{FF2B5EF4-FFF2-40B4-BE49-F238E27FC236}">
+                <a16:creationId xmlns:a16="http://schemas.microsoft.com/office/drawing/2014/main" id="{EBE4FA43-55BC-477E-B4E4-A8BBE767139F}"/>
+              </a:ext>
+            </a:extLst>
+          </p:cNvPr>
+          <p:cNvPicPr>
+            <a:picLocks noGrp="1" noChangeAspect="1"/>
+          </p:cNvPicPr>
+          <p:nvPr>
+            <p:ph sz="half" idx="1"/>
+          </p:nvPr>
+        </p:nvPicPr>
+        <p:blipFill>
+          <a:blip r:embed="rId3"/>
+          <a:stretch>
+            <a:fillRect/>
+          </a:stretch>
+        </p:blipFill>
+        <p:spPr>
+          <a:xfrm>
+            <a:off x="631063" y="1936027"/>
+            <a:ext cx="5118182" cy="1010841"/>
+          </a:xfrm>
+          <a:prstGeom prst="rect">
+            <a:avLst/>
+          </a:prstGeom>
+        </p:spPr>
+      </p:pic>
+      <p:cxnSp>
+        <p:nvCxnSpPr>
+          <p:cNvPr id="23" name="Straight Connector 22">
+            <a:extLst>
+              <a:ext uri="{FF2B5EF4-FFF2-40B4-BE49-F238E27FC236}">
+                <a16:creationId xmlns:a16="http://schemas.microsoft.com/office/drawing/2014/main" id="{04733B62-1719-4677-A612-CA0AC0AD7482}"/>
+              </a:ext>
+              <a:ext uri="{C183D7F6-B498-43B3-948B-1728B52AA6E4}">
+                <adec:decorative xmlns:adec="http://schemas.microsoft.com/office/drawing/2017/decorative" val="1"/>
+              </a:ext>
+            </a:extLst>
+          </p:cNvPr>
+          <p:cNvCxnSpPr>
+            <a:cxnSpLocks noGrp="1" noRot="1" noChangeAspect="1" noMove="1" noResize="1" noEditPoints="1" noAdjustHandles="1" noChangeArrowheads="1" noChangeShapeType="1"/>
+          </p:cNvCxnSpPr>
+          <p:nvPr>
+            <p:extLst>
+              <p:ext uri="{386F3935-93C4-4BCD-93E2-E3B085C9AB24}">
+                <p16:designElem xmlns:p16="http://schemas.microsoft.com/office/powerpoint/2015/main" val="1"/>
+              </p:ext>
+            </p:extLst>
+          </p:nvPr>
+        </p:nvCxnSpPr>
+        <p:spPr>
+          <a:xfrm>
+            <a:off x="721086" y="5618770"/>
+            <a:ext cx="10515600" cy="0"/>
+          </a:xfrm>
+          <a:prstGeom prst="line">
+            <a:avLst/>
+          </a:prstGeom>
+          <a:ln w="6350">
+            <a:solidFill>
+              <a:schemeClr val="tx2">
+                <a:alpha val="90000"/>
+              </a:schemeClr>
+            </a:solidFill>
+          </a:ln>
+        </p:spPr>
+        <p:style>
+          <a:lnRef idx="1">
+            <a:schemeClr val="accent1"/>
+          </a:lnRef>
+          <a:fillRef idx="0">
+            <a:schemeClr val="accent1"/>
+          </a:fillRef>
+          <a:effectRef idx="0">
+            <a:schemeClr val="accent1"/>
+          </a:effectRef>
+          <a:fontRef idx="minor">
+            <a:schemeClr val="tx1"/>
+          </a:fontRef>
+        </p:style>
+      </p:cxnSp>
+      <p:sp>
+        <p:nvSpPr>
+          <p:cNvPr id="25" name="Rectangle 24">
+            <a:extLst>
+              <a:ext uri="{FF2B5EF4-FFF2-40B4-BE49-F238E27FC236}">
+                <a16:creationId xmlns:a16="http://schemas.microsoft.com/office/drawing/2014/main" id="{DA52A394-10F4-4AA5-90E4-634D1E919DBA}"/>
+              </a:ext>
+              <a:ext uri="{C183D7F6-B498-43B3-948B-1728B52AA6E4}">
+                <adec:decorative xmlns:adec="http://schemas.microsoft.com/office/drawing/2017/decorative" val="1"/>
+              </a:ext>
+            </a:extLst>
+          </p:cNvPr>
+          <p:cNvSpPr>
+            <a:spLocks noGrp="1" noRot="1" noChangeAspect="1" noMove="1" noResize="1" noEditPoints="1" noAdjustHandles="1" noChangeArrowheads="1" noChangeShapeType="1" noTextEdit="1"/>
+          </p:cNvSpPr>
+          <p:nvPr>
+            <p:extLst>
+              <p:ext uri="{386F3935-93C4-4BCD-93E2-E3B085C9AB24}">
+                <p16:designElem xmlns:p16="http://schemas.microsoft.com/office/powerpoint/2015/main" val="1"/>
+              </p:ext>
+            </p:extLst>
+          </p:nvPr>
+        </p:nvSpPr>
+        <p:spPr>
+          <a:xfrm>
+            <a:off x="15" y="6334316"/>
+            <a:ext cx="12191985" cy="66484"/>
+          </a:xfrm>
+          <a:prstGeom prst="rect">
+            <a:avLst/>
+          </a:prstGeom>
+          <a:solidFill>
+            <a:schemeClr val="accent1"/>
+          </a:solidFill>
+          <a:ln>
+            <a:noFill/>
+          </a:ln>
+        </p:spPr>
+        <p:style>
+          <a:lnRef idx="2">
+            <a:schemeClr val="accent1">
+              <a:shade val="50000"/>
+            </a:schemeClr>
+          </a:lnRef>
+          <a:fillRef idx="1">
+            <a:schemeClr val="accent1"/>
+          </a:fillRef>
+          <a:effectRef idx="0">
+            <a:schemeClr val="accent1"/>
+          </a:effectRef>
+          <a:fontRef idx="minor">
+            <a:schemeClr val="lt1"/>
+          </a:fontRef>
+        </p:style>
+      </p:sp>
+      <p:sp>
+        <p:nvSpPr>
+          <p:cNvPr id="27" name="Rectangle 26">
+            <a:extLst>
+              <a:ext uri="{FF2B5EF4-FFF2-40B4-BE49-F238E27FC236}">
+                <a16:creationId xmlns:a16="http://schemas.microsoft.com/office/drawing/2014/main" id="{07BDDC51-8BB2-42BE-8EA8-39B3E9AC1EF6}"/>
+              </a:ext>
+              <a:ext uri="{C183D7F6-B498-43B3-948B-1728B52AA6E4}">
+                <adec:decorative xmlns:adec="http://schemas.microsoft.com/office/drawing/2017/decorative" val="1"/>
+              </a:ext>
+            </a:extLst>
+          </p:cNvPr>
+          <p:cNvSpPr>
+            <a:spLocks noGrp="1" noRot="1" noChangeAspect="1" noMove="1" noResize="1" noEditPoints="1" noAdjustHandles="1" noChangeArrowheads="1" noChangeShapeType="1" noTextEdit="1"/>
+          </p:cNvSpPr>
+          <p:nvPr>
+            <p:extLst>
+              <p:ext uri="{386F3935-93C4-4BCD-93E2-E3B085C9AB24}">
+                <p16:designElem xmlns:p16="http://schemas.microsoft.com/office/powerpoint/2015/main" val="1"/>
+              </p:ext>
+            </p:extLst>
+          </p:nvPr>
+        </p:nvSpPr>
+        <p:spPr>
+          <a:xfrm>
+            <a:off x="1" y="6400800"/>
+            <a:ext cx="12192000" cy="457200"/>
+          </a:xfrm>
+          <a:prstGeom prst="rect">
+            <a:avLst/>
+          </a:prstGeom>
+          <a:solidFill>
+            <a:schemeClr val="accent2"/>
+          </a:solidFill>
+          <a:ln>
+            <a:noFill/>
+          </a:ln>
+        </p:spPr>
+        <p:style>
+          <a:lnRef idx="2">
+            <a:schemeClr val="accent1">
+              <a:shade val="50000"/>
+            </a:schemeClr>
+          </a:lnRef>
+          <a:fillRef idx="1">
+            <a:schemeClr val="accent1"/>
+          </a:fillRef>
+          <a:effectRef idx="0">
+            <a:schemeClr val="accent1"/>
+          </a:effectRef>
+          <a:fontRef idx="minor">
+            <a:schemeClr val="lt1"/>
+          </a:fontRef>
+        </p:style>
+      </p:sp>
+      <p:sp>
+        <p:nvSpPr>
+          <p:cNvPr id="14" name="TextBox 13">
+            <a:extLst>
+              <a:ext uri="{FF2B5EF4-FFF2-40B4-BE49-F238E27FC236}">
+                <a16:creationId xmlns:a16="http://schemas.microsoft.com/office/drawing/2014/main" id="{261E1C79-FECC-4B0D-ACEE-EA995C962DA9}"/>
+              </a:ext>
+            </a:extLst>
+          </p:cNvPr>
+          <p:cNvSpPr txBox="1"/>
+          <p:nvPr/>
+        </p:nvSpPr>
+        <p:spPr>
+          <a:xfrm>
+            <a:off x="1820917" y="3239814"/>
+            <a:ext cx="2743200" cy="369332"/>
+          </a:xfrm>
+          <a:prstGeom prst="rect">
+            <a:avLst/>
+          </a:prstGeom>
+          <a:noFill/>
+        </p:spPr>
+        <p:txBody>
+          <a:bodyPr rot="0" spcFirstLastPara="0" vertOverflow="overflow" horzOverflow="overflow" vert="horz" wrap="square" lIns="91440" tIns="45720" rIns="91440" bIns="45720" numCol="1" spcCol="0" rtlCol="0" fromWordArt="0" anchor="t" anchorCtr="0" forceAA="0" compatLnSpc="1">
+            <a:prstTxWarp prst="textNoShape">
+              <a:avLst/>
+            </a:prstTxWarp>
+            <a:spAutoFit/>
+          </a:bodyPr>
+          <a:lstStyle/>
+          <a:p>
+            <a:r>
+              <a:rPr lang="en-US">
+                <a:latin typeface="Arial"/>
+                <a:cs typeface="Arial"/>
+              </a:rPr>
+              <a:t>Read the CSV</a:t>
+            </a:r>
+            <a:endParaRPr lang="en-US"/>
+          </a:p>
+        </p:txBody>
+      </p:sp>
+      <p:sp>
+        <p:nvSpPr>
+          <p:cNvPr id="22" name="TextBox 21">
+            <a:extLst>
+              <a:ext uri="{FF2B5EF4-FFF2-40B4-BE49-F238E27FC236}">
+                <a16:creationId xmlns:a16="http://schemas.microsoft.com/office/drawing/2014/main" id="{4EDDB516-A7EC-46D6-832C-F5975BCC2383}"/>
+              </a:ext>
+            </a:extLst>
+          </p:cNvPr>
+          <p:cNvSpPr txBox="1"/>
+          <p:nvPr/>
+        </p:nvSpPr>
+        <p:spPr>
+          <a:xfrm>
+            <a:off x="7798675" y="3160986"/>
+            <a:ext cx="2743200" cy="369332"/>
+          </a:xfrm>
+          <a:prstGeom prst="rect">
+            <a:avLst/>
+          </a:prstGeom>
+          <a:noFill/>
+        </p:spPr>
+        <p:txBody>
+          <a:bodyPr rot="0" spcFirstLastPara="0" vertOverflow="overflow" horzOverflow="overflow" vert="horz" wrap="square" lIns="91440" tIns="45720" rIns="91440" bIns="45720" numCol="1" spcCol="0" rtlCol="0" fromWordArt="0" anchor="t" anchorCtr="0" forceAA="0" compatLnSpc="1">
+            <a:prstTxWarp prst="textNoShape">
+              <a:avLst/>
+            </a:prstTxWarp>
+            <a:spAutoFit/>
+          </a:bodyPr>
+          <a:lstStyle/>
+          <a:p>
+            <a:r>
+              <a:rPr lang="en-US">
+                <a:latin typeface="Arial"/>
+                <a:cs typeface="Arial"/>
+              </a:rPr>
+              <a:t>Rename the columns</a:t>
+            </a:r>
+            <a:endParaRPr lang="en-US"/>
+          </a:p>
+        </p:txBody>
+      </p:sp>
     </p:spTree>
     <p:extLst>
       <p:ext uri="{BB962C8B-B14F-4D97-AF65-F5344CB8AC3E}">
-        <p14:creationId xmlns:p14="http://schemas.microsoft.com/office/powerpoint/2010/main" val="2179557535"/>
+        <p14:creationId xmlns:p14="http://schemas.microsoft.com/office/powerpoint/2010/main" val="307389343"/>
       </p:ext>
     </p:extLst>
   </p:cSld>
@@ -12709,12 +12892,327 @@
           </a:p>
         </p:txBody>
       </p:sp>
+      <p:sp>
+        <p:nvSpPr>
+          <p:cNvPr id="21" name="Rectangle 20">
+            <a:extLst>
+              <a:ext uri="{FF2B5EF4-FFF2-40B4-BE49-F238E27FC236}">
+                <a16:creationId xmlns:a16="http://schemas.microsoft.com/office/drawing/2014/main" id="{626F1402-2DEC-4071-84AF-350C7BF00D43}"/>
+              </a:ext>
+              <a:ext uri="{C183D7F6-B498-43B3-948B-1728B52AA6E4}">
+                <adec:decorative xmlns:adec="http://schemas.microsoft.com/office/drawing/2017/decorative" val="1"/>
+              </a:ext>
+            </a:extLst>
+          </p:cNvPr>
+          <p:cNvSpPr>
+            <a:spLocks noGrp="1" noRot="1" noChangeAspect="1" noMove="1" noResize="1" noEditPoints="1" noAdjustHandles="1" noChangeArrowheads="1" noChangeShapeType="1" noTextEdit="1"/>
+          </p:cNvSpPr>
+          <p:nvPr>
+            <p:extLst>
+              <p:ext uri="{386F3935-93C4-4BCD-93E2-E3B085C9AB24}">
+                <p16:designElem xmlns:p16="http://schemas.microsoft.com/office/powerpoint/2015/main" val="1"/>
+              </p:ext>
+            </p:extLst>
+          </p:nvPr>
+        </p:nvSpPr>
+        <p:spPr>
+          <a:xfrm>
+            <a:off x="6063996" y="886968"/>
+            <a:ext cx="64008" cy="3108960"/>
+          </a:xfrm>
+          <a:prstGeom prst="rect">
+            <a:avLst/>
+          </a:prstGeom>
+          <a:ln>
+            <a:noFill/>
+          </a:ln>
+        </p:spPr>
+        <p:style>
+          <a:lnRef idx="2">
+            <a:schemeClr val="accent1">
+              <a:shade val="50000"/>
+            </a:schemeClr>
+          </a:lnRef>
+          <a:fillRef idx="1">
+            <a:schemeClr val="accent1"/>
+          </a:fillRef>
+          <a:effectRef idx="0">
+            <a:schemeClr val="accent1"/>
+          </a:effectRef>
+          <a:fontRef idx="minor">
+            <a:schemeClr val="lt1"/>
+          </a:fontRef>
+        </p:style>
+        <p:txBody>
+          <a:bodyPr rtlCol="0" anchor="ctr"/>
+          <a:lstStyle/>
+          <a:p>
+            <a:pPr algn="ctr"/>
+            <a:endParaRPr lang="en-US"/>
+          </a:p>
+        </p:txBody>
+      </p:sp>
+      <p:cxnSp>
+        <p:nvCxnSpPr>
+          <p:cNvPr id="23" name="Straight Connector 22">
+            <a:extLst>
+              <a:ext uri="{FF2B5EF4-FFF2-40B4-BE49-F238E27FC236}">
+                <a16:creationId xmlns:a16="http://schemas.microsoft.com/office/drawing/2014/main" id="{04733B62-1719-4677-A612-CA0AC0AD7482}"/>
+              </a:ext>
+              <a:ext uri="{C183D7F6-B498-43B3-948B-1728B52AA6E4}">
+                <adec:decorative xmlns:adec="http://schemas.microsoft.com/office/drawing/2017/decorative" val="1"/>
+              </a:ext>
+            </a:extLst>
+          </p:cNvPr>
+          <p:cNvCxnSpPr>
+            <a:cxnSpLocks noGrp="1" noRot="1" noChangeAspect="1" noMove="1" noResize="1" noEditPoints="1" noAdjustHandles="1" noChangeArrowheads="1" noChangeShapeType="1"/>
+          </p:cNvCxnSpPr>
+          <p:nvPr>
+            <p:extLst>
+              <p:ext uri="{386F3935-93C4-4BCD-93E2-E3B085C9AB24}">
+                <p16:designElem xmlns:p16="http://schemas.microsoft.com/office/powerpoint/2015/main" val="1"/>
+              </p:ext>
+            </p:extLst>
+          </p:nvPr>
+        </p:nvCxnSpPr>
+        <p:spPr>
+          <a:xfrm>
+            <a:off x="721086" y="5618770"/>
+            <a:ext cx="10515600" cy="0"/>
+          </a:xfrm>
+          <a:prstGeom prst="line">
+            <a:avLst/>
+          </a:prstGeom>
+          <a:ln w="6350">
+            <a:solidFill>
+              <a:schemeClr val="tx2">
+                <a:alpha val="90000"/>
+              </a:schemeClr>
+            </a:solidFill>
+          </a:ln>
+        </p:spPr>
+        <p:style>
+          <a:lnRef idx="1">
+            <a:schemeClr val="accent1"/>
+          </a:lnRef>
+          <a:fillRef idx="0">
+            <a:schemeClr val="accent1"/>
+          </a:fillRef>
+          <a:effectRef idx="0">
+            <a:schemeClr val="accent1"/>
+          </a:effectRef>
+          <a:fontRef idx="minor">
+            <a:schemeClr val="tx1"/>
+          </a:fontRef>
+        </p:style>
+      </p:cxnSp>
+      <p:sp>
+        <p:nvSpPr>
+          <p:cNvPr id="25" name="Rectangle 24">
+            <a:extLst>
+              <a:ext uri="{FF2B5EF4-FFF2-40B4-BE49-F238E27FC236}">
+                <a16:creationId xmlns:a16="http://schemas.microsoft.com/office/drawing/2014/main" id="{DA52A394-10F4-4AA5-90E4-634D1E919DBA}"/>
+              </a:ext>
+              <a:ext uri="{C183D7F6-B498-43B3-948B-1728B52AA6E4}">
+                <adec:decorative xmlns:adec="http://schemas.microsoft.com/office/drawing/2017/decorative" val="1"/>
+              </a:ext>
+            </a:extLst>
+          </p:cNvPr>
+          <p:cNvSpPr>
+            <a:spLocks noGrp="1" noRot="1" noChangeAspect="1" noMove="1" noResize="1" noEditPoints="1" noAdjustHandles="1" noChangeArrowheads="1" noChangeShapeType="1" noTextEdit="1"/>
+          </p:cNvSpPr>
+          <p:nvPr>
+            <p:extLst>
+              <p:ext uri="{386F3935-93C4-4BCD-93E2-E3B085C9AB24}">
+                <p16:designElem xmlns:p16="http://schemas.microsoft.com/office/powerpoint/2015/main" val="1"/>
+              </p:ext>
+            </p:extLst>
+          </p:nvPr>
+        </p:nvSpPr>
+        <p:spPr>
+          <a:xfrm>
+            <a:off x="15" y="6334316"/>
+            <a:ext cx="12191985" cy="66484"/>
+          </a:xfrm>
+          <a:prstGeom prst="rect">
+            <a:avLst/>
+          </a:prstGeom>
+          <a:solidFill>
+            <a:schemeClr val="accent1"/>
+          </a:solidFill>
+          <a:ln>
+            <a:noFill/>
+          </a:ln>
+        </p:spPr>
+        <p:style>
+          <a:lnRef idx="2">
+            <a:schemeClr val="accent1">
+              <a:shade val="50000"/>
+            </a:schemeClr>
+          </a:lnRef>
+          <a:fillRef idx="1">
+            <a:schemeClr val="accent1"/>
+          </a:fillRef>
+          <a:effectRef idx="0">
+            <a:schemeClr val="accent1"/>
+          </a:effectRef>
+          <a:fontRef idx="minor">
+            <a:schemeClr val="lt1"/>
+          </a:fontRef>
+        </p:style>
+      </p:sp>
+      <p:sp>
+        <p:nvSpPr>
+          <p:cNvPr id="27" name="Rectangle 26">
+            <a:extLst>
+              <a:ext uri="{FF2B5EF4-FFF2-40B4-BE49-F238E27FC236}">
+                <a16:creationId xmlns:a16="http://schemas.microsoft.com/office/drawing/2014/main" id="{07BDDC51-8BB2-42BE-8EA8-39B3E9AC1EF6}"/>
+              </a:ext>
+              <a:ext uri="{C183D7F6-B498-43B3-948B-1728B52AA6E4}">
+                <adec:decorative xmlns:adec="http://schemas.microsoft.com/office/drawing/2017/decorative" val="1"/>
+              </a:ext>
+            </a:extLst>
+          </p:cNvPr>
+          <p:cNvSpPr>
+            <a:spLocks noGrp="1" noRot="1" noChangeAspect="1" noMove="1" noResize="1" noEditPoints="1" noAdjustHandles="1" noChangeArrowheads="1" noChangeShapeType="1" noTextEdit="1"/>
+          </p:cNvSpPr>
+          <p:nvPr>
+            <p:extLst>
+              <p:ext uri="{386F3935-93C4-4BCD-93E2-E3B085C9AB24}">
+                <p16:designElem xmlns:p16="http://schemas.microsoft.com/office/powerpoint/2015/main" val="1"/>
+              </p:ext>
+            </p:extLst>
+          </p:nvPr>
+        </p:nvSpPr>
+        <p:spPr>
+          <a:xfrm>
+            <a:off x="1" y="6400800"/>
+            <a:ext cx="12192000" cy="457200"/>
+          </a:xfrm>
+          <a:prstGeom prst="rect">
+            <a:avLst/>
+          </a:prstGeom>
+          <a:solidFill>
+            <a:schemeClr val="accent2"/>
+          </a:solidFill>
+          <a:ln>
+            <a:noFill/>
+          </a:ln>
+        </p:spPr>
+        <p:style>
+          <a:lnRef idx="2">
+            <a:schemeClr val="accent1">
+              <a:shade val="50000"/>
+            </a:schemeClr>
+          </a:lnRef>
+          <a:fillRef idx="1">
+            <a:schemeClr val="accent1"/>
+          </a:fillRef>
+          <a:effectRef idx="0">
+            <a:schemeClr val="accent1"/>
+          </a:effectRef>
+          <a:fontRef idx="minor">
+            <a:schemeClr val="lt1"/>
+          </a:fontRef>
+        </p:style>
+      </p:sp>
+      <p:sp>
+        <p:nvSpPr>
+          <p:cNvPr id="14" name="TextBox 13">
+            <a:extLst>
+              <a:ext uri="{FF2B5EF4-FFF2-40B4-BE49-F238E27FC236}">
+                <a16:creationId xmlns:a16="http://schemas.microsoft.com/office/drawing/2014/main" id="{261E1C79-FECC-4B0D-ACEE-EA995C962DA9}"/>
+              </a:ext>
+            </a:extLst>
+          </p:cNvPr>
+          <p:cNvSpPr txBox="1"/>
+          <p:nvPr/>
+        </p:nvSpPr>
+        <p:spPr>
+          <a:xfrm>
+            <a:off x="1820917" y="3239814"/>
+            <a:ext cx="2743200" cy="369332"/>
+          </a:xfrm>
+          <a:prstGeom prst="rect">
+            <a:avLst/>
+          </a:prstGeom>
+          <a:noFill/>
+        </p:spPr>
+        <p:txBody>
+          <a:bodyPr rot="0" spcFirstLastPara="0" vertOverflow="overflow" horzOverflow="overflow" vert="horz" wrap="square" lIns="91440" tIns="45720" rIns="91440" bIns="45720" numCol="1" spcCol="0" rtlCol="0" fromWordArt="0" anchor="t" anchorCtr="0" forceAA="0" compatLnSpc="1">
+            <a:prstTxWarp prst="textNoShape">
+              <a:avLst/>
+            </a:prstTxWarp>
+            <a:spAutoFit/>
+          </a:bodyPr>
+          <a:lstStyle/>
+          <a:p>
+            <a:r>
+              <a:rPr lang="en-US">
+                <a:latin typeface="Arial"/>
+                <a:cs typeface="Arial"/>
+              </a:rPr>
+              <a:t>Reset the index</a:t>
+            </a:r>
+            <a:endParaRPr lang="en-US"/>
+          </a:p>
+        </p:txBody>
+      </p:sp>
+      <p:sp>
+        <p:nvSpPr>
+          <p:cNvPr id="22" name="TextBox 21">
+            <a:extLst>
+              <a:ext uri="{FF2B5EF4-FFF2-40B4-BE49-F238E27FC236}">
+                <a16:creationId xmlns:a16="http://schemas.microsoft.com/office/drawing/2014/main" id="{4EDDB516-A7EC-46D6-832C-F5975BCC2383}"/>
+              </a:ext>
+            </a:extLst>
+          </p:cNvPr>
+          <p:cNvSpPr txBox="1"/>
+          <p:nvPr/>
+        </p:nvSpPr>
+        <p:spPr>
+          <a:xfrm>
+            <a:off x="7798675" y="3160986"/>
+            <a:ext cx="3111062" cy="369332"/>
+          </a:xfrm>
+          <a:prstGeom prst="rect">
+            <a:avLst/>
+          </a:prstGeom>
+          <a:noFill/>
+        </p:spPr>
+        <p:txBody>
+          <a:bodyPr rot="0" spcFirstLastPara="0" vertOverflow="overflow" horzOverflow="overflow" vert="horz" wrap="square" lIns="91440" tIns="45720" rIns="91440" bIns="45720" numCol="1" spcCol="0" rtlCol="0" fromWordArt="0" anchor="t" anchorCtr="0" forceAA="0" compatLnSpc="1">
+            <a:prstTxWarp prst="textNoShape">
+              <a:avLst/>
+            </a:prstTxWarp>
+            <a:spAutoFit/>
+          </a:bodyPr>
+          <a:lstStyle/>
+          <a:p>
+            <a:r>
+              <a:rPr lang="en-US" dirty="0">
+                <a:latin typeface="Arial"/>
+                <a:cs typeface="Arial"/>
+              </a:rPr>
+              <a:t>Clean up the 'state' </a:t>
+            </a:r>
+            <a:r>
+              <a:rPr lang="en-US">
+                <a:latin typeface="Arial"/>
+                <a:cs typeface="Arial"/>
+              </a:rPr>
+              <a:t>column</a:t>
+            </a:r>
+            <a:endParaRPr lang="en-US"/>
+          </a:p>
+        </p:txBody>
+      </p:sp>
       <p:pic>
         <p:nvPicPr>
-          <p:cNvPr id="8" name="Picture 8" descr="A picture containing text&#10;&#10;Description automatically generated">
+          <p:cNvPr id="3" name="Picture 3" descr="Graphical user interface, text&#10;&#10;Description automatically generated">
             <a:extLst>
               <a:ext uri="{FF2B5EF4-FFF2-40B4-BE49-F238E27FC236}">
-                <a16:creationId xmlns:a16="http://schemas.microsoft.com/office/drawing/2014/main" id="{DA3B7E85-9D1A-4ECA-94D2-FFCA7AC7B1AF}"/>
+                <a16:creationId xmlns:a16="http://schemas.microsoft.com/office/drawing/2014/main" id="{F837897F-F7A6-4177-AFE4-89AE6BE776E7}"/>
               </a:ext>
             </a:extLst>
           </p:cNvPr>
@@ -12731,89 +13229,27 @@
         </p:blipFill>
         <p:spPr>
           <a:xfrm>
-            <a:off x="6219078" y="2087413"/>
-            <a:ext cx="5880514" cy="694932"/>
+            <a:off x="559676" y="1534952"/>
+            <a:ext cx="5252544" cy="910892"/>
           </a:xfrm>
           <a:prstGeom prst="rect">
             <a:avLst/>
           </a:prstGeom>
         </p:spPr>
       </p:pic>
-      <p:sp>
-        <p:nvSpPr>
-          <p:cNvPr id="21" name="Rectangle 20">
+      <p:pic>
+        <p:nvPicPr>
+          <p:cNvPr id="9" name="Picture 9" descr="Text&#10;&#10;Description automatically generated">
             <a:extLst>
               <a:ext uri="{FF2B5EF4-FFF2-40B4-BE49-F238E27FC236}">
-                <a16:creationId xmlns:a16="http://schemas.microsoft.com/office/drawing/2014/main" id="{626F1402-2DEC-4071-84AF-350C7BF00D43}"/>
-              </a:ext>
-              <a:ext uri="{C183D7F6-B498-43B3-948B-1728B52AA6E4}">
-                <adec:decorative xmlns:adec="http://schemas.microsoft.com/office/drawing/2017/decorative" val="1"/>
-              </a:ext>
-            </a:extLst>
-          </p:cNvPr>
-          <p:cNvSpPr>
-            <a:spLocks noGrp="1" noRot="1" noChangeAspect="1" noMove="1" noResize="1" noEditPoints="1" noAdjustHandles="1" noChangeArrowheads="1" noChangeShapeType="1" noTextEdit="1"/>
-          </p:cNvSpPr>
-          <p:nvPr>
-            <p:extLst>
-              <p:ext uri="{386F3935-93C4-4BCD-93E2-E3B085C9AB24}">
-                <p16:designElem xmlns:p16="http://schemas.microsoft.com/office/powerpoint/2015/main" val="1"/>
-              </p:ext>
-            </p:extLst>
-          </p:nvPr>
-        </p:nvSpPr>
-        <p:spPr>
-          <a:xfrm>
-            <a:off x="6063996" y="886968"/>
-            <a:ext cx="64008" cy="3108960"/>
-          </a:xfrm>
-          <a:prstGeom prst="rect">
-            <a:avLst/>
-          </a:prstGeom>
-          <a:ln>
-            <a:noFill/>
-          </a:ln>
-        </p:spPr>
-        <p:style>
-          <a:lnRef idx="2">
-            <a:schemeClr val="accent1">
-              <a:shade val="50000"/>
-            </a:schemeClr>
-          </a:lnRef>
-          <a:fillRef idx="1">
-            <a:schemeClr val="accent1"/>
-          </a:fillRef>
-          <a:effectRef idx="0">
-            <a:schemeClr val="accent1"/>
-          </a:effectRef>
-          <a:fontRef idx="minor">
-            <a:schemeClr val="lt1"/>
-          </a:fontRef>
-        </p:style>
-        <p:txBody>
-          <a:bodyPr rtlCol="0" anchor="ctr"/>
-          <a:lstStyle/>
-          <a:p>
-            <a:pPr algn="ctr"/>
-            <a:endParaRPr lang="en-US"/>
-          </a:p>
-        </p:txBody>
-      </p:sp>
-      <p:pic>
-        <p:nvPicPr>
-          <p:cNvPr id="7" name="Picture 7" descr="Graphical user interface, text&#10;&#10;Description automatically generated">
-            <a:extLst>
-              <a:ext uri="{FF2B5EF4-FFF2-40B4-BE49-F238E27FC236}">
-                <a16:creationId xmlns:a16="http://schemas.microsoft.com/office/drawing/2014/main" id="{EBE4FA43-55BC-477E-B4E4-A8BBE767139F}"/>
+                <a16:creationId xmlns:a16="http://schemas.microsoft.com/office/drawing/2014/main" id="{B58A46DE-E37D-4563-8184-0D6EC27AFF97}"/>
               </a:ext>
             </a:extLst>
           </p:cNvPr>
           <p:cNvPicPr>
-            <a:picLocks noGrp="1" noChangeAspect="1"/>
+            <a:picLocks noChangeAspect="1"/>
           </p:cNvPicPr>
-          <p:nvPr>
-            <p:ph sz="half" idx="1"/>
-          </p:nvPr>
+          <p:nvPr/>
         </p:nvPicPr>
         <p:blipFill>
           <a:blip r:embed="rId3"/>
@@ -12823,266 +13259,18 @@
         </p:blipFill>
         <p:spPr>
           <a:xfrm>
-            <a:off x="631063" y="1936027"/>
-            <a:ext cx="5118182" cy="1010841"/>
+            <a:off x="6879021" y="644056"/>
+            <a:ext cx="4582510" cy="2390510"/>
           </a:xfrm>
           <a:prstGeom prst="rect">
             <a:avLst/>
           </a:prstGeom>
         </p:spPr>
       </p:pic>
-      <p:cxnSp>
-        <p:nvCxnSpPr>
-          <p:cNvPr id="23" name="Straight Connector 22">
-            <a:extLst>
-              <a:ext uri="{FF2B5EF4-FFF2-40B4-BE49-F238E27FC236}">
-                <a16:creationId xmlns:a16="http://schemas.microsoft.com/office/drawing/2014/main" id="{04733B62-1719-4677-A612-CA0AC0AD7482}"/>
-              </a:ext>
-              <a:ext uri="{C183D7F6-B498-43B3-948B-1728B52AA6E4}">
-                <adec:decorative xmlns:adec="http://schemas.microsoft.com/office/drawing/2017/decorative" val="1"/>
-              </a:ext>
-            </a:extLst>
-          </p:cNvPr>
-          <p:cNvCxnSpPr>
-            <a:cxnSpLocks noGrp="1" noRot="1" noChangeAspect="1" noMove="1" noResize="1" noEditPoints="1" noAdjustHandles="1" noChangeArrowheads="1" noChangeShapeType="1"/>
-          </p:cNvCxnSpPr>
-          <p:nvPr>
-            <p:extLst>
-              <p:ext uri="{386F3935-93C4-4BCD-93E2-E3B085C9AB24}">
-                <p16:designElem xmlns:p16="http://schemas.microsoft.com/office/powerpoint/2015/main" val="1"/>
-              </p:ext>
-            </p:extLst>
-          </p:nvPr>
-        </p:nvCxnSpPr>
-        <p:spPr>
-          <a:xfrm>
-            <a:off x="721086" y="5618770"/>
-            <a:ext cx="10515600" cy="0"/>
-          </a:xfrm>
-          <a:prstGeom prst="line">
-            <a:avLst/>
-          </a:prstGeom>
-          <a:ln w="6350">
-            <a:solidFill>
-              <a:schemeClr val="tx2">
-                <a:alpha val="90000"/>
-              </a:schemeClr>
-            </a:solidFill>
-          </a:ln>
-        </p:spPr>
-        <p:style>
-          <a:lnRef idx="1">
-            <a:schemeClr val="accent1"/>
-          </a:lnRef>
-          <a:fillRef idx="0">
-            <a:schemeClr val="accent1"/>
-          </a:fillRef>
-          <a:effectRef idx="0">
-            <a:schemeClr val="accent1"/>
-          </a:effectRef>
-          <a:fontRef idx="minor">
-            <a:schemeClr val="tx1"/>
-          </a:fontRef>
-        </p:style>
-      </p:cxnSp>
-      <p:sp>
-        <p:nvSpPr>
-          <p:cNvPr id="25" name="Rectangle 24">
-            <a:extLst>
-              <a:ext uri="{FF2B5EF4-FFF2-40B4-BE49-F238E27FC236}">
-                <a16:creationId xmlns:a16="http://schemas.microsoft.com/office/drawing/2014/main" id="{DA52A394-10F4-4AA5-90E4-634D1E919DBA}"/>
-              </a:ext>
-              <a:ext uri="{C183D7F6-B498-43B3-948B-1728B52AA6E4}">
-                <adec:decorative xmlns:adec="http://schemas.microsoft.com/office/drawing/2017/decorative" val="1"/>
-              </a:ext>
-            </a:extLst>
-          </p:cNvPr>
-          <p:cNvSpPr>
-            <a:spLocks noGrp="1" noRot="1" noChangeAspect="1" noMove="1" noResize="1" noEditPoints="1" noAdjustHandles="1" noChangeArrowheads="1" noChangeShapeType="1" noTextEdit="1"/>
-          </p:cNvSpPr>
-          <p:nvPr>
-            <p:extLst>
-              <p:ext uri="{386F3935-93C4-4BCD-93E2-E3B085C9AB24}">
-                <p16:designElem xmlns:p16="http://schemas.microsoft.com/office/powerpoint/2015/main" val="1"/>
-              </p:ext>
-            </p:extLst>
-          </p:nvPr>
-        </p:nvSpPr>
-        <p:spPr>
-          <a:xfrm>
-            <a:off x="15" y="6334316"/>
-            <a:ext cx="12191985" cy="66484"/>
-          </a:xfrm>
-          <a:prstGeom prst="rect">
-            <a:avLst/>
-          </a:prstGeom>
-          <a:solidFill>
-            <a:schemeClr val="accent1"/>
-          </a:solidFill>
-          <a:ln>
-            <a:noFill/>
-          </a:ln>
-        </p:spPr>
-        <p:style>
-          <a:lnRef idx="2">
-            <a:schemeClr val="accent1">
-              <a:shade val="50000"/>
-            </a:schemeClr>
-          </a:lnRef>
-          <a:fillRef idx="1">
-            <a:schemeClr val="accent1"/>
-          </a:fillRef>
-          <a:effectRef idx="0">
-            <a:schemeClr val="accent1"/>
-          </a:effectRef>
-          <a:fontRef idx="minor">
-            <a:schemeClr val="lt1"/>
-          </a:fontRef>
-        </p:style>
-      </p:sp>
-      <p:sp>
-        <p:nvSpPr>
-          <p:cNvPr id="27" name="Rectangle 26">
-            <a:extLst>
-              <a:ext uri="{FF2B5EF4-FFF2-40B4-BE49-F238E27FC236}">
-                <a16:creationId xmlns:a16="http://schemas.microsoft.com/office/drawing/2014/main" id="{07BDDC51-8BB2-42BE-8EA8-39B3E9AC1EF6}"/>
-              </a:ext>
-              <a:ext uri="{C183D7F6-B498-43B3-948B-1728B52AA6E4}">
-                <adec:decorative xmlns:adec="http://schemas.microsoft.com/office/drawing/2017/decorative" val="1"/>
-              </a:ext>
-            </a:extLst>
-          </p:cNvPr>
-          <p:cNvSpPr>
-            <a:spLocks noGrp="1" noRot="1" noChangeAspect="1" noMove="1" noResize="1" noEditPoints="1" noAdjustHandles="1" noChangeArrowheads="1" noChangeShapeType="1" noTextEdit="1"/>
-          </p:cNvSpPr>
-          <p:nvPr>
-            <p:extLst>
-              <p:ext uri="{386F3935-93C4-4BCD-93E2-E3B085C9AB24}">
-                <p16:designElem xmlns:p16="http://schemas.microsoft.com/office/powerpoint/2015/main" val="1"/>
-              </p:ext>
-            </p:extLst>
-          </p:nvPr>
-        </p:nvSpPr>
-        <p:spPr>
-          <a:xfrm>
-            <a:off x="1" y="6400800"/>
-            <a:ext cx="12192000" cy="457200"/>
-          </a:xfrm>
-          <a:prstGeom prst="rect">
-            <a:avLst/>
-          </a:prstGeom>
-          <a:solidFill>
-            <a:schemeClr val="accent2"/>
-          </a:solidFill>
-          <a:ln>
-            <a:noFill/>
-          </a:ln>
-        </p:spPr>
-        <p:style>
-          <a:lnRef idx="2">
-            <a:schemeClr val="accent1">
-              <a:shade val="50000"/>
-            </a:schemeClr>
-          </a:lnRef>
-          <a:fillRef idx="1">
-            <a:schemeClr val="accent1"/>
-          </a:fillRef>
-          <a:effectRef idx="0">
-            <a:schemeClr val="accent1"/>
-          </a:effectRef>
-          <a:fontRef idx="minor">
-            <a:schemeClr val="lt1"/>
-          </a:fontRef>
-        </p:style>
-      </p:sp>
-      <p:sp>
-        <p:nvSpPr>
-          <p:cNvPr id="14" name="TextBox 13">
-            <a:extLst>
-              <a:ext uri="{FF2B5EF4-FFF2-40B4-BE49-F238E27FC236}">
-                <a16:creationId xmlns:a16="http://schemas.microsoft.com/office/drawing/2014/main" id="{261E1C79-FECC-4B0D-ACEE-EA995C962DA9}"/>
-              </a:ext>
-            </a:extLst>
-          </p:cNvPr>
-          <p:cNvSpPr txBox="1"/>
-          <p:nvPr/>
-        </p:nvSpPr>
-        <p:spPr>
-          <a:xfrm>
-            <a:off x="1820917" y="3239814"/>
-            <a:ext cx="2743200" cy="369332"/>
-          </a:xfrm>
-          <a:prstGeom prst="rect">
-            <a:avLst/>
-          </a:prstGeom>
-          <a:noFill/>
-        </p:spPr>
-        <p:txBody>
-          <a:bodyPr rot="0" spcFirstLastPara="0" vertOverflow="overflow" horzOverflow="overflow" vert="horz" wrap="square" lIns="91440" tIns="45720" rIns="91440" bIns="45720" numCol="1" spcCol="0" rtlCol="0" fromWordArt="0" anchor="t" anchorCtr="0" forceAA="0" compatLnSpc="1">
-            <a:prstTxWarp prst="textNoShape">
-              <a:avLst/>
-            </a:prstTxWarp>
-            <a:spAutoFit/>
-          </a:bodyPr>
-          <a:lstStyle/>
-          <a:p>
-            <a:r>
-              <a:rPr lang="en-US">
-                <a:latin typeface="Arial"/>
-                <a:cs typeface="Arial"/>
-              </a:rPr>
-              <a:t>Read the CSV</a:t>
-            </a:r>
-            <a:endParaRPr lang="en-US"/>
-          </a:p>
-        </p:txBody>
-      </p:sp>
-      <p:sp>
-        <p:nvSpPr>
-          <p:cNvPr id="22" name="TextBox 21">
-            <a:extLst>
-              <a:ext uri="{FF2B5EF4-FFF2-40B4-BE49-F238E27FC236}">
-                <a16:creationId xmlns:a16="http://schemas.microsoft.com/office/drawing/2014/main" id="{4EDDB516-A7EC-46D6-832C-F5975BCC2383}"/>
-              </a:ext>
-            </a:extLst>
-          </p:cNvPr>
-          <p:cNvSpPr txBox="1"/>
-          <p:nvPr/>
-        </p:nvSpPr>
-        <p:spPr>
-          <a:xfrm>
-            <a:off x="7798675" y="3160986"/>
-            <a:ext cx="2743200" cy="369332"/>
-          </a:xfrm>
-          <a:prstGeom prst="rect">
-            <a:avLst/>
-          </a:prstGeom>
-          <a:noFill/>
-        </p:spPr>
-        <p:txBody>
-          <a:bodyPr rot="0" spcFirstLastPara="0" vertOverflow="overflow" horzOverflow="overflow" vert="horz" wrap="square" lIns="91440" tIns="45720" rIns="91440" bIns="45720" numCol="1" spcCol="0" rtlCol="0" fromWordArt="0" anchor="t" anchorCtr="0" forceAA="0" compatLnSpc="1">
-            <a:prstTxWarp prst="textNoShape">
-              <a:avLst/>
-            </a:prstTxWarp>
-            <a:spAutoFit/>
-          </a:bodyPr>
-          <a:lstStyle/>
-          <a:p>
-            <a:r>
-              <a:rPr lang="en-US">
-                <a:latin typeface="Arial"/>
-                <a:cs typeface="Arial"/>
-              </a:rPr>
-              <a:t>Rename the columns</a:t>
-            </a:r>
-            <a:endParaRPr lang="en-US"/>
-          </a:p>
-        </p:txBody>
-      </p:sp>
     </p:spTree>
     <p:extLst>
       <p:ext uri="{BB962C8B-B14F-4D97-AF65-F5344CB8AC3E}">
-        <p14:creationId xmlns:p14="http://schemas.microsoft.com/office/powerpoint/2010/main" val="307389343"/>
+        <p14:creationId xmlns:p14="http://schemas.microsoft.com/office/powerpoint/2010/main" val="1114760005"/>
       </p:ext>
     </p:extLst>
   </p:cSld>
@@ -13119,10 +13307,10 @@
       </p:grpSpPr>
       <p:sp>
         <p:nvSpPr>
-          <p:cNvPr id="13" name="Rectangle 12">
+          <p:cNvPr id="16" name="Rectangle 15">
             <a:extLst>
               <a:ext uri="{FF2B5EF4-FFF2-40B4-BE49-F238E27FC236}">
-                <a16:creationId xmlns:a16="http://schemas.microsoft.com/office/drawing/2014/main" id="{BB2B8762-61F0-4F1B-9364-D633EE9D6AF5}"/>
+                <a16:creationId xmlns:a16="http://schemas.microsoft.com/office/drawing/2014/main" id="{25C8D2C1-DA83-420D-9635-D52CE066B5DA}"/>
               </a:ext>
               <a:ext uri="{C183D7F6-B498-43B3-948B-1728B52AA6E4}">
                 <adec:decorative xmlns:adec="http://schemas.microsoft.com/office/drawing/2017/decorative" val="1"/>
@@ -13174,10 +13362,10 @@
       </p:sp>
       <p:sp>
         <p:nvSpPr>
-          <p:cNvPr id="15" name="Rectangle 14">
+          <p:cNvPr id="18" name="Rectangle 17">
             <a:extLst>
               <a:ext uri="{FF2B5EF4-FFF2-40B4-BE49-F238E27FC236}">
-                <a16:creationId xmlns:a16="http://schemas.microsoft.com/office/drawing/2014/main" id="{E97675C8-1328-460C-9EBF-6B446B67EAD3}"/>
+                <a16:creationId xmlns:a16="http://schemas.microsoft.com/office/drawing/2014/main" id="{434F74C9-6A0B-409E-AD1C-45B58BE91BB8}"/>
               </a:ext>
               <a:ext uri="{C183D7F6-B498-43B3-948B-1728B52AA6E4}">
                 <adec:decorative xmlns:adec="http://schemas.microsoft.com/office/drawing/2017/decorative" val="1"/>
@@ -13229,10 +13417,10 @@
       </p:sp>
       <p:cxnSp>
         <p:nvCxnSpPr>
-          <p:cNvPr id="17" name="Straight Connector 16">
+          <p:cNvPr id="20" name="Straight Connector 19">
             <a:extLst>
               <a:ext uri="{FF2B5EF4-FFF2-40B4-BE49-F238E27FC236}">
-                <a16:creationId xmlns:a16="http://schemas.microsoft.com/office/drawing/2014/main" id="{514EE78B-AF71-4195-A01B-F1165D9233BF}"/>
+                <a16:creationId xmlns:a16="http://schemas.microsoft.com/office/drawing/2014/main" id="{F5486A9D-1265-4B57-91E6-68E666B978BC}"/>
               </a:ext>
               <a:ext uri="{C183D7F6-B498-43B3-948B-1728B52AA6E4}">
                 <adec:decorative xmlns:adec="http://schemas.microsoft.com/office/drawing/2017/decorative" val="1"/>
@@ -13284,10 +13472,10 @@
       </p:cxnSp>
       <p:sp useBgFill="1">
         <p:nvSpPr>
-          <p:cNvPr id="19" name="Rectangle 18">
+          <p:cNvPr id="22" name="Rectangle 21">
             <a:extLst>
               <a:ext uri="{FF2B5EF4-FFF2-40B4-BE49-F238E27FC236}">
-                <a16:creationId xmlns:a16="http://schemas.microsoft.com/office/drawing/2014/main" id="{C6417104-D4C1-4710-9982-2154A7F48492}"/>
+                <a16:creationId xmlns:a16="http://schemas.microsoft.com/office/drawing/2014/main" id="{BE268116-E2A7-4F98-8812-192B4975E49B}"/>
               </a:ext>
               <a:ext uri="{C183D7F6-B498-43B3-948B-1728B52AA6E4}">
                 <adec:decorative xmlns:adec="http://schemas.microsoft.com/office/drawing/2017/decorative" val="1"/>
@@ -13347,7 +13535,7 @@
           <p:cNvPr id="2" name="Title 1">
             <a:extLst>
               <a:ext uri="{FF2B5EF4-FFF2-40B4-BE49-F238E27FC236}">
-                <a16:creationId xmlns:a16="http://schemas.microsoft.com/office/drawing/2014/main" id="{97484EA6-3546-4935-BA8B-253C7590A7A3}"/>
+                <a16:creationId xmlns:a16="http://schemas.microsoft.com/office/drawing/2014/main" id="{6F800589-E36F-406B-B904-9BA2C42C1DE4}"/>
               </a:ext>
             </a:extLst>
           </p:cNvPr>
@@ -13371,7 +13559,7 @@
           <a:lstStyle/>
           <a:p>
             <a:r>
-              <a:rPr lang="en-US" sz="5600">
+              <a:rPr lang="en-US" sz="6000">
                 <a:solidFill>
                   <a:schemeClr val="tx1">
                     <a:lumMod val="85000"/>
@@ -13379,77 +13567,120 @@
                   </a:schemeClr>
                 </a:solidFill>
               </a:rPr>
-              <a:t>Storing and cleaning the Dataframes</a:t>
+              <a:t>Building Schema in SQL</a:t>
             </a:r>
+            <a:endParaRPr lang="en-US" sz="6000">
+              <a:solidFill>
+                <a:schemeClr val="tx1">
+                  <a:lumMod val="85000"/>
+                  <a:lumOff val="15000"/>
+                </a:schemeClr>
+              </a:solidFill>
+              <a:cs typeface="Calibri Light"/>
+            </a:endParaRPr>
           </a:p>
         </p:txBody>
       </p:sp>
       <p:sp>
         <p:nvSpPr>
-          <p:cNvPr id="21" name="Rectangle 20">
+          <p:cNvPr id="11" name="Text Placeholder 10">
             <a:extLst>
               <a:ext uri="{FF2B5EF4-FFF2-40B4-BE49-F238E27FC236}">
-                <a16:creationId xmlns:a16="http://schemas.microsoft.com/office/drawing/2014/main" id="{626F1402-2DEC-4071-84AF-350C7BF00D43}"/>
-              </a:ext>
-              <a:ext uri="{C183D7F6-B498-43B3-948B-1728B52AA6E4}">
-                <adec:decorative xmlns:adec="http://schemas.microsoft.com/office/drawing/2017/decorative" val="1"/>
+                <a16:creationId xmlns:a16="http://schemas.microsoft.com/office/drawing/2014/main" id="{57F1257A-8A4A-4643-B503-ED79CF120A12}"/>
               </a:ext>
             </a:extLst>
           </p:cNvPr>
           <p:cNvSpPr>
-            <a:spLocks noGrp="1" noRot="1" noChangeAspect="1" noMove="1" noResize="1" noEditPoints="1" noAdjustHandles="1" noChangeArrowheads="1" noChangeShapeType="1" noTextEdit="1"/>
-          </p:cNvSpPr>
-          <p:nvPr>
-            <p:extLst>
-              <p:ext uri="{386F3935-93C4-4BCD-93E2-E3B085C9AB24}">
-                <p16:designElem xmlns:p16="http://schemas.microsoft.com/office/powerpoint/2015/main" val="1"/>
-              </p:ext>
-            </p:extLst>
-          </p:nvPr>
-        </p:nvSpPr>
-        <p:spPr>
-          <a:xfrm>
-            <a:off x="6063996" y="886968"/>
-            <a:ext cx="64008" cy="3108960"/>
+            <a:spLocks noGrp="1"/>
+          </p:cNvSpPr>
+          <p:nvPr>
+            <p:ph type="body" sz="half" idx="2"/>
+          </p:nvPr>
+        </p:nvSpPr>
+        <p:spPr>
+          <a:xfrm>
+            <a:off x="633999" y="5727515"/>
+            <a:ext cx="10925101" cy="515477"/>
+          </a:xfrm>
+        </p:spPr>
+        <p:txBody>
+          <a:bodyPr vert="horz" lIns="91440" tIns="45720" rIns="91440" bIns="45720" rtlCol="0">
+            <a:normAutofit/>
+          </a:bodyPr>
+          <a:lstStyle/>
+          <a:p>
+            <a:r>
+              <a:rPr lang="en-US" sz="2000" cap="all" spc="200" dirty="0" err="1">
+                <a:solidFill>
+                  <a:schemeClr val="tx1">
+                    <a:lumMod val="85000"/>
+                    <a:lumOff val="15000"/>
+                  </a:schemeClr>
+                </a:solidFill>
+                <a:latin typeface="+mj-lt"/>
+                <a:cs typeface="Calibri Light"/>
+              </a:rPr>
+              <a:t>Erd</a:t>
+            </a:r>
+            <a:r>
+              <a:rPr lang="en-US" sz="2000" cap="all" spc="200" dirty="0">
+                <a:solidFill>
+                  <a:schemeClr val="tx1">
+                    <a:lumMod val="85000"/>
+                    <a:lumOff val="15000"/>
+                  </a:schemeClr>
+                </a:solidFill>
+                <a:latin typeface="+mj-lt"/>
+                <a:cs typeface="Calibri Light"/>
+              </a:rPr>
+              <a:t> created using erd.io</a:t>
+            </a:r>
+          </a:p>
+        </p:txBody>
+      </p:sp>
+      <p:pic>
+        <p:nvPicPr>
+          <p:cNvPr id="5" name="Content Placeholder 4">
+            <a:extLst>
+              <a:ext uri="{FF2B5EF4-FFF2-40B4-BE49-F238E27FC236}">
+                <a16:creationId xmlns:a16="http://schemas.microsoft.com/office/drawing/2014/main" id="{F9806703-13B6-43CB-A908-E6A4DD440E92}"/>
+              </a:ext>
+            </a:extLst>
+          </p:cNvPr>
+          <p:cNvPicPr>
+            <a:picLocks noGrp="1" noChangeAspect="1"/>
+          </p:cNvPicPr>
+          <p:nvPr>
+            <p:ph type="pic" idx="1"/>
+          </p:nvPr>
+        </p:nvPicPr>
+        <p:blipFill rotWithShape="1">
+          <a:blip r:embed="rId3">
+            <a:extLst>
+              <a:ext uri="{28A0092B-C50C-407E-A947-70E740481C1C}">
+                <a14:useLocalDpi xmlns:a14="http://schemas.microsoft.com/office/drawing/2010/main" val="0"/>
+              </a:ext>
+            </a:extLst>
+          </a:blip>
+          <a:srcRect t="4686" r="-1" b="11762"/>
+          <a:stretch/>
+        </p:blipFill>
+        <p:spPr>
+          <a:xfrm>
+            <a:off x="635457" y="640080"/>
+            <a:ext cx="10916463" cy="3602736"/>
           </a:xfrm>
           <a:prstGeom prst="rect">
             <a:avLst/>
           </a:prstGeom>
-          <a:ln>
-            <a:noFill/>
-          </a:ln>
-        </p:spPr>
-        <p:style>
-          <a:lnRef idx="2">
-            <a:schemeClr val="accent1">
-              <a:shade val="50000"/>
-            </a:schemeClr>
-          </a:lnRef>
-          <a:fillRef idx="1">
-            <a:schemeClr val="accent1"/>
-          </a:fillRef>
-          <a:effectRef idx="0">
-            <a:schemeClr val="accent1"/>
-          </a:effectRef>
-          <a:fontRef idx="minor">
-            <a:schemeClr val="lt1"/>
-          </a:fontRef>
-        </p:style>
-        <p:txBody>
-          <a:bodyPr rtlCol="0" anchor="ctr"/>
-          <a:lstStyle/>
-          <a:p>
-            <a:pPr algn="ctr"/>
-            <a:endParaRPr lang="en-US"/>
-          </a:p>
-        </p:txBody>
-      </p:sp>
+        </p:spPr>
+      </p:pic>
       <p:cxnSp>
         <p:nvCxnSpPr>
-          <p:cNvPr id="23" name="Straight Connector 22">
+          <p:cNvPr id="24" name="Straight Connector 23">
             <a:extLst>
               <a:ext uri="{FF2B5EF4-FFF2-40B4-BE49-F238E27FC236}">
-                <a16:creationId xmlns:a16="http://schemas.microsoft.com/office/drawing/2014/main" id="{04733B62-1719-4677-A612-CA0AC0AD7482}"/>
+                <a16:creationId xmlns:a16="http://schemas.microsoft.com/office/drawing/2014/main" id="{73D8893D-DEBE-4F67-901F-166F75E9C6E7}"/>
               </a:ext>
               <a:ext uri="{C183D7F6-B498-43B3-948B-1728B52AA6E4}">
                 <adec:decorative xmlns:adec="http://schemas.microsoft.com/office/drawing/2017/decorative" val="1"/>
@@ -13500,10 +13731,10 @@
       </p:cxnSp>
       <p:sp>
         <p:nvSpPr>
-          <p:cNvPr id="25" name="Rectangle 24">
+          <p:cNvPr id="26" name="Rectangle 25">
             <a:extLst>
               <a:ext uri="{FF2B5EF4-FFF2-40B4-BE49-F238E27FC236}">
-                <a16:creationId xmlns:a16="http://schemas.microsoft.com/office/drawing/2014/main" id="{DA52A394-10F4-4AA5-90E4-634D1E919DBA}"/>
+                <a16:creationId xmlns:a16="http://schemas.microsoft.com/office/drawing/2014/main" id="{FBEFFA83-BC6D-4CD2-A2BA-98AD67423BF2}"/>
               </a:ext>
               <a:ext uri="{C183D7F6-B498-43B3-948B-1728B52AA6E4}">
                 <adec:decorative xmlns:adec="http://schemas.microsoft.com/office/drawing/2017/decorative" val="1"/>
@@ -13555,10 +13786,10 @@
       </p:sp>
       <p:sp>
         <p:nvSpPr>
-          <p:cNvPr id="27" name="Rectangle 26">
+          <p:cNvPr id="28" name="Rectangle 27">
             <a:extLst>
               <a:ext uri="{FF2B5EF4-FFF2-40B4-BE49-F238E27FC236}">
-                <a16:creationId xmlns:a16="http://schemas.microsoft.com/office/drawing/2014/main" id="{07BDDC51-8BB2-42BE-8EA8-39B3E9AC1EF6}"/>
+                <a16:creationId xmlns:a16="http://schemas.microsoft.com/office/drawing/2014/main" id="{AB5696BF-D495-4CAC-AA8A-4EBFF2C32A55}"/>
               </a:ext>
               <a:ext uri="{C183D7F6-B498-43B3-948B-1728B52AA6E4}">
                 <adec:decorative xmlns:adec="http://schemas.microsoft.com/office/drawing/2017/decorative" val="1"/>
@@ -13608,161 +13839,10 @@
           </a:fontRef>
         </p:style>
       </p:sp>
-      <p:sp>
-        <p:nvSpPr>
-          <p:cNvPr id="14" name="TextBox 13">
-            <a:extLst>
-              <a:ext uri="{FF2B5EF4-FFF2-40B4-BE49-F238E27FC236}">
-                <a16:creationId xmlns:a16="http://schemas.microsoft.com/office/drawing/2014/main" id="{261E1C79-FECC-4B0D-ACEE-EA995C962DA9}"/>
-              </a:ext>
-            </a:extLst>
-          </p:cNvPr>
-          <p:cNvSpPr txBox="1"/>
-          <p:nvPr/>
-        </p:nvSpPr>
-        <p:spPr>
-          <a:xfrm>
-            <a:off x="1820917" y="3239814"/>
-            <a:ext cx="2743200" cy="369332"/>
-          </a:xfrm>
-          <a:prstGeom prst="rect">
-            <a:avLst/>
-          </a:prstGeom>
-          <a:noFill/>
-        </p:spPr>
-        <p:txBody>
-          <a:bodyPr rot="0" spcFirstLastPara="0" vertOverflow="overflow" horzOverflow="overflow" vert="horz" wrap="square" lIns="91440" tIns="45720" rIns="91440" bIns="45720" numCol="1" spcCol="0" rtlCol="0" fromWordArt="0" anchor="t" anchorCtr="0" forceAA="0" compatLnSpc="1">
-            <a:prstTxWarp prst="textNoShape">
-              <a:avLst/>
-            </a:prstTxWarp>
-            <a:spAutoFit/>
-          </a:bodyPr>
-          <a:lstStyle/>
-          <a:p>
-            <a:r>
-              <a:rPr lang="en-US">
-                <a:latin typeface="Arial"/>
-                <a:cs typeface="Arial"/>
-              </a:rPr>
-              <a:t>Reset the index</a:t>
-            </a:r>
-            <a:endParaRPr lang="en-US"/>
-          </a:p>
-        </p:txBody>
-      </p:sp>
-      <p:sp>
-        <p:nvSpPr>
-          <p:cNvPr id="22" name="TextBox 21">
-            <a:extLst>
-              <a:ext uri="{FF2B5EF4-FFF2-40B4-BE49-F238E27FC236}">
-                <a16:creationId xmlns:a16="http://schemas.microsoft.com/office/drawing/2014/main" id="{4EDDB516-A7EC-46D6-832C-F5975BCC2383}"/>
-              </a:ext>
-            </a:extLst>
-          </p:cNvPr>
-          <p:cNvSpPr txBox="1"/>
-          <p:nvPr/>
-        </p:nvSpPr>
-        <p:spPr>
-          <a:xfrm>
-            <a:off x="7798675" y="3160986"/>
-            <a:ext cx="3111062" cy="369332"/>
-          </a:xfrm>
-          <a:prstGeom prst="rect">
-            <a:avLst/>
-          </a:prstGeom>
-          <a:noFill/>
-        </p:spPr>
-        <p:txBody>
-          <a:bodyPr rot="0" spcFirstLastPara="0" vertOverflow="overflow" horzOverflow="overflow" vert="horz" wrap="square" lIns="91440" tIns="45720" rIns="91440" bIns="45720" numCol="1" spcCol="0" rtlCol="0" fromWordArt="0" anchor="t" anchorCtr="0" forceAA="0" compatLnSpc="1">
-            <a:prstTxWarp prst="textNoShape">
-              <a:avLst/>
-            </a:prstTxWarp>
-            <a:spAutoFit/>
-          </a:bodyPr>
-          <a:lstStyle/>
-          <a:p>
-            <a:r>
-              <a:rPr lang="en-US" dirty="0">
-                <a:latin typeface="Arial"/>
-                <a:cs typeface="Arial"/>
-              </a:rPr>
-              <a:t>Clean up the 'state' </a:t>
-            </a:r>
-            <a:r>
-              <a:rPr lang="en-US">
-                <a:latin typeface="Arial"/>
-                <a:cs typeface="Arial"/>
-              </a:rPr>
-              <a:t>column</a:t>
-            </a:r>
-            <a:endParaRPr lang="en-US"/>
-          </a:p>
-        </p:txBody>
-      </p:sp>
-      <p:pic>
-        <p:nvPicPr>
-          <p:cNvPr id="3" name="Picture 3" descr="Graphical user interface, text&#10;&#10;Description automatically generated">
-            <a:extLst>
-              <a:ext uri="{FF2B5EF4-FFF2-40B4-BE49-F238E27FC236}">
-                <a16:creationId xmlns:a16="http://schemas.microsoft.com/office/drawing/2014/main" id="{F837897F-F7A6-4177-AFE4-89AE6BE776E7}"/>
-              </a:ext>
-            </a:extLst>
-          </p:cNvPr>
-          <p:cNvPicPr>
-            <a:picLocks noChangeAspect="1"/>
-          </p:cNvPicPr>
-          <p:nvPr/>
-        </p:nvPicPr>
-        <p:blipFill>
-          <a:blip r:embed="rId2"/>
-          <a:stretch>
-            <a:fillRect/>
-          </a:stretch>
-        </p:blipFill>
-        <p:spPr>
-          <a:xfrm>
-            <a:off x="559676" y="1534952"/>
-            <a:ext cx="5252544" cy="910892"/>
-          </a:xfrm>
-          <a:prstGeom prst="rect">
-            <a:avLst/>
-          </a:prstGeom>
-        </p:spPr>
-      </p:pic>
-      <p:pic>
-        <p:nvPicPr>
-          <p:cNvPr id="9" name="Picture 9" descr="Text&#10;&#10;Description automatically generated">
-            <a:extLst>
-              <a:ext uri="{FF2B5EF4-FFF2-40B4-BE49-F238E27FC236}">
-                <a16:creationId xmlns:a16="http://schemas.microsoft.com/office/drawing/2014/main" id="{B58A46DE-E37D-4563-8184-0D6EC27AFF97}"/>
-              </a:ext>
-            </a:extLst>
-          </p:cNvPr>
-          <p:cNvPicPr>
-            <a:picLocks noChangeAspect="1"/>
-          </p:cNvPicPr>
-          <p:nvPr/>
-        </p:nvPicPr>
-        <p:blipFill>
-          <a:blip r:embed="rId3"/>
-          <a:stretch>
-            <a:fillRect/>
-          </a:stretch>
-        </p:blipFill>
-        <p:spPr>
-          <a:xfrm>
-            <a:off x="6879021" y="644056"/>
-            <a:ext cx="4582510" cy="2390510"/>
-          </a:xfrm>
-          <a:prstGeom prst="rect">
-            <a:avLst/>
-          </a:prstGeom>
-        </p:spPr>
-      </p:pic>
     </p:spTree>
     <p:extLst>
       <p:ext uri="{BB962C8B-B14F-4D97-AF65-F5344CB8AC3E}">
-        <p14:creationId xmlns:p14="http://schemas.microsoft.com/office/powerpoint/2010/main" val="1114760005"/>
+        <p14:creationId xmlns:p14="http://schemas.microsoft.com/office/powerpoint/2010/main" val="2880532840"/>
       </p:ext>
     </p:extLst>
   </p:cSld>
@@ -13797,12 +13877,12 @@
           <a:chExt cx="0" cy="0"/>
         </a:xfrm>
       </p:grpSpPr>
-      <p:sp>
-        <p:nvSpPr>
-          <p:cNvPr id="16" name="Rectangle 15">
+      <p:sp useBgFill="1">
+        <p:nvSpPr>
+          <p:cNvPr id="9" name="Rectangle 8">
             <a:extLst>
               <a:ext uri="{FF2B5EF4-FFF2-40B4-BE49-F238E27FC236}">
-                <a16:creationId xmlns:a16="http://schemas.microsoft.com/office/drawing/2014/main" id="{25C8D2C1-DA83-420D-9635-D52CE066B5DA}"/>
+                <a16:creationId xmlns:a16="http://schemas.microsoft.com/office/drawing/2014/main" id="{44CC594A-A820-450F-B363-C19201FCFEC6}"/>
               </a:ext>
               <a:ext uri="{C183D7F6-B498-43B3-948B-1728B52AA6E4}">
                 <adec:decorative xmlns:adec="http://schemas.microsoft.com/office/drawing/2017/decorative" val="1"/>
@@ -13822,8 +13902,68 @@
         </p:nvSpPr>
         <p:spPr>
           <a:xfrm>
-            <a:off x="3175" y="6400800"/>
-            <a:ext cx="12188825" cy="457200"/>
+            <a:off x="0" y="0"/>
+            <a:ext cx="12186315" cy="6858000"/>
+          </a:xfrm>
+          <a:prstGeom prst="rect">
+            <a:avLst/>
+          </a:prstGeom>
+          <a:ln>
+            <a:noFill/>
+          </a:ln>
+        </p:spPr>
+        <p:style>
+          <a:lnRef idx="2">
+            <a:schemeClr val="accent6">
+              <a:shade val="50000"/>
+            </a:schemeClr>
+          </a:lnRef>
+          <a:fillRef idx="1001">
+            <a:schemeClr val="lt1"/>
+          </a:fillRef>
+          <a:effectRef idx="0">
+            <a:schemeClr val="accent6"/>
+          </a:effectRef>
+          <a:fontRef idx="minor">
+            <a:schemeClr val="lt1"/>
+          </a:fontRef>
+        </p:style>
+        <p:txBody>
+          <a:bodyPr rtlCol="0" anchor="ctr"/>
+          <a:lstStyle/>
+          <a:p>
+            <a:pPr algn="ctr"/>
+            <a:endParaRPr lang="en-US"/>
+          </a:p>
+        </p:txBody>
+      </p:sp>
+      <p:sp>
+        <p:nvSpPr>
+          <p:cNvPr id="11" name="Rectangle 10">
+            <a:extLst>
+              <a:ext uri="{FF2B5EF4-FFF2-40B4-BE49-F238E27FC236}">
+                <a16:creationId xmlns:a16="http://schemas.microsoft.com/office/drawing/2014/main" id="{59FAB3DA-E9ED-4574-ABCC-378BC0FF1BBC}"/>
+              </a:ext>
+              <a:ext uri="{C183D7F6-B498-43B3-948B-1728B52AA6E4}">
+                <adec:decorative xmlns:adec="http://schemas.microsoft.com/office/drawing/2017/decorative" val="1"/>
+              </a:ext>
+            </a:extLst>
+          </p:cNvPr>
+          <p:cNvSpPr>
+            <a:spLocks noGrp="1" noRot="1" noChangeAspect="1" noMove="1" noResize="1" noEditPoints="1" noAdjustHandles="1" noChangeArrowheads="1" noChangeShapeType="1" noTextEdit="1"/>
+          </p:cNvSpPr>
+          <p:nvPr>
+            <p:extLst>
+              <p:ext uri="{386F3935-93C4-4BCD-93E2-E3B085C9AB24}">
+                <p16:designElem xmlns:p16="http://schemas.microsoft.com/office/powerpoint/2015/main" val="1"/>
+              </p:ext>
+            </p:extLst>
+          </p:nvPr>
+        </p:nvSpPr>
+        <p:spPr>
+          <a:xfrm>
+            <a:off x="16" y="0"/>
+            <a:ext cx="4050791" cy="6858000"/>
           </a:xfrm>
           <a:prstGeom prst="rect">
             <a:avLst/>
@@ -13854,10 +13994,103 @@
       </p:sp>
       <p:sp>
         <p:nvSpPr>
-          <p:cNvPr id="18" name="Rectangle 17">
+          <p:cNvPr id="2" name="Title 1">
             <a:extLst>
               <a:ext uri="{FF2B5EF4-FFF2-40B4-BE49-F238E27FC236}">
-                <a16:creationId xmlns:a16="http://schemas.microsoft.com/office/drawing/2014/main" id="{434F74C9-6A0B-409E-AD1C-45B58BE91BB8}"/>
+                <a16:creationId xmlns:a16="http://schemas.microsoft.com/office/drawing/2014/main" id="{8F34933D-EF8D-4A6F-8A71-32701B56A902}"/>
+              </a:ext>
+            </a:extLst>
+          </p:cNvPr>
+          <p:cNvSpPr>
+            <a:spLocks noGrp="1"/>
+          </p:cNvSpPr>
+          <p:nvPr>
+            <p:ph type="title"/>
+          </p:nvPr>
+        </p:nvSpPr>
+        <p:spPr>
+          <a:xfrm>
+            <a:off x="492370" y="516835"/>
+            <a:ext cx="3084844" cy="2103875"/>
+          </a:xfrm>
+        </p:spPr>
+        <p:txBody>
+          <a:bodyPr vert="horz" lIns="91440" tIns="45720" rIns="91440" bIns="45720" rtlCol="0" anchor="b">
+            <a:normAutofit/>
+          </a:bodyPr>
+          <a:lstStyle/>
+          <a:p>
+            <a:r>
+              <a:rPr lang="en-US" sz="3600">
+                <a:solidFill>
+                  <a:srgbClr val="FFFFFF"/>
+                </a:solidFill>
+              </a:rPr>
+              <a:t>Building Schema in SQL</a:t>
+            </a:r>
+          </a:p>
+        </p:txBody>
+      </p:sp>
+      <p:sp>
+        <p:nvSpPr>
+          <p:cNvPr id="3" name="TextBox 2">
+            <a:extLst>
+              <a:ext uri="{FF2B5EF4-FFF2-40B4-BE49-F238E27FC236}">
+                <a16:creationId xmlns:a16="http://schemas.microsoft.com/office/drawing/2014/main" id="{690931CA-8C54-4542-9EBA-DF31F4E74E78}"/>
+              </a:ext>
+            </a:extLst>
+          </p:cNvPr>
+          <p:cNvSpPr txBox="1"/>
+          <p:nvPr/>
+        </p:nvSpPr>
+        <p:spPr>
+          <a:xfrm>
+            <a:off x="492371" y="2653800"/>
+            <a:ext cx="3084844" cy="3335519"/>
+          </a:xfrm>
+          <a:prstGeom prst="rect">
+            <a:avLst/>
+          </a:prstGeom>
+        </p:spPr>
+        <p:txBody>
+          <a:bodyPr rot="0" spcFirstLastPara="0" vertOverflow="overflow" horzOverflow="overflow" vert="horz" lIns="0" tIns="45720" rIns="0" bIns="45720" numCol="1" spcCol="0" rtlCol="0" fromWordArt="0" anchorCtr="0" forceAA="0" compatLnSpc="1">
+            <a:prstTxWarp prst="textNoShape">
+              <a:avLst/>
+            </a:prstTxWarp>
+            <a:normAutofit/>
+          </a:bodyPr>
+          <a:lstStyle/>
+          <a:p>
+            <a:pPr>
+              <a:lnSpc>
+                <a:spcPct val="90000"/>
+              </a:lnSpc>
+              <a:spcAft>
+                <a:spcPts val="600"/>
+              </a:spcAft>
+              <a:buClr>
+                <a:schemeClr val="accent1"/>
+              </a:buClr>
+              <a:buFont typeface="Calibri" panose="020F0502020204030204" pitchFamily="34" charset="0"/>
+            </a:pPr>
+            <a:r>
+              <a:rPr lang="en-US" sz="1500">
+                <a:solidFill>
+                  <a:srgbClr val="FFFFFF"/>
+                </a:solidFill>
+                <a:latin typeface="+mn-lt"/>
+              </a:rPr>
+              <a:t>After creating the database and schema we utilized sqlalchemy and pandas to load our table and perform our query against those tables.</a:t>
+            </a:r>
+          </a:p>
+        </p:txBody>
+      </p:sp>
+      <p:sp>
+        <p:nvSpPr>
+          <p:cNvPr id="13" name="Rectangle 12">
+            <a:extLst>
+              <a:ext uri="{FF2B5EF4-FFF2-40B4-BE49-F238E27FC236}">
+                <a16:creationId xmlns:a16="http://schemas.microsoft.com/office/drawing/2014/main" id="{53B8D6B0-55D6-48DC-86D8-FD95D5F118AB}"/>
               </a:ext>
               <a:ext uri="{C183D7F6-B498-43B3-948B-1728B52AA6E4}">
                 <adec:decorative xmlns:adec="http://schemas.microsoft.com/office/drawing/2017/decorative" val="1"/>
@@ -13877,8 +14110,8 @@
         </p:nvSpPr>
         <p:spPr>
           <a:xfrm>
-            <a:off x="15" y="6334316"/>
-            <a:ext cx="12188825" cy="64008"/>
+            <a:off x="4040071" y="0"/>
+            <a:ext cx="64008" cy="6858000"/>
           </a:xfrm>
           <a:prstGeom prst="rect">
             <a:avLst/>
@@ -13907,221 +14140,12 @@
           </a:fontRef>
         </p:style>
       </p:sp>
-      <p:cxnSp>
-        <p:nvCxnSpPr>
-          <p:cNvPr id="20" name="Straight Connector 19">
+      <p:pic>
+        <p:nvPicPr>
+          <p:cNvPr id="4" name="Picture 4" descr="Text&#10;&#10;Description automatically generated">
             <a:extLst>
               <a:ext uri="{FF2B5EF4-FFF2-40B4-BE49-F238E27FC236}">
-                <a16:creationId xmlns:a16="http://schemas.microsoft.com/office/drawing/2014/main" id="{F5486A9D-1265-4B57-91E6-68E666B978BC}"/>
-              </a:ext>
-              <a:ext uri="{C183D7F6-B498-43B3-948B-1728B52AA6E4}">
-                <adec:decorative xmlns:adec="http://schemas.microsoft.com/office/drawing/2017/decorative" val="1"/>
-              </a:ext>
-            </a:extLst>
-          </p:cNvPr>
-          <p:cNvCxnSpPr>
-            <a:cxnSpLocks noGrp="1" noRot="1" noChangeAspect="1" noMove="1" noResize="1" noEditPoints="1" noAdjustHandles="1" noChangeArrowheads="1" noChangeShapeType="1"/>
-          </p:cNvCxnSpPr>
-          <p:nvPr>
-            <p:extLst>
-              <p:ext uri="{386F3935-93C4-4BCD-93E2-E3B085C9AB24}">
-                <p16:designElem xmlns:p16="http://schemas.microsoft.com/office/powerpoint/2015/main" val="1"/>
-              </p:ext>
-            </p:extLst>
-          </p:nvPr>
-        </p:nvCxnSpPr>
-        <p:spPr>
-          <a:xfrm>
-            <a:off x="1207658" y="4343400"/>
-            <a:ext cx="9875520" cy="0"/>
-          </a:xfrm>
-          <a:prstGeom prst="line">
-            <a:avLst/>
-          </a:prstGeom>
-          <a:ln w="6350">
-            <a:solidFill>
-              <a:schemeClr val="tx1">
-                <a:lumMod val="50000"/>
-                <a:lumOff val="50000"/>
-              </a:schemeClr>
-            </a:solidFill>
-          </a:ln>
-        </p:spPr>
-        <p:style>
-          <a:lnRef idx="1">
-            <a:schemeClr val="accent1"/>
-          </a:lnRef>
-          <a:fillRef idx="0">
-            <a:schemeClr val="accent1"/>
-          </a:fillRef>
-          <a:effectRef idx="0">
-            <a:schemeClr val="accent1"/>
-          </a:effectRef>
-          <a:fontRef idx="minor">
-            <a:schemeClr val="tx1"/>
-          </a:fontRef>
-        </p:style>
-      </p:cxnSp>
-      <p:sp useBgFill="1">
-        <p:nvSpPr>
-          <p:cNvPr id="22" name="Rectangle 21">
-            <a:extLst>
-              <a:ext uri="{FF2B5EF4-FFF2-40B4-BE49-F238E27FC236}">
-                <a16:creationId xmlns:a16="http://schemas.microsoft.com/office/drawing/2014/main" id="{BE268116-E2A7-4F98-8812-192B4975E49B}"/>
-              </a:ext>
-              <a:ext uri="{C183D7F6-B498-43B3-948B-1728B52AA6E4}">
-                <adec:decorative xmlns:adec="http://schemas.microsoft.com/office/drawing/2017/decorative" val="1"/>
-              </a:ext>
-            </a:extLst>
-          </p:cNvPr>
-          <p:cNvSpPr>
-            <a:spLocks noGrp="1" noRot="1" noChangeAspect="1" noMove="1" noResize="1" noEditPoints="1" noAdjustHandles="1" noChangeArrowheads="1" noChangeShapeType="1" noTextEdit="1"/>
-          </p:cNvSpPr>
-          <p:nvPr>
-            <p:extLst>
-              <p:ext uri="{386F3935-93C4-4BCD-93E2-E3B085C9AB24}">
-                <p16:designElem xmlns:p16="http://schemas.microsoft.com/office/powerpoint/2015/main" val="1"/>
-              </p:ext>
-            </p:extLst>
-          </p:nvPr>
-        </p:nvSpPr>
-        <p:spPr>
-          <a:xfrm>
-            <a:off x="0" y="0"/>
-            <a:ext cx="12192001" cy="6334316"/>
-          </a:xfrm>
-          <a:prstGeom prst="rect">
-            <a:avLst/>
-          </a:prstGeom>
-          <a:ln>
-            <a:noFill/>
-          </a:ln>
-        </p:spPr>
-        <p:style>
-          <a:lnRef idx="2">
-            <a:schemeClr val="accent1">
-              <a:shade val="50000"/>
-            </a:schemeClr>
-          </a:lnRef>
-          <a:fillRef idx="1">
-            <a:schemeClr val="accent1"/>
-          </a:fillRef>
-          <a:effectRef idx="0">
-            <a:schemeClr val="accent1"/>
-          </a:effectRef>
-          <a:fontRef idx="minor">
-            <a:schemeClr val="lt1"/>
-          </a:fontRef>
-        </p:style>
-        <p:txBody>
-          <a:bodyPr rtlCol="0" anchor="ctr"/>
-          <a:lstStyle/>
-          <a:p>
-            <a:pPr algn="ctr"/>
-            <a:endParaRPr lang="en-US"/>
-          </a:p>
-        </p:txBody>
-      </p:sp>
-      <p:sp>
-        <p:nvSpPr>
-          <p:cNvPr id="2" name="Title 1">
-            <a:extLst>
-              <a:ext uri="{FF2B5EF4-FFF2-40B4-BE49-F238E27FC236}">
-                <a16:creationId xmlns:a16="http://schemas.microsoft.com/office/drawing/2014/main" id="{6F800589-E36F-406B-B904-9BA2C42C1DE4}"/>
-              </a:ext>
-            </a:extLst>
-          </p:cNvPr>
-          <p:cNvSpPr>
-            <a:spLocks noGrp="1"/>
-          </p:cNvSpPr>
-          <p:nvPr>
-            <p:ph type="title"/>
-          </p:nvPr>
-        </p:nvSpPr>
-        <p:spPr>
-          <a:xfrm>
-            <a:off x="633999" y="4550229"/>
-            <a:ext cx="10909073" cy="1057655"/>
-          </a:xfrm>
-        </p:spPr>
-        <p:txBody>
-          <a:bodyPr vert="horz" lIns="91440" tIns="45720" rIns="91440" bIns="45720" rtlCol="0" anchor="b">
-            <a:normAutofit/>
-          </a:bodyPr>
-          <a:lstStyle/>
-          <a:p>
-            <a:r>
-              <a:rPr lang="en-US" sz="6000">
-                <a:solidFill>
-                  <a:schemeClr val="tx1">
-                    <a:lumMod val="85000"/>
-                    <a:lumOff val="15000"/>
-                  </a:schemeClr>
-                </a:solidFill>
-              </a:rPr>
-              <a:t>Building Schema in SQL</a:t>
-            </a:r>
-            <a:endParaRPr lang="en-US" sz="6000">
-              <a:solidFill>
-                <a:schemeClr val="tx1">
-                  <a:lumMod val="85000"/>
-                  <a:lumOff val="15000"/>
-                </a:schemeClr>
-              </a:solidFill>
-              <a:cs typeface="Calibri Light"/>
-            </a:endParaRPr>
-          </a:p>
-        </p:txBody>
-      </p:sp>
-      <p:sp>
-        <p:nvSpPr>
-          <p:cNvPr id="11" name="Text Placeholder 10">
-            <a:extLst>
-              <a:ext uri="{FF2B5EF4-FFF2-40B4-BE49-F238E27FC236}">
-                <a16:creationId xmlns:a16="http://schemas.microsoft.com/office/drawing/2014/main" id="{57F1257A-8A4A-4643-B503-ED79CF120A12}"/>
-              </a:ext>
-            </a:extLst>
-          </p:cNvPr>
-          <p:cNvSpPr>
-            <a:spLocks noGrp="1"/>
-          </p:cNvSpPr>
-          <p:nvPr>
-            <p:ph type="body" sz="half" idx="2"/>
-          </p:nvPr>
-        </p:nvSpPr>
-        <p:spPr>
-          <a:xfrm>
-            <a:off x="633999" y="5727515"/>
-            <a:ext cx="10925101" cy="515477"/>
-          </a:xfrm>
-        </p:spPr>
-        <p:txBody>
-          <a:bodyPr vert="horz" lIns="91440" tIns="45720" rIns="91440" bIns="45720" rtlCol="0">
-            <a:normAutofit/>
-          </a:bodyPr>
-          <a:lstStyle/>
-          <a:p>
-            <a:r>
-              <a:rPr lang="en-US" sz="2000" cap="all" spc="200">
-                <a:solidFill>
-                  <a:schemeClr val="tx1">
-                    <a:lumMod val="85000"/>
-                    <a:lumOff val="15000"/>
-                  </a:schemeClr>
-                </a:solidFill>
-                <a:latin typeface="+mj-lt"/>
-              </a:rPr>
-              <a:t>ERD diagram</a:t>
-            </a:r>
-          </a:p>
-        </p:txBody>
-      </p:sp>
-      <p:pic>
-        <p:nvPicPr>
-          <p:cNvPr id="5" name="Content Placeholder 4">
-            <a:extLst>
-              <a:ext uri="{FF2B5EF4-FFF2-40B4-BE49-F238E27FC236}">
-                <a16:creationId xmlns:a16="http://schemas.microsoft.com/office/drawing/2014/main" id="{F9806703-13B6-43CB-A908-E6A4DD440E92}"/>
+                <a16:creationId xmlns:a16="http://schemas.microsoft.com/office/drawing/2014/main" id="{48033D8A-0700-4598-BE66-07B4957963AE}"/>
               </a:ext>
             </a:extLst>
           </p:cNvPr>
@@ -14129,198 +14153,29 @@
             <a:picLocks noGrp="1" noChangeAspect="1"/>
           </p:cNvPicPr>
           <p:nvPr>
-            <p:ph type="pic" idx="1"/>
+            <p:ph sz="quarter" idx="13"/>
           </p:nvPr>
         </p:nvPicPr>
-        <p:blipFill rotWithShape="1">
-          <a:blip r:embed="rId2">
-            <a:extLst>
-              <a:ext uri="{28A0092B-C50C-407E-A947-70E740481C1C}">
-                <a14:useLocalDpi xmlns:a14="http://schemas.microsoft.com/office/drawing/2010/main" val="0"/>
-              </a:ext>
-            </a:extLst>
-          </a:blip>
-          <a:srcRect t="4686" r="-1" b="11762"/>
-          <a:stretch/>
+        <p:blipFill>
+          <a:blip r:embed="rId2"/>
+          <a:stretch>
+            <a:fillRect/>
+          </a:stretch>
         </p:blipFill>
         <p:spPr>
           <a:xfrm>
-            <a:off x="635457" y="640080"/>
-            <a:ext cx="10916463" cy="3602736"/>
+            <a:off x="4269052" y="2434722"/>
+            <a:ext cx="7835978" cy="1988554"/>
           </a:xfrm>
           <a:prstGeom prst="rect">
             <a:avLst/>
           </a:prstGeom>
         </p:spPr>
       </p:pic>
-      <p:cxnSp>
-        <p:nvCxnSpPr>
-          <p:cNvPr id="24" name="Straight Connector 23">
-            <a:extLst>
-              <a:ext uri="{FF2B5EF4-FFF2-40B4-BE49-F238E27FC236}">
-                <a16:creationId xmlns:a16="http://schemas.microsoft.com/office/drawing/2014/main" id="{73D8893D-DEBE-4F67-901F-166F75E9C6E7}"/>
-              </a:ext>
-              <a:ext uri="{C183D7F6-B498-43B3-948B-1728B52AA6E4}">
-                <adec:decorative xmlns:adec="http://schemas.microsoft.com/office/drawing/2017/decorative" val="1"/>
-              </a:ext>
-            </a:extLst>
-          </p:cNvPr>
-          <p:cNvCxnSpPr>
-            <a:cxnSpLocks noGrp="1" noRot="1" noChangeAspect="1" noMove="1" noResize="1" noEditPoints="1" noAdjustHandles="1" noChangeArrowheads="1" noChangeShapeType="1"/>
-          </p:cNvCxnSpPr>
-          <p:nvPr>
-            <p:extLst>
-              <p:ext uri="{386F3935-93C4-4BCD-93E2-E3B085C9AB24}">
-                <p16:designElem xmlns:p16="http://schemas.microsoft.com/office/powerpoint/2015/main" val="1"/>
-              </p:ext>
-            </p:extLst>
-          </p:nvPr>
-        </p:nvCxnSpPr>
-        <p:spPr>
-          <a:xfrm>
-            <a:off x="721086" y="5618770"/>
-            <a:ext cx="10515600" cy="0"/>
-          </a:xfrm>
-          <a:prstGeom prst="line">
-            <a:avLst/>
-          </a:prstGeom>
-          <a:ln w="6350">
-            <a:solidFill>
-              <a:schemeClr val="tx2">
-                <a:alpha val="90000"/>
-              </a:schemeClr>
-            </a:solidFill>
-          </a:ln>
-        </p:spPr>
-        <p:style>
-          <a:lnRef idx="1">
-            <a:schemeClr val="accent1"/>
-          </a:lnRef>
-          <a:fillRef idx="0">
-            <a:schemeClr val="accent1"/>
-          </a:fillRef>
-          <a:effectRef idx="0">
-            <a:schemeClr val="accent1"/>
-          </a:effectRef>
-          <a:fontRef idx="minor">
-            <a:schemeClr val="tx1"/>
-          </a:fontRef>
-        </p:style>
-      </p:cxnSp>
-      <p:sp>
-        <p:nvSpPr>
-          <p:cNvPr id="26" name="Rectangle 25">
-            <a:extLst>
-              <a:ext uri="{FF2B5EF4-FFF2-40B4-BE49-F238E27FC236}">
-                <a16:creationId xmlns:a16="http://schemas.microsoft.com/office/drawing/2014/main" id="{FBEFFA83-BC6D-4CD2-A2BA-98AD67423BF2}"/>
-              </a:ext>
-              <a:ext uri="{C183D7F6-B498-43B3-948B-1728B52AA6E4}">
-                <adec:decorative xmlns:adec="http://schemas.microsoft.com/office/drawing/2017/decorative" val="1"/>
-              </a:ext>
-            </a:extLst>
-          </p:cNvPr>
-          <p:cNvSpPr>
-            <a:spLocks noGrp="1" noRot="1" noChangeAspect="1" noMove="1" noResize="1" noEditPoints="1" noAdjustHandles="1" noChangeArrowheads="1" noChangeShapeType="1" noTextEdit="1"/>
-          </p:cNvSpPr>
-          <p:nvPr>
-            <p:extLst>
-              <p:ext uri="{386F3935-93C4-4BCD-93E2-E3B085C9AB24}">
-                <p16:designElem xmlns:p16="http://schemas.microsoft.com/office/powerpoint/2015/main" val="1"/>
-              </p:ext>
-            </p:extLst>
-          </p:nvPr>
-        </p:nvSpPr>
-        <p:spPr>
-          <a:xfrm>
-            <a:off x="15" y="6334316"/>
-            <a:ext cx="12191985" cy="66484"/>
-          </a:xfrm>
-          <a:prstGeom prst="rect">
-            <a:avLst/>
-          </a:prstGeom>
-          <a:solidFill>
-            <a:schemeClr val="accent1"/>
-          </a:solidFill>
-          <a:ln>
-            <a:noFill/>
-          </a:ln>
-        </p:spPr>
-        <p:style>
-          <a:lnRef idx="2">
-            <a:schemeClr val="accent1">
-              <a:shade val="50000"/>
-            </a:schemeClr>
-          </a:lnRef>
-          <a:fillRef idx="1">
-            <a:schemeClr val="accent1"/>
-          </a:fillRef>
-          <a:effectRef idx="0">
-            <a:schemeClr val="accent1"/>
-          </a:effectRef>
-          <a:fontRef idx="minor">
-            <a:schemeClr val="lt1"/>
-          </a:fontRef>
-        </p:style>
-      </p:sp>
-      <p:sp>
-        <p:nvSpPr>
-          <p:cNvPr id="28" name="Rectangle 27">
-            <a:extLst>
-              <a:ext uri="{FF2B5EF4-FFF2-40B4-BE49-F238E27FC236}">
-                <a16:creationId xmlns:a16="http://schemas.microsoft.com/office/drawing/2014/main" id="{AB5696BF-D495-4CAC-AA8A-4EBFF2C32A55}"/>
-              </a:ext>
-              <a:ext uri="{C183D7F6-B498-43B3-948B-1728B52AA6E4}">
-                <adec:decorative xmlns:adec="http://schemas.microsoft.com/office/drawing/2017/decorative" val="1"/>
-              </a:ext>
-            </a:extLst>
-          </p:cNvPr>
-          <p:cNvSpPr>
-            <a:spLocks noGrp="1" noRot="1" noChangeAspect="1" noMove="1" noResize="1" noEditPoints="1" noAdjustHandles="1" noChangeArrowheads="1" noChangeShapeType="1" noTextEdit="1"/>
-          </p:cNvSpPr>
-          <p:nvPr>
-            <p:extLst>
-              <p:ext uri="{386F3935-93C4-4BCD-93E2-E3B085C9AB24}">
-                <p16:designElem xmlns:p16="http://schemas.microsoft.com/office/powerpoint/2015/main" val="1"/>
-              </p:ext>
-            </p:extLst>
-          </p:nvPr>
-        </p:nvSpPr>
-        <p:spPr>
-          <a:xfrm>
-            <a:off x="1" y="6400800"/>
-            <a:ext cx="12192000" cy="457200"/>
-          </a:xfrm>
-          <a:prstGeom prst="rect">
-            <a:avLst/>
-          </a:prstGeom>
-          <a:solidFill>
-            <a:schemeClr val="accent2"/>
-          </a:solidFill>
-          <a:ln>
-            <a:noFill/>
-          </a:ln>
-        </p:spPr>
-        <p:style>
-          <a:lnRef idx="2">
-            <a:schemeClr val="accent1">
-              <a:shade val="50000"/>
-            </a:schemeClr>
-          </a:lnRef>
-          <a:fillRef idx="1">
-            <a:schemeClr val="accent1"/>
-          </a:fillRef>
-          <a:effectRef idx="0">
-            <a:schemeClr val="accent1"/>
-          </a:effectRef>
-          <a:fontRef idx="minor">
-            <a:schemeClr val="lt1"/>
-          </a:fontRef>
-        </p:style>
-      </p:sp>
     </p:spTree>
     <p:extLst>
       <p:ext uri="{BB962C8B-B14F-4D97-AF65-F5344CB8AC3E}">
-        <p14:creationId xmlns:p14="http://schemas.microsoft.com/office/powerpoint/2010/main" val="2880532840"/>
+        <p14:creationId xmlns:p14="http://schemas.microsoft.com/office/powerpoint/2010/main" val="1782918285"/>
       </p:ext>
     </p:extLst>
   </p:cSld>
@@ -14333,6 +14188,14 @@
 <file path=ppt/slides/slide8.xml><?xml version="1.0" encoding="utf-8"?>
 <p:sld xmlns:a="http://schemas.openxmlformats.org/drawingml/2006/main" xmlns:r="http://schemas.openxmlformats.org/officeDocument/2006/relationships" xmlns:p="http://schemas.openxmlformats.org/presentationml/2006/main">
   <p:cSld>
+    <p:bg>
+      <p:bgPr>
+        <a:solidFill>
+          <a:schemeClr val="bg1"/>
+        </a:solidFill>
+        <a:effectLst/>
+      </p:bgPr>
+    </p:bg>
     <p:spTree>
       <p:nvGrpSpPr>
         <p:cNvPr id="1" name=""/>
@@ -14349,10 +14212,290 @@
       </p:grpSpPr>
       <p:sp>
         <p:nvSpPr>
+          <p:cNvPr id="43" name="Rectangle 42">
+            <a:extLst>
+              <a:ext uri="{FF2B5EF4-FFF2-40B4-BE49-F238E27FC236}">
+                <a16:creationId xmlns:a16="http://schemas.microsoft.com/office/drawing/2014/main" id="{BB2B8762-61F0-4F1B-9364-D633EE9D6AF5}"/>
+              </a:ext>
+              <a:ext uri="{C183D7F6-B498-43B3-948B-1728B52AA6E4}">
+                <adec:decorative xmlns:adec="http://schemas.microsoft.com/office/drawing/2017/decorative" val="1"/>
+              </a:ext>
+            </a:extLst>
+          </p:cNvPr>
+          <p:cNvSpPr>
+            <a:spLocks noGrp="1" noRot="1" noChangeAspect="1" noMove="1" noResize="1" noEditPoints="1" noAdjustHandles="1" noChangeArrowheads="1" noChangeShapeType="1" noTextEdit="1"/>
+          </p:cNvSpPr>
+          <p:nvPr>
+            <p:extLst>
+              <p:ext uri="{386F3935-93C4-4BCD-93E2-E3B085C9AB24}">
+                <p16:designElem xmlns:p16="http://schemas.microsoft.com/office/powerpoint/2015/main" val="1"/>
+              </p:ext>
+            </p:extLst>
+          </p:nvPr>
+        </p:nvSpPr>
+        <p:spPr>
+          <a:xfrm>
+            <a:off x="3175" y="6400800"/>
+            <a:ext cx="12188825" cy="457200"/>
+          </a:xfrm>
+          <a:prstGeom prst="rect">
+            <a:avLst/>
+          </a:prstGeom>
+          <a:solidFill>
+            <a:schemeClr val="accent2"/>
+          </a:solidFill>
+          <a:ln>
+            <a:noFill/>
+          </a:ln>
+        </p:spPr>
+        <p:style>
+          <a:lnRef idx="2">
+            <a:schemeClr val="accent1">
+              <a:shade val="50000"/>
+            </a:schemeClr>
+          </a:lnRef>
+          <a:fillRef idx="1">
+            <a:schemeClr val="accent1"/>
+          </a:fillRef>
+          <a:effectRef idx="0">
+            <a:schemeClr val="accent1"/>
+          </a:effectRef>
+          <a:fontRef idx="minor">
+            <a:schemeClr val="lt1"/>
+          </a:fontRef>
+        </p:style>
+      </p:sp>
+      <p:sp>
+        <p:nvSpPr>
+          <p:cNvPr id="45" name="Rectangle 44">
+            <a:extLst>
+              <a:ext uri="{FF2B5EF4-FFF2-40B4-BE49-F238E27FC236}">
+                <a16:creationId xmlns:a16="http://schemas.microsoft.com/office/drawing/2014/main" id="{E97675C8-1328-460C-9EBF-6B446B67EAD3}"/>
+              </a:ext>
+              <a:ext uri="{C183D7F6-B498-43B3-948B-1728B52AA6E4}">
+                <adec:decorative xmlns:adec="http://schemas.microsoft.com/office/drawing/2017/decorative" val="1"/>
+              </a:ext>
+            </a:extLst>
+          </p:cNvPr>
+          <p:cNvSpPr>
+            <a:spLocks noGrp="1" noRot="1" noChangeAspect="1" noMove="1" noResize="1" noEditPoints="1" noAdjustHandles="1" noChangeArrowheads="1" noChangeShapeType="1" noTextEdit="1"/>
+          </p:cNvSpPr>
+          <p:nvPr>
+            <p:extLst>
+              <p:ext uri="{386F3935-93C4-4BCD-93E2-E3B085C9AB24}">
+                <p16:designElem xmlns:p16="http://schemas.microsoft.com/office/powerpoint/2015/main" val="1"/>
+              </p:ext>
+            </p:extLst>
+          </p:nvPr>
+        </p:nvSpPr>
+        <p:spPr>
+          <a:xfrm>
+            <a:off x="15" y="6334316"/>
+            <a:ext cx="12188825" cy="64008"/>
+          </a:xfrm>
+          <a:prstGeom prst="rect">
+            <a:avLst/>
+          </a:prstGeom>
+          <a:solidFill>
+            <a:schemeClr val="accent1"/>
+          </a:solidFill>
+          <a:ln>
+            <a:noFill/>
+          </a:ln>
+        </p:spPr>
+        <p:style>
+          <a:lnRef idx="2">
+            <a:schemeClr val="accent1">
+              <a:shade val="50000"/>
+            </a:schemeClr>
+          </a:lnRef>
+          <a:fillRef idx="1">
+            <a:schemeClr val="accent1"/>
+          </a:fillRef>
+          <a:effectRef idx="0">
+            <a:schemeClr val="accent1"/>
+          </a:effectRef>
+          <a:fontRef idx="minor">
+            <a:schemeClr val="lt1"/>
+          </a:fontRef>
+        </p:style>
+      </p:sp>
+      <p:cxnSp>
+        <p:nvCxnSpPr>
+          <p:cNvPr id="47" name="Straight Connector 46">
+            <a:extLst>
+              <a:ext uri="{FF2B5EF4-FFF2-40B4-BE49-F238E27FC236}">
+                <a16:creationId xmlns:a16="http://schemas.microsoft.com/office/drawing/2014/main" id="{514EE78B-AF71-4195-A01B-F1165D9233BF}"/>
+              </a:ext>
+              <a:ext uri="{C183D7F6-B498-43B3-948B-1728B52AA6E4}">
+                <adec:decorative xmlns:adec="http://schemas.microsoft.com/office/drawing/2017/decorative" val="1"/>
+              </a:ext>
+            </a:extLst>
+          </p:cNvPr>
+          <p:cNvCxnSpPr>
+            <a:cxnSpLocks noGrp="1" noRot="1" noChangeAspect="1" noMove="1" noResize="1" noEditPoints="1" noAdjustHandles="1" noChangeArrowheads="1" noChangeShapeType="1"/>
+          </p:cNvCxnSpPr>
+          <p:nvPr>
+            <p:extLst>
+              <p:ext uri="{386F3935-93C4-4BCD-93E2-E3B085C9AB24}">
+                <p16:designElem xmlns:p16="http://schemas.microsoft.com/office/powerpoint/2015/main" val="1"/>
+              </p:ext>
+            </p:extLst>
+          </p:nvPr>
+        </p:nvCxnSpPr>
+        <p:spPr>
+          <a:xfrm>
+            <a:off x="1207658" y="4343400"/>
+            <a:ext cx="9875520" cy="0"/>
+          </a:xfrm>
+          <a:prstGeom prst="line">
+            <a:avLst/>
+          </a:prstGeom>
+          <a:ln w="6350">
+            <a:solidFill>
+              <a:schemeClr val="tx1">
+                <a:lumMod val="50000"/>
+                <a:lumOff val="50000"/>
+              </a:schemeClr>
+            </a:solidFill>
+          </a:ln>
+        </p:spPr>
+        <p:style>
+          <a:lnRef idx="1">
+            <a:schemeClr val="accent1"/>
+          </a:lnRef>
+          <a:fillRef idx="0">
+            <a:schemeClr val="accent1"/>
+          </a:fillRef>
+          <a:effectRef idx="0">
+            <a:schemeClr val="accent1"/>
+          </a:effectRef>
+          <a:fontRef idx="minor">
+            <a:schemeClr val="tx1"/>
+          </a:fontRef>
+        </p:style>
+      </p:cxnSp>
+      <p:sp useBgFill="1">
+        <p:nvSpPr>
+          <p:cNvPr id="49" name="Rectangle 48">
+            <a:extLst>
+              <a:ext uri="{FF2B5EF4-FFF2-40B4-BE49-F238E27FC236}">
+                <a16:creationId xmlns:a16="http://schemas.microsoft.com/office/drawing/2014/main" id="{2AD83CFE-1CA3-4832-A4B9-C48CD1347C03}"/>
+              </a:ext>
+              <a:ext uri="{C183D7F6-B498-43B3-948B-1728B52AA6E4}">
+                <adec:decorative xmlns:adec="http://schemas.microsoft.com/office/drawing/2017/decorative" val="1"/>
+              </a:ext>
+            </a:extLst>
+          </p:cNvPr>
+          <p:cNvSpPr>
+            <a:spLocks noGrp="1" noRot="1" noChangeAspect="1" noMove="1" noResize="1" noEditPoints="1" noAdjustHandles="1" noChangeArrowheads="1" noChangeShapeType="1" noTextEdit="1"/>
+          </p:cNvSpPr>
+          <p:nvPr>
+            <p:extLst>
+              <p:ext uri="{386F3935-93C4-4BCD-93E2-E3B085C9AB24}">
+                <p16:designElem xmlns:p16="http://schemas.microsoft.com/office/powerpoint/2015/main" val="1"/>
+              </p:ext>
+            </p:extLst>
+          </p:nvPr>
+        </p:nvSpPr>
+        <p:spPr>
+          <a:xfrm>
+            <a:off x="0" y="0"/>
+            <a:ext cx="12190459" cy="6858000"/>
+          </a:xfrm>
+          <a:prstGeom prst="rect">
+            <a:avLst/>
+          </a:prstGeom>
+          <a:ln>
+            <a:noFill/>
+          </a:ln>
+        </p:spPr>
+        <p:style>
+          <a:lnRef idx="2">
+            <a:schemeClr val="accent1">
+              <a:shade val="50000"/>
+            </a:schemeClr>
+          </a:lnRef>
+          <a:fillRef idx="1">
+            <a:schemeClr val="accent1"/>
+          </a:fillRef>
+          <a:effectRef idx="0">
+            <a:schemeClr val="accent1"/>
+          </a:effectRef>
+          <a:fontRef idx="minor">
+            <a:schemeClr val="lt1"/>
+          </a:fontRef>
+        </p:style>
+        <p:txBody>
+          <a:bodyPr rtlCol="0" anchor="ctr"/>
+          <a:lstStyle/>
+          <a:p>
+            <a:pPr algn="ctr"/>
+            <a:endParaRPr lang="en-US"/>
+          </a:p>
+        </p:txBody>
+      </p:sp>
+      <p:sp>
+        <p:nvSpPr>
+          <p:cNvPr id="51" name="Rectangle 50">
+            <a:extLst>
+              <a:ext uri="{FF2B5EF4-FFF2-40B4-BE49-F238E27FC236}">
+                <a16:creationId xmlns:a16="http://schemas.microsoft.com/office/drawing/2014/main" id="{BC98641C-7F74-435D-996F-A4387A3C3C26}"/>
+              </a:ext>
+              <a:ext uri="{C183D7F6-B498-43B3-948B-1728B52AA6E4}">
+                <adec:decorative xmlns:adec="http://schemas.microsoft.com/office/drawing/2017/decorative" val="1"/>
+              </a:ext>
+            </a:extLst>
+          </p:cNvPr>
+          <p:cNvSpPr>
+            <a:spLocks noGrp="1" noRot="1" noChangeAspect="1" noMove="1" noResize="1" noEditPoints="1" noAdjustHandles="1" noChangeArrowheads="1" noChangeShapeType="1" noTextEdit="1"/>
+          </p:cNvSpPr>
+          <p:nvPr>
+            <p:extLst>
+              <p:ext uri="{386F3935-93C4-4BCD-93E2-E3B085C9AB24}">
+                <p16:designElem xmlns:p16="http://schemas.microsoft.com/office/powerpoint/2015/main" val="1"/>
+              </p:ext>
+            </p:extLst>
+          </p:nvPr>
+        </p:nvSpPr>
+        <p:spPr bwMode="white">
+          <a:xfrm>
+            <a:off x="1507" y="4953000"/>
+            <a:ext cx="12188952" cy="1905000"/>
+          </a:xfrm>
+          <a:prstGeom prst="rect">
+            <a:avLst/>
+          </a:prstGeom>
+          <a:solidFill>
+            <a:schemeClr val="accent2"/>
+          </a:solidFill>
+          <a:ln>
+            <a:noFill/>
+          </a:ln>
+        </p:spPr>
+        <p:style>
+          <a:lnRef idx="2">
+            <a:schemeClr val="accent1">
+              <a:shade val="50000"/>
+            </a:schemeClr>
+          </a:lnRef>
+          <a:fillRef idx="1">
+            <a:schemeClr val="accent1"/>
+          </a:fillRef>
+          <a:effectRef idx="0">
+            <a:schemeClr val="accent1"/>
+          </a:effectRef>
+          <a:fontRef idx="minor">
+            <a:schemeClr val="lt1"/>
+          </a:fontRef>
+        </p:style>
+      </p:sp>
+      <p:sp>
+        <p:nvSpPr>
           <p:cNvPr id="2" name="Title 1">
             <a:extLst>
               <a:ext uri="{FF2B5EF4-FFF2-40B4-BE49-F238E27FC236}">
-                <a16:creationId xmlns:a16="http://schemas.microsoft.com/office/drawing/2014/main" id="{8F34933D-EF8D-4A6F-8A71-32701B56A902}"/>
+                <a16:creationId xmlns:a16="http://schemas.microsoft.com/office/drawing/2014/main" id="{D8FB9CDD-E557-436C-8E95-9D4BAFC4764A}"/>
               </a:ext>
             </a:extLst>
           </p:cNvPr>
@@ -14363,36 +14506,42 @@
             <p:ph type="title"/>
           </p:nvPr>
         </p:nvSpPr>
-        <p:spPr/>
+        <p:spPr>
+          <a:xfrm>
+            <a:off x="1065197" y="5120640"/>
+            <a:ext cx="10058400" cy="822960"/>
+          </a:xfrm>
+        </p:spPr>
         <p:txBody>
-          <a:bodyPr/>
+          <a:bodyPr vert="horz" lIns="91440" tIns="45720" rIns="91440" bIns="45720" rtlCol="0" anchor="b">
+            <a:normAutofit/>
+          </a:bodyPr>
           <a:lstStyle/>
           <a:p>
             <a:r>
-              <a:rPr lang="en-US">
-                <a:cs typeface="Calibri Light"/>
+              <a:rPr lang="en-US" sz="3600" dirty="0">
+                <a:solidFill>
+                  <a:srgbClr val="FFFFFF"/>
+                </a:solidFill>
               </a:rPr>
-              <a:t>Building Schema in SQL</a:t>
+              <a:t>Load operation</a:t>
             </a:r>
-            <a:endParaRPr lang="en-US"/>
           </a:p>
         </p:txBody>
       </p:sp>
       <p:pic>
         <p:nvPicPr>
-          <p:cNvPr id="4" name="Picture 4" descr="Text&#10;&#10;Description automatically generated">
+          <p:cNvPr id="3" name="Picture 4" descr="Graphical user interface, application&#10;&#10;Description automatically generated">
             <a:extLst>
               <a:ext uri="{FF2B5EF4-FFF2-40B4-BE49-F238E27FC236}">
-                <a16:creationId xmlns:a16="http://schemas.microsoft.com/office/drawing/2014/main" id="{48033D8A-0700-4598-BE66-07B4957963AE}"/>
+                <a16:creationId xmlns:a16="http://schemas.microsoft.com/office/drawing/2014/main" id="{6B20745A-822F-48EE-AB8B-997D68D753D3}"/>
               </a:ext>
             </a:extLst>
           </p:cNvPr>
           <p:cNvPicPr>
-            <a:picLocks noGrp="1" noChangeAspect="1"/>
+            <a:picLocks noChangeAspect="1"/>
           </p:cNvPicPr>
-          <p:nvPr>
-            <p:ph sz="quarter" idx="13"/>
-          </p:nvPr>
+          <p:nvPr/>
         </p:nvPicPr>
         <p:blipFill>
           <a:blip r:embed="rId2"/>
@@ -14402,15 +14551,165 @@
         </p:blipFill>
         <p:spPr>
           <a:xfrm>
-            <a:off x="685800" y="2421464"/>
-            <a:ext cx="10394707" cy="2595052"/>
-          </a:xfrm>
+            <a:off x="6245354" y="1843349"/>
+            <a:ext cx="5867376" cy="1393264"/>
+          </a:xfrm>
+          <a:prstGeom prst="rect">
+            <a:avLst/>
+          </a:prstGeom>
         </p:spPr>
       </p:pic>
+      <p:sp>
+        <p:nvSpPr>
+          <p:cNvPr id="53" name="Rectangle 52">
+            <a:extLst>
+              <a:ext uri="{FF2B5EF4-FFF2-40B4-BE49-F238E27FC236}">
+                <a16:creationId xmlns:a16="http://schemas.microsoft.com/office/drawing/2014/main" id="{F530C0F6-C8DF-4539-B30C-8105DB618C20}"/>
+              </a:ext>
+              <a:ext uri="{C183D7F6-B498-43B3-948B-1728B52AA6E4}">
+                <adec:decorative xmlns:adec="http://schemas.microsoft.com/office/drawing/2017/decorative" val="1"/>
+              </a:ext>
+            </a:extLst>
+          </p:cNvPr>
+          <p:cNvSpPr>
+            <a:spLocks noGrp="1" noRot="1" noChangeAspect="1" noMove="1" noResize="1" noEditPoints="1" noAdjustHandles="1" noChangeArrowheads="1" noChangeShapeType="1" noTextEdit="1"/>
+          </p:cNvSpPr>
+          <p:nvPr>
+            <p:extLst>
+              <p:ext uri="{386F3935-93C4-4BCD-93E2-E3B085C9AB24}">
+                <p16:designElem xmlns:p16="http://schemas.microsoft.com/office/powerpoint/2015/main" val="1"/>
+              </p:ext>
+            </p:extLst>
+          </p:nvPr>
+        </p:nvSpPr>
+        <p:spPr>
+          <a:xfrm>
+            <a:off x="6063996" y="886968"/>
+            <a:ext cx="64008" cy="3108960"/>
+          </a:xfrm>
+          <a:prstGeom prst="rect">
+            <a:avLst/>
+          </a:prstGeom>
+          <a:ln>
+            <a:noFill/>
+          </a:ln>
+        </p:spPr>
+        <p:style>
+          <a:lnRef idx="2">
+            <a:schemeClr val="accent1">
+              <a:shade val="50000"/>
+            </a:schemeClr>
+          </a:lnRef>
+          <a:fillRef idx="1">
+            <a:schemeClr val="accent1"/>
+          </a:fillRef>
+          <a:effectRef idx="0">
+            <a:schemeClr val="accent1"/>
+          </a:effectRef>
+          <a:fontRef idx="minor">
+            <a:schemeClr val="lt1"/>
+          </a:fontRef>
+        </p:style>
+        <p:txBody>
+          <a:bodyPr rtlCol="0" anchor="ctr"/>
+          <a:lstStyle/>
+          <a:p>
+            <a:pPr algn="ctr"/>
+            <a:endParaRPr lang="en-US"/>
+          </a:p>
+        </p:txBody>
+      </p:sp>
+      <p:pic>
+        <p:nvPicPr>
+          <p:cNvPr id="4" name="Picture 4" descr="Graphical user interface, text, application, website&#10;&#10;Description automatically generated">
+            <a:extLst>
+              <a:ext uri="{FF2B5EF4-FFF2-40B4-BE49-F238E27FC236}">
+                <a16:creationId xmlns:a16="http://schemas.microsoft.com/office/drawing/2014/main" id="{48EA76F8-515A-4CD3-BF3B-1ACE989BC3C8}"/>
+              </a:ext>
+            </a:extLst>
+          </p:cNvPr>
+          <p:cNvPicPr>
+            <a:picLocks noGrp="1" noChangeAspect="1"/>
+          </p:cNvPicPr>
+          <p:nvPr>
+            <p:ph sz="quarter" idx="13"/>
+          </p:nvPr>
+        </p:nvPicPr>
+        <p:blipFill>
+          <a:blip r:embed="rId3"/>
+          <a:stretch>
+            <a:fillRect/>
+          </a:stretch>
+        </p:blipFill>
+        <p:spPr>
+          <a:xfrm>
+            <a:off x="486546" y="1456198"/>
+            <a:ext cx="5118182" cy="1970500"/>
+          </a:xfrm>
+          <a:prstGeom prst="rect">
+            <a:avLst/>
+          </a:prstGeom>
+        </p:spPr>
+      </p:pic>
+      <p:sp>
+        <p:nvSpPr>
+          <p:cNvPr id="55" name="Rectangle 54">
+            <a:extLst>
+              <a:ext uri="{FF2B5EF4-FFF2-40B4-BE49-F238E27FC236}">
+                <a16:creationId xmlns:a16="http://schemas.microsoft.com/office/drawing/2014/main" id="{BAE51241-AA8B-4B82-9C59-6738DB85674C}"/>
+              </a:ext>
+              <a:ext uri="{C183D7F6-B498-43B3-948B-1728B52AA6E4}">
+                <adec:decorative xmlns:adec="http://schemas.microsoft.com/office/drawing/2017/decorative" val="1"/>
+              </a:ext>
+            </a:extLst>
+          </p:cNvPr>
+          <p:cNvSpPr>
+            <a:spLocks noGrp="1" noRot="1" noChangeAspect="1" noMove="1" noResize="1" noEditPoints="1" noAdjustHandles="1" noChangeArrowheads="1" noChangeShapeType="1" noTextEdit="1"/>
+          </p:cNvSpPr>
+          <p:nvPr>
+            <p:extLst>
+              <p:ext uri="{386F3935-93C4-4BCD-93E2-E3B085C9AB24}">
+                <p16:designElem xmlns:p16="http://schemas.microsoft.com/office/powerpoint/2015/main" val="1"/>
+              </p:ext>
+            </p:extLst>
+          </p:nvPr>
+        </p:nvSpPr>
+        <p:spPr>
+          <a:xfrm>
+            <a:off x="1507" y="4906176"/>
+            <a:ext cx="12188952" cy="64008"/>
+          </a:xfrm>
+          <a:prstGeom prst="rect">
+            <a:avLst/>
+          </a:prstGeom>
+          <a:solidFill>
+            <a:schemeClr val="accent1"/>
+          </a:solidFill>
+          <a:ln>
+            <a:noFill/>
+          </a:ln>
+        </p:spPr>
+        <p:style>
+          <a:lnRef idx="2">
+            <a:schemeClr val="accent1">
+              <a:shade val="50000"/>
+            </a:schemeClr>
+          </a:lnRef>
+          <a:fillRef idx="1">
+            <a:schemeClr val="accent1"/>
+          </a:fillRef>
+          <a:effectRef idx="0">
+            <a:schemeClr val="accent1"/>
+          </a:effectRef>
+          <a:fontRef idx="minor">
+            <a:schemeClr val="lt1"/>
+          </a:fontRef>
+        </p:style>
+      </p:sp>
     </p:spTree>
     <p:extLst>
       <p:ext uri="{BB962C8B-B14F-4D97-AF65-F5344CB8AC3E}">
-        <p14:creationId xmlns:p14="http://schemas.microsoft.com/office/powerpoint/2010/main" val="1782918285"/>
+        <p14:creationId xmlns:p14="http://schemas.microsoft.com/office/powerpoint/2010/main" val="2334027232"/>
       </p:ext>
     </p:extLst>
   </p:cSld>
@@ -14447,7 +14746,7 @@
       </p:grpSpPr>
       <p:sp>
         <p:nvSpPr>
-          <p:cNvPr id="32" name="Rectangle 8">
+          <p:cNvPr id="26" name="Rectangle 25">
             <a:extLst>
               <a:ext uri="{FF2B5EF4-FFF2-40B4-BE49-F238E27FC236}">
                 <a16:creationId xmlns:a16="http://schemas.microsoft.com/office/drawing/2014/main" id="{4E4490D0-3672-446A-AC12-B4830333BDDD}"/>
@@ -14502,7 +14801,7 @@
       </p:sp>
       <p:sp>
         <p:nvSpPr>
-          <p:cNvPr id="33" name="Rectangle 10">
+          <p:cNvPr id="28" name="Rectangle 27">
             <a:extLst>
               <a:ext uri="{FF2B5EF4-FFF2-40B4-BE49-F238E27FC236}">
                 <a16:creationId xmlns:a16="http://schemas.microsoft.com/office/drawing/2014/main" id="{39CB82C2-DF65-4EC1-8280-F201D50F570B}"/>
@@ -14557,7 +14856,7 @@
       </p:sp>
       <p:cxnSp>
         <p:nvCxnSpPr>
-          <p:cNvPr id="34" name="Straight Connector 12">
+          <p:cNvPr id="30" name="Straight Connector 29">
             <a:extLst>
               <a:ext uri="{FF2B5EF4-FFF2-40B4-BE49-F238E27FC236}">
                 <a16:creationId xmlns:a16="http://schemas.microsoft.com/office/drawing/2014/main" id="{7E1D4427-852B-4B37-8E76-0E9F1810BA2A}"/>
@@ -14612,7 +14911,7 @@
       </p:cxnSp>
       <p:sp useBgFill="1">
         <p:nvSpPr>
-          <p:cNvPr id="35" name="Rectangle 14">
+          <p:cNvPr id="32" name="Rectangle 31">
             <a:extLst>
               <a:ext uri="{FF2B5EF4-FFF2-40B4-BE49-F238E27FC236}">
                 <a16:creationId xmlns:a16="http://schemas.microsoft.com/office/drawing/2014/main" id="{C4AAA502-5435-489E-9538-3A40E6C71461}"/>
@@ -14675,7 +14974,7 @@
           <p:cNvPr id="2" name="Title 1">
             <a:extLst>
               <a:ext uri="{FF2B5EF4-FFF2-40B4-BE49-F238E27FC236}">
-                <a16:creationId xmlns:a16="http://schemas.microsoft.com/office/drawing/2014/main" id="{D8FB9CDD-E557-436C-8E95-9D4BAFC4764A}"/>
+                <a16:creationId xmlns:a16="http://schemas.microsoft.com/office/drawing/2014/main" id="{679187FD-19D2-4D35-837F-FCD9DC22B324}"/>
               </a:ext>
             </a:extLst>
           </p:cNvPr>
@@ -14699,25 +14998,26 @@
           <a:lstStyle/>
           <a:p>
             <a:r>
-              <a:rPr lang="en-US" sz="5100">
+              <a:rPr lang="en-US" sz="6000" dirty="0">
                 <a:solidFill>
                   <a:schemeClr val="tx1">
                     <a:lumMod val="85000"/>
                     <a:lumOff val="15000"/>
                   </a:schemeClr>
                 </a:solidFill>
+                <a:cs typeface="Calibri Light"/>
               </a:rPr>
-              <a:t>Creating connection for Load operation</a:t>
+              <a:t>Executing SQL script</a:t>
             </a:r>
           </a:p>
         </p:txBody>
       </p:sp>
       <p:pic>
         <p:nvPicPr>
-          <p:cNvPr id="4" name="Picture 4" descr="Graphical user interface, text, application, website&#10;&#10;Description automatically generated">
+          <p:cNvPr id="6" name="Picture 6" descr="Graphical user interface, text&#10;&#10;Description automatically generated">
             <a:extLst>
               <a:ext uri="{FF2B5EF4-FFF2-40B4-BE49-F238E27FC236}">
-                <a16:creationId xmlns:a16="http://schemas.microsoft.com/office/drawing/2014/main" id="{48EA76F8-515A-4CD3-BF3B-1ACE989BC3C8}"/>
+                <a16:creationId xmlns:a16="http://schemas.microsoft.com/office/drawing/2014/main" id="{7058740B-7D45-456D-8D59-5AEAECBEE35E}"/>
               </a:ext>
             </a:extLst>
           </p:cNvPr>
@@ -14746,7 +15046,7 @@
       </p:pic>
       <p:cxnSp>
         <p:nvCxnSpPr>
-          <p:cNvPr id="36" name="Straight Connector 16">
+          <p:cNvPr id="34" name="Straight Connector 33">
             <a:extLst>
               <a:ext uri="{FF2B5EF4-FFF2-40B4-BE49-F238E27FC236}">
                 <a16:creationId xmlns:a16="http://schemas.microsoft.com/office/drawing/2014/main" id="{C9AC0290-4702-4519-B0F4-C2A46880997B}"/>
@@ -14800,7 +15100,7 @@
       </p:cxnSp>
       <p:sp>
         <p:nvSpPr>
-          <p:cNvPr id="37" name="Rectangle 18">
+          <p:cNvPr id="36" name="Rectangle 35">
             <a:extLst>
               <a:ext uri="{FF2B5EF4-FFF2-40B4-BE49-F238E27FC236}">
                 <a16:creationId xmlns:a16="http://schemas.microsoft.com/office/drawing/2014/main" id="{DE42378B-2E28-4810-8421-7A473A40E376}"/>
@@ -14855,7 +15155,7 @@
       </p:sp>
       <p:sp>
         <p:nvSpPr>
-          <p:cNvPr id="38" name="Rectangle 20">
+          <p:cNvPr id="38" name="Rectangle 37">
             <a:extLst>
               <a:ext uri="{FF2B5EF4-FFF2-40B4-BE49-F238E27FC236}">
                 <a16:creationId xmlns:a16="http://schemas.microsoft.com/office/drawing/2014/main" id="{0D91DD17-237F-4811-BC0E-128EB1BD7CFE}"/>
@@ -14911,7 +15211,7 @@
     </p:spTree>
     <p:extLst>
       <p:ext uri="{BB962C8B-B14F-4D97-AF65-F5344CB8AC3E}">
-        <p14:creationId xmlns:p14="http://schemas.microsoft.com/office/powerpoint/2010/main" val="2334027232"/>
+        <p14:creationId xmlns:p14="http://schemas.microsoft.com/office/powerpoint/2010/main" val="3248304426"/>
       </p:ext>
     </p:extLst>
   </p:cSld>
@@ -15202,4 +15502,299 @@
     </a:ext>
   </a:extLst>
 </a:theme>
+</file>
+
+<file path=ppt/theme/theme2.xml><?xml version="1.0" encoding="utf-8"?>
+<a:theme xmlns:a="http://schemas.openxmlformats.org/drawingml/2006/main" name="Office Theme">
+  <a:themeElements>
+    <a:clrScheme name="Office">
+      <a:dk1>
+        <a:sysClr val="windowText" lastClr="000000"/>
+      </a:dk1>
+      <a:lt1>
+        <a:sysClr val="window" lastClr="FFFFFF"/>
+      </a:lt1>
+      <a:dk2>
+        <a:srgbClr val="44546A"/>
+      </a:dk2>
+      <a:lt2>
+        <a:srgbClr val="E7E6E6"/>
+      </a:lt2>
+      <a:accent1>
+        <a:srgbClr val="4472C4"/>
+      </a:accent1>
+      <a:accent2>
+        <a:srgbClr val="ED7D31"/>
+      </a:accent2>
+      <a:accent3>
+        <a:srgbClr val="A5A5A5"/>
+      </a:accent3>
+      <a:accent4>
+        <a:srgbClr val="FFC000"/>
+      </a:accent4>
+      <a:accent5>
+        <a:srgbClr val="5B9BD5"/>
+      </a:accent5>
+      <a:accent6>
+        <a:srgbClr val="70AD47"/>
+      </a:accent6>
+      <a:hlink>
+        <a:srgbClr val="0563C1"/>
+      </a:hlink>
+      <a:folHlink>
+        <a:srgbClr val="954F72"/>
+      </a:folHlink>
+    </a:clrScheme>
+    <a:fontScheme name="Office">
+      <a:majorFont>
+        <a:latin typeface="Calibri Light" panose="020F0302020204030204"/>
+        <a:ea typeface=""/>
+        <a:cs typeface=""/>
+        <a:font script="Jpan" typeface="游ゴシック Light"/>
+        <a:font script="Hang" typeface="맑은 고딕"/>
+        <a:font script="Hans" typeface="等线 Light"/>
+        <a:font script="Hant" typeface="新細明體"/>
+        <a:font script="Arab" typeface="Times New Roman"/>
+        <a:font script="Hebr" typeface="Times New Roman"/>
+        <a:font script="Thai" typeface="Angsana New"/>
+        <a:font script="Ethi" typeface="Nyala"/>
+        <a:font script="Beng" typeface="Vrinda"/>
+        <a:font script="Gujr" typeface="Shruti"/>
+        <a:font script="Khmr" typeface="MoolBoran"/>
+        <a:font script="Knda" typeface="Tunga"/>
+        <a:font script="Guru" typeface="Raavi"/>
+        <a:font script="Cans" typeface="Euphemia"/>
+        <a:font script="Cher" typeface="Plantagenet Cherokee"/>
+        <a:font script="Yiii" typeface="Microsoft Yi Baiti"/>
+        <a:font script="Tibt" typeface="Microsoft Himalaya"/>
+        <a:font script="Thaa" typeface="MV Boli"/>
+        <a:font script="Deva" typeface="Mangal"/>
+        <a:font script="Telu" typeface="Gautami"/>
+        <a:font script="Taml" typeface="Latha"/>
+        <a:font script="Syrc" typeface="Estrangelo Edessa"/>
+        <a:font script="Orya" typeface="Kalinga"/>
+        <a:font script="Mlym" typeface="Kartika"/>
+        <a:font script="Laoo" typeface="DokChampa"/>
+        <a:font script="Sinh" typeface="Iskoola Pota"/>
+        <a:font script="Mong" typeface="Mongolian Baiti"/>
+        <a:font script="Viet" typeface="Times New Roman"/>
+        <a:font script="Uigh" typeface="Microsoft Uighur"/>
+        <a:font script="Geor" typeface="Sylfaen"/>
+        <a:font script="Armn" typeface="Arial"/>
+        <a:font script="Bugi" typeface="Leelawadee UI"/>
+        <a:font script="Bopo" typeface="Microsoft JhengHei"/>
+        <a:font script="Java" typeface="Javanese Text"/>
+        <a:font script="Lisu" typeface="Segoe UI"/>
+        <a:font script="Mymr" typeface="Myanmar Text"/>
+        <a:font script="Nkoo" typeface="Ebrima"/>
+        <a:font script="Olck" typeface="Nirmala UI"/>
+        <a:font script="Osma" typeface="Ebrima"/>
+        <a:font script="Phag" typeface="Phagspa"/>
+        <a:font script="Syrn" typeface="Estrangelo Edessa"/>
+        <a:font script="Syrj" typeface="Estrangelo Edessa"/>
+        <a:font script="Syre" typeface="Estrangelo Edessa"/>
+        <a:font script="Sora" typeface="Nirmala UI"/>
+        <a:font script="Tale" typeface="Microsoft Tai Le"/>
+        <a:font script="Talu" typeface="Microsoft New Tai Lue"/>
+        <a:font script="Tfng" typeface="Ebrima"/>
+      </a:majorFont>
+      <a:minorFont>
+        <a:latin typeface="Calibri" panose="020F0502020204030204"/>
+        <a:ea typeface=""/>
+        <a:cs typeface=""/>
+        <a:font script="Jpan" typeface="游ゴシック"/>
+        <a:font script="Hang" typeface="맑은 고딕"/>
+        <a:font script="Hans" typeface="等线"/>
+        <a:font script="Hant" typeface="新細明體"/>
+        <a:font script="Arab" typeface="Arial"/>
+        <a:font script="Hebr" typeface="Arial"/>
+        <a:font script="Thai" typeface="Cordia New"/>
+        <a:font script="Ethi" typeface="Nyala"/>
+        <a:font script="Beng" typeface="Vrinda"/>
+        <a:font script="Gujr" typeface="Shruti"/>
+        <a:font script="Khmr" typeface="DaunPenh"/>
+        <a:font script="Knda" typeface="Tunga"/>
+        <a:font script="Guru" typeface="Raavi"/>
+        <a:font script="Cans" typeface="Euphemia"/>
+        <a:font script="Cher" typeface="Plantagenet Cherokee"/>
+        <a:font script="Yiii" typeface="Microsoft Yi Baiti"/>
+        <a:font script="Tibt" typeface="Microsoft Himalaya"/>
+        <a:font script="Thaa" typeface="MV Boli"/>
+        <a:font script="Deva" typeface="Mangal"/>
+        <a:font script="Telu" typeface="Gautami"/>
+        <a:font script="Taml" typeface="Latha"/>
+        <a:font script="Syrc" typeface="Estrangelo Edessa"/>
+        <a:font script="Orya" typeface="Kalinga"/>
+        <a:font script="Mlym" typeface="Kartika"/>
+        <a:font script="Laoo" typeface="DokChampa"/>
+        <a:font script="Sinh" typeface="Iskoola Pota"/>
+        <a:font script="Mong" typeface="Mongolian Baiti"/>
+        <a:font script="Viet" typeface="Arial"/>
+        <a:font script="Uigh" typeface="Microsoft Uighur"/>
+        <a:font script="Geor" typeface="Sylfaen"/>
+        <a:font script="Armn" typeface="Arial"/>
+        <a:font script="Bugi" typeface="Leelawadee UI"/>
+        <a:font script="Bopo" typeface="Microsoft JhengHei"/>
+        <a:font script="Java" typeface="Javanese Text"/>
+        <a:font script="Lisu" typeface="Segoe UI"/>
+        <a:font script="Mymr" typeface="Myanmar Text"/>
+        <a:font script="Nkoo" typeface="Ebrima"/>
+        <a:font script="Olck" typeface="Nirmala UI"/>
+        <a:font script="Osma" typeface="Ebrima"/>
+        <a:font script="Phag" typeface="Phagspa"/>
+        <a:font script="Syrn" typeface="Estrangelo Edessa"/>
+        <a:font script="Syrj" typeface="Estrangelo Edessa"/>
+        <a:font script="Syre" typeface="Estrangelo Edessa"/>
+        <a:font script="Sora" typeface="Nirmala UI"/>
+        <a:font script="Tale" typeface="Microsoft Tai Le"/>
+        <a:font script="Talu" typeface="Microsoft New Tai Lue"/>
+        <a:font script="Tfng" typeface="Ebrima"/>
+      </a:minorFont>
+    </a:fontScheme>
+    <a:fmtScheme name="Office">
+      <a:fillStyleLst>
+        <a:solidFill>
+          <a:schemeClr val="phClr"/>
+        </a:solidFill>
+        <a:gradFill rotWithShape="1">
+          <a:gsLst>
+            <a:gs pos="0">
+              <a:schemeClr val="phClr">
+                <a:lumMod val="110000"/>
+                <a:satMod val="105000"/>
+                <a:tint val="67000"/>
+              </a:schemeClr>
+            </a:gs>
+            <a:gs pos="50000">
+              <a:schemeClr val="phClr">
+                <a:lumMod val="105000"/>
+                <a:satMod val="103000"/>
+                <a:tint val="73000"/>
+              </a:schemeClr>
+            </a:gs>
+            <a:gs pos="100000">
+              <a:schemeClr val="phClr">
+                <a:lumMod val="105000"/>
+                <a:satMod val="109000"/>
+                <a:tint val="81000"/>
+              </a:schemeClr>
+            </a:gs>
+          </a:gsLst>
+          <a:lin ang="5400000" scaled="0"/>
+        </a:gradFill>
+        <a:gradFill rotWithShape="1">
+          <a:gsLst>
+            <a:gs pos="0">
+              <a:schemeClr val="phClr">
+                <a:satMod val="103000"/>
+                <a:lumMod val="102000"/>
+                <a:tint val="94000"/>
+              </a:schemeClr>
+            </a:gs>
+            <a:gs pos="50000">
+              <a:schemeClr val="phClr">
+                <a:satMod val="110000"/>
+                <a:lumMod val="100000"/>
+                <a:shade val="100000"/>
+              </a:schemeClr>
+            </a:gs>
+            <a:gs pos="100000">
+              <a:schemeClr val="phClr">
+                <a:lumMod val="99000"/>
+                <a:satMod val="120000"/>
+                <a:shade val="78000"/>
+              </a:schemeClr>
+            </a:gs>
+          </a:gsLst>
+          <a:lin ang="5400000" scaled="0"/>
+        </a:gradFill>
+      </a:fillStyleLst>
+      <a:lnStyleLst>
+        <a:ln w="6350" cap="flat" cmpd="sng" algn="ctr">
+          <a:solidFill>
+            <a:schemeClr val="phClr"/>
+          </a:solidFill>
+          <a:prstDash val="solid"/>
+          <a:miter lim="800000"/>
+        </a:ln>
+        <a:ln w="12700" cap="flat" cmpd="sng" algn="ctr">
+          <a:solidFill>
+            <a:schemeClr val="phClr"/>
+          </a:solidFill>
+          <a:prstDash val="solid"/>
+          <a:miter lim="800000"/>
+        </a:ln>
+        <a:ln w="19050" cap="flat" cmpd="sng" algn="ctr">
+          <a:solidFill>
+            <a:schemeClr val="phClr"/>
+          </a:solidFill>
+          <a:prstDash val="solid"/>
+          <a:miter lim="800000"/>
+        </a:ln>
+      </a:lnStyleLst>
+      <a:effectStyleLst>
+        <a:effectStyle>
+          <a:effectLst/>
+        </a:effectStyle>
+        <a:effectStyle>
+          <a:effectLst/>
+        </a:effectStyle>
+        <a:effectStyle>
+          <a:effectLst>
+            <a:outerShdw blurRad="57150" dist="19050" dir="5400000" algn="ctr" rotWithShape="0">
+              <a:srgbClr val="000000">
+                <a:alpha val="63000"/>
+              </a:srgbClr>
+            </a:outerShdw>
+          </a:effectLst>
+        </a:effectStyle>
+      </a:effectStyleLst>
+      <a:bgFillStyleLst>
+        <a:solidFill>
+          <a:schemeClr val="phClr"/>
+        </a:solidFill>
+        <a:solidFill>
+          <a:schemeClr val="phClr">
+            <a:tint val="95000"/>
+            <a:satMod val="170000"/>
+          </a:schemeClr>
+        </a:solidFill>
+        <a:gradFill rotWithShape="1">
+          <a:gsLst>
+            <a:gs pos="0">
+              <a:schemeClr val="phClr">
+                <a:tint val="93000"/>
+                <a:satMod val="150000"/>
+                <a:shade val="98000"/>
+                <a:lumMod val="102000"/>
+              </a:schemeClr>
+            </a:gs>
+            <a:gs pos="50000">
+              <a:schemeClr val="phClr">
+                <a:tint val="98000"/>
+                <a:satMod val="130000"/>
+                <a:shade val="90000"/>
+                <a:lumMod val="103000"/>
+              </a:schemeClr>
+            </a:gs>
+            <a:gs pos="100000">
+              <a:schemeClr val="phClr">
+                <a:shade val="63000"/>
+                <a:satMod val="120000"/>
+              </a:schemeClr>
+            </a:gs>
+          </a:gsLst>
+          <a:lin ang="5400000" scaled="0"/>
+        </a:gradFill>
+      </a:bgFillStyleLst>
+    </a:fmtScheme>
+  </a:themeElements>
+  <a:objectDefaults/>
+  <a:extraClrSchemeLst/>
+  <a:extLst>
+    <a:ext uri="{05A4C25C-085E-4340-85A3-A5531E510DB2}">
+      <thm15:themeFamily xmlns:thm15="http://schemas.microsoft.com/office/thememl/2012/main" name="Office Theme" id="{62F939B6-93AF-4DB8-9C6B-D6C7DFDC589F}" vid="{4A3C46E8-61CC-4603-A589-7422A47A8E4A}"/>
+    </a:ext>
+  </a:extLst>
+</a:theme>
 </file>